--- a/Tecnologías Usadas Dual.pptx
+++ b/Tecnologías Usadas Dual.pptx
@@ -2,7 +2,7 @@
 <file path=ppt/presentation.xml><?xml version="1.0" encoding="utf-8"?>
 <p:presentation xmlns:a="http://schemas.openxmlformats.org/drawingml/2006/main" xmlns:r="http://schemas.openxmlformats.org/officeDocument/2006/relationships" xmlns:mc="http://schemas.openxmlformats.org/markup-compatibility/2006" xmlns:mv="urn:schemas-microsoft-com:mac:vml" xmlns:p="http://schemas.openxmlformats.org/presentationml/2006/main" xmlns:c="http://schemas.openxmlformats.org/drawingml/2006/chart" xmlns:dgm="http://schemas.openxmlformats.org/drawingml/2006/diagram" xmlns:o="urn:schemas-microsoft-com:office:office" xmlns:v="urn:schemas-microsoft-com:vml" xmlns:pvml="urn:schemas-microsoft-com:office:powerpoint" xmlns:com="http://schemas.openxmlformats.org/drawingml/2006/compatibility" xmlns:p14="http://schemas.microsoft.com/office/powerpoint/2010/main" xmlns:p15="http://schemas.microsoft.com/office/powerpoint/2012/main" xmlns:ahyp="http://schemas.microsoft.com/office/drawing/2018/hyperlinkcolor" autoCompressPictures="0" strictFirstAndLastChars="0" saveSubsetFonts="1">
   <p:sldMasterIdLst>
-    <p:sldMasterId id="2147483659" r:id="rId4"/>
+    <p:sldMasterId id="2147483648" r:id="rId4"/>
   </p:sldMasterIdLst>
   <p:notesMasterIdLst>
     <p:notesMasterId r:id="rId5"/>
@@ -18,6 +18,8 @@
     <p:sldId id="263" r:id="rId13"/>
     <p:sldId id="264" r:id="rId14"/>
     <p:sldId id="265" r:id="rId15"/>
+    <p:sldId id="266" r:id="rId16"/>
+    <p:sldId id="267" r:id="rId17"/>
   </p:sldIdLst>
   <p:sldSz cy="5143500" cx="9144000"/>
   <p:notesSz cx="6858000" cy="9144000"/>
@@ -265,6 +267,9 @@
         </p15:guide>
       </p15:sldGuideLst>
     </p:ext>
+    <p:ext uri="http://customooxmlschemas.google.com/">
+      <go:slidesCustomData xmlns:go="http://customooxmlschemas.google.com/" r:id="rId18" roundtripDataSignature="AMtx7mjqmtsNEZJFU/Y2t9L3r4KPTrPhVw=="/>
+    </p:ext>
   </p:extLst>
 </p:presentation>
 </file>
@@ -357,104 +362,239 @@
             <a:noAutofit/>
           </a:bodyPr>
           <a:lstStyle>
-            <a:lvl1pPr indent="-298450" lvl="0" marL="457200">
-              <a:spcBef>
-                <a:spcPts val="0"/>
-              </a:spcBef>
-              <a:spcAft>
-                <a:spcPts val="0"/>
-              </a:spcAft>
+            <a:lvl1pPr indent="-298450" lvl="0" marL="457200" marR="0" rtl="0" algn="l">
+              <a:lnSpc>
+                <a:spcPct val="100000"/>
+              </a:lnSpc>
+              <a:spcBef>
+                <a:spcPts val="0"/>
+              </a:spcBef>
+              <a:spcAft>
+                <a:spcPts val="0"/>
+              </a:spcAft>
+              <a:buClr>
+                <a:srgbClr val="000000"/>
+              </a:buClr>
               <a:buSzPts val="1100"/>
+              <a:buFont typeface="Arial"/>
               <a:buChar char="●"/>
-              <a:defRPr sz="1100"/>
+              <a:defRPr b="0" i="0" sz="1100" u="none" cap="none" strike="noStrike">
+                <a:solidFill>
+                  <a:srgbClr val="000000"/>
+                </a:solidFill>
+                <a:latin typeface="Arial"/>
+                <a:ea typeface="Arial"/>
+                <a:cs typeface="Arial"/>
+                <a:sym typeface="Arial"/>
+              </a:defRPr>
             </a:lvl1pPr>
-            <a:lvl2pPr indent="-298450" lvl="1" marL="914400">
-              <a:spcBef>
-                <a:spcPts val="0"/>
-              </a:spcBef>
-              <a:spcAft>
-                <a:spcPts val="0"/>
-              </a:spcAft>
+            <a:lvl2pPr indent="-298450" lvl="1" marL="914400" marR="0" rtl="0" algn="l">
+              <a:lnSpc>
+                <a:spcPct val="100000"/>
+              </a:lnSpc>
+              <a:spcBef>
+                <a:spcPts val="0"/>
+              </a:spcBef>
+              <a:spcAft>
+                <a:spcPts val="0"/>
+              </a:spcAft>
+              <a:buClr>
+                <a:srgbClr val="000000"/>
+              </a:buClr>
               <a:buSzPts val="1100"/>
+              <a:buFont typeface="Arial"/>
               <a:buChar char="○"/>
-              <a:defRPr sz="1100"/>
+              <a:defRPr b="0" i="0" sz="1100" u="none" cap="none" strike="noStrike">
+                <a:solidFill>
+                  <a:srgbClr val="000000"/>
+                </a:solidFill>
+                <a:latin typeface="Arial"/>
+                <a:ea typeface="Arial"/>
+                <a:cs typeface="Arial"/>
+                <a:sym typeface="Arial"/>
+              </a:defRPr>
             </a:lvl2pPr>
-            <a:lvl3pPr indent="-298450" lvl="2" marL="1371600">
-              <a:spcBef>
-                <a:spcPts val="0"/>
-              </a:spcBef>
-              <a:spcAft>
-                <a:spcPts val="0"/>
-              </a:spcAft>
+            <a:lvl3pPr indent="-298450" lvl="2" marL="1371600" marR="0" rtl="0" algn="l">
+              <a:lnSpc>
+                <a:spcPct val="100000"/>
+              </a:lnSpc>
+              <a:spcBef>
+                <a:spcPts val="0"/>
+              </a:spcBef>
+              <a:spcAft>
+                <a:spcPts val="0"/>
+              </a:spcAft>
+              <a:buClr>
+                <a:srgbClr val="000000"/>
+              </a:buClr>
               <a:buSzPts val="1100"/>
+              <a:buFont typeface="Arial"/>
               <a:buChar char="■"/>
-              <a:defRPr sz="1100"/>
+              <a:defRPr b="0" i="0" sz="1100" u="none" cap="none" strike="noStrike">
+                <a:solidFill>
+                  <a:srgbClr val="000000"/>
+                </a:solidFill>
+                <a:latin typeface="Arial"/>
+                <a:ea typeface="Arial"/>
+                <a:cs typeface="Arial"/>
+                <a:sym typeface="Arial"/>
+              </a:defRPr>
             </a:lvl3pPr>
-            <a:lvl4pPr indent="-298450" lvl="3" marL="1828800">
-              <a:spcBef>
-                <a:spcPts val="0"/>
-              </a:spcBef>
-              <a:spcAft>
-                <a:spcPts val="0"/>
-              </a:spcAft>
+            <a:lvl4pPr indent="-298450" lvl="3" marL="1828800" marR="0" rtl="0" algn="l">
+              <a:lnSpc>
+                <a:spcPct val="100000"/>
+              </a:lnSpc>
+              <a:spcBef>
+                <a:spcPts val="0"/>
+              </a:spcBef>
+              <a:spcAft>
+                <a:spcPts val="0"/>
+              </a:spcAft>
+              <a:buClr>
+                <a:srgbClr val="000000"/>
+              </a:buClr>
               <a:buSzPts val="1100"/>
+              <a:buFont typeface="Arial"/>
               <a:buChar char="●"/>
-              <a:defRPr sz="1100"/>
+              <a:defRPr b="0" i="0" sz="1100" u="none" cap="none" strike="noStrike">
+                <a:solidFill>
+                  <a:srgbClr val="000000"/>
+                </a:solidFill>
+                <a:latin typeface="Arial"/>
+                <a:ea typeface="Arial"/>
+                <a:cs typeface="Arial"/>
+                <a:sym typeface="Arial"/>
+              </a:defRPr>
             </a:lvl4pPr>
-            <a:lvl5pPr indent="-298450" lvl="4" marL="2286000">
-              <a:spcBef>
-                <a:spcPts val="0"/>
-              </a:spcBef>
-              <a:spcAft>
-                <a:spcPts val="0"/>
-              </a:spcAft>
+            <a:lvl5pPr indent="-298450" lvl="4" marL="2286000" marR="0" rtl="0" algn="l">
+              <a:lnSpc>
+                <a:spcPct val="100000"/>
+              </a:lnSpc>
+              <a:spcBef>
+                <a:spcPts val="0"/>
+              </a:spcBef>
+              <a:spcAft>
+                <a:spcPts val="0"/>
+              </a:spcAft>
+              <a:buClr>
+                <a:srgbClr val="000000"/>
+              </a:buClr>
               <a:buSzPts val="1100"/>
+              <a:buFont typeface="Arial"/>
               <a:buChar char="○"/>
-              <a:defRPr sz="1100"/>
+              <a:defRPr b="0" i="0" sz="1100" u="none" cap="none" strike="noStrike">
+                <a:solidFill>
+                  <a:srgbClr val="000000"/>
+                </a:solidFill>
+                <a:latin typeface="Arial"/>
+                <a:ea typeface="Arial"/>
+                <a:cs typeface="Arial"/>
+                <a:sym typeface="Arial"/>
+              </a:defRPr>
             </a:lvl5pPr>
-            <a:lvl6pPr indent="-298450" lvl="5" marL="2743200">
-              <a:spcBef>
-                <a:spcPts val="0"/>
-              </a:spcBef>
-              <a:spcAft>
-                <a:spcPts val="0"/>
-              </a:spcAft>
+            <a:lvl6pPr indent="-298450" lvl="5" marL="2743200" marR="0" rtl="0" algn="l">
+              <a:lnSpc>
+                <a:spcPct val="100000"/>
+              </a:lnSpc>
+              <a:spcBef>
+                <a:spcPts val="0"/>
+              </a:spcBef>
+              <a:spcAft>
+                <a:spcPts val="0"/>
+              </a:spcAft>
+              <a:buClr>
+                <a:srgbClr val="000000"/>
+              </a:buClr>
               <a:buSzPts val="1100"/>
+              <a:buFont typeface="Arial"/>
               <a:buChar char="■"/>
-              <a:defRPr sz="1100"/>
+              <a:defRPr b="0" i="0" sz="1100" u="none" cap="none" strike="noStrike">
+                <a:solidFill>
+                  <a:srgbClr val="000000"/>
+                </a:solidFill>
+                <a:latin typeface="Arial"/>
+                <a:ea typeface="Arial"/>
+                <a:cs typeface="Arial"/>
+                <a:sym typeface="Arial"/>
+              </a:defRPr>
             </a:lvl6pPr>
-            <a:lvl7pPr indent="-298450" lvl="6" marL="3200400">
-              <a:spcBef>
-                <a:spcPts val="0"/>
-              </a:spcBef>
-              <a:spcAft>
-                <a:spcPts val="0"/>
-              </a:spcAft>
+            <a:lvl7pPr indent="-298450" lvl="6" marL="3200400" marR="0" rtl="0" algn="l">
+              <a:lnSpc>
+                <a:spcPct val="100000"/>
+              </a:lnSpc>
+              <a:spcBef>
+                <a:spcPts val="0"/>
+              </a:spcBef>
+              <a:spcAft>
+                <a:spcPts val="0"/>
+              </a:spcAft>
+              <a:buClr>
+                <a:srgbClr val="000000"/>
+              </a:buClr>
               <a:buSzPts val="1100"/>
+              <a:buFont typeface="Arial"/>
               <a:buChar char="●"/>
-              <a:defRPr sz="1100"/>
+              <a:defRPr b="0" i="0" sz="1100" u="none" cap="none" strike="noStrike">
+                <a:solidFill>
+                  <a:srgbClr val="000000"/>
+                </a:solidFill>
+                <a:latin typeface="Arial"/>
+                <a:ea typeface="Arial"/>
+                <a:cs typeface="Arial"/>
+                <a:sym typeface="Arial"/>
+              </a:defRPr>
             </a:lvl7pPr>
-            <a:lvl8pPr indent="-298450" lvl="7" marL="3657600">
-              <a:spcBef>
-                <a:spcPts val="0"/>
-              </a:spcBef>
-              <a:spcAft>
-                <a:spcPts val="0"/>
-              </a:spcAft>
+            <a:lvl8pPr indent="-298450" lvl="7" marL="3657600" marR="0" rtl="0" algn="l">
+              <a:lnSpc>
+                <a:spcPct val="100000"/>
+              </a:lnSpc>
+              <a:spcBef>
+                <a:spcPts val="0"/>
+              </a:spcBef>
+              <a:spcAft>
+                <a:spcPts val="0"/>
+              </a:spcAft>
+              <a:buClr>
+                <a:srgbClr val="000000"/>
+              </a:buClr>
               <a:buSzPts val="1100"/>
+              <a:buFont typeface="Arial"/>
               <a:buChar char="○"/>
-              <a:defRPr sz="1100"/>
+              <a:defRPr b="0" i="0" sz="1100" u="none" cap="none" strike="noStrike">
+                <a:solidFill>
+                  <a:srgbClr val="000000"/>
+                </a:solidFill>
+                <a:latin typeface="Arial"/>
+                <a:ea typeface="Arial"/>
+                <a:cs typeface="Arial"/>
+                <a:sym typeface="Arial"/>
+              </a:defRPr>
             </a:lvl8pPr>
-            <a:lvl9pPr indent="-298450" lvl="8" marL="4114800">
-              <a:spcBef>
-                <a:spcPts val="0"/>
-              </a:spcBef>
-              <a:spcAft>
-                <a:spcPts val="0"/>
-              </a:spcAft>
+            <a:lvl9pPr indent="-298450" lvl="8" marL="4114800" marR="0" rtl="0" algn="l">
+              <a:lnSpc>
+                <a:spcPct val="100000"/>
+              </a:lnSpc>
+              <a:spcBef>
+                <a:spcPts val="0"/>
+              </a:spcBef>
+              <a:spcAft>
+                <a:spcPts val="0"/>
+              </a:spcAft>
+              <a:buClr>
+                <a:srgbClr val="000000"/>
+              </a:buClr>
               <a:buSzPts val="1100"/>
+              <a:buFont typeface="Arial"/>
               <a:buChar char="■"/>
-              <a:defRPr sz="1100"/>
+              <a:defRPr b="0" i="0" sz="1100" u="none" cap="none" strike="noStrike">
+                <a:solidFill>
+                  <a:srgbClr val="000000"/>
+                </a:solidFill>
+                <a:latin typeface="Arial"/>
+                <a:ea typeface="Arial"/>
+                <a:cs typeface="Arial"/>
+                <a:sym typeface="Arial"/>
+              </a:defRPr>
             </a:lvl9pPr>
           </a:lstStyle>
           <a:p/>
@@ -714,7 +854,7 @@
       </p:grpSpPr>
       <p:sp>
         <p:nvSpPr>
-          <p:cNvPr id="51" name="Google Shape;51;p:notes"/>
+          <p:cNvPr id="51" name="Google Shape;51;p1:notes"/>
           <p:cNvSpPr/>
           <p:nvPr>
             <p:ph idx="2" type="sldImg"/>
@@ -745,11 +885,21 @@
               </a:path>
             </a:pathLst>
           </a:custGeom>
+          <a:noFill/>
+          <a:ln cap="flat" cmpd="sng" w="9525">
+            <a:solidFill>
+              <a:srgbClr val="000000"/>
+            </a:solidFill>
+            <a:prstDash val="solid"/>
+            <a:round/>
+            <a:headEnd len="sm" w="sm" type="none"/>
+            <a:tailEnd len="sm" w="sm" type="none"/>
+          </a:ln>
         </p:spPr>
       </p:sp>
       <p:sp>
         <p:nvSpPr>
-          <p:cNvPr id="52" name="Google Shape;52;p:notes"/>
+          <p:cNvPr id="52" name="Google Shape;52;p1:notes"/>
           <p:cNvSpPr txBox="1"/>
           <p:nvPr>
             <p:ph idx="1" type="body"/>
@@ -763,6 +913,10 @@
           <a:prstGeom prst="rect">
             <a:avLst/>
           </a:prstGeom>
+          <a:noFill/>
+          <a:ln>
+            <a:noFill/>
+          </a:ln>
         </p:spPr>
         <p:txBody>
           <a:bodyPr anchorCtr="0" anchor="t" bIns="91425" lIns="91425" spcFirstLastPara="1" rIns="91425" wrap="square" tIns="91425">
@@ -771,12 +925,16 @@
           <a:lstStyle/>
           <a:p>
             <a:pPr indent="0" lvl="0" marL="0" rtl="0" algn="l">
-              <a:spcBef>
-                <a:spcPts val="0"/>
-              </a:spcBef>
-              <a:spcAft>
-                <a:spcPts val="0"/>
-              </a:spcAft>
+              <a:lnSpc>
+                <a:spcPct val="100000"/>
+              </a:lnSpc>
+              <a:spcBef>
+                <a:spcPts val="0"/>
+              </a:spcBef>
+              <a:spcAft>
+                <a:spcPts val="0"/>
+              </a:spcAft>
+              <a:buSzPts val="1100"/>
               <a:buNone/>
             </a:pPr>
             <a:r>
@@ -813,7 +971,241 @@
       </p:grpSpPr>
       <p:sp>
         <p:nvSpPr>
-          <p:cNvPr id="114" name="Google Shape;114;g12ef0cf7679_0_68:notes"/>
+          <p:cNvPr id="114" name="Google Shape;114;p9:notes"/>
+          <p:cNvSpPr/>
+          <p:nvPr>
+            <p:ph idx="2" type="sldImg"/>
+          </p:nvPr>
+        </p:nvSpPr>
+        <p:spPr>
+          <a:xfrm>
+            <a:off x="381300" y="685800"/>
+            <a:ext cx="6096000" cy="3429000"/>
+          </a:xfrm>
+          <a:custGeom>
+            <a:rect b="b" l="l" r="r" t="t"/>
+            <a:pathLst>
+              <a:path extrusionOk="0" h="120000" w="120000">
+                <a:moveTo>
+                  <a:pt x="0" y="0"/>
+                </a:moveTo>
+                <a:lnTo>
+                  <a:pt x="120000" y="0"/>
+                </a:lnTo>
+                <a:lnTo>
+                  <a:pt x="120000" y="120000"/>
+                </a:lnTo>
+                <a:lnTo>
+                  <a:pt x="0" y="120000"/>
+                </a:lnTo>
+                <a:close/>
+              </a:path>
+            </a:pathLst>
+          </a:custGeom>
+          <a:noFill/>
+          <a:ln cap="flat" cmpd="sng" w="9525">
+            <a:solidFill>
+              <a:srgbClr val="000000"/>
+            </a:solidFill>
+            <a:prstDash val="solid"/>
+            <a:round/>
+            <a:headEnd len="sm" w="sm" type="none"/>
+            <a:tailEnd len="sm" w="sm" type="none"/>
+          </a:ln>
+        </p:spPr>
+      </p:sp>
+      <p:sp>
+        <p:nvSpPr>
+          <p:cNvPr id="115" name="Google Shape;115;p9:notes"/>
+          <p:cNvSpPr txBox="1"/>
+          <p:nvPr>
+            <p:ph idx="1" type="body"/>
+          </p:nvPr>
+        </p:nvSpPr>
+        <p:spPr>
+          <a:xfrm>
+            <a:off x="685800" y="4343400"/>
+            <a:ext cx="5486400" cy="4114800"/>
+          </a:xfrm>
+          <a:prstGeom prst="rect">
+            <a:avLst/>
+          </a:prstGeom>
+          <a:noFill/>
+          <a:ln>
+            <a:noFill/>
+          </a:ln>
+        </p:spPr>
+        <p:txBody>
+          <a:bodyPr anchorCtr="0" anchor="t" bIns="91425" lIns="91425" spcFirstLastPara="1" rIns="91425" wrap="square" tIns="91425">
+            <a:noAutofit/>
+          </a:bodyPr>
+          <a:lstStyle/>
+          <a:p>
+            <a:pPr indent="0" lvl="0" marL="0" rtl="0" algn="l">
+              <a:lnSpc>
+                <a:spcPct val="100000"/>
+              </a:lnSpc>
+              <a:spcBef>
+                <a:spcPts val="0"/>
+              </a:spcBef>
+              <a:spcAft>
+                <a:spcPts val="0"/>
+              </a:spcAft>
+              <a:buSzPts val="1100"/>
+              <a:buNone/>
+            </a:pPr>
+            <a:r>
+              <a:t/>
+            </a:r>
+            <a:endParaRPr/>
+          </a:p>
+        </p:txBody>
+      </p:sp>
+    </p:spTree>
+  </p:cSld>
+  <p:clrMapOvr>
+    <a:masterClrMapping/>
+  </p:clrMapOvr>
+</p:notes>
+</file>
+
+<file path=ppt/notesSlides/notesSlide11.xml><?xml version="1.0" encoding="utf-8"?>
+<p:notes xmlns:a="http://schemas.openxmlformats.org/drawingml/2006/main" xmlns:r="http://schemas.openxmlformats.org/officeDocument/2006/relationships" xmlns:mc="http://schemas.openxmlformats.org/markup-compatibility/2006" xmlns:mv="urn:schemas-microsoft-com:mac:vml" xmlns:p="http://schemas.openxmlformats.org/presentationml/2006/main" xmlns:c="http://schemas.openxmlformats.org/drawingml/2006/chart" xmlns:dgm="http://schemas.openxmlformats.org/drawingml/2006/diagram" xmlns:o="urn:schemas-microsoft-com:office:office" xmlns:v="urn:schemas-microsoft-com:vml" xmlns:pvml="urn:schemas-microsoft-com:office:powerpoint" xmlns:com="http://schemas.openxmlformats.org/drawingml/2006/compatibility" xmlns:p14="http://schemas.microsoft.com/office/powerpoint/2010/main" xmlns:p15="http://schemas.microsoft.com/office/powerpoint/2012/main" xmlns:ahyp="http://schemas.microsoft.com/office/drawing/2018/hyperlinkcolor" showMasterPhAnim="0" showMasterSp="0">
+  <p:cSld>
+    <p:spTree>
+      <p:nvGrpSpPr>
+        <p:cNvPr id="120" name="Shape 120"/>
+        <p:cNvGrpSpPr/>
+        <p:nvPr/>
+      </p:nvGrpSpPr>
+      <p:grpSpPr>
+        <a:xfrm>
+          <a:off x="0" y="0"/>
+          <a:ext cx="0" cy="0"/>
+          <a:chOff x="0" y="0"/>
+          <a:chExt cx="0" cy="0"/>
+        </a:xfrm>
+      </p:grpSpPr>
+      <p:sp>
+        <p:nvSpPr>
+          <p:cNvPr id="121" name="Google Shape;121;p10:notes"/>
+          <p:cNvSpPr/>
+          <p:nvPr>
+            <p:ph idx="2" type="sldImg"/>
+          </p:nvPr>
+        </p:nvSpPr>
+        <p:spPr>
+          <a:xfrm>
+            <a:off x="381300" y="685800"/>
+            <a:ext cx="6096000" cy="3429000"/>
+          </a:xfrm>
+          <a:custGeom>
+            <a:rect b="b" l="l" r="r" t="t"/>
+            <a:pathLst>
+              <a:path extrusionOk="0" h="120000" w="120000">
+                <a:moveTo>
+                  <a:pt x="0" y="0"/>
+                </a:moveTo>
+                <a:lnTo>
+                  <a:pt x="120000" y="0"/>
+                </a:lnTo>
+                <a:lnTo>
+                  <a:pt x="120000" y="120000"/>
+                </a:lnTo>
+                <a:lnTo>
+                  <a:pt x="0" y="120000"/>
+                </a:lnTo>
+                <a:close/>
+              </a:path>
+            </a:pathLst>
+          </a:custGeom>
+          <a:noFill/>
+          <a:ln cap="flat" cmpd="sng" w="9525">
+            <a:solidFill>
+              <a:srgbClr val="000000"/>
+            </a:solidFill>
+            <a:prstDash val="solid"/>
+            <a:round/>
+            <a:headEnd len="sm" w="sm" type="none"/>
+            <a:tailEnd len="sm" w="sm" type="none"/>
+          </a:ln>
+        </p:spPr>
+      </p:sp>
+      <p:sp>
+        <p:nvSpPr>
+          <p:cNvPr id="122" name="Google Shape;122;p10:notes"/>
+          <p:cNvSpPr txBox="1"/>
+          <p:nvPr>
+            <p:ph idx="1" type="body"/>
+          </p:nvPr>
+        </p:nvSpPr>
+        <p:spPr>
+          <a:xfrm>
+            <a:off x="685800" y="4343400"/>
+            <a:ext cx="5486400" cy="4114800"/>
+          </a:xfrm>
+          <a:prstGeom prst="rect">
+            <a:avLst/>
+          </a:prstGeom>
+          <a:noFill/>
+          <a:ln>
+            <a:noFill/>
+          </a:ln>
+        </p:spPr>
+        <p:txBody>
+          <a:bodyPr anchorCtr="0" anchor="t" bIns="91425" lIns="91425" spcFirstLastPara="1" rIns="91425" wrap="square" tIns="91425">
+            <a:noAutofit/>
+          </a:bodyPr>
+          <a:lstStyle/>
+          <a:p>
+            <a:pPr indent="0" lvl="0" marL="0" rtl="0" algn="l">
+              <a:lnSpc>
+                <a:spcPct val="100000"/>
+              </a:lnSpc>
+              <a:spcBef>
+                <a:spcPts val="0"/>
+              </a:spcBef>
+              <a:spcAft>
+                <a:spcPts val="0"/>
+              </a:spcAft>
+              <a:buSzPts val="1100"/>
+              <a:buNone/>
+            </a:pPr>
+            <a:r>
+              <a:t/>
+            </a:r>
+            <a:endParaRPr/>
+          </a:p>
+        </p:txBody>
+      </p:sp>
+    </p:spTree>
+  </p:cSld>
+  <p:clrMapOvr>
+    <a:masterClrMapping/>
+  </p:clrMapOvr>
+</p:notes>
+</file>
+
+<file path=ppt/notesSlides/notesSlide12.xml><?xml version="1.0" encoding="utf-8"?>
+<p:notes xmlns:a="http://schemas.openxmlformats.org/drawingml/2006/main" xmlns:r="http://schemas.openxmlformats.org/officeDocument/2006/relationships" xmlns:mc="http://schemas.openxmlformats.org/markup-compatibility/2006" xmlns:mv="urn:schemas-microsoft-com:mac:vml" xmlns:p="http://schemas.openxmlformats.org/presentationml/2006/main" xmlns:c="http://schemas.openxmlformats.org/drawingml/2006/chart" xmlns:dgm="http://schemas.openxmlformats.org/drawingml/2006/diagram" xmlns:o="urn:schemas-microsoft-com:office:office" xmlns:v="urn:schemas-microsoft-com:vml" xmlns:pvml="urn:schemas-microsoft-com:office:powerpoint" xmlns:com="http://schemas.openxmlformats.org/drawingml/2006/compatibility" xmlns:p14="http://schemas.microsoft.com/office/powerpoint/2010/main" xmlns:p15="http://schemas.microsoft.com/office/powerpoint/2012/main" xmlns:ahyp="http://schemas.microsoft.com/office/drawing/2018/hyperlinkcolor" showMasterPhAnim="0" showMasterSp="0">
+  <p:cSld>
+    <p:spTree>
+      <p:nvGrpSpPr>
+        <p:cNvPr id="127" name="Shape 127"/>
+        <p:cNvGrpSpPr/>
+        <p:nvPr/>
+      </p:nvGrpSpPr>
+      <p:grpSpPr>
+        <a:xfrm>
+          <a:off x="0" y="0"/>
+          <a:ext cx="0" cy="0"/>
+          <a:chOff x="0" y="0"/>
+          <a:chExt cx="0" cy="0"/>
+        </a:xfrm>
+      </p:grpSpPr>
+      <p:sp>
+        <p:nvSpPr>
+          <p:cNvPr id="128" name="Google Shape;128;gf406581537_0_0:notes"/>
           <p:cNvSpPr/>
           <p:nvPr>
             <p:ph idx="2" type="sldImg"/>
@@ -848,7 +1240,7 @@
       </p:sp>
       <p:sp>
         <p:nvSpPr>
-          <p:cNvPr id="115" name="Google Shape;115;g12ef0cf7679_0_68:notes"/>
+          <p:cNvPr id="129" name="Google Shape;129;gf406581537_0_0:notes"/>
           <p:cNvSpPr txBox="1"/>
           <p:nvPr>
             <p:ph idx="1" type="body"/>
@@ -912,7 +1304,7 @@
       </p:grpSpPr>
       <p:sp>
         <p:nvSpPr>
-          <p:cNvPr id="57" name="Google Shape;57;g12ef0cf7679_0_0:notes"/>
+          <p:cNvPr id="57" name="Google Shape;57;p2:notes"/>
           <p:cNvSpPr/>
           <p:nvPr>
             <p:ph idx="2" type="sldImg"/>
@@ -943,11 +1335,21 @@
               </a:path>
             </a:pathLst>
           </a:custGeom>
+          <a:noFill/>
+          <a:ln cap="flat" cmpd="sng" w="9525">
+            <a:solidFill>
+              <a:srgbClr val="000000"/>
+            </a:solidFill>
+            <a:prstDash val="solid"/>
+            <a:round/>
+            <a:headEnd len="sm" w="sm" type="none"/>
+            <a:tailEnd len="sm" w="sm" type="none"/>
+          </a:ln>
         </p:spPr>
       </p:sp>
       <p:sp>
         <p:nvSpPr>
-          <p:cNvPr id="58" name="Google Shape;58;g12ef0cf7679_0_0:notes"/>
+          <p:cNvPr id="58" name="Google Shape;58;p2:notes"/>
           <p:cNvSpPr txBox="1"/>
           <p:nvPr>
             <p:ph idx="1" type="body"/>
@@ -961,6 +1363,10 @@
           <a:prstGeom prst="rect">
             <a:avLst/>
           </a:prstGeom>
+          <a:noFill/>
+          <a:ln>
+            <a:noFill/>
+          </a:ln>
         </p:spPr>
         <p:txBody>
           <a:bodyPr anchorCtr="0" anchor="t" bIns="91425" lIns="91425" spcFirstLastPara="1" rIns="91425" wrap="square" tIns="91425">
@@ -969,12 +1375,16 @@
           <a:lstStyle/>
           <a:p>
             <a:pPr indent="0" lvl="0" marL="0" rtl="0" algn="l">
-              <a:spcBef>
-                <a:spcPts val="0"/>
-              </a:spcBef>
-              <a:spcAft>
-                <a:spcPts val="0"/>
-              </a:spcAft>
+              <a:lnSpc>
+                <a:spcPct val="100000"/>
+              </a:lnSpc>
+              <a:spcBef>
+                <a:spcPts val="0"/>
+              </a:spcBef>
+              <a:spcAft>
+                <a:spcPts val="0"/>
+              </a:spcAft>
+              <a:buSzPts val="1100"/>
               <a:buNone/>
             </a:pPr>
             <a:r>
@@ -1011,7 +1421,7 @@
       </p:grpSpPr>
       <p:sp>
         <p:nvSpPr>
-          <p:cNvPr id="64" name="Google Shape;64;g12ef0cf7679_0_8:notes"/>
+          <p:cNvPr id="64" name="Google Shape;64;gf406581537_0_13:notes"/>
           <p:cNvSpPr/>
           <p:nvPr>
             <p:ph idx="2" type="sldImg"/>
@@ -1042,11 +1452,21 @@
               </a:path>
             </a:pathLst>
           </a:custGeom>
+          <a:noFill/>
+          <a:ln cap="flat" cmpd="sng" w="9525">
+            <a:solidFill>
+              <a:srgbClr val="000000"/>
+            </a:solidFill>
+            <a:prstDash val="solid"/>
+            <a:round/>
+            <a:headEnd len="sm" w="sm" type="none"/>
+            <a:tailEnd len="sm" w="sm" type="none"/>
+          </a:ln>
         </p:spPr>
       </p:sp>
       <p:sp>
         <p:nvSpPr>
-          <p:cNvPr id="65" name="Google Shape;65;g12ef0cf7679_0_8:notes"/>
+          <p:cNvPr id="65" name="Google Shape;65;gf406581537_0_13:notes"/>
           <p:cNvSpPr txBox="1"/>
           <p:nvPr>
             <p:ph idx="1" type="body"/>
@@ -1060,6 +1480,10 @@
           <a:prstGeom prst="rect">
             <a:avLst/>
           </a:prstGeom>
+          <a:noFill/>
+          <a:ln>
+            <a:noFill/>
+          </a:ln>
         </p:spPr>
         <p:txBody>
           <a:bodyPr anchorCtr="0" anchor="t" bIns="91425" lIns="91425" spcFirstLastPara="1" rIns="91425" wrap="square" tIns="91425">
@@ -1068,12 +1492,16 @@
           <a:lstStyle/>
           <a:p>
             <a:pPr indent="0" lvl="0" marL="0" rtl="0" algn="l">
-              <a:spcBef>
-                <a:spcPts val="0"/>
-              </a:spcBef>
-              <a:spcAft>
-                <a:spcPts val="0"/>
-              </a:spcAft>
+              <a:lnSpc>
+                <a:spcPct val="100000"/>
+              </a:lnSpc>
+              <a:spcBef>
+                <a:spcPts val="0"/>
+              </a:spcBef>
+              <a:spcAft>
+                <a:spcPts val="0"/>
+              </a:spcAft>
+              <a:buSzPts val="1100"/>
               <a:buNone/>
             </a:pPr>
             <a:r>
@@ -1110,7 +1538,7 @@
       </p:grpSpPr>
       <p:sp>
         <p:nvSpPr>
-          <p:cNvPr id="71" name="Google Shape;71;g12ef0cf7679_0_16:notes"/>
+          <p:cNvPr id="71" name="Google Shape;71;p3:notes"/>
           <p:cNvSpPr/>
           <p:nvPr>
             <p:ph idx="2" type="sldImg"/>
@@ -1141,11 +1569,21 @@
               </a:path>
             </a:pathLst>
           </a:custGeom>
+          <a:noFill/>
+          <a:ln cap="flat" cmpd="sng" w="9525">
+            <a:solidFill>
+              <a:srgbClr val="000000"/>
+            </a:solidFill>
+            <a:prstDash val="solid"/>
+            <a:round/>
+            <a:headEnd len="sm" w="sm" type="none"/>
+            <a:tailEnd len="sm" w="sm" type="none"/>
+          </a:ln>
         </p:spPr>
       </p:sp>
       <p:sp>
         <p:nvSpPr>
-          <p:cNvPr id="72" name="Google Shape;72;g12ef0cf7679_0_16:notes"/>
+          <p:cNvPr id="72" name="Google Shape;72;p3:notes"/>
           <p:cNvSpPr txBox="1"/>
           <p:nvPr>
             <p:ph idx="1" type="body"/>
@@ -1159,6 +1597,10 @@
           <a:prstGeom prst="rect">
             <a:avLst/>
           </a:prstGeom>
+          <a:noFill/>
+          <a:ln>
+            <a:noFill/>
+          </a:ln>
         </p:spPr>
         <p:txBody>
           <a:bodyPr anchorCtr="0" anchor="t" bIns="91425" lIns="91425" spcFirstLastPara="1" rIns="91425" wrap="square" tIns="91425">
@@ -1167,12 +1609,16 @@
           <a:lstStyle/>
           <a:p>
             <a:pPr indent="0" lvl="0" marL="0" rtl="0" algn="l">
-              <a:spcBef>
-                <a:spcPts val="0"/>
-              </a:spcBef>
-              <a:spcAft>
-                <a:spcPts val="0"/>
-              </a:spcAft>
+              <a:lnSpc>
+                <a:spcPct val="100000"/>
+              </a:lnSpc>
+              <a:spcBef>
+                <a:spcPts val="0"/>
+              </a:spcBef>
+              <a:spcAft>
+                <a:spcPts val="0"/>
+              </a:spcAft>
+              <a:buSzPts val="1100"/>
               <a:buNone/>
             </a:pPr>
             <a:r>
@@ -1209,7 +1655,7 @@
       </p:grpSpPr>
       <p:sp>
         <p:nvSpPr>
-          <p:cNvPr id="78" name="Google Shape;78;g12ef0cf7679_0_26:notes"/>
+          <p:cNvPr id="78" name="Google Shape;78;p4:notes"/>
           <p:cNvSpPr/>
           <p:nvPr>
             <p:ph idx="2" type="sldImg"/>
@@ -1240,11 +1686,21 @@
               </a:path>
             </a:pathLst>
           </a:custGeom>
+          <a:noFill/>
+          <a:ln cap="flat" cmpd="sng" w="9525">
+            <a:solidFill>
+              <a:srgbClr val="000000"/>
+            </a:solidFill>
+            <a:prstDash val="solid"/>
+            <a:round/>
+            <a:headEnd len="sm" w="sm" type="none"/>
+            <a:tailEnd len="sm" w="sm" type="none"/>
+          </a:ln>
         </p:spPr>
       </p:sp>
       <p:sp>
         <p:nvSpPr>
-          <p:cNvPr id="79" name="Google Shape;79;g12ef0cf7679_0_26:notes"/>
+          <p:cNvPr id="79" name="Google Shape;79;p4:notes"/>
           <p:cNvSpPr txBox="1"/>
           <p:nvPr>
             <p:ph idx="1" type="body"/>
@@ -1258,6 +1714,10 @@
           <a:prstGeom prst="rect">
             <a:avLst/>
           </a:prstGeom>
+          <a:noFill/>
+          <a:ln>
+            <a:noFill/>
+          </a:ln>
         </p:spPr>
         <p:txBody>
           <a:bodyPr anchorCtr="0" anchor="t" bIns="91425" lIns="91425" spcFirstLastPara="1" rIns="91425" wrap="square" tIns="91425">
@@ -1266,12 +1726,16 @@
           <a:lstStyle/>
           <a:p>
             <a:pPr indent="0" lvl="0" marL="0" rtl="0" algn="l">
-              <a:spcBef>
-                <a:spcPts val="0"/>
-              </a:spcBef>
-              <a:spcAft>
-                <a:spcPts val="0"/>
-              </a:spcAft>
+              <a:lnSpc>
+                <a:spcPct val="100000"/>
+              </a:lnSpc>
+              <a:spcBef>
+                <a:spcPts val="0"/>
+              </a:spcBef>
+              <a:spcAft>
+                <a:spcPts val="0"/>
+              </a:spcAft>
+              <a:buSzPts val="1100"/>
               <a:buNone/>
             </a:pPr>
             <a:r>
@@ -1308,7 +1772,7 @@
       </p:grpSpPr>
       <p:sp>
         <p:nvSpPr>
-          <p:cNvPr id="85" name="Google Shape;85;g12ef0cf7679_0_32:notes"/>
+          <p:cNvPr id="85" name="Google Shape;85;p5:notes"/>
           <p:cNvSpPr/>
           <p:nvPr>
             <p:ph idx="2" type="sldImg"/>
@@ -1339,11 +1803,21 @@
               </a:path>
             </a:pathLst>
           </a:custGeom>
+          <a:noFill/>
+          <a:ln cap="flat" cmpd="sng" w="9525">
+            <a:solidFill>
+              <a:srgbClr val="000000"/>
+            </a:solidFill>
+            <a:prstDash val="solid"/>
+            <a:round/>
+            <a:headEnd len="sm" w="sm" type="none"/>
+            <a:tailEnd len="sm" w="sm" type="none"/>
+          </a:ln>
         </p:spPr>
       </p:sp>
       <p:sp>
         <p:nvSpPr>
-          <p:cNvPr id="86" name="Google Shape;86;g12ef0cf7679_0_32:notes"/>
+          <p:cNvPr id="86" name="Google Shape;86;p5:notes"/>
           <p:cNvSpPr txBox="1"/>
           <p:nvPr>
             <p:ph idx="1" type="body"/>
@@ -1357,6 +1831,10 @@
           <a:prstGeom prst="rect">
             <a:avLst/>
           </a:prstGeom>
+          <a:noFill/>
+          <a:ln>
+            <a:noFill/>
+          </a:ln>
         </p:spPr>
         <p:txBody>
           <a:bodyPr anchorCtr="0" anchor="t" bIns="91425" lIns="91425" spcFirstLastPara="1" rIns="91425" wrap="square" tIns="91425">
@@ -1365,12 +1843,16 @@
           <a:lstStyle/>
           <a:p>
             <a:pPr indent="0" lvl="0" marL="0" rtl="0" algn="l">
-              <a:spcBef>
-                <a:spcPts val="0"/>
-              </a:spcBef>
-              <a:spcAft>
-                <a:spcPts val="0"/>
-              </a:spcAft>
+              <a:lnSpc>
+                <a:spcPct val="100000"/>
+              </a:lnSpc>
+              <a:spcBef>
+                <a:spcPts val="0"/>
+              </a:spcBef>
+              <a:spcAft>
+                <a:spcPts val="0"/>
+              </a:spcAft>
+              <a:buSzPts val="1100"/>
               <a:buNone/>
             </a:pPr>
             <a:r>
@@ -1407,7 +1889,7 @@
       </p:grpSpPr>
       <p:sp>
         <p:nvSpPr>
-          <p:cNvPr id="92" name="Google Shape;92;g12ef0cf7679_0_39:notes"/>
+          <p:cNvPr id="92" name="Google Shape;92;p6:notes"/>
           <p:cNvSpPr/>
           <p:nvPr>
             <p:ph idx="2" type="sldImg"/>
@@ -1438,11 +1920,21 @@
               </a:path>
             </a:pathLst>
           </a:custGeom>
+          <a:noFill/>
+          <a:ln cap="flat" cmpd="sng" w="9525">
+            <a:solidFill>
+              <a:srgbClr val="000000"/>
+            </a:solidFill>
+            <a:prstDash val="solid"/>
+            <a:round/>
+            <a:headEnd len="sm" w="sm" type="none"/>
+            <a:tailEnd len="sm" w="sm" type="none"/>
+          </a:ln>
         </p:spPr>
       </p:sp>
       <p:sp>
         <p:nvSpPr>
-          <p:cNvPr id="93" name="Google Shape;93;g12ef0cf7679_0_39:notes"/>
+          <p:cNvPr id="93" name="Google Shape;93;p6:notes"/>
           <p:cNvSpPr txBox="1"/>
           <p:nvPr>
             <p:ph idx="1" type="body"/>
@@ -1456,6 +1948,10 @@
           <a:prstGeom prst="rect">
             <a:avLst/>
           </a:prstGeom>
+          <a:noFill/>
+          <a:ln>
+            <a:noFill/>
+          </a:ln>
         </p:spPr>
         <p:txBody>
           <a:bodyPr anchorCtr="0" anchor="t" bIns="91425" lIns="91425" spcFirstLastPara="1" rIns="91425" wrap="square" tIns="91425">
@@ -1464,12 +1960,16 @@
           <a:lstStyle/>
           <a:p>
             <a:pPr indent="0" lvl="0" marL="0" rtl="0" algn="l">
-              <a:spcBef>
-                <a:spcPts val="0"/>
-              </a:spcBef>
-              <a:spcAft>
-                <a:spcPts val="0"/>
-              </a:spcAft>
+              <a:lnSpc>
+                <a:spcPct val="100000"/>
+              </a:lnSpc>
+              <a:spcBef>
+                <a:spcPts val="0"/>
+              </a:spcBef>
+              <a:spcAft>
+                <a:spcPts val="0"/>
+              </a:spcAft>
+              <a:buSzPts val="1100"/>
               <a:buNone/>
             </a:pPr>
             <a:r>
@@ -1506,7 +2006,7 @@
       </p:grpSpPr>
       <p:sp>
         <p:nvSpPr>
-          <p:cNvPr id="99" name="Google Shape;99;g12ef0cf7679_0_46:notes"/>
+          <p:cNvPr id="99" name="Google Shape;99;p7:notes"/>
           <p:cNvSpPr/>
           <p:nvPr>
             <p:ph idx="2" type="sldImg"/>
@@ -1537,11 +2037,21 @@
               </a:path>
             </a:pathLst>
           </a:custGeom>
+          <a:noFill/>
+          <a:ln cap="flat" cmpd="sng" w="9525">
+            <a:solidFill>
+              <a:srgbClr val="000000"/>
+            </a:solidFill>
+            <a:prstDash val="solid"/>
+            <a:round/>
+            <a:headEnd len="sm" w="sm" type="none"/>
+            <a:tailEnd len="sm" w="sm" type="none"/>
+          </a:ln>
         </p:spPr>
       </p:sp>
       <p:sp>
         <p:nvSpPr>
-          <p:cNvPr id="100" name="Google Shape;100;g12ef0cf7679_0_46:notes"/>
+          <p:cNvPr id="100" name="Google Shape;100;p7:notes"/>
           <p:cNvSpPr txBox="1"/>
           <p:nvPr>
             <p:ph idx="1" type="body"/>
@@ -1555,6 +2065,10 @@
           <a:prstGeom prst="rect">
             <a:avLst/>
           </a:prstGeom>
+          <a:noFill/>
+          <a:ln>
+            <a:noFill/>
+          </a:ln>
         </p:spPr>
         <p:txBody>
           <a:bodyPr anchorCtr="0" anchor="t" bIns="91425" lIns="91425" spcFirstLastPara="1" rIns="91425" wrap="square" tIns="91425">
@@ -1563,12 +2077,16 @@
           <a:lstStyle/>
           <a:p>
             <a:pPr indent="0" lvl="0" marL="0" rtl="0" algn="l">
-              <a:spcBef>
-                <a:spcPts val="0"/>
-              </a:spcBef>
-              <a:spcAft>
-                <a:spcPts val="0"/>
-              </a:spcAft>
+              <a:lnSpc>
+                <a:spcPct val="100000"/>
+              </a:lnSpc>
+              <a:spcBef>
+                <a:spcPts val="0"/>
+              </a:spcBef>
+              <a:spcAft>
+                <a:spcPts val="0"/>
+              </a:spcAft>
+              <a:buSzPts val="1100"/>
               <a:buNone/>
             </a:pPr>
             <a:r>
@@ -1591,7 +2109,7 @@
   <p:cSld>
     <p:spTree>
       <p:nvGrpSpPr>
-        <p:cNvPr id="106" name="Shape 106"/>
+        <p:cNvPr id="105" name="Shape 105"/>
         <p:cNvGrpSpPr/>
         <p:nvPr/>
       </p:nvGrpSpPr>
@@ -1605,7 +2123,7 @@
       </p:grpSpPr>
       <p:sp>
         <p:nvSpPr>
-          <p:cNvPr id="107" name="Google Shape;107;g12ef0cf7679_0_56:notes"/>
+          <p:cNvPr id="106" name="Google Shape;106;p8:notes"/>
           <p:cNvSpPr/>
           <p:nvPr>
             <p:ph idx="2" type="sldImg"/>
@@ -1636,11 +2154,21 @@
               </a:path>
             </a:pathLst>
           </a:custGeom>
+          <a:noFill/>
+          <a:ln cap="flat" cmpd="sng" w="9525">
+            <a:solidFill>
+              <a:srgbClr val="000000"/>
+            </a:solidFill>
+            <a:prstDash val="solid"/>
+            <a:round/>
+            <a:headEnd len="sm" w="sm" type="none"/>
+            <a:tailEnd len="sm" w="sm" type="none"/>
+          </a:ln>
         </p:spPr>
       </p:sp>
       <p:sp>
         <p:nvSpPr>
-          <p:cNvPr id="108" name="Google Shape;108;g12ef0cf7679_0_56:notes"/>
+          <p:cNvPr id="107" name="Google Shape;107;p8:notes"/>
           <p:cNvSpPr txBox="1"/>
           <p:nvPr>
             <p:ph idx="1" type="body"/>
@@ -1654,6 +2182,10 @@
           <a:prstGeom prst="rect">
             <a:avLst/>
           </a:prstGeom>
+          <a:noFill/>
+          <a:ln>
+            <a:noFill/>
+          </a:ln>
         </p:spPr>
         <p:txBody>
           <a:bodyPr anchorCtr="0" anchor="t" bIns="91425" lIns="91425" spcFirstLastPara="1" rIns="91425" wrap="square" tIns="91425">
@@ -1662,12 +2194,16 @@
           <a:lstStyle/>
           <a:p>
             <a:pPr indent="0" lvl="0" marL="0" rtl="0" algn="l">
-              <a:spcBef>
-                <a:spcPts val="0"/>
-              </a:spcBef>
-              <a:spcAft>
-                <a:spcPts val="0"/>
-              </a:spcAft>
+              <a:lnSpc>
+                <a:spcPct val="100000"/>
+              </a:lnSpc>
+              <a:spcBef>
+                <a:spcPts val="0"/>
+              </a:spcBef>
+              <a:spcAft>
+                <a:spcPts val="0"/>
+              </a:spcAft>
+              <a:buSzPts val="1100"/>
               <a:buNone/>
             </a:pPr>
             <a:r>
@@ -1704,7 +2240,7 @@
       </p:grpSpPr>
       <p:sp>
         <p:nvSpPr>
-          <p:cNvPr id="10" name="Google Shape;10;p2"/>
+          <p:cNvPr id="10" name="Google Shape;10;p12"/>
           <p:cNvSpPr txBox="1"/>
           <p:nvPr>
             <p:ph type="ctrTitle"/>
@@ -1718,6 +2254,10 @@
           <a:prstGeom prst="rect">
             <a:avLst/>
           </a:prstGeom>
+          <a:noFill/>
+          <a:ln>
+            <a:noFill/>
+          </a:ln>
         </p:spPr>
         <p:txBody>
           <a:bodyPr anchorCtr="0" anchor="b" bIns="91425" lIns="91425" spcFirstLastPara="1" rIns="91425" wrap="square" tIns="91425">
@@ -1725,6 +2265,9 @@
           </a:bodyPr>
           <a:lstStyle>
             <a:lvl1pPr lvl="0" algn="ctr">
+              <a:lnSpc>
+                <a:spcPct val="100000"/>
+              </a:lnSpc>
               <a:spcBef>
                 <a:spcPts val="0"/>
               </a:spcBef>
@@ -1736,6 +2279,9 @@
               <a:defRPr sz="5200"/>
             </a:lvl1pPr>
             <a:lvl2pPr lvl="1" algn="ctr">
+              <a:lnSpc>
+                <a:spcPct val="100000"/>
+              </a:lnSpc>
               <a:spcBef>
                 <a:spcPts val="0"/>
               </a:spcBef>
@@ -1747,6 +2293,9 @@
               <a:defRPr sz="5200"/>
             </a:lvl2pPr>
             <a:lvl3pPr lvl="2" algn="ctr">
+              <a:lnSpc>
+                <a:spcPct val="100000"/>
+              </a:lnSpc>
               <a:spcBef>
                 <a:spcPts val="0"/>
               </a:spcBef>
@@ -1758,6 +2307,9 @@
               <a:defRPr sz="5200"/>
             </a:lvl3pPr>
             <a:lvl4pPr lvl="3" algn="ctr">
+              <a:lnSpc>
+                <a:spcPct val="100000"/>
+              </a:lnSpc>
               <a:spcBef>
                 <a:spcPts val="0"/>
               </a:spcBef>
@@ -1769,6 +2321,9 @@
               <a:defRPr sz="5200"/>
             </a:lvl4pPr>
             <a:lvl5pPr lvl="4" algn="ctr">
+              <a:lnSpc>
+                <a:spcPct val="100000"/>
+              </a:lnSpc>
               <a:spcBef>
                 <a:spcPts val="0"/>
               </a:spcBef>
@@ -1780,6 +2335,9 @@
               <a:defRPr sz="5200"/>
             </a:lvl5pPr>
             <a:lvl6pPr lvl="5" algn="ctr">
+              <a:lnSpc>
+                <a:spcPct val="100000"/>
+              </a:lnSpc>
               <a:spcBef>
                 <a:spcPts val="0"/>
               </a:spcBef>
@@ -1791,6 +2349,9 @@
               <a:defRPr sz="5200"/>
             </a:lvl6pPr>
             <a:lvl7pPr lvl="6" algn="ctr">
+              <a:lnSpc>
+                <a:spcPct val="100000"/>
+              </a:lnSpc>
               <a:spcBef>
                 <a:spcPts val="0"/>
               </a:spcBef>
@@ -1802,6 +2363,9 @@
               <a:defRPr sz="5200"/>
             </a:lvl7pPr>
             <a:lvl8pPr lvl="7" algn="ctr">
+              <a:lnSpc>
+                <a:spcPct val="100000"/>
+              </a:lnSpc>
               <a:spcBef>
                 <a:spcPts val="0"/>
               </a:spcBef>
@@ -1813,6 +2377,9 @@
               <a:defRPr sz="5200"/>
             </a:lvl8pPr>
             <a:lvl9pPr lvl="8" algn="ctr">
+              <a:lnSpc>
+                <a:spcPct val="100000"/>
+              </a:lnSpc>
               <a:spcBef>
                 <a:spcPts val="0"/>
               </a:spcBef>
@@ -1829,7 +2396,7 @@
       </p:sp>
       <p:sp>
         <p:nvSpPr>
-          <p:cNvPr id="11" name="Google Shape;11;p2"/>
+          <p:cNvPr id="11" name="Google Shape;11;p12"/>
           <p:cNvSpPr txBox="1"/>
           <p:nvPr>
             <p:ph idx="1" type="subTitle"/>
@@ -1843,6 +2410,10 @@
           <a:prstGeom prst="rect">
             <a:avLst/>
           </a:prstGeom>
+          <a:noFill/>
+          <a:ln>
+            <a:noFill/>
+          </a:ln>
         </p:spPr>
         <p:txBody>
           <a:bodyPr anchorCtr="0" anchor="t" bIns="91425" lIns="91425" spcFirstLastPara="1" rIns="91425" wrap="square" tIns="91425">
@@ -1981,7 +2552,7 @@
       </p:sp>
       <p:sp>
         <p:nvSpPr>
-          <p:cNvPr id="12" name="Google Shape;12;p2"/>
+          <p:cNvPr id="12" name="Google Shape;12;p12"/>
           <p:cNvSpPr txBox="1"/>
           <p:nvPr>
             <p:ph idx="12" type="sldNum"/>
@@ -1995,47 +2566,249 @@
           <a:prstGeom prst="rect">
             <a:avLst/>
           </a:prstGeom>
+          <a:noFill/>
+          <a:ln>
+            <a:noFill/>
+          </a:ln>
         </p:spPr>
         <p:txBody>
           <a:bodyPr anchorCtr="0" anchor="ctr" bIns="91425" lIns="91425" spcFirstLastPara="1" rIns="91425" wrap="square" tIns="91425">
             <a:normAutofit/>
           </a:bodyPr>
           <a:lstStyle>
-            <a:lvl1pPr lvl="0">
-              <a:buNone/>
-              <a:defRPr/>
+            <a:lvl1pPr indent="0" lvl="0" marL="0" marR="0" algn="r">
+              <a:lnSpc>
+                <a:spcPct val="100000"/>
+              </a:lnSpc>
+              <a:spcBef>
+                <a:spcPts val="0"/>
+              </a:spcBef>
+              <a:spcAft>
+                <a:spcPts val="0"/>
+              </a:spcAft>
+              <a:buClr>
+                <a:srgbClr val="000000"/>
+              </a:buClr>
+              <a:buSzPts val="1000"/>
+              <a:buFont typeface="Arial"/>
+              <a:buNone/>
+              <a:defRPr b="0" i="0" sz="1000" u="none" cap="none" strike="noStrike">
+                <a:solidFill>
+                  <a:schemeClr val="dk2"/>
+                </a:solidFill>
+                <a:latin typeface="Arial"/>
+                <a:ea typeface="Arial"/>
+                <a:cs typeface="Arial"/>
+                <a:sym typeface="Arial"/>
+              </a:defRPr>
             </a:lvl1pPr>
-            <a:lvl2pPr lvl="1">
-              <a:buNone/>
-              <a:defRPr/>
+            <a:lvl2pPr indent="0" lvl="1" marL="0" marR="0" algn="r">
+              <a:lnSpc>
+                <a:spcPct val="100000"/>
+              </a:lnSpc>
+              <a:spcBef>
+                <a:spcPts val="0"/>
+              </a:spcBef>
+              <a:spcAft>
+                <a:spcPts val="0"/>
+              </a:spcAft>
+              <a:buClr>
+                <a:srgbClr val="000000"/>
+              </a:buClr>
+              <a:buSzPts val="1000"/>
+              <a:buFont typeface="Arial"/>
+              <a:buNone/>
+              <a:defRPr b="0" i="0" sz="1000" u="none" cap="none" strike="noStrike">
+                <a:solidFill>
+                  <a:schemeClr val="dk2"/>
+                </a:solidFill>
+                <a:latin typeface="Arial"/>
+                <a:ea typeface="Arial"/>
+                <a:cs typeface="Arial"/>
+                <a:sym typeface="Arial"/>
+              </a:defRPr>
             </a:lvl2pPr>
-            <a:lvl3pPr lvl="2">
-              <a:buNone/>
-              <a:defRPr/>
+            <a:lvl3pPr indent="0" lvl="2" marL="0" marR="0" algn="r">
+              <a:lnSpc>
+                <a:spcPct val="100000"/>
+              </a:lnSpc>
+              <a:spcBef>
+                <a:spcPts val="0"/>
+              </a:spcBef>
+              <a:spcAft>
+                <a:spcPts val="0"/>
+              </a:spcAft>
+              <a:buClr>
+                <a:srgbClr val="000000"/>
+              </a:buClr>
+              <a:buSzPts val="1000"/>
+              <a:buFont typeface="Arial"/>
+              <a:buNone/>
+              <a:defRPr b="0" i="0" sz="1000" u="none" cap="none" strike="noStrike">
+                <a:solidFill>
+                  <a:schemeClr val="dk2"/>
+                </a:solidFill>
+                <a:latin typeface="Arial"/>
+                <a:ea typeface="Arial"/>
+                <a:cs typeface="Arial"/>
+                <a:sym typeface="Arial"/>
+              </a:defRPr>
             </a:lvl3pPr>
-            <a:lvl4pPr lvl="3">
-              <a:buNone/>
-              <a:defRPr/>
+            <a:lvl4pPr indent="0" lvl="3" marL="0" marR="0" algn="r">
+              <a:lnSpc>
+                <a:spcPct val="100000"/>
+              </a:lnSpc>
+              <a:spcBef>
+                <a:spcPts val="0"/>
+              </a:spcBef>
+              <a:spcAft>
+                <a:spcPts val="0"/>
+              </a:spcAft>
+              <a:buClr>
+                <a:srgbClr val="000000"/>
+              </a:buClr>
+              <a:buSzPts val="1000"/>
+              <a:buFont typeface="Arial"/>
+              <a:buNone/>
+              <a:defRPr b="0" i="0" sz="1000" u="none" cap="none" strike="noStrike">
+                <a:solidFill>
+                  <a:schemeClr val="dk2"/>
+                </a:solidFill>
+                <a:latin typeface="Arial"/>
+                <a:ea typeface="Arial"/>
+                <a:cs typeface="Arial"/>
+                <a:sym typeface="Arial"/>
+              </a:defRPr>
             </a:lvl4pPr>
-            <a:lvl5pPr lvl="4">
-              <a:buNone/>
-              <a:defRPr/>
+            <a:lvl5pPr indent="0" lvl="4" marL="0" marR="0" algn="r">
+              <a:lnSpc>
+                <a:spcPct val="100000"/>
+              </a:lnSpc>
+              <a:spcBef>
+                <a:spcPts val="0"/>
+              </a:spcBef>
+              <a:spcAft>
+                <a:spcPts val="0"/>
+              </a:spcAft>
+              <a:buClr>
+                <a:srgbClr val="000000"/>
+              </a:buClr>
+              <a:buSzPts val="1000"/>
+              <a:buFont typeface="Arial"/>
+              <a:buNone/>
+              <a:defRPr b="0" i="0" sz="1000" u="none" cap="none" strike="noStrike">
+                <a:solidFill>
+                  <a:schemeClr val="dk2"/>
+                </a:solidFill>
+                <a:latin typeface="Arial"/>
+                <a:ea typeface="Arial"/>
+                <a:cs typeface="Arial"/>
+                <a:sym typeface="Arial"/>
+              </a:defRPr>
             </a:lvl5pPr>
-            <a:lvl6pPr lvl="5">
-              <a:buNone/>
-              <a:defRPr/>
+            <a:lvl6pPr indent="0" lvl="5" marL="0" marR="0" algn="r">
+              <a:lnSpc>
+                <a:spcPct val="100000"/>
+              </a:lnSpc>
+              <a:spcBef>
+                <a:spcPts val="0"/>
+              </a:spcBef>
+              <a:spcAft>
+                <a:spcPts val="0"/>
+              </a:spcAft>
+              <a:buClr>
+                <a:srgbClr val="000000"/>
+              </a:buClr>
+              <a:buSzPts val="1000"/>
+              <a:buFont typeface="Arial"/>
+              <a:buNone/>
+              <a:defRPr b="0" i="0" sz="1000" u="none" cap="none" strike="noStrike">
+                <a:solidFill>
+                  <a:schemeClr val="dk2"/>
+                </a:solidFill>
+                <a:latin typeface="Arial"/>
+                <a:ea typeface="Arial"/>
+                <a:cs typeface="Arial"/>
+                <a:sym typeface="Arial"/>
+              </a:defRPr>
             </a:lvl6pPr>
-            <a:lvl7pPr lvl="6">
-              <a:buNone/>
-              <a:defRPr/>
+            <a:lvl7pPr indent="0" lvl="6" marL="0" marR="0" algn="r">
+              <a:lnSpc>
+                <a:spcPct val="100000"/>
+              </a:lnSpc>
+              <a:spcBef>
+                <a:spcPts val="0"/>
+              </a:spcBef>
+              <a:spcAft>
+                <a:spcPts val="0"/>
+              </a:spcAft>
+              <a:buClr>
+                <a:srgbClr val="000000"/>
+              </a:buClr>
+              <a:buSzPts val="1000"/>
+              <a:buFont typeface="Arial"/>
+              <a:buNone/>
+              <a:defRPr b="0" i="0" sz="1000" u="none" cap="none" strike="noStrike">
+                <a:solidFill>
+                  <a:schemeClr val="dk2"/>
+                </a:solidFill>
+                <a:latin typeface="Arial"/>
+                <a:ea typeface="Arial"/>
+                <a:cs typeface="Arial"/>
+                <a:sym typeface="Arial"/>
+              </a:defRPr>
             </a:lvl7pPr>
-            <a:lvl8pPr lvl="7">
-              <a:buNone/>
-              <a:defRPr/>
+            <a:lvl8pPr indent="0" lvl="7" marL="0" marR="0" algn="r">
+              <a:lnSpc>
+                <a:spcPct val="100000"/>
+              </a:lnSpc>
+              <a:spcBef>
+                <a:spcPts val="0"/>
+              </a:spcBef>
+              <a:spcAft>
+                <a:spcPts val="0"/>
+              </a:spcAft>
+              <a:buClr>
+                <a:srgbClr val="000000"/>
+              </a:buClr>
+              <a:buSzPts val="1000"/>
+              <a:buFont typeface="Arial"/>
+              <a:buNone/>
+              <a:defRPr b="0" i="0" sz="1000" u="none" cap="none" strike="noStrike">
+                <a:solidFill>
+                  <a:schemeClr val="dk2"/>
+                </a:solidFill>
+                <a:latin typeface="Arial"/>
+                <a:ea typeface="Arial"/>
+                <a:cs typeface="Arial"/>
+                <a:sym typeface="Arial"/>
+              </a:defRPr>
             </a:lvl8pPr>
-            <a:lvl9pPr lvl="8">
-              <a:buNone/>
-              <a:defRPr/>
+            <a:lvl9pPr indent="0" lvl="8" marL="0" marR="0" algn="r">
+              <a:lnSpc>
+                <a:spcPct val="100000"/>
+              </a:lnSpc>
+              <a:spcBef>
+                <a:spcPts val="0"/>
+              </a:spcBef>
+              <a:spcAft>
+                <a:spcPts val="0"/>
+              </a:spcAft>
+              <a:buClr>
+                <a:srgbClr val="000000"/>
+              </a:buClr>
+              <a:buSzPts val="1000"/>
+              <a:buFont typeface="Arial"/>
+              <a:buNone/>
+              <a:defRPr b="0" i="0" sz="1000" u="none" cap="none" strike="noStrike">
+                <a:solidFill>
+                  <a:schemeClr val="dk2"/>
+                </a:solidFill>
+                <a:latin typeface="Arial"/>
+                <a:ea typeface="Arial"/>
+                <a:cs typeface="Arial"/>
+                <a:sym typeface="Arial"/>
+              </a:defRPr>
             </a:lvl9pPr>
           </a:lstStyle>
           <a:p>
@@ -2083,7 +2856,7 @@
       </p:grpSpPr>
       <p:sp>
         <p:nvSpPr>
-          <p:cNvPr id="45" name="Google Shape;45;p11"/>
+          <p:cNvPr id="45" name="Google Shape;45;p21"/>
           <p:cNvSpPr txBox="1"/>
           <p:nvPr>
             <p:ph hasCustomPrompt="1" type="title"/>
@@ -2097,6 +2870,10 @@
           <a:prstGeom prst="rect">
             <a:avLst/>
           </a:prstGeom>
+          <a:noFill/>
+          <a:ln>
+            <a:noFill/>
+          </a:ln>
         </p:spPr>
         <p:txBody>
           <a:bodyPr anchorCtr="0" anchor="b" bIns="91425" lIns="91425" spcFirstLastPara="1" rIns="91425" wrap="square" tIns="91425">
@@ -2104,6 +2881,9 @@
           </a:bodyPr>
           <a:lstStyle>
             <a:lvl1pPr lvl="0" algn="ctr">
+              <a:lnSpc>
+                <a:spcPct val="100000"/>
+              </a:lnSpc>
               <a:spcBef>
                 <a:spcPts val="0"/>
               </a:spcBef>
@@ -2115,6 +2895,9 @@
               <a:defRPr sz="12000"/>
             </a:lvl1pPr>
             <a:lvl2pPr lvl="1" algn="ctr">
+              <a:lnSpc>
+                <a:spcPct val="100000"/>
+              </a:lnSpc>
               <a:spcBef>
                 <a:spcPts val="0"/>
               </a:spcBef>
@@ -2126,6 +2909,9 @@
               <a:defRPr sz="12000"/>
             </a:lvl2pPr>
             <a:lvl3pPr lvl="2" algn="ctr">
+              <a:lnSpc>
+                <a:spcPct val="100000"/>
+              </a:lnSpc>
               <a:spcBef>
                 <a:spcPts val="0"/>
               </a:spcBef>
@@ -2137,6 +2923,9 @@
               <a:defRPr sz="12000"/>
             </a:lvl3pPr>
             <a:lvl4pPr lvl="3" algn="ctr">
+              <a:lnSpc>
+                <a:spcPct val="100000"/>
+              </a:lnSpc>
               <a:spcBef>
                 <a:spcPts val="0"/>
               </a:spcBef>
@@ -2148,6 +2937,9 @@
               <a:defRPr sz="12000"/>
             </a:lvl4pPr>
             <a:lvl5pPr lvl="4" algn="ctr">
+              <a:lnSpc>
+                <a:spcPct val="100000"/>
+              </a:lnSpc>
               <a:spcBef>
                 <a:spcPts val="0"/>
               </a:spcBef>
@@ -2159,6 +2951,9 @@
               <a:defRPr sz="12000"/>
             </a:lvl5pPr>
             <a:lvl6pPr lvl="5" algn="ctr">
+              <a:lnSpc>
+                <a:spcPct val="100000"/>
+              </a:lnSpc>
               <a:spcBef>
                 <a:spcPts val="0"/>
               </a:spcBef>
@@ -2170,6 +2965,9 @@
               <a:defRPr sz="12000"/>
             </a:lvl6pPr>
             <a:lvl7pPr lvl="6" algn="ctr">
+              <a:lnSpc>
+                <a:spcPct val="100000"/>
+              </a:lnSpc>
               <a:spcBef>
                 <a:spcPts val="0"/>
               </a:spcBef>
@@ -2181,6 +2979,9 @@
               <a:defRPr sz="12000"/>
             </a:lvl7pPr>
             <a:lvl8pPr lvl="7" algn="ctr">
+              <a:lnSpc>
+                <a:spcPct val="100000"/>
+              </a:lnSpc>
               <a:spcBef>
                 <a:spcPts val="0"/>
               </a:spcBef>
@@ -2192,6 +2993,9 @@
               <a:defRPr sz="12000"/>
             </a:lvl8pPr>
             <a:lvl9pPr lvl="8" algn="ctr">
+              <a:lnSpc>
+                <a:spcPct val="100000"/>
+              </a:lnSpc>
               <a:spcBef>
                 <a:spcPts val="0"/>
               </a:spcBef>
@@ -2212,7 +3016,7 @@
       </p:sp>
       <p:sp>
         <p:nvSpPr>
-          <p:cNvPr id="46" name="Google Shape;46;p11"/>
+          <p:cNvPr id="46" name="Google Shape;46;p21"/>
           <p:cNvSpPr txBox="1"/>
           <p:nvPr>
             <p:ph idx="1" type="body"/>
@@ -2226,6 +3030,10 @@
           <a:prstGeom prst="rect">
             <a:avLst/>
           </a:prstGeom>
+          <a:noFill/>
+          <a:ln>
+            <a:noFill/>
+          </a:ln>
         </p:spPr>
         <p:txBody>
           <a:bodyPr anchorCtr="0" anchor="t" bIns="91425" lIns="91425" spcFirstLastPara="1" rIns="91425" wrap="square" tIns="91425">
@@ -2233,6 +3041,9 @@
           </a:bodyPr>
           <a:lstStyle>
             <a:lvl1pPr indent="-342900" lvl="0" marL="457200" algn="ctr">
+              <a:lnSpc>
+                <a:spcPct val="115000"/>
+              </a:lnSpc>
               <a:spcBef>
                 <a:spcPts val="0"/>
               </a:spcBef>
@@ -2244,6 +3055,9 @@
               <a:defRPr/>
             </a:lvl1pPr>
             <a:lvl2pPr indent="-317500" lvl="1" marL="914400" algn="ctr">
+              <a:lnSpc>
+                <a:spcPct val="115000"/>
+              </a:lnSpc>
               <a:spcBef>
                 <a:spcPts val="0"/>
               </a:spcBef>
@@ -2255,6 +3069,9 @@
               <a:defRPr/>
             </a:lvl2pPr>
             <a:lvl3pPr indent="-317500" lvl="2" marL="1371600" algn="ctr">
+              <a:lnSpc>
+                <a:spcPct val="115000"/>
+              </a:lnSpc>
               <a:spcBef>
                 <a:spcPts val="0"/>
               </a:spcBef>
@@ -2266,6 +3083,9 @@
               <a:defRPr/>
             </a:lvl3pPr>
             <a:lvl4pPr indent="-317500" lvl="3" marL="1828800" algn="ctr">
+              <a:lnSpc>
+                <a:spcPct val="115000"/>
+              </a:lnSpc>
               <a:spcBef>
                 <a:spcPts val="0"/>
               </a:spcBef>
@@ -2277,6 +3097,9 @@
               <a:defRPr/>
             </a:lvl4pPr>
             <a:lvl5pPr indent="-317500" lvl="4" marL="2286000" algn="ctr">
+              <a:lnSpc>
+                <a:spcPct val="115000"/>
+              </a:lnSpc>
               <a:spcBef>
                 <a:spcPts val="0"/>
               </a:spcBef>
@@ -2288,6 +3111,9 @@
               <a:defRPr/>
             </a:lvl5pPr>
             <a:lvl6pPr indent="-317500" lvl="5" marL="2743200" algn="ctr">
+              <a:lnSpc>
+                <a:spcPct val="115000"/>
+              </a:lnSpc>
               <a:spcBef>
                 <a:spcPts val="0"/>
               </a:spcBef>
@@ -2299,6 +3125,9 @@
               <a:defRPr/>
             </a:lvl6pPr>
             <a:lvl7pPr indent="-317500" lvl="6" marL="3200400" algn="ctr">
+              <a:lnSpc>
+                <a:spcPct val="115000"/>
+              </a:lnSpc>
               <a:spcBef>
                 <a:spcPts val="0"/>
               </a:spcBef>
@@ -2310,6 +3139,9 @@
               <a:defRPr/>
             </a:lvl7pPr>
             <a:lvl8pPr indent="-317500" lvl="7" marL="3657600" algn="ctr">
+              <a:lnSpc>
+                <a:spcPct val="115000"/>
+              </a:lnSpc>
               <a:spcBef>
                 <a:spcPts val="0"/>
               </a:spcBef>
@@ -2321,6 +3153,9 @@
               <a:defRPr/>
             </a:lvl8pPr>
             <a:lvl9pPr indent="-317500" lvl="8" marL="4114800" algn="ctr">
+              <a:lnSpc>
+                <a:spcPct val="115000"/>
+              </a:lnSpc>
               <a:spcBef>
                 <a:spcPts val="0"/>
               </a:spcBef>
@@ -2337,7 +3172,7 @@
       </p:sp>
       <p:sp>
         <p:nvSpPr>
-          <p:cNvPr id="47" name="Google Shape;47;p11"/>
+          <p:cNvPr id="47" name="Google Shape;47;p21"/>
           <p:cNvSpPr txBox="1"/>
           <p:nvPr>
             <p:ph idx="12" type="sldNum"/>
@@ -2351,47 +3186,249 @@
           <a:prstGeom prst="rect">
             <a:avLst/>
           </a:prstGeom>
+          <a:noFill/>
+          <a:ln>
+            <a:noFill/>
+          </a:ln>
         </p:spPr>
         <p:txBody>
           <a:bodyPr anchorCtr="0" anchor="ctr" bIns="91425" lIns="91425" spcFirstLastPara="1" rIns="91425" wrap="square" tIns="91425">
             <a:normAutofit/>
           </a:bodyPr>
           <a:lstStyle>
-            <a:lvl1pPr lvl="0">
-              <a:buNone/>
-              <a:defRPr/>
+            <a:lvl1pPr indent="0" lvl="0" marL="0" marR="0" algn="r">
+              <a:lnSpc>
+                <a:spcPct val="100000"/>
+              </a:lnSpc>
+              <a:spcBef>
+                <a:spcPts val="0"/>
+              </a:spcBef>
+              <a:spcAft>
+                <a:spcPts val="0"/>
+              </a:spcAft>
+              <a:buClr>
+                <a:srgbClr val="000000"/>
+              </a:buClr>
+              <a:buSzPts val="1000"/>
+              <a:buFont typeface="Arial"/>
+              <a:buNone/>
+              <a:defRPr b="0" i="0" sz="1000" u="none" cap="none" strike="noStrike">
+                <a:solidFill>
+                  <a:schemeClr val="dk2"/>
+                </a:solidFill>
+                <a:latin typeface="Arial"/>
+                <a:ea typeface="Arial"/>
+                <a:cs typeface="Arial"/>
+                <a:sym typeface="Arial"/>
+              </a:defRPr>
             </a:lvl1pPr>
-            <a:lvl2pPr lvl="1">
-              <a:buNone/>
-              <a:defRPr/>
+            <a:lvl2pPr indent="0" lvl="1" marL="0" marR="0" algn="r">
+              <a:lnSpc>
+                <a:spcPct val="100000"/>
+              </a:lnSpc>
+              <a:spcBef>
+                <a:spcPts val="0"/>
+              </a:spcBef>
+              <a:spcAft>
+                <a:spcPts val="0"/>
+              </a:spcAft>
+              <a:buClr>
+                <a:srgbClr val="000000"/>
+              </a:buClr>
+              <a:buSzPts val="1000"/>
+              <a:buFont typeface="Arial"/>
+              <a:buNone/>
+              <a:defRPr b="0" i="0" sz="1000" u="none" cap="none" strike="noStrike">
+                <a:solidFill>
+                  <a:schemeClr val="dk2"/>
+                </a:solidFill>
+                <a:latin typeface="Arial"/>
+                <a:ea typeface="Arial"/>
+                <a:cs typeface="Arial"/>
+                <a:sym typeface="Arial"/>
+              </a:defRPr>
             </a:lvl2pPr>
-            <a:lvl3pPr lvl="2">
-              <a:buNone/>
-              <a:defRPr/>
+            <a:lvl3pPr indent="0" lvl="2" marL="0" marR="0" algn="r">
+              <a:lnSpc>
+                <a:spcPct val="100000"/>
+              </a:lnSpc>
+              <a:spcBef>
+                <a:spcPts val="0"/>
+              </a:spcBef>
+              <a:spcAft>
+                <a:spcPts val="0"/>
+              </a:spcAft>
+              <a:buClr>
+                <a:srgbClr val="000000"/>
+              </a:buClr>
+              <a:buSzPts val="1000"/>
+              <a:buFont typeface="Arial"/>
+              <a:buNone/>
+              <a:defRPr b="0" i="0" sz="1000" u="none" cap="none" strike="noStrike">
+                <a:solidFill>
+                  <a:schemeClr val="dk2"/>
+                </a:solidFill>
+                <a:latin typeface="Arial"/>
+                <a:ea typeface="Arial"/>
+                <a:cs typeface="Arial"/>
+                <a:sym typeface="Arial"/>
+              </a:defRPr>
             </a:lvl3pPr>
-            <a:lvl4pPr lvl="3">
-              <a:buNone/>
-              <a:defRPr/>
+            <a:lvl4pPr indent="0" lvl="3" marL="0" marR="0" algn="r">
+              <a:lnSpc>
+                <a:spcPct val="100000"/>
+              </a:lnSpc>
+              <a:spcBef>
+                <a:spcPts val="0"/>
+              </a:spcBef>
+              <a:spcAft>
+                <a:spcPts val="0"/>
+              </a:spcAft>
+              <a:buClr>
+                <a:srgbClr val="000000"/>
+              </a:buClr>
+              <a:buSzPts val="1000"/>
+              <a:buFont typeface="Arial"/>
+              <a:buNone/>
+              <a:defRPr b="0" i="0" sz="1000" u="none" cap="none" strike="noStrike">
+                <a:solidFill>
+                  <a:schemeClr val="dk2"/>
+                </a:solidFill>
+                <a:latin typeface="Arial"/>
+                <a:ea typeface="Arial"/>
+                <a:cs typeface="Arial"/>
+                <a:sym typeface="Arial"/>
+              </a:defRPr>
             </a:lvl4pPr>
-            <a:lvl5pPr lvl="4">
-              <a:buNone/>
-              <a:defRPr/>
+            <a:lvl5pPr indent="0" lvl="4" marL="0" marR="0" algn="r">
+              <a:lnSpc>
+                <a:spcPct val="100000"/>
+              </a:lnSpc>
+              <a:spcBef>
+                <a:spcPts val="0"/>
+              </a:spcBef>
+              <a:spcAft>
+                <a:spcPts val="0"/>
+              </a:spcAft>
+              <a:buClr>
+                <a:srgbClr val="000000"/>
+              </a:buClr>
+              <a:buSzPts val="1000"/>
+              <a:buFont typeface="Arial"/>
+              <a:buNone/>
+              <a:defRPr b="0" i="0" sz="1000" u="none" cap="none" strike="noStrike">
+                <a:solidFill>
+                  <a:schemeClr val="dk2"/>
+                </a:solidFill>
+                <a:latin typeface="Arial"/>
+                <a:ea typeface="Arial"/>
+                <a:cs typeface="Arial"/>
+                <a:sym typeface="Arial"/>
+              </a:defRPr>
             </a:lvl5pPr>
-            <a:lvl6pPr lvl="5">
-              <a:buNone/>
-              <a:defRPr/>
+            <a:lvl6pPr indent="0" lvl="5" marL="0" marR="0" algn="r">
+              <a:lnSpc>
+                <a:spcPct val="100000"/>
+              </a:lnSpc>
+              <a:spcBef>
+                <a:spcPts val="0"/>
+              </a:spcBef>
+              <a:spcAft>
+                <a:spcPts val="0"/>
+              </a:spcAft>
+              <a:buClr>
+                <a:srgbClr val="000000"/>
+              </a:buClr>
+              <a:buSzPts val="1000"/>
+              <a:buFont typeface="Arial"/>
+              <a:buNone/>
+              <a:defRPr b="0" i="0" sz="1000" u="none" cap="none" strike="noStrike">
+                <a:solidFill>
+                  <a:schemeClr val="dk2"/>
+                </a:solidFill>
+                <a:latin typeface="Arial"/>
+                <a:ea typeface="Arial"/>
+                <a:cs typeface="Arial"/>
+                <a:sym typeface="Arial"/>
+              </a:defRPr>
             </a:lvl6pPr>
-            <a:lvl7pPr lvl="6">
-              <a:buNone/>
-              <a:defRPr/>
+            <a:lvl7pPr indent="0" lvl="6" marL="0" marR="0" algn="r">
+              <a:lnSpc>
+                <a:spcPct val="100000"/>
+              </a:lnSpc>
+              <a:spcBef>
+                <a:spcPts val="0"/>
+              </a:spcBef>
+              <a:spcAft>
+                <a:spcPts val="0"/>
+              </a:spcAft>
+              <a:buClr>
+                <a:srgbClr val="000000"/>
+              </a:buClr>
+              <a:buSzPts val="1000"/>
+              <a:buFont typeface="Arial"/>
+              <a:buNone/>
+              <a:defRPr b="0" i="0" sz="1000" u="none" cap="none" strike="noStrike">
+                <a:solidFill>
+                  <a:schemeClr val="dk2"/>
+                </a:solidFill>
+                <a:latin typeface="Arial"/>
+                <a:ea typeface="Arial"/>
+                <a:cs typeface="Arial"/>
+                <a:sym typeface="Arial"/>
+              </a:defRPr>
             </a:lvl7pPr>
-            <a:lvl8pPr lvl="7">
-              <a:buNone/>
-              <a:defRPr/>
+            <a:lvl8pPr indent="0" lvl="7" marL="0" marR="0" algn="r">
+              <a:lnSpc>
+                <a:spcPct val="100000"/>
+              </a:lnSpc>
+              <a:spcBef>
+                <a:spcPts val="0"/>
+              </a:spcBef>
+              <a:spcAft>
+                <a:spcPts val="0"/>
+              </a:spcAft>
+              <a:buClr>
+                <a:srgbClr val="000000"/>
+              </a:buClr>
+              <a:buSzPts val="1000"/>
+              <a:buFont typeface="Arial"/>
+              <a:buNone/>
+              <a:defRPr b="0" i="0" sz="1000" u="none" cap="none" strike="noStrike">
+                <a:solidFill>
+                  <a:schemeClr val="dk2"/>
+                </a:solidFill>
+                <a:latin typeface="Arial"/>
+                <a:ea typeface="Arial"/>
+                <a:cs typeface="Arial"/>
+                <a:sym typeface="Arial"/>
+              </a:defRPr>
             </a:lvl8pPr>
-            <a:lvl9pPr lvl="8">
-              <a:buNone/>
-              <a:defRPr/>
+            <a:lvl9pPr indent="0" lvl="8" marL="0" marR="0" algn="r">
+              <a:lnSpc>
+                <a:spcPct val="100000"/>
+              </a:lnSpc>
+              <a:spcBef>
+                <a:spcPts val="0"/>
+              </a:spcBef>
+              <a:spcAft>
+                <a:spcPts val="0"/>
+              </a:spcAft>
+              <a:buClr>
+                <a:srgbClr val="000000"/>
+              </a:buClr>
+              <a:buSzPts val="1000"/>
+              <a:buFont typeface="Arial"/>
+              <a:buNone/>
+              <a:defRPr b="0" i="0" sz="1000" u="none" cap="none" strike="noStrike">
+                <a:solidFill>
+                  <a:schemeClr val="dk2"/>
+                </a:solidFill>
+                <a:latin typeface="Arial"/>
+                <a:ea typeface="Arial"/>
+                <a:cs typeface="Arial"/>
+                <a:sym typeface="Arial"/>
+              </a:defRPr>
             </a:lvl9pPr>
           </a:lstStyle>
           <a:p>
@@ -2439,7 +3476,7 @@
       </p:grpSpPr>
       <p:sp>
         <p:nvSpPr>
-          <p:cNvPr id="49" name="Google Shape;49;p12"/>
+          <p:cNvPr id="49" name="Google Shape;49;p22"/>
           <p:cNvSpPr txBox="1"/>
           <p:nvPr>
             <p:ph idx="12" type="sldNum"/>
@@ -2453,47 +3490,249 @@
           <a:prstGeom prst="rect">
             <a:avLst/>
           </a:prstGeom>
+          <a:noFill/>
+          <a:ln>
+            <a:noFill/>
+          </a:ln>
         </p:spPr>
         <p:txBody>
           <a:bodyPr anchorCtr="0" anchor="ctr" bIns="91425" lIns="91425" spcFirstLastPara="1" rIns="91425" wrap="square" tIns="91425">
             <a:normAutofit/>
           </a:bodyPr>
           <a:lstStyle>
-            <a:lvl1pPr lvl="0">
-              <a:buNone/>
-              <a:defRPr/>
+            <a:lvl1pPr indent="0" lvl="0" marL="0" marR="0" algn="r">
+              <a:lnSpc>
+                <a:spcPct val="100000"/>
+              </a:lnSpc>
+              <a:spcBef>
+                <a:spcPts val="0"/>
+              </a:spcBef>
+              <a:spcAft>
+                <a:spcPts val="0"/>
+              </a:spcAft>
+              <a:buClr>
+                <a:srgbClr val="000000"/>
+              </a:buClr>
+              <a:buSzPts val="1000"/>
+              <a:buFont typeface="Arial"/>
+              <a:buNone/>
+              <a:defRPr b="0" i="0" sz="1000" u="none" cap="none" strike="noStrike">
+                <a:solidFill>
+                  <a:schemeClr val="dk2"/>
+                </a:solidFill>
+                <a:latin typeface="Arial"/>
+                <a:ea typeface="Arial"/>
+                <a:cs typeface="Arial"/>
+                <a:sym typeface="Arial"/>
+              </a:defRPr>
             </a:lvl1pPr>
-            <a:lvl2pPr lvl="1">
-              <a:buNone/>
-              <a:defRPr/>
+            <a:lvl2pPr indent="0" lvl="1" marL="0" marR="0" algn="r">
+              <a:lnSpc>
+                <a:spcPct val="100000"/>
+              </a:lnSpc>
+              <a:spcBef>
+                <a:spcPts val="0"/>
+              </a:spcBef>
+              <a:spcAft>
+                <a:spcPts val="0"/>
+              </a:spcAft>
+              <a:buClr>
+                <a:srgbClr val="000000"/>
+              </a:buClr>
+              <a:buSzPts val="1000"/>
+              <a:buFont typeface="Arial"/>
+              <a:buNone/>
+              <a:defRPr b="0" i="0" sz="1000" u="none" cap="none" strike="noStrike">
+                <a:solidFill>
+                  <a:schemeClr val="dk2"/>
+                </a:solidFill>
+                <a:latin typeface="Arial"/>
+                <a:ea typeface="Arial"/>
+                <a:cs typeface="Arial"/>
+                <a:sym typeface="Arial"/>
+              </a:defRPr>
             </a:lvl2pPr>
-            <a:lvl3pPr lvl="2">
-              <a:buNone/>
-              <a:defRPr/>
+            <a:lvl3pPr indent="0" lvl="2" marL="0" marR="0" algn="r">
+              <a:lnSpc>
+                <a:spcPct val="100000"/>
+              </a:lnSpc>
+              <a:spcBef>
+                <a:spcPts val="0"/>
+              </a:spcBef>
+              <a:spcAft>
+                <a:spcPts val="0"/>
+              </a:spcAft>
+              <a:buClr>
+                <a:srgbClr val="000000"/>
+              </a:buClr>
+              <a:buSzPts val="1000"/>
+              <a:buFont typeface="Arial"/>
+              <a:buNone/>
+              <a:defRPr b="0" i="0" sz="1000" u="none" cap="none" strike="noStrike">
+                <a:solidFill>
+                  <a:schemeClr val="dk2"/>
+                </a:solidFill>
+                <a:latin typeface="Arial"/>
+                <a:ea typeface="Arial"/>
+                <a:cs typeface="Arial"/>
+                <a:sym typeface="Arial"/>
+              </a:defRPr>
             </a:lvl3pPr>
-            <a:lvl4pPr lvl="3">
-              <a:buNone/>
-              <a:defRPr/>
+            <a:lvl4pPr indent="0" lvl="3" marL="0" marR="0" algn="r">
+              <a:lnSpc>
+                <a:spcPct val="100000"/>
+              </a:lnSpc>
+              <a:spcBef>
+                <a:spcPts val="0"/>
+              </a:spcBef>
+              <a:spcAft>
+                <a:spcPts val="0"/>
+              </a:spcAft>
+              <a:buClr>
+                <a:srgbClr val="000000"/>
+              </a:buClr>
+              <a:buSzPts val="1000"/>
+              <a:buFont typeface="Arial"/>
+              <a:buNone/>
+              <a:defRPr b="0" i="0" sz="1000" u="none" cap="none" strike="noStrike">
+                <a:solidFill>
+                  <a:schemeClr val="dk2"/>
+                </a:solidFill>
+                <a:latin typeface="Arial"/>
+                <a:ea typeface="Arial"/>
+                <a:cs typeface="Arial"/>
+                <a:sym typeface="Arial"/>
+              </a:defRPr>
             </a:lvl4pPr>
-            <a:lvl5pPr lvl="4">
-              <a:buNone/>
-              <a:defRPr/>
+            <a:lvl5pPr indent="0" lvl="4" marL="0" marR="0" algn="r">
+              <a:lnSpc>
+                <a:spcPct val="100000"/>
+              </a:lnSpc>
+              <a:spcBef>
+                <a:spcPts val="0"/>
+              </a:spcBef>
+              <a:spcAft>
+                <a:spcPts val="0"/>
+              </a:spcAft>
+              <a:buClr>
+                <a:srgbClr val="000000"/>
+              </a:buClr>
+              <a:buSzPts val="1000"/>
+              <a:buFont typeface="Arial"/>
+              <a:buNone/>
+              <a:defRPr b="0" i="0" sz="1000" u="none" cap="none" strike="noStrike">
+                <a:solidFill>
+                  <a:schemeClr val="dk2"/>
+                </a:solidFill>
+                <a:latin typeface="Arial"/>
+                <a:ea typeface="Arial"/>
+                <a:cs typeface="Arial"/>
+                <a:sym typeface="Arial"/>
+              </a:defRPr>
             </a:lvl5pPr>
-            <a:lvl6pPr lvl="5">
-              <a:buNone/>
-              <a:defRPr/>
+            <a:lvl6pPr indent="0" lvl="5" marL="0" marR="0" algn="r">
+              <a:lnSpc>
+                <a:spcPct val="100000"/>
+              </a:lnSpc>
+              <a:spcBef>
+                <a:spcPts val="0"/>
+              </a:spcBef>
+              <a:spcAft>
+                <a:spcPts val="0"/>
+              </a:spcAft>
+              <a:buClr>
+                <a:srgbClr val="000000"/>
+              </a:buClr>
+              <a:buSzPts val="1000"/>
+              <a:buFont typeface="Arial"/>
+              <a:buNone/>
+              <a:defRPr b="0" i="0" sz="1000" u="none" cap="none" strike="noStrike">
+                <a:solidFill>
+                  <a:schemeClr val="dk2"/>
+                </a:solidFill>
+                <a:latin typeface="Arial"/>
+                <a:ea typeface="Arial"/>
+                <a:cs typeface="Arial"/>
+                <a:sym typeface="Arial"/>
+              </a:defRPr>
             </a:lvl6pPr>
-            <a:lvl7pPr lvl="6">
-              <a:buNone/>
-              <a:defRPr/>
+            <a:lvl7pPr indent="0" lvl="6" marL="0" marR="0" algn="r">
+              <a:lnSpc>
+                <a:spcPct val="100000"/>
+              </a:lnSpc>
+              <a:spcBef>
+                <a:spcPts val="0"/>
+              </a:spcBef>
+              <a:spcAft>
+                <a:spcPts val="0"/>
+              </a:spcAft>
+              <a:buClr>
+                <a:srgbClr val="000000"/>
+              </a:buClr>
+              <a:buSzPts val="1000"/>
+              <a:buFont typeface="Arial"/>
+              <a:buNone/>
+              <a:defRPr b="0" i="0" sz="1000" u="none" cap="none" strike="noStrike">
+                <a:solidFill>
+                  <a:schemeClr val="dk2"/>
+                </a:solidFill>
+                <a:latin typeface="Arial"/>
+                <a:ea typeface="Arial"/>
+                <a:cs typeface="Arial"/>
+                <a:sym typeface="Arial"/>
+              </a:defRPr>
             </a:lvl7pPr>
-            <a:lvl8pPr lvl="7">
-              <a:buNone/>
-              <a:defRPr/>
+            <a:lvl8pPr indent="0" lvl="7" marL="0" marR="0" algn="r">
+              <a:lnSpc>
+                <a:spcPct val="100000"/>
+              </a:lnSpc>
+              <a:spcBef>
+                <a:spcPts val="0"/>
+              </a:spcBef>
+              <a:spcAft>
+                <a:spcPts val="0"/>
+              </a:spcAft>
+              <a:buClr>
+                <a:srgbClr val="000000"/>
+              </a:buClr>
+              <a:buSzPts val="1000"/>
+              <a:buFont typeface="Arial"/>
+              <a:buNone/>
+              <a:defRPr b="0" i="0" sz="1000" u="none" cap="none" strike="noStrike">
+                <a:solidFill>
+                  <a:schemeClr val="dk2"/>
+                </a:solidFill>
+                <a:latin typeface="Arial"/>
+                <a:ea typeface="Arial"/>
+                <a:cs typeface="Arial"/>
+                <a:sym typeface="Arial"/>
+              </a:defRPr>
             </a:lvl8pPr>
-            <a:lvl9pPr lvl="8">
-              <a:buNone/>
-              <a:defRPr/>
+            <a:lvl9pPr indent="0" lvl="8" marL="0" marR="0" algn="r">
+              <a:lnSpc>
+                <a:spcPct val="100000"/>
+              </a:lnSpc>
+              <a:spcBef>
+                <a:spcPts val="0"/>
+              </a:spcBef>
+              <a:spcAft>
+                <a:spcPts val="0"/>
+              </a:spcAft>
+              <a:buClr>
+                <a:srgbClr val="000000"/>
+              </a:buClr>
+              <a:buSzPts val="1000"/>
+              <a:buFont typeface="Arial"/>
+              <a:buNone/>
+              <a:defRPr b="0" i="0" sz="1000" u="none" cap="none" strike="noStrike">
+                <a:solidFill>
+                  <a:schemeClr val="dk2"/>
+                </a:solidFill>
+                <a:latin typeface="Arial"/>
+                <a:ea typeface="Arial"/>
+                <a:cs typeface="Arial"/>
+                <a:sym typeface="Arial"/>
+              </a:defRPr>
             </a:lvl9pPr>
           </a:lstStyle>
           <a:p>
@@ -2523,8 +3762,8 @@
 </file>
 
 <file path=ppt/slideLayouts/slideLayout2.xml><?xml version="1.0" encoding="utf-8"?>
-<p:sldLayout xmlns:a="http://schemas.openxmlformats.org/drawingml/2006/main" xmlns:r="http://schemas.openxmlformats.org/officeDocument/2006/relationships" xmlns:mc="http://schemas.openxmlformats.org/markup-compatibility/2006" xmlns:mv="urn:schemas-microsoft-com:mac:vml" xmlns:p="http://schemas.openxmlformats.org/presentationml/2006/main" xmlns:c="http://schemas.openxmlformats.org/drawingml/2006/chart" xmlns:dgm="http://schemas.openxmlformats.org/drawingml/2006/diagram" xmlns:o="urn:schemas-microsoft-com:office:office" xmlns:v="urn:schemas-microsoft-com:vml" xmlns:pvml="urn:schemas-microsoft-com:office:powerpoint" xmlns:com="http://schemas.openxmlformats.org/drawingml/2006/compatibility" xmlns:p14="http://schemas.microsoft.com/office/powerpoint/2010/main" xmlns:p15="http://schemas.microsoft.com/office/powerpoint/2012/main" xmlns:ahyp="http://schemas.microsoft.com/office/drawing/2018/hyperlinkcolor" matchingName="Section header" type="secHead">
-  <p:cSld name="SECTION_HEADER">
+<p:sldLayout xmlns:a="http://schemas.openxmlformats.org/drawingml/2006/main" xmlns:r="http://schemas.openxmlformats.org/officeDocument/2006/relationships" xmlns:mc="http://schemas.openxmlformats.org/markup-compatibility/2006" xmlns:mv="urn:schemas-microsoft-com:mac:vml" xmlns:p="http://schemas.openxmlformats.org/presentationml/2006/main" xmlns:c="http://schemas.openxmlformats.org/drawingml/2006/chart" xmlns:dgm="http://schemas.openxmlformats.org/drawingml/2006/diagram" xmlns:o="urn:schemas-microsoft-com:office:office" xmlns:v="urn:schemas-microsoft-com:vml" xmlns:pvml="urn:schemas-microsoft-com:office:powerpoint" xmlns:com="http://schemas.openxmlformats.org/drawingml/2006/compatibility" xmlns:p14="http://schemas.microsoft.com/office/powerpoint/2010/main" xmlns:p15="http://schemas.microsoft.com/office/powerpoint/2012/main" xmlns:ahyp="http://schemas.microsoft.com/office/drawing/2018/hyperlinkcolor" matchingName="Title and body" type="tx">
+  <p:cSld name="TITLE_AND_BODY">
     <p:spTree>
       <p:nvGrpSpPr>
         <p:cNvPr id="13" name="Shape 13"/>
@@ -2541,7 +3780,7 @@
       </p:grpSpPr>
       <p:sp>
         <p:nvSpPr>
-          <p:cNvPr id="14" name="Google Shape;14;p3"/>
+          <p:cNvPr id="14" name="Google Shape;14;p13"/>
           <p:cNvSpPr txBox="1"/>
           <p:nvPr>
             <p:ph type="title"/>
@@ -2549,116 +3788,147 @@
         </p:nvSpPr>
         <p:spPr>
           <a:xfrm>
-            <a:off x="311700" y="2150850"/>
-            <a:ext cx="8520600" cy="841800"/>
+            <a:off x="311700" y="445025"/>
+            <a:ext cx="8520600" cy="572700"/>
           </a:xfrm>
           <a:prstGeom prst="rect">
             <a:avLst/>
           </a:prstGeom>
+          <a:noFill/>
+          <a:ln>
+            <a:noFill/>
+          </a:ln>
         </p:spPr>
         <p:txBody>
-          <a:bodyPr anchorCtr="0" anchor="ctr" bIns="91425" lIns="91425" spcFirstLastPara="1" rIns="91425" wrap="square" tIns="91425">
+          <a:bodyPr anchorCtr="0" anchor="t" bIns="91425" lIns="91425" spcFirstLastPara="1" rIns="91425" wrap="square" tIns="91425">
             <a:normAutofit/>
           </a:bodyPr>
           <a:lstStyle>
-            <a:lvl1pPr lvl="0" algn="ctr">
-              <a:spcBef>
-                <a:spcPts val="0"/>
-              </a:spcBef>
-              <a:spcAft>
-                <a:spcPts val="0"/>
-              </a:spcAft>
-              <a:buSzPts val="3600"/>
-              <a:buNone/>
-              <a:defRPr sz="3600"/>
+            <a:lvl1pPr lvl="0" algn="l">
+              <a:lnSpc>
+                <a:spcPct val="100000"/>
+              </a:lnSpc>
+              <a:spcBef>
+                <a:spcPts val="0"/>
+              </a:spcBef>
+              <a:spcAft>
+                <a:spcPts val="0"/>
+              </a:spcAft>
+              <a:buSzPts val="2800"/>
+              <a:buNone/>
+              <a:defRPr/>
             </a:lvl1pPr>
-            <a:lvl2pPr lvl="1" algn="ctr">
-              <a:spcBef>
-                <a:spcPts val="0"/>
-              </a:spcBef>
-              <a:spcAft>
-                <a:spcPts val="0"/>
-              </a:spcAft>
-              <a:buSzPts val="3600"/>
-              <a:buNone/>
-              <a:defRPr sz="3600"/>
+            <a:lvl2pPr lvl="1" algn="l">
+              <a:lnSpc>
+                <a:spcPct val="100000"/>
+              </a:lnSpc>
+              <a:spcBef>
+                <a:spcPts val="0"/>
+              </a:spcBef>
+              <a:spcAft>
+                <a:spcPts val="0"/>
+              </a:spcAft>
+              <a:buSzPts val="2800"/>
+              <a:buNone/>
+              <a:defRPr/>
             </a:lvl2pPr>
-            <a:lvl3pPr lvl="2" algn="ctr">
-              <a:spcBef>
-                <a:spcPts val="0"/>
-              </a:spcBef>
-              <a:spcAft>
-                <a:spcPts val="0"/>
-              </a:spcAft>
-              <a:buSzPts val="3600"/>
-              <a:buNone/>
-              <a:defRPr sz="3600"/>
+            <a:lvl3pPr lvl="2" algn="l">
+              <a:lnSpc>
+                <a:spcPct val="100000"/>
+              </a:lnSpc>
+              <a:spcBef>
+                <a:spcPts val="0"/>
+              </a:spcBef>
+              <a:spcAft>
+                <a:spcPts val="0"/>
+              </a:spcAft>
+              <a:buSzPts val="2800"/>
+              <a:buNone/>
+              <a:defRPr/>
             </a:lvl3pPr>
-            <a:lvl4pPr lvl="3" algn="ctr">
-              <a:spcBef>
-                <a:spcPts val="0"/>
-              </a:spcBef>
-              <a:spcAft>
-                <a:spcPts val="0"/>
-              </a:spcAft>
-              <a:buSzPts val="3600"/>
-              <a:buNone/>
-              <a:defRPr sz="3600"/>
+            <a:lvl4pPr lvl="3" algn="l">
+              <a:lnSpc>
+                <a:spcPct val="100000"/>
+              </a:lnSpc>
+              <a:spcBef>
+                <a:spcPts val="0"/>
+              </a:spcBef>
+              <a:spcAft>
+                <a:spcPts val="0"/>
+              </a:spcAft>
+              <a:buSzPts val="2800"/>
+              <a:buNone/>
+              <a:defRPr/>
             </a:lvl4pPr>
-            <a:lvl5pPr lvl="4" algn="ctr">
-              <a:spcBef>
-                <a:spcPts val="0"/>
-              </a:spcBef>
-              <a:spcAft>
-                <a:spcPts val="0"/>
-              </a:spcAft>
-              <a:buSzPts val="3600"/>
-              <a:buNone/>
-              <a:defRPr sz="3600"/>
+            <a:lvl5pPr lvl="4" algn="l">
+              <a:lnSpc>
+                <a:spcPct val="100000"/>
+              </a:lnSpc>
+              <a:spcBef>
+                <a:spcPts val="0"/>
+              </a:spcBef>
+              <a:spcAft>
+                <a:spcPts val="0"/>
+              </a:spcAft>
+              <a:buSzPts val="2800"/>
+              <a:buNone/>
+              <a:defRPr/>
             </a:lvl5pPr>
-            <a:lvl6pPr lvl="5" algn="ctr">
-              <a:spcBef>
-                <a:spcPts val="0"/>
-              </a:spcBef>
-              <a:spcAft>
-                <a:spcPts val="0"/>
-              </a:spcAft>
-              <a:buSzPts val="3600"/>
-              <a:buNone/>
-              <a:defRPr sz="3600"/>
+            <a:lvl6pPr lvl="5" algn="l">
+              <a:lnSpc>
+                <a:spcPct val="100000"/>
+              </a:lnSpc>
+              <a:spcBef>
+                <a:spcPts val="0"/>
+              </a:spcBef>
+              <a:spcAft>
+                <a:spcPts val="0"/>
+              </a:spcAft>
+              <a:buSzPts val="2800"/>
+              <a:buNone/>
+              <a:defRPr/>
             </a:lvl6pPr>
-            <a:lvl7pPr lvl="6" algn="ctr">
-              <a:spcBef>
-                <a:spcPts val="0"/>
-              </a:spcBef>
-              <a:spcAft>
-                <a:spcPts val="0"/>
-              </a:spcAft>
-              <a:buSzPts val="3600"/>
-              <a:buNone/>
-              <a:defRPr sz="3600"/>
+            <a:lvl7pPr lvl="6" algn="l">
+              <a:lnSpc>
+                <a:spcPct val="100000"/>
+              </a:lnSpc>
+              <a:spcBef>
+                <a:spcPts val="0"/>
+              </a:spcBef>
+              <a:spcAft>
+                <a:spcPts val="0"/>
+              </a:spcAft>
+              <a:buSzPts val="2800"/>
+              <a:buNone/>
+              <a:defRPr/>
             </a:lvl7pPr>
-            <a:lvl8pPr lvl="7" algn="ctr">
-              <a:spcBef>
-                <a:spcPts val="0"/>
-              </a:spcBef>
-              <a:spcAft>
-                <a:spcPts val="0"/>
-              </a:spcAft>
-              <a:buSzPts val="3600"/>
-              <a:buNone/>
-              <a:defRPr sz="3600"/>
+            <a:lvl8pPr lvl="7" algn="l">
+              <a:lnSpc>
+                <a:spcPct val="100000"/>
+              </a:lnSpc>
+              <a:spcBef>
+                <a:spcPts val="0"/>
+              </a:spcBef>
+              <a:spcAft>
+                <a:spcPts val="0"/>
+              </a:spcAft>
+              <a:buSzPts val="2800"/>
+              <a:buNone/>
+              <a:defRPr/>
             </a:lvl8pPr>
-            <a:lvl9pPr lvl="8" algn="ctr">
-              <a:spcBef>
-                <a:spcPts val="0"/>
-              </a:spcBef>
-              <a:spcAft>
-                <a:spcPts val="0"/>
-              </a:spcAft>
-              <a:buSzPts val="3600"/>
-              <a:buNone/>
-              <a:defRPr sz="3600"/>
+            <a:lvl9pPr lvl="8" algn="l">
+              <a:lnSpc>
+                <a:spcPct val="100000"/>
+              </a:lnSpc>
+              <a:spcBef>
+                <a:spcPts val="0"/>
+              </a:spcBef>
+              <a:spcAft>
+                <a:spcPts val="0"/>
+              </a:spcAft>
+              <a:buSzPts val="2800"/>
+              <a:buNone/>
+              <a:defRPr/>
             </a:lvl9pPr>
           </a:lstStyle>
           <a:p/>
@@ -2666,7 +3936,163 @@
       </p:sp>
       <p:sp>
         <p:nvSpPr>
-          <p:cNvPr id="15" name="Google Shape;15;p3"/>
+          <p:cNvPr id="15" name="Google Shape;15;p13"/>
+          <p:cNvSpPr txBox="1"/>
+          <p:nvPr>
+            <p:ph idx="1" type="body"/>
+          </p:nvPr>
+        </p:nvSpPr>
+        <p:spPr>
+          <a:xfrm>
+            <a:off x="311700" y="1152475"/>
+            <a:ext cx="8520600" cy="3416400"/>
+          </a:xfrm>
+          <a:prstGeom prst="rect">
+            <a:avLst/>
+          </a:prstGeom>
+          <a:noFill/>
+          <a:ln>
+            <a:noFill/>
+          </a:ln>
+        </p:spPr>
+        <p:txBody>
+          <a:bodyPr anchorCtr="0" anchor="t" bIns="91425" lIns="91425" spcFirstLastPara="1" rIns="91425" wrap="square" tIns="91425">
+            <a:normAutofit/>
+          </a:bodyPr>
+          <a:lstStyle>
+            <a:lvl1pPr indent="-342900" lvl="0" marL="457200" algn="l">
+              <a:lnSpc>
+                <a:spcPct val="115000"/>
+              </a:lnSpc>
+              <a:spcBef>
+                <a:spcPts val="0"/>
+              </a:spcBef>
+              <a:spcAft>
+                <a:spcPts val="0"/>
+              </a:spcAft>
+              <a:buSzPts val="1800"/>
+              <a:buChar char="●"/>
+              <a:defRPr/>
+            </a:lvl1pPr>
+            <a:lvl2pPr indent="-317500" lvl="1" marL="914400" algn="l">
+              <a:lnSpc>
+                <a:spcPct val="115000"/>
+              </a:lnSpc>
+              <a:spcBef>
+                <a:spcPts val="0"/>
+              </a:spcBef>
+              <a:spcAft>
+                <a:spcPts val="0"/>
+              </a:spcAft>
+              <a:buSzPts val="1400"/>
+              <a:buChar char="○"/>
+              <a:defRPr/>
+            </a:lvl2pPr>
+            <a:lvl3pPr indent="-317500" lvl="2" marL="1371600" algn="l">
+              <a:lnSpc>
+                <a:spcPct val="115000"/>
+              </a:lnSpc>
+              <a:spcBef>
+                <a:spcPts val="0"/>
+              </a:spcBef>
+              <a:spcAft>
+                <a:spcPts val="0"/>
+              </a:spcAft>
+              <a:buSzPts val="1400"/>
+              <a:buChar char="■"/>
+              <a:defRPr/>
+            </a:lvl3pPr>
+            <a:lvl4pPr indent="-317500" lvl="3" marL="1828800" algn="l">
+              <a:lnSpc>
+                <a:spcPct val="115000"/>
+              </a:lnSpc>
+              <a:spcBef>
+                <a:spcPts val="0"/>
+              </a:spcBef>
+              <a:spcAft>
+                <a:spcPts val="0"/>
+              </a:spcAft>
+              <a:buSzPts val="1400"/>
+              <a:buChar char="●"/>
+              <a:defRPr/>
+            </a:lvl4pPr>
+            <a:lvl5pPr indent="-317500" lvl="4" marL="2286000" algn="l">
+              <a:lnSpc>
+                <a:spcPct val="115000"/>
+              </a:lnSpc>
+              <a:spcBef>
+                <a:spcPts val="0"/>
+              </a:spcBef>
+              <a:spcAft>
+                <a:spcPts val="0"/>
+              </a:spcAft>
+              <a:buSzPts val="1400"/>
+              <a:buChar char="○"/>
+              <a:defRPr/>
+            </a:lvl5pPr>
+            <a:lvl6pPr indent="-317500" lvl="5" marL="2743200" algn="l">
+              <a:lnSpc>
+                <a:spcPct val="115000"/>
+              </a:lnSpc>
+              <a:spcBef>
+                <a:spcPts val="0"/>
+              </a:spcBef>
+              <a:spcAft>
+                <a:spcPts val="0"/>
+              </a:spcAft>
+              <a:buSzPts val="1400"/>
+              <a:buChar char="■"/>
+              <a:defRPr/>
+            </a:lvl6pPr>
+            <a:lvl7pPr indent="-317500" lvl="6" marL="3200400" algn="l">
+              <a:lnSpc>
+                <a:spcPct val="115000"/>
+              </a:lnSpc>
+              <a:spcBef>
+                <a:spcPts val="0"/>
+              </a:spcBef>
+              <a:spcAft>
+                <a:spcPts val="0"/>
+              </a:spcAft>
+              <a:buSzPts val="1400"/>
+              <a:buChar char="●"/>
+              <a:defRPr/>
+            </a:lvl7pPr>
+            <a:lvl8pPr indent="-317500" lvl="7" marL="3657600" algn="l">
+              <a:lnSpc>
+                <a:spcPct val="115000"/>
+              </a:lnSpc>
+              <a:spcBef>
+                <a:spcPts val="0"/>
+              </a:spcBef>
+              <a:spcAft>
+                <a:spcPts val="0"/>
+              </a:spcAft>
+              <a:buSzPts val="1400"/>
+              <a:buChar char="○"/>
+              <a:defRPr/>
+            </a:lvl8pPr>
+            <a:lvl9pPr indent="-317500" lvl="8" marL="4114800" algn="l">
+              <a:lnSpc>
+                <a:spcPct val="115000"/>
+              </a:lnSpc>
+              <a:spcBef>
+                <a:spcPts val="0"/>
+              </a:spcBef>
+              <a:spcAft>
+                <a:spcPts val="0"/>
+              </a:spcAft>
+              <a:buSzPts val="1400"/>
+              <a:buChar char="■"/>
+              <a:defRPr/>
+            </a:lvl9pPr>
+          </a:lstStyle>
+          <a:p/>
+        </p:txBody>
+      </p:sp>
+      <p:sp>
+        <p:nvSpPr>
+          <p:cNvPr id="16" name="Google Shape;16;p13"/>
           <p:cNvSpPr txBox="1"/>
           <p:nvPr>
             <p:ph idx="12" type="sldNum"/>
@@ -2680,47 +4106,249 @@
           <a:prstGeom prst="rect">
             <a:avLst/>
           </a:prstGeom>
+          <a:noFill/>
+          <a:ln>
+            <a:noFill/>
+          </a:ln>
         </p:spPr>
         <p:txBody>
           <a:bodyPr anchorCtr="0" anchor="ctr" bIns="91425" lIns="91425" spcFirstLastPara="1" rIns="91425" wrap="square" tIns="91425">
             <a:normAutofit/>
           </a:bodyPr>
           <a:lstStyle>
-            <a:lvl1pPr lvl="0">
-              <a:buNone/>
-              <a:defRPr/>
+            <a:lvl1pPr indent="0" lvl="0" marL="0" marR="0" algn="r">
+              <a:lnSpc>
+                <a:spcPct val="100000"/>
+              </a:lnSpc>
+              <a:spcBef>
+                <a:spcPts val="0"/>
+              </a:spcBef>
+              <a:spcAft>
+                <a:spcPts val="0"/>
+              </a:spcAft>
+              <a:buClr>
+                <a:srgbClr val="000000"/>
+              </a:buClr>
+              <a:buSzPts val="1000"/>
+              <a:buFont typeface="Arial"/>
+              <a:buNone/>
+              <a:defRPr b="0" i="0" sz="1000" u="none" cap="none" strike="noStrike">
+                <a:solidFill>
+                  <a:schemeClr val="dk2"/>
+                </a:solidFill>
+                <a:latin typeface="Arial"/>
+                <a:ea typeface="Arial"/>
+                <a:cs typeface="Arial"/>
+                <a:sym typeface="Arial"/>
+              </a:defRPr>
             </a:lvl1pPr>
-            <a:lvl2pPr lvl="1">
-              <a:buNone/>
-              <a:defRPr/>
+            <a:lvl2pPr indent="0" lvl="1" marL="0" marR="0" algn="r">
+              <a:lnSpc>
+                <a:spcPct val="100000"/>
+              </a:lnSpc>
+              <a:spcBef>
+                <a:spcPts val="0"/>
+              </a:spcBef>
+              <a:spcAft>
+                <a:spcPts val="0"/>
+              </a:spcAft>
+              <a:buClr>
+                <a:srgbClr val="000000"/>
+              </a:buClr>
+              <a:buSzPts val="1000"/>
+              <a:buFont typeface="Arial"/>
+              <a:buNone/>
+              <a:defRPr b="0" i="0" sz="1000" u="none" cap="none" strike="noStrike">
+                <a:solidFill>
+                  <a:schemeClr val="dk2"/>
+                </a:solidFill>
+                <a:latin typeface="Arial"/>
+                <a:ea typeface="Arial"/>
+                <a:cs typeface="Arial"/>
+                <a:sym typeface="Arial"/>
+              </a:defRPr>
             </a:lvl2pPr>
-            <a:lvl3pPr lvl="2">
-              <a:buNone/>
-              <a:defRPr/>
+            <a:lvl3pPr indent="0" lvl="2" marL="0" marR="0" algn="r">
+              <a:lnSpc>
+                <a:spcPct val="100000"/>
+              </a:lnSpc>
+              <a:spcBef>
+                <a:spcPts val="0"/>
+              </a:spcBef>
+              <a:spcAft>
+                <a:spcPts val="0"/>
+              </a:spcAft>
+              <a:buClr>
+                <a:srgbClr val="000000"/>
+              </a:buClr>
+              <a:buSzPts val="1000"/>
+              <a:buFont typeface="Arial"/>
+              <a:buNone/>
+              <a:defRPr b="0" i="0" sz="1000" u="none" cap="none" strike="noStrike">
+                <a:solidFill>
+                  <a:schemeClr val="dk2"/>
+                </a:solidFill>
+                <a:latin typeface="Arial"/>
+                <a:ea typeface="Arial"/>
+                <a:cs typeface="Arial"/>
+                <a:sym typeface="Arial"/>
+              </a:defRPr>
             </a:lvl3pPr>
-            <a:lvl4pPr lvl="3">
-              <a:buNone/>
-              <a:defRPr/>
+            <a:lvl4pPr indent="0" lvl="3" marL="0" marR="0" algn="r">
+              <a:lnSpc>
+                <a:spcPct val="100000"/>
+              </a:lnSpc>
+              <a:spcBef>
+                <a:spcPts val="0"/>
+              </a:spcBef>
+              <a:spcAft>
+                <a:spcPts val="0"/>
+              </a:spcAft>
+              <a:buClr>
+                <a:srgbClr val="000000"/>
+              </a:buClr>
+              <a:buSzPts val="1000"/>
+              <a:buFont typeface="Arial"/>
+              <a:buNone/>
+              <a:defRPr b="0" i="0" sz="1000" u="none" cap="none" strike="noStrike">
+                <a:solidFill>
+                  <a:schemeClr val="dk2"/>
+                </a:solidFill>
+                <a:latin typeface="Arial"/>
+                <a:ea typeface="Arial"/>
+                <a:cs typeface="Arial"/>
+                <a:sym typeface="Arial"/>
+              </a:defRPr>
             </a:lvl4pPr>
-            <a:lvl5pPr lvl="4">
-              <a:buNone/>
-              <a:defRPr/>
+            <a:lvl5pPr indent="0" lvl="4" marL="0" marR="0" algn="r">
+              <a:lnSpc>
+                <a:spcPct val="100000"/>
+              </a:lnSpc>
+              <a:spcBef>
+                <a:spcPts val="0"/>
+              </a:spcBef>
+              <a:spcAft>
+                <a:spcPts val="0"/>
+              </a:spcAft>
+              <a:buClr>
+                <a:srgbClr val="000000"/>
+              </a:buClr>
+              <a:buSzPts val="1000"/>
+              <a:buFont typeface="Arial"/>
+              <a:buNone/>
+              <a:defRPr b="0" i="0" sz="1000" u="none" cap="none" strike="noStrike">
+                <a:solidFill>
+                  <a:schemeClr val="dk2"/>
+                </a:solidFill>
+                <a:latin typeface="Arial"/>
+                <a:ea typeface="Arial"/>
+                <a:cs typeface="Arial"/>
+                <a:sym typeface="Arial"/>
+              </a:defRPr>
             </a:lvl5pPr>
-            <a:lvl6pPr lvl="5">
-              <a:buNone/>
-              <a:defRPr/>
+            <a:lvl6pPr indent="0" lvl="5" marL="0" marR="0" algn="r">
+              <a:lnSpc>
+                <a:spcPct val="100000"/>
+              </a:lnSpc>
+              <a:spcBef>
+                <a:spcPts val="0"/>
+              </a:spcBef>
+              <a:spcAft>
+                <a:spcPts val="0"/>
+              </a:spcAft>
+              <a:buClr>
+                <a:srgbClr val="000000"/>
+              </a:buClr>
+              <a:buSzPts val="1000"/>
+              <a:buFont typeface="Arial"/>
+              <a:buNone/>
+              <a:defRPr b="0" i="0" sz="1000" u="none" cap="none" strike="noStrike">
+                <a:solidFill>
+                  <a:schemeClr val="dk2"/>
+                </a:solidFill>
+                <a:latin typeface="Arial"/>
+                <a:ea typeface="Arial"/>
+                <a:cs typeface="Arial"/>
+                <a:sym typeface="Arial"/>
+              </a:defRPr>
             </a:lvl6pPr>
-            <a:lvl7pPr lvl="6">
-              <a:buNone/>
-              <a:defRPr/>
+            <a:lvl7pPr indent="0" lvl="6" marL="0" marR="0" algn="r">
+              <a:lnSpc>
+                <a:spcPct val="100000"/>
+              </a:lnSpc>
+              <a:spcBef>
+                <a:spcPts val="0"/>
+              </a:spcBef>
+              <a:spcAft>
+                <a:spcPts val="0"/>
+              </a:spcAft>
+              <a:buClr>
+                <a:srgbClr val="000000"/>
+              </a:buClr>
+              <a:buSzPts val="1000"/>
+              <a:buFont typeface="Arial"/>
+              <a:buNone/>
+              <a:defRPr b="0" i="0" sz="1000" u="none" cap="none" strike="noStrike">
+                <a:solidFill>
+                  <a:schemeClr val="dk2"/>
+                </a:solidFill>
+                <a:latin typeface="Arial"/>
+                <a:ea typeface="Arial"/>
+                <a:cs typeface="Arial"/>
+                <a:sym typeface="Arial"/>
+              </a:defRPr>
             </a:lvl7pPr>
-            <a:lvl8pPr lvl="7">
-              <a:buNone/>
-              <a:defRPr/>
+            <a:lvl8pPr indent="0" lvl="7" marL="0" marR="0" algn="r">
+              <a:lnSpc>
+                <a:spcPct val="100000"/>
+              </a:lnSpc>
+              <a:spcBef>
+                <a:spcPts val="0"/>
+              </a:spcBef>
+              <a:spcAft>
+                <a:spcPts val="0"/>
+              </a:spcAft>
+              <a:buClr>
+                <a:srgbClr val="000000"/>
+              </a:buClr>
+              <a:buSzPts val="1000"/>
+              <a:buFont typeface="Arial"/>
+              <a:buNone/>
+              <a:defRPr b="0" i="0" sz="1000" u="none" cap="none" strike="noStrike">
+                <a:solidFill>
+                  <a:schemeClr val="dk2"/>
+                </a:solidFill>
+                <a:latin typeface="Arial"/>
+                <a:ea typeface="Arial"/>
+                <a:cs typeface="Arial"/>
+                <a:sym typeface="Arial"/>
+              </a:defRPr>
             </a:lvl8pPr>
-            <a:lvl9pPr lvl="8">
-              <a:buNone/>
-              <a:defRPr/>
+            <a:lvl9pPr indent="0" lvl="8" marL="0" marR="0" algn="r">
+              <a:lnSpc>
+                <a:spcPct val="100000"/>
+              </a:lnSpc>
+              <a:spcBef>
+                <a:spcPts val="0"/>
+              </a:spcBef>
+              <a:spcAft>
+                <a:spcPts val="0"/>
+              </a:spcAft>
+              <a:buClr>
+                <a:srgbClr val="000000"/>
+              </a:buClr>
+              <a:buSzPts val="1000"/>
+              <a:buFont typeface="Arial"/>
+              <a:buNone/>
+              <a:defRPr b="0" i="0" sz="1000" u="none" cap="none" strike="noStrike">
+                <a:solidFill>
+                  <a:schemeClr val="dk2"/>
+                </a:solidFill>
+                <a:latin typeface="Arial"/>
+                <a:ea typeface="Arial"/>
+                <a:cs typeface="Arial"/>
+                <a:sym typeface="Arial"/>
+              </a:defRPr>
             </a:lvl9pPr>
           </a:lstStyle>
           <a:p>
@@ -2750,11 +4378,11 @@
 </file>
 
 <file path=ppt/slideLayouts/slideLayout3.xml><?xml version="1.0" encoding="utf-8"?>
-<p:sldLayout xmlns:a="http://schemas.openxmlformats.org/drawingml/2006/main" xmlns:r="http://schemas.openxmlformats.org/officeDocument/2006/relationships" xmlns:mc="http://schemas.openxmlformats.org/markup-compatibility/2006" xmlns:mv="urn:schemas-microsoft-com:mac:vml" xmlns:p="http://schemas.openxmlformats.org/presentationml/2006/main" xmlns:c="http://schemas.openxmlformats.org/drawingml/2006/chart" xmlns:dgm="http://schemas.openxmlformats.org/drawingml/2006/diagram" xmlns:o="urn:schemas-microsoft-com:office:office" xmlns:v="urn:schemas-microsoft-com:vml" xmlns:pvml="urn:schemas-microsoft-com:office:powerpoint" xmlns:com="http://schemas.openxmlformats.org/drawingml/2006/compatibility" xmlns:p14="http://schemas.microsoft.com/office/powerpoint/2010/main" xmlns:p15="http://schemas.microsoft.com/office/powerpoint/2012/main" xmlns:ahyp="http://schemas.microsoft.com/office/drawing/2018/hyperlinkcolor" matchingName="Title and body" type="tx">
-  <p:cSld name="TITLE_AND_BODY">
+<p:sldLayout xmlns:a="http://schemas.openxmlformats.org/drawingml/2006/main" xmlns:r="http://schemas.openxmlformats.org/officeDocument/2006/relationships" xmlns:mc="http://schemas.openxmlformats.org/markup-compatibility/2006" xmlns:mv="urn:schemas-microsoft-com:mac:vml" xmlns:p="http://schemas.openxmlformats.org/presentationml/2006/main" xmlns:c="http://schemas.openxmlformats.org/drawingml/2006/chart" xmlns:dgm="http://schemas.openxmlformats.org/drawingml/2006/diagram" xmlns:o="urn:schemas-microsoft-com:office:office" xmlns:v="urn:schemas-microsoft-com:vml" xmlns:pvml="urn:schemas-microsoft-com:office:powerpoint" xmlns:com="http://schemas.openxmlformats.org/drawingml/2006/compatibility" xmlns:p14="http://schemas.microsoft.com/office/powerpoint/2010/main" xmlns:p15="http://schemas.microsoft.com/office/powerpoint/2012/main" xmlns:ahyp="http://schemas.microsoft.com/office/drawing/2018/hyperlinkcolor" matchingName="Section header" type="secHead">
+  <p:cSld name="SECTION_HEADER">
     <p:spTree>
       <p:nvGrpSpPr>
-        <p:cNvPr id="16" name="Shape 16"/>
+        <p:cNvPr id="17" name="Shape 17"/>
         <p:cNvGrpSpPr/>
         <p:nvPr/>
       </p:nvGrpSpPr>
@@ -2768,7 +4396,7 @@
       </p:grpSpPr>
       <p:sp>
         <p:nvSpPr>
-          <p:cNvPr id="17" name="Google Shape;17;p4"/>
+          <p:cNvPr id="18" name="Google Shape;18;p14"/>
           <p:cNvSpPr txBox="1"/>
           <p:nvPr>
             <p:ph type="title"/>
@@ -2776,116 +4404,147 @@
         </p:nvSpPr>
         <p:spPr>
           <a:xfrm>
-            <a:off x="311700" y="445025"/>
-            <a:ext cx="8520600" cy="572700"/>
+            <a:off x="311700" y="2150850"/>
+            <a:ext cx="8520600" cy="841800"/>
           </a:xfrm>
           <a:prstGeom prst="rect">
             <a:avLst/>
           </a:prstGeom>
+          <a:noFill/>
+          <a:ln>
+            <a:noFill/>
+          </a:ln>
         </p:spPr>
         <p:txBody>
-          <a:bodyPr anchorCtr="0" anchor="t" bIns="91425" lIns="91425" spcFirstLastPara="1" rIns="91425" wrap="square" tIns="91425">
+          <a:bodyPr anchorCtr="0" anchor="ctr" bIns="91425" lIns="91425" spcFirstLastPara="1" rIns="91425" wrap="square" tIns="91425">
             <a:normAutofit/>
           </a:bodyPr>
           <a:lstStyle>
-            <a:lvl1pPr lvl="0">
-              <a:spcBef>
-                <a:spcPts val="0"/>
-              </a:spcBef>
-              <a:spcAft>
-                <a:spcPts val="0"/>
-              </a:spcAft>
-              <a:buSzPts val="2800"/>
-              <a:buNone/>
-              <a:defRPr/>
+            <a:lvl1pPr lvl="0" algn="ctr">
+              <a:lnSpc>
+                <a:spcPct val="100000"/>
+              </a:lnSpc>
+              <a:spcBef>
+                <a:spcPts val="0"/>
+              </a:spcBef>
+              <a:spcAft>
+                <a:spcPts val="0"/>
+              </a:spcAft>
+              <a:buSzPts val="3600"/>
+              <a:buNone/>
+              <a:defRPr sz="3600"/>
             </a:lvl1pPr>
-            <a:lvl2pPr lvl="1">
-              <a:spcBef>
-                <a:spcPts val="0"/>
-              </a:spcBef>
-              <a:spcAft>
-                <a:spcPts val="0"/>
-              </a:spcAft>
-              <a:buSzPts val="2800"/>
-              <a:buNone/>
-              <a:defRPr/>
+            <a:lvl2pPr lvl="1" algn="ctr">
+              <a:lnSpc>
+                <a:spcPct val="100000"/>
+              </a:lnSpc>
+              <a:spcBef>
+                <a:spcPts val="0"/>
+              </a:spcBef>
+              <a:spcAft>
+                <a:spcPts val="0"/>
+              </a:spcAft>
+              <a:buSzPts val="3600"/>
+              <a:buNone/>
+              <a:defRPr sz="3600"/>
             </a:lvl2pPr>
-            <a:lvl3pPr lvl="2">
-              <a:spcBef>
-                <a:spcPts val="0"/>
-              </a:spcBef>
-              <a:spcAft>
-                <a:spcPts val="0"/>
-              </a:spcAft>
-              <a:buSzPts val="2800"/>
-              <a:buNone/>
-              <a:defRPr/>
+            <a:lvl3pPr lvl="2" algn="ctr">
+              <a:lnSpc>
+                <a:spcPct val="100000"/>
+              </a:lnSpc>
+              <a:spcBef>
+                <a:spcPts val="0"/>
+              </a:spcBef>
+              <a:spcAft>
+                <a:spcPts val="0"/>
+              </a:spcAft>
+              <a:buSzPts val="3600"/>
+              <a:buNone/>
+              <a:defRPr sz="3600"/>
             </a:lvl3pPr>
-            <a:lvl4pPr lvl="3">
-              <a:spcBef>
-                <a:spcPts val="0"/>
-              </a:spcBef>
-              <a:spcAft>
-                <a:spcPts val="0"/>
-              </a:spcAft>
-              <a:buSzPts val="2800"/>
-              <a:buNone/>
-              <a:defRPr/>
+            <a:lvl4pPr lvl="3" algn="ctr">
+              <a:lnSpc>
+                <a:spcPct val="100000"/>
+              </a:lnSpc>
+              <a:spcBef>
+                <a:spcPts val="0"/>
+              </a:spcBef>
+              <a:spcAft>
+                <a:spcPts val="0"/>
+              </a:spcAft>
+              <a:buSzPts val="3600"/>
+              <a:buNone/>
+              <a:defRPr sz="3600"/>
             </a:lvl4pPr>
-            <a:lvl5pPr lvl="4">
-              <a:spcBef>
-                <a:spcPts val="0"/>
-              </a:spcBef>
-              <a:spcAft>
-                <a:spcPts val="0"/>
-              </a:spcAft>
-              <a:buSzPts val="2800"/>
-              <a:buNone/>
-              <a:defRPr/>
+            <a:lvl5pPr lvl="4" algn="ctr">
+              <a:lnSpc>
+                <a:spcPct val="100000"/>
+              </a:lnSpc>
+              <a:spcBef>
+                <a:spcPts val="0"/>
+              </a:spcBef>
+              <a:spcAft>
+                <a:spcPts val="0"/>
+              </a:spcAft>
+              <a:buSzPts val="3600"/>
+              <a:buNone/>
+              <a:defRPr sz="3600"/>
             </a:lvl5pPr>
-            <a:lvl6pPr lvl="5">
-              <a:spcBef>
-                <a:spcPts val="0"/>
-              </a:spcBef>
-              <a:spcAft>
-                <a:spcPts val="0"/>
-              </a:spcAft>
-              <a:buSzPts val="2800"/>
-              <a:buNone/>
-              <a:defRPr/>
+            <a:lvl6pPr lvl="5" algn="ctr">
+              <a:lnSpc>
+                <a:spcPct val="100000"/>
+              </a:lnSpc>
+              <a:spcBef>
+                <a:spcPts val="0"/>
+              </a:spcBef>
+              <a:spcAft>
+                <a:spcPts val="0"/>
+              </a:spcAft>
+              <a:buSzPts val="3600"/>
+              <a:buNone/>
+              <a:defRPr sz="3600"/>
             </a:lvl6pPr>
-            <a:lvl7pPr lvl="6">
-              <a:spcBef>
-                <a:spcPts val="0"/>
-              </a:spcBef>
-              <a:spcAft>
-                <a:spcPts val="0"/>
-              </a:spcAft>
-              <a:buSzPts val="2800"/>
-              <a:buNone/>
-              <a:defRPr/>
+            <a:lvl7pPr lvl="6" algn="ctr">
+              <a:lnSpc>
+                <a:spcPct val="100000"/>
+              </a:lnSpc>
+              <a:spcBef>
+                <a:spcPts val="0"/>
+              </a:spcBef>
+              <a:spcAft>
+                <a:spcPts val="0"/>
+              </a:spcAft>
+              <a:buSzPts val="3600"/>
+              <a:buNone/>
+              <a:defRPr sz="3600"/>
             </a:lvl7pPr>
-            <a:lvl8pPr lvl="7">
-              <a:spcBef>
-                <a:spcPts val="0"/>
-              </a:spcBef>
-              <a:spcAft>
-                <a:spcPts val="0"/>
-              </a:spcAft>
-              <a:buSzPts val="2800"/>
-              <a:buNone/>
-              <a:defRPr/>
+            <a:lvl8pPr lvl="7" algn="ctr">
+              <a:lnSpc>
+                <a:spcPct val="100000"/>
+              </a:lnSpc>
+              <a:spcBef>
+                <a:spcPts val="0"/>
+              </a:spcBef>
+              <a:spcAft>
+                <a:spcPts val="0"/>
+              </a:spcAft>
+              <a:buSzPts val="3600"/>
+              <a:buNone/>
+              <a:defRPr sz="3600"/>
             </a:lvl8pPr>
-            <a:lvl9pPr lvl="8">
-              <a:spcBef>
-                <a:spcPts val="0"/>
-              </a:spcBef>
-              <a:spcAft>
-                <a:spcPts val="0"/>
-              </a:spcAft>
-              <a:buSzPts val="2800"/>
-              <a:buNone/>
-              <a:defRPr/>
+            <a:lvl9pPr lvl="8" algn="ctr">
+              <a:lnSpc>
+                <a:spcPct val="100000"/>
+              </a:lnSpc>
+              <a:spcBef>
+                <a:spcPts val="0"/>
+              </a:spcBef>
+              <a:spcAft>
+                <a:spcPts val="0"/>
+              </a:spcAft>
+              <a:buSzPts val="3600"/>
+              <a:buNone/>
+              <a:defRPr sz="3600"/>
             </a:lvl9pPr>
           </a:lstStyle>
           <a:p/>
@@ -2893,132 +4552,7 @@
       </p:sp>
       <p:sp>
         <p:nvSpPr>
-          <p:cNvPr id="18" name="Google Shape;18;p4"/>
-          <p:cNvSpPr txBox="1"/>
-          <p:nvPr>
-            <p:ph idx="1" type="body"/>
-          </p:nvPr>
-        </p:nvSpPr>
-        <p:spPr>
-          <a:xfrm>
-            <a:off x="311700" y="1152475"/>
-            <a:ext cx="8520600" cy="3416400"/>
-          </a:xfrm>
-          <a:prstGeom prst="rect">
-            <a:avLst/>
-          </a:prstGeom>
-        </p:spPr>
-        <p:txBody>
-          <a:bodyPr anchorCtr="0" anchor="t" bIns="91425" lIns="91425" spcFirstLastPara="1" rIns="91425" wrap="square" tIns="91425">
-            <a:normAutofit/>
-          </a:bodyPr>
-          <a:lstStyle>
-            <a:lvl1pPr indent="-342900" lvl="0" marL="457200">
-              <a:spcBef>
-                <a:spcPts val="0"/>
-              </a:spcBef>
-              <a:spcAft>
-                <a:spcPts val="0"/>
-              </a:spcAft>
-              <a:buSzPts val="1800"/>
-              <a:buChar char="●"/>
-              <a:defRPr/>
-            </a:lvl1pPr>
-            <a:lvl2pPr indent="-317500" lvl="1" marL="914400">
-              <a:spcBef>
-                <a:spcPts val="0"/>
-              </a:spcBef>
-              <a:spcAft>
-                <a:spcPts val="0"/>
-              </a:spcAft>
-              <a:buSzPts val="1400"/>
-              <a:buChar char="○"/>
-              <a:defRPr/>
-            </a:lvl2pPr>
-            <a:lvl3pPr indent="-317500" lvl="2" marL="1371600">
-              <a:spcBef>
-                <a:spcPts val="0"/>
-              </a:spcBef>
-              <a:spcAft>
-                <a:spcPts val="0"/>
-              </a:spcAft>
-              <a:buSzPts val="1400"/>
-              <a:buChar char="■"/>
-              <a:defRPr/>
-            </a:lvl3pPr>
-            <a:lvl4pPr indent="-317500" lvl="3" marL="1828800">
-              <a:spcBef>
-                <a:spcPts val="0"/>
-              </a:spcBef>
-              <a:spcAft>
-                <a:spcPts val="0"/>
-              </a:spcAft>
-              <a:buSzPts val="1400"/>
-              <a:buChar char="●"/>
-              <a:defRPr/>
-            </a:lvl4pPr>
-            <a:lvl5pPr indent="-317500" lvl="4" marL="2286000">
-              <a:spcBef>
-                <a:spcPts val="0"/>
-              </a:spcBef>
-              <a:spcAft>
-                <a:spcPts val="0"/>
-              </a:spcAft>
-              <a:buSzPts val="1400"/>
-              <a:buChar char="○"/>
-              <a:defRPr/>
-            </a:lvl5pPr>
-            <a:lvl6pPr indent="-317500" lvl="5" marL="2743200">
-              <a:spcBef>
-                <a:spcPts val="0"/>
-              </a:spcBef>
-              <a:spcAft>
-                <a:spcPts val="0"/>
-              </a:spcAft>
-              <a:buSzPts val="1400"/>
-              <a:buChar char="■"/>
-              <a:defRPr/>
-            </a:lvl6pPr>
-            <a:lvl7pPr indent="-317500" lvl="6" marL="3200400">
-              <a:spcBef>
-                <a:spcPts val="0"/>
-              </a:spcBef>
-              <a:spcAft>
-                <a:spcPts val="0"/>
-              </a:spcAft>
-              <a:buSzPts val="1400"/>
-              <a:buChar char="●"/>
-              <a:defRPr/>
-            </a:lvl7pPr>
-            <a:lvl8pPr indent="-317500" lvl="7" marL="3657600">
-              <a:spcBef>
-                <a:spcPts val="0"/>
-              </a:spcBef>
-              <a:spcAft>
-                <a:spcPts val="0"/>
-              </a:spcAft>
-              <a:buSzPts val="1400"/>
-              <a:buChar char="○"/>
-              <a:defRPr/>
-            </a:lvl8pPr>
-            <a:lvl9pPr indent="-317500" lvl="8" marL="4114800">
-              <a:spcBef>
-                <a:spcPts val="0"/>
-              </a:spcBef>
-              <a:spcAft>
-                <a:spcPts val="0"/>
-              </a:spcAft>
-              <a:buSzPts val="1400"/>
-              <a:buChar char="■"/>
-              <a:defRPr/>
-            </a:lvl9pPr>
-          </a:lstStyle>
-          <a:p/>
-        </p:txBody>
-      </p:sp>
-      <p:sp>
-        <p:nvSpPr>
-          <p:cNvPr id="19" name="Google Shape;19;p4"/>
+          <p:cNvPr id="19" name="Google Shape;19;p14"/>
           <p:cNvSpPr txBox="1"/>
           <p:nvPr>
             <p:ph idx="12" type="sldNum"/>
@@ -3032,47 +4566,249 @@
           <a:prstGeom prst="rect">
             <a:avLst/>
           </a:prstGeom>
+          <a:noFill/>
+          <a:ln>
+            <a:noFill/>
+          </a:ln>
         </p:spPr>
         <p:txBody>
           <a:bodyPr anchorCtr="0" anchor="ctr" bIns="91425" lIns="91425" spcFirstLastPara="1" rIns="91425" wrap="square" tIns="91425">
             <a:normAutofit/>
           </a:bodyPr>
           <a:lstStyle>
-            <a:lvl1pPr lvl="0">
-              <a:buNone/>
-              <a:defRPr/>
+            <a:lvl1pPr indent="0" lvl="0" marL="0" marR="0" algn="r">
+              <a:lnSpc>
+                <a:spcPct val="100000"/>
+              </a:lnSpc>
+              <a:spcBef>
+                <a:spcPts val="0"/>
+              </a:spcBef>
+              <a:spcAft>
+                <a:spcPts val="0"/>
+              </a:spcAft>
+              <a:buClr>
+                <a:srgbClr val="000000"/>
+              </a:buClr>
+              <a:buSzPts val="1000"/>
+              <a:buFont typeface="Arial"/>
+              <a:buNone/>
+              <a:defRPr b="0" i="0" sz="1000" u="none" cap="none" strike="noStrike">
+                <a:solidFill>
+                  <a:schemeClr val="dk2"/>
+                </a:solidFill>
+                <a:latin typeface="Arial"/>
+                <a:ea typeface="Arial"/>
+                <a:cs typeface="Arial"/>
+                <a:sym typeface="Arial"/>
+              </a:defRPr>
             </a:lvl1pPr>
-            <a:lvl2pPr lvl="1">
-              <a:buNone/>
-              <a:defRPr/>
+            <a:lvl2pPr indent="0" lvl="1" marL="0" marR="0" algn="r">
+              <a:lnSpc>
+                <a:spcPct val="100000"/>
+              </a:lnSpc>
+              <a:spcBef>
+                <a:spcPts val="0"/>
+              </a:spcBef>
+              <a:spcAft>
+                <a:spcPts val="0"/>
+              </a:spcAft>
+              <a:buClr>
+                <a:srgbClr val="000000"/>
+              </a:buClr>
+              <a:buSzPts val="1000"/>
+              <a:buFont typeface="Arial"/>
+              <a:buNone/>
+              <a:defRPr b="0" i="0" sz="1000" u="none" cap="none" strike="noStrike">
+                <a:solidFill>
+                  <a:schemeClr val="dk2"/>
+                </a:solidFill>
+                <a:latin typeface="Arial"/>
+                <a:ea typeface="Arial"/>
+                <a:cs typeface="Arial"/>
+                <a:sym typeface="Arial"/>
+              </a:defRPr>
             </a:lvl2pPr>
-            <a:lvl3pPr lvl="2">
-              <a:buNone/>
-              <a:defRPr/>
+            <a:lvl3pPr indent="0" lvl="2" marL="0" marR="0" algn="r">
+              <a:lnSpc>
+                <a:spcPct val="100000"/>
+              </a:lnSpc>
+              <a:spcBef>
+                <a:spcPts val="0"/>
+              </a:spcBef>
+              <a:spcAft>
+                <a:spcPts val="0"/>
+              </a:spcAft>
+              <a:buClr>
+                <a:srgbClr val="000000"/>
+              </a:buClr>
+              <a:buSzPts val="1000"/>
+              <a:buFont typeface="Arial"/>
+              <a:buNone/>
+              <a:defRPr b="0" i="0" sz="1000" u="none" cap="none" strike="noStrike">
+                <a:solidFill>
+                  <a:schemeClr val="dk2"/>
+                </a:solidFill>
+                <a:latin typeface="Arial"/>
+                <a:ea typeface="Arial"/>
+                <a:cs typeface="Arial"/>
+                <a:sym typeface="Arial"/>
+              </a:defRPr>
             </a:lvl3pPr>
-            <a:lvl4pPr lvl="3">
-              <a:buNone/>
-              <a:defRPr/>
+            <a:lvl4pPr indent="0" lvl="3" marL="0" marR="0" algn="r">
+              <a:lnSpc>
+                <a:spcPct val="100000"/>
+              </a:lnSpc>
+              <a:spcBef>
+                <a:spcPts val="0"/>
+              </a:spcBef>
+              <a:spcAft>
+                <a:spcPts val="0"/>
+              </a:spcAft>
+              <a:buClr>
+                <a:srgbClr val="000000"/>
+              </a:buClr>
+              <a:buSzPts val="1000"/>
+              <a:buFont typeface="Arial"/>
+              <a:buNone/>
+              <a:defRPr b="0" i="0" sz="1000" u="none" cap="none" strike="noStrike">
+                <a:solidFill>
+                  <a:schemeClr val="dk2"/>
+                </a:solidFill>
+                <a:latin typeface="Arial"/>
+                <a:ea typeface="Arial"/>
+                <a:cs typeface="Arial"/>
+                <a:sym typeface="Arial"/>
+              </a:defRPr>
             </a:lvl4pPr>
-            <a:lvl5pPr lvl="4">
-              <a:buNone/>
-              <a:defRPr/>
+            <a:lvl5pPr indent="0" lvl="4" marL="0" marR="0" algn="r">
+              <a:lnSpc>
+                <a:spcPct val="100000"/>
+              </a:lnSpc>
+              <a:spcBef>
+                <a:spcPts val="0"/>
+              </a:spcBef>
+              <a:spcAft>
+                <a:spcPts val="0"/>
+              </a:spcAft>
+              <a:buClr>
+                <a:srgbClr val="000000"/>
+              </a:buClr>
+              <a:buSzPts val="1000"/>
+              <a:buFont typeface="Arial"/>
+              <a:buNone/>
+              <a:defRPr b="0" i="0" sz="1000" u="none" cap="none" strike="noStrike">
+                <a:solidFill>
+                  <a:schemeClr val="dk2"/>
+                </a:solidFill>
+                <a:latin typeface="Arial"/>
+                <a:ea typeface="Arial"/>
+                <a:cs typeface="Arial"/>
+                <a:sym typeface="Arial"/>
+              </a:defRPr>
             </a:lvl5pPr>
-            <a:lvl6pPr lvl="5">
-              <a:buNone/>
-              <a:defRPr/>
+            <a:lvl6pPr indent="0" lvl="5" marL="0" marR="0" algn="r">
+              <a:lnSpc>
+                <a:spcPct val="100000"/>
+              </a:lnSpc>
+              <a:spcBef>
+                <a:spcPts val="0"/>
+              </a:spcBef>
+              <a:spcAft>
+                <a:spcPts val="0"/>
+              </a:spcAft>
+              <a:buClr>
+                <a:srgbClr val="000000"/>
+              </a:buClr>
+              <a:buSzPts val="1000"/>
+              <a:buFont typeface="Arial"/>
+              <a:buNone/>
+              <a:defRPr b="0" i="0" sz="1000" u="none" cap="none" strike="noStrike">
+                <a:solidFill>
+                  <a:schemeClr val="dk2"/>
+                </a:solidFill>
+                <a:latin typeface="Arial"/>
+                <a:ea typeface="Arial"/>
+                <a:cs typeface="Arial"/>
+                <a:sym typeface="Arial"/>
+              </a:defRPr>
             </a:lvl6pPr>
-            <a:lvl7pPr lvl="6">
-              <a:buNone/>
-              <a:defRPr/>
+            <a:lvl7pPr indent="0" lvl="6" marL="0" marR="0" algn="r">
+              <a:lnSpc>
+                <a:spcPct val="100000"/>
+              </a:lnSpc>
+              <a:spcBef>
+                <a:spcPts val="0"/>
+              </a:spcBef>
+              <a:spcAft>
+                <a:spcPts val="0"/>
+              </a:spcAft>
+              <a:buClr>
+                <a:srgbClr val="000000"/>
+              </a:buClr>
+              <a:buSzPts val="1000"/>
+              <a:buFont typeface="Arial"/>
+              <a:buNone/>
+              <a:defRPr b="0" i="0" sz="1000" u="none" cap="none" strike="noStrike">
+                <a:solidFill>
+                  <a:schemeClr val="dk2"/>
+                </a:solidFill>
+                <a:latin typeface="Arial"/>
+                <a:ea typeface="Arial"/>
+                <a:cs typeface="Arial"/>
+                <a:sym typeface="Arial"/>
+              </a:defRPr>
             </a:lvl7pPr>
-            <a:lvl8pPr lvl="7">
-              <a:buNone/>
-              <a:defRPr/>
+            <a:lvl8pPr indent="0" lvl="7" marL="0" marR="0" algn="r">
+              <a:lnSpc>
+                <a:spcPct val="100000"/>
+              </a:lnSpc>
+              <a:spcBef>
+                <a:spcPts val="0"/>
+              </a:spcBef>
+              <a:spcAft>
+                <a:spcPts val="0"/>
+              </a:spcAft>
+              <a:buClr>
+                <a:srgbClr val="000000"/>
+              </a:buClr>
+              <a:buSzPts val="1000"/>
+              <a:buFont typeface="Arial"/>
+              <a:buNone/>
+              <a:defRPr b="0" i="0" sz="1000" u="none" cap="none" strike="noStrike">
+                <a:solidFill>
+                  <a:schemeClr val="dk2"/>
+                </a:solidFill>
+                <a:latin typeface="Arial"/>
+                <a:ea typeface="Arial"/>
+                <a:cs typeface="Arial"/>
+                <a:sym typeface="Arial"/>
+              </a:defRPr>
             </a:lvl8pPr>
-            <a:lvl9pPr lvl="8">
-              <a:buNone/>
-              <a:defRPr/>
+            <a:lvl9pPr indent="0" lvl="8" marL="0" marR="0" algn="r">
+              <a:lnSpc>
+                <a:spcPct val="100000"/>
+              </a:lnSpc>
+              <a:spcBef>
+                <a:spcPts val="0"/>
+              </a:spcBef>
+              <a:spcAft>
+                <a:spcPts val="0"/>
+              </a:spcAft>
+              <a:buClr>
+                <a:srgbClr val="000000"/>
+              </a:buClr>
+              <a:buSzPts val="1000"/>
+              <a:buFont typeface="Arial"/>
+              <a:buNone/>
+              <a:defRPr b="0" i="0" sz="1000" u="none" cap="none" strike="noStrike">
+                <a:solidFill>
+                  <a:schemeClr val="dk2"/>
+                </a:solidFill>
+                <a:latin typeface="Arial"/>
+                <a:ea typeface="Arial"/>
+                <a:cs typeface="Arial"/>
+                <a:sym typeface="Arial"/>
+              </a:defRPr>
             </a:lvl9pPr>
           </a:lstStyle>
           <a:p>
@@ -3120,7 +4856,7 @@
       </p:grpSpPr>
       <p:sp>
         <p:nvSpPr>
-          <p:cNvPr id="21" name="Google Shape;21;p5"/>
+          <p:cNvPr id="21" name="Google Shape;21;p15"/>
           <p:cNvSpPr txBox="1"/>
           <p:nvPr>
             <p:ph type="title"/>
@@ -3134,13 +4870,20 @@
           <a:prstGeom prst="rect">
             <a:avLst/>
           </a:prstGeom>
+          <a:noFill/>
+          <a:ln>
+            <a:noFill/>
+          </a:ln>
         </p:spPr>
         <p:txBody>
           <a:bodyPr anchorCtr="0" anchor="t" bIns="91425" lIns="91425" spcFirstLastPara="1" rIns="91425" wrap="square" tIns="91425">
             <a:normAutofit/>
           </a:bodyPr>
           <a:lstStyle>
-            <a:lvl1pPr lvl="0">
+            <a:lvl1pPr lvl="0" algn="l">
+              <a:lnSpc>
+                <a:spcPct val="100000"/>
+              </a:lnSpc>
               <a:spcBef>
                 <a:spcPts val="0"/>
               </a:spcBef>
@@ -3151,7 +4894,10 @@
               <a:buNone/>
               <a:defRPr/>
             </a:lvl1pPr>
-            <a:lvl2pPr lvl="1">
+            <a:lvl2pPr lvl="1" algn="l">
+              <a:lnSpc>
+                <a:spcPct val="100000"/>
+              </a:lnSpc>
               <a:spcBef>
                 <a:spcPts val="0"/>
               </a:spcBef>
@@ -3162,7 +4908,10 @@
               <a:buNone/>
               <a:defRPr/>
             </a:lvl2pPr>
-            <a:lvl3pPr lvl="2">
+            <a:lvl3pPr lvl="2" algn="l">
+              <a:lnSpc>
+                <a:spcPct val="100000"/>
+              </a:lnSpc>
               <a:spcBef>
                 <a:spcPts val="0"/>
               </a:spcBef>
@@ -3173,7 +4922,10 @@
               <a:buNone/>
               <a:defRPr/>
             </a:lvl3pPr>
-            <a:lvl4pPr lvl="3">
+            <a:lvl4pPr lvl="3" algn="l">
+              <a:lnSpc>
+                <a:spcPct val="100000"/>
+              </a:lnSpc>
               <a:spcBef>
                 <a:spcPts val="0"/>
               </a:spcBef>
@@ -3184,7 +4936,10 @@
               <a:buNone/>
               <a:defRPr/>
             </a:lvl4pPr>
-            <a:lvl5pPr lvl="4">
+            <a:lvl5pPr lvl="4" algn="l">
+              <a:lnSpc>
+                <a:spcPct val="100000"/>
+              </a:lnSpc>
               <a:spcBef>
                 <a:spcPts val="0"/>
               </a:spcBef>
@@ -3195,7 +4950,10 @@
               <a:buNone/>
               <a:defRPr/>
             </a:lvl5pPr>
-            <a:lvl6pPr lvl="5">
+            <a:lvl6pPr lvl="5" algn="l">
+              <a:lnSpc>
+                <a:spcPct val="100000"/>
+              </a:lnSpc>
               <a:spcBef>
                 <a:spcPts val="0"/>
               </a:spcBef>
@@ -3206,7 +4964,10 @@
               <a:buNone/>
               <a:defRPr/>
             </a:lvl6pPr>
-            <a:lvl7pPr lvl="6">
+            <a:lvl7pPr lvl="6" algn="l">
+              <a:lnSpc>
+                <a:spcPct val="100000"/>
+              </a:lnSpc>
               <a:spcBef>
                 <a:spcPts val="0"/>
               </a:spcBef>
@@ -3217,7 +4978,10 @@
               <a:buNone/>
               <a:defRPr/>
             </a:lvl7pPr>
-            <a:lvl8pPr lvl="7">
+            <a:lvl8pPr lvl="7" algn="l">
+              <a:lnSpc>
+                <a:spcPct val="100000"/>
+              </a:lnSpc>
               <a:spcBef>
                 <a:spcPts val="0"/>
               </a:spcBef>
@@ -3228,7 +4992,10 @@
               <a:buNone/>
               <a:defRPr/>
             </a:lvl8pPr>
-            <a:lvl9pPr lvl="8">
+            <a:lvl9pPr lvl="8" algn="l">
+              <a:lnSpc>
+                <a:spcPct val="100000"/>
+              </a:lnSpc>
               <a:spcBef>
                 <a:spcPts val="0"/>
               </a:spcBef>
@@ -3245,7 +5012,7 @@
       </p:sp>
       <p:sp>
         <p:nvSpPr>
-          <p:cNvPr id="22" name="Google Shape;22;p5"/>
+          <p:cNvPr id="22" name="Google Shape;22;p15"/>
           <p:cNvSpPr txBox="1"/>
           <p:nvPr>
             <p:ph idx="1" type="body"/>
@@ -3259,13 +5026,20 @@
           <a:prstGeom prst="rect">
             <a:avLst/>
           </a:prstGeom>
+          <a:noFill/>
+          <a:ln>
+            <a:noFill/>
+          </a:ln>
         </p:spPr>
         <p:txBody>
           <a:bodyPr anchorCtr="0" anchor="t" bIns="91425" lIns="91425" spcFirstLastPara="1" rIns="91425" wrap="square" tIns="91425">
             <a:normAutofit/>
           </a:bodyPr>
           <a:lstStyle>
-            <a:lvl1pPr indent="-317500" lvl="0" marL="457200">
+            <a:lvl1pPr indent="-317500" lvl="0" marL="457200" algn="l">
+              <a:lnSpc>
+                <a:spcPct val="115000"/>
+              </a:lnSpc>
               <a:spcBef>
                 <a:spcPts val="0"/>
               </a:spcBef>
@@ -3276,7 +5050,10 @@
               <a:buChar char="●"/>
               <a:defRPr sz="1400"/>
             </a:lvl1pPr>
-            <a:lvl2pPr indent="-304800" lvl="1" marL="914400">
+            <a:lvl2pPr indent="-304800" lvl="1" marL="914400" algn="l">
+              <a:lnSpc>
+                <a:spcPct val="115000"/>
+              </a:lnSpc>
               <a:spcBef>
                 <a:spcPts val="0"/>
               </a:spcBef>
@@ -3287,7 +5064,10 @@
               <a:buChar char="○"/>
               <a:defRPr sz="1200"/>
             </a:lvl2pPr>
-            <a:lvl3pPr indent="-304800" lvl="2" marL="1371600">
+            <a:lvl3pPr indent="-304800" lvl="2" marL="1371600" algn="l">
+              <a:lnSpc>
+                <a:spcPct val="115000"/>
+              </a:lnSpc>
               <a:spcBef>
                 <a:spcPts val="0"/>
               </a:spcBef>
@@ -3298,7 +5078,10 @@
               <a:buChar char="■"/>
               <a:defRPr sz="1200"/>
             </a:lvl3pPr>
-            <a:lvl4pPr indent="-304800" lvl="3" marL="1828800">
+            <a:lvl4pPr indent="-304800" lvl="3" marL="1828800" algn="l">
+              <a:lnSpc>
+                <a:spcPct val="115000"/>
+              </a:lnSpc>
               <a:spcBef>
                 <a:spcPts val="0"/>
               </a:spcBef>
@@ -3309,7 +5092,10 @@
               <a:buChar char="●"/>
               <a:defRPr sz="1200"/>
             </a:lvl4pPr>
-            <a:lvl5pPr indent="-304800" lvl="4" marL="2286000">
+            <a:lvl5pPr indent="-304800" lvl="4" marL="2286000" algn="l">
+              <a:lnSpc>
+                <a:spcPct val="115000"/>
+              </a:lnSpc>
               <a:spcBef>
                 <a:spcPts val="0"/>
               </a:spcBef>
@@ -3320,7 +5106,10 @@
               <a:buChar char="○"/>
               <a:defRPr sz="1200"/>
             </a:lvl5pPr>
-            <a:lvl6pPr indent="-304800" lvl="5" marL="2743200">
+            <a:lvl6pPr indent="-304800" lvl="5" marL="2743200" algn="l">
+              <a:lnSpc>
+                <a:spcPct val="115000"/>
+              </a:lnSpc>
               <a:spcBef>
                 <a:spcPts val="0"/>
               </a:spcBef>
@@ -3331,7 +5120,10 @@
               <a:buChar char="■"/>
               <a:defRPr sz="1200"/>
             </a:lvl6pPr>
-            <a:lvl7pPr indent="-304800" lvl="6" marL="3200400">
+            <a:lvl7pPr indent="-304800" lvl="6" marL="3200400" algn="l">
+              <a:lnSpc>
+                <a:spcPct val="115000"/>
+              </a:lnSpc>
               <a:spcBef>
                 <a:spcPts val="0"/>
               </a:spcBef>
@@ -3342,7 +5134,10 @@
               <a:buChar char="●"/>
               <a:defRPr sz="1200"/>
             </a:lvl7pPr>
-            <a:lvl8pPr indent="-304800" lvl="7" marL="3657600">
+            <a:lvl8pPr indent="-304800" lvl="7" marL="3657600" algn="l">
+              <a:lnSpc>
+                <a:spcPct val="115000"/>
+              </a:lnSpc>
               <a:spcBef>
                 <a:spcPts val="0"/>
               </a:spcBef>
@@ -3353,7 +5148,10 @@
               <a:buChar char="○"/>
               <a:defRPr sz="1200"/>
             </a:lvl8pPr>
-            <a:lvl9pPr indent="-304800" lvl="8" marL="4114800">
+            <a:lvl9pPr indent="-304800" lvl="8" marL="4114800" algn="l">
+              <a:lnSpc>
+                <a:spcPct val="115000"/>
+              </a:lnSpc>
               <a:spcBef>
                 <a:spcPts val="0"/>
               </a:spcBef>
@@ -3370,7 +5168,7 @@
       </p:sp>
       <p:sp>
         <p:nvSpPr>
-          <p:cNvPr id="23" name="Google Shape;23;p5"/>
+          <p:cNvPr id="23" name="Google Shape;23;p15"/>
           <p:cNvSpPr txBox="1"/>
           <p:nvPr>
             <p:ph idx="2" type="body"/>
@@ -3384,13 +5182,20 @@
           <a:prstGeom prst="rect">
             <a:avLst/>
           </a:prstGeom>
+          <a:noFill/>
+          <a:ln>
+            <a:noFill/>
+          </a:ln>
         </p:spPr>
         <p:txBody>
           <a:bodyPr anchorCtr="0" anchor="t" bIns="91425" lIns="91425" spcFirstLastPara="1" rIns="91425" wrap="square" tIns="91425">
             <a:normAutofit/>
           </a:bodyPr>
           <a:lstStyle>
-            <a:lvl1pPr indent="-317500" lvl="0" marL="457200">
+            <a:lvl1pPr indent="-317500" lvl="0" marL="457200" algn="l">
+              <a:lnSpc>
+                <a:spcPct val="115000"/>
+              </a:lnSpc>
               <a:spcBef>
                 <a:spcPts val="0"/>
               </a:spcBef>
@@ -3401,7 +5206,10 @@
               <a:buChar char="●"/>
               <a:defRPr sz="1400"/>
             </a:lvl1pPr>
-            <a:lvl2pPr indent="-304800" lvl="1" marL="914400">
+            <a:lvl2pPr indent="-304800" lvl="1" marL="914400" algn="l">
+              <a:lnSpc>
+                <a:spcPct val="115000"/>
+              </a:lnSpc>
               <a:spcBef>
                 <a:spcPts val="0"/>
               </a:spcBef>
@@ -3412,7 +5220,10 @@
               <a:buChar char="○"/>
               <a:defRPr sz="1200"/>
             </a:lvl2pPr>
-            <a:lvl3pPr indent="-304800" lvl="2" marL="1371600">
+            <a:lvl3pPr indent="-304800" lvl="2" marL="1371600" algn="l">
+              <a:lnSpc>
+                <a:spcPct val="115000"/>
+              </a:lnSpc>
               <a:spcBef>
                 <a:spcPts val="0"/>
               </a:spcBef>
@@ -3423,7 +5234,10 @@
               <a:buChar char="■"/>
               <a:defRPr sz="1200"/>
             </a:lvl3pPr>
-            <a:lvl4pPr indent="-304800" lvl="3" marL="1828800">
+            <a:lvl4pPr indent="-304800" lvl="3" marL="1828800" algn="l">
+              <a:lnSpc>
+                <a:spcPct val="115000"/>
+              </a:lnSpc>
               <a:spcBef>
                 <a:spcPts val="0"/>
               </a:spcBef>
@@ -3434,7 +5248,10 @@
               <a:buChar char="●"/>
               <a:defRPr sz="1200"/>
             </a:lvl4pPr>
-            <a:lvl5pPr indent="-304800" lvl="4" marL="2286000">
+            <a:lvl5pPr indent="-304800" lvl="4" marL="2286000" algn="l">
+              <a:lnSpc>
+                <a:spcPct val="115000"/>
+              </a:lnSpc>
               <a:spcBef>
                 <a:spcPts val="0"/>
               </a:spcBef>
@@ -3445,7 +5262,10 @@
               <a:buChar char="○"/>
               <a:defRPr sz="1200"/>
             </a:lvl5pPr>
-            <a:lvl6pPr indent="-304800" lvl="5" marL="2743200">
+            <a:lvl6pPr indent="-304800" lvl="5" marL="2743200" algn="l">
+              <a:lnSpc>
+                <a:spcPct val="115000"/>
+              </a:lnSpc>
               <a:spcBef>
                 <a:spcPts val="0"/>
               </a:spcBef>
@@ -3456,7 +5276,10 @@
               <a:buChar char="■"/>
               <a:defRPr sz="1200"/>
             </a:lvl6pPr>
-            <a:lvl7pPr indent="-304800" lvl="6" marL="3200400">
+            <a:lvl7pPr indent="-304800" lvl="6" marL="3200400" algn="l">
+              <a:lnSpc>
+                <a:spcPct val="115000"/>
+              </a:lnSpc>
               <a:spcBef>
                 <a:spcPts val="0"/>
               </a:spcBef>
@@ -3467,7 +5290,10 @@
               <a:buChar char="●"/>
               <a:defRPr sz="1200"/>
             </a:lvl7pPr>
-            <a:lvl8pPr indent="-304800" lvl="7" marL="3657600">
+            <a:lvl8pPr indent="-304800" lvl="7" marL="3657600" algn="l">
+              <a:lnSpc>
+                <a:spcPct val="115000"/>
+              </a:lnSpc>
               <a:spcBef>
                 <a:spcPts val="0"/>
               </a:spcBef>
@@ -3478,7 +5304,10 @@
               <a:buChar char="○"/>
               <a:defRPr sz="1200"/>
             </a:lvl8pPr>
-            <a:lvl9pPr indent="-304800" lvl="8" marL="4114800">
+            <a:lvl9pPr indent="-304800" lvl="8" marL="4114800" algn="l">
+              <a:lnSpc>
+                <a:spcPct val="115000"/>
+              </a:lnSpc>
               <a:spcBef>
                 <a:spcPts val="0"/>
               </a:spcBef>
@@ -3495,7 +5324,7 @@
       </p:sp>
       <p:sp>
         <p:nvSpPr>
-          <p:cNvPr id="24" name="Google Shape;24;p5"/>
+          <p:cNvPr id="24" name="Google Shape;24;p15"/>
           <p:cNvSpPr txBox="1"/>
           <p:nvPr>
             <p:ph idx="12" type="sldNum"/>
@@ -3509,47 +5338,249 @@
           <a:prstGeom prst="rect">
             <a:avLst/>
           </a:prstGeom>
+          <a:noFill/>
+          <a:ln>
+            <a:noFill/>
+          </a:ln>
         </p:spPr>
         <p:txBody>
           <a:bodyPr anchorCtr="0" anchor="ctr" bIns="91425" lIns="91425" spcFirstLastPara="1" rIns="91425" wrap="square" tIns="91425">
             <a:normAutofit/>
           </a:bodyPr>
           <a:lstStyle>
-            <a:lvl1pPr lvl="0">
-              <a:buNone/>
-              <a:defRPr/>
+            <a:lvl1pPr indent="0" lvl="0" marL="0" marR="0" algn="r">
+              <a:lnSpc>
+                <a:spcPct val="100000"/>
+              </a:lnSpc>
+              <a:spcBef>
+                <a:spcPts val="0"/>
+              </a:spcBef>
+              <a:spcAft>
+                <a:spcPts val="0"/>
+              </a:spcAft>
+              <a:buClr>
+                <a:srgbClr val="000000"/>
+              </a:buClr>
+              <a:buSzPts val="1000"/>
+              <a:buFont typeface="Arial"/>
+              <a:buNone/>
+              <a:defRPr b="0" i="0" sz="1000" u="none" cap="none" strike="noStrike">
+                <a:solidFill>
+                  <a:schemeClr val="dk2"/>
+                </a:solidFill>
+                <a:latin typeface="Arial"/>
+                <a:ea typeface="Arial"/>
+                <a:cs typeface="Arial"/>
+                <a:sym typeface="Arial"/>
+              </a:defRPr>
             </a:lvl1pPr>
-            <a:lvl2pPr lvl="1">
-              <a:buNone/>
-              <a:defRPr/>
+            <a:lvl2pPr indent="0" lvl="1" marL="0" marR="0" algn="r">
+              <a:lnSpc>
+                <a:spcPct val="100000"/>
+              </a:lnSpc>
+              <a:spcBef>
+                <a:spcPts val="0"/>
+              </a:spcBef>
+              <a:spcAft>
+                <a:spcPts val="0"/>
+              </a:spcAft>
+              <a:buClr>
+                <a:srgbClr val="000000"/>
+              </a:buClr>
+              <a:buSzPts val="1000"/>
+              <a:buFont typeface="Arial"/>
+              <a:buNone/>
+              <a:defRPr b="0" i="0" sz="1000" u="none" cap="none" strike="noStrike">
+                <a:solidFill>
+                  <a:schemeClr val="dk2"/>
+                </a:solidFill>
+                <a:latin typeface="Arial"/>
+                <a:ea typeface="Arial"/>
+                <a:cs typeface="Arial"/>
+                <a:sym typeface="Arial"/>
+              </a:defRPr>
             </a:lvl2pPr>
-            <a:lvl3pPr lvl="2">
-              <a:buNone/>
-              <a:defRPr/>
+            <a:lvl3pPr indent="0" lvl="2" marL="0" marR="0" algn="r">
+              <a:lnSpc>
+                <a:spcPct val="100000"/>
+              </a:lnSpc>
+              <a:spcBef>
+                <a:spcPts val="0"/>
+              </a:spcBef>
+              <a:spcAft>
+                <a:spcPts val="0"/>
+              </a:spcAft>
+              <a:buClr>
+                <a:srgbClr val="000000"/>
+              </a:buClr>
+              <a:buSzPts val="1000"/>
+              <a:buFont typeface="Arial"/>
+              <a:buNone/>
+              <a:defRPr b="0" i="0" sz="1000" u="none" cap="none" strike="noStrike">
+                <a:solidFill>
+                  <a:schemeClr val="dk2"/>
+                </a:solidFill>
+                <a:latin typeface="Arial"/>
+                <a:ea typeface="Arial"/>
+                <a:cs typeface="Arial"/>
+                <a:sym typeface="Arial"/>
+              </a:defRPr>
             </a:lvl3pPr>
-            <a:lvl4pPr lvl="3">
-              <a:buNone/>
-              <a:defRPr/>
+            <a:lvl4pPr indent="0" lvl="3" marL="0" marR="0" algn="r">
+              <a:lnSpc>
+                <a:spcPct val="100000"/>
+              </a:lnSpc>
+              <a:spcBef>
+                <a:spcPts val="0"/>
+              </a:spcBef>
+              <a:spcAft>
+                <a:spcPts val="0"/>
+              </a:spcAft>
+              <a:buClr>
+                <a:srgbClr val="000000"/>
+              </a:buClr>
+              <a:buSzPts val="1000"/>
+              <a:buFont typeface="Arial"/>
+              <a:buNone/>
+              <a:defRPr b="0" i="0" sz="1000" u="none" cap="none" strike="noStrike">
+                <a:solidFill>
+                  <a:schemeClr val="dk2"/>
+                </a:solidFill>
+                <a:latin typeface="Arial"/>
+                <a:ea typeface="Arial"/>
+                <a:cs typeface="Arial"/>
+                <a:sym typeface="Arial"/>
+              </a:defRPr>
             </a:lvl4pPr>
-            <a:lvl5pPr lvl="4">
-              <a:buNone/>
-              <a:defRPr/>
+            <a:lvl5pPr indent="0" lvl="4" marL="0" marR="0" algn="r">
+              <a:lnSpc>
+                <a:spcPct val="100000"/>
+              </a:lnSpc>
+              <a:spcBef>
+                <a:spcPts val="0"/>
+              </a:spcBef>
+              <a:spcAft>
+                <a:spcPts val="0"/>
+              </a:spcAft>
+              <a:buClr>
+                <a:srgbClr val="000000"/>
+              </a:buClr>
+              <a:buSzPts val="1000"/>
+              <a:buFont typeface="Arial"/>
+              <a:buNone/>
+              <a:defRPr b="0" i="0" sz="1000" u="none" cap="none" strike="noStrike">
+                <a:solidFill>
+                  <a:schemeClr val="dk2"/>
+                </a:solidFill>
+                <a:latin typeface="Arial"/>
+                <a:ea typeface="Arial"/>
+                <a:cs typeface="Arial"/>
+                <a:sym typeface="Arial"/>
+              </a:defRPr>
             </a:lvl5pPr>
-            <a:lvl6pPr lvl="5">
-              <a:buNone/>
-              <a:defRPr/>
+            <a:lvl6pPr indent="0" lvl="5" marL="0" marR="0" algn="r">
+              <a:lnSpc>
+                <a:spcPct val="100000"/>
+              </a:lnSpc>
+              <a:spcBef>
+                <a:spcPts val="0"/>
+              </a:spcBef>
+              <a:spcAft>
+                <a:spcPts val="0"/>
+              </a:spcAft>
+              <a:buClr>
+                <a:srgbClr val="000000"/>
+              </a:buClr>
+              <a:buSzPts val="1000"/>
+              <a:buFont typeface="Arial"/>
+              <a:buNone/>
+              <a:defRPr b="0" i="0" sz="1000" u="none" cap="none" strike="noStrike">
+                <a:solidFill>
+                  <a:schemeClr val="dk2"/>
+                </a:solidFill>
+                <a:latin typeface="Arial"/>
+                <a:ea typeface="Arial"/>
+                <a:cs typeface="Arial"/>
+                <a:sym typeface="Arial"/>
+              </a:defRPr>
             </a:lvl6pPr>
-            <a:lvl7pPr lvl="6">
-              <a:buNone/>
-              <a:defRPr/>
+            <a:lvl7pPr indent="0" lvl="6" marL="0" marR="0" algn="r">
+              <a:lnSpc>
+                <a:spcPct val="100000"/>
+              </a:lnSpc>
+              <a:spcBef>
+                <a:spcPts val="0"/>
+              </a:spcBef>
+              <a:spcAft>
+                <a:spcPts val="0"/>
+              </a:spcAft>
+              <a:buClr>
+                <a:srgbClr val="000000"/>
+              </a:buClr>
+              <a:buSzPts val="1000"/>
+              <a:buFont typeface="Arial"/>
+              <a:buNone/>
+              <a:defRPr b="0" i="0" sz="1000" u="none" cap="none" strike="noStrike">
+                <a:solidFill>
+                  <a:schemeClr val="dk2"/>
+                </a:solidFill>
+                <a:latin typeface="Arial"/>
+                <a:ea typeface="Arial"/>
+                <a:cs typeface="Arial"/>
+                <a:sym typeface="Arial"/>
+              </a:defRPr>
             </a:lvl7pPr>
-            <a:lvl8pPr lvl="7">
-              <a:buNone/>
-              <a:defRPr/>
+            <a:lvl8pPr indent="0" lvl="7" marL="0" marR="0" algn="r">
+              <a:lnSpc>
+                <a:spcPct val="100000"/>
+              </a:lnSpc>
+              <a:spcBef>
+                <a:spcPts val="0"/>
+              </a:spcBef>
+              <a:spcAft>
+                <a:spcPts val="0"/>
+              </a:spcAft>
+              <a:buClr>
+                <a:srgbClr val="000000"/>
+              </a:buClr>
+              <a:buSzPts val="1000"/>
+              <a:buFont typeface="Arial"/>
+              <a:buNone/>
+              <a:defRPr b="0" i="0" sz="1000" u="none" cap="none" strike="noStrike">
+                <a:solidFill>
+                  <a:schemeClr val="dk2"/>
+                </a:solidFill>
+                <a:latin typeface="Arial"/>
+                <a:ea typeface="Arial"/>
+                <a:cs typeface="Arial"/>
+                <a:sym typeface="Arial"/>
+              </a:defRPr>
             </a:lvl8pPr>
-            <a:lvl9pPr lvl="8">
-              <a:buNone/>
-              <a:defRPr/>
+            <a:lvl9pPr indent="0" lvl="8" marL="0" marR="0" algn="r">
+              <a:lnSpc>
+                <a:spcPct val="100000"/>
+              </a:lnSpc>
+              <a:spcBef>
+                <a:spcPts val="0"/>
+              </a:spcBef>
+              <a:spcAft>
+                <a:spcPts val="0"/>
+              </a:spcAft>
+              <a:buClr>
+                <a:srgbClr val="000000"/>
+              </a:buClr>
+              <a:buSzPts val="1000"/>
+              <a:buFont typeface="Arial"/>
+              <a:buNone/>
+              <a:defRPr b="0" i="0" sz="1000" u="none" cap="none" strike="noStrike">
+                <a:solidFill>
+                  <a:schemeClr val="dk2"/>
+                </a:solidFill>
+                <a:latin typeface="Arial"/>
+                <a:ea typeface="Arial"/>
+                <a:cs typeface="Arial"/>
+                <a:sym typeface="Arial"/>
+              </a:defRPr>
             </a:lvl9pPr>
           </a:lstStyle>
           <a:p>
@@ -3597,7 +5628,7 @@
       </p:grpSpPr>
       <p:sp>
         <p:nvSpPr>
-          <p:cNvPr id="26" name="Google Shape;26;p6"/>
+          <p:cNvPr id="26" name="Google Shape;26;p16"/>
           <p:cNvSpPr txBox="1"/>
           <p:nvPr>
             <p:ph type="title"/>
@@ -3611,13 +5642,20 @@
           <a:prstGeom prst="rect">
             <a:avLst/>
           </a:prstGeom>
+          <a:noFill/>
+          <a:ln>
+            <a:noFill/>
+          </a:ln>
         </p:spPr>
         <p:txBody>
           <a:bodyPr anchorCtr="0" anchor="t" bIns="91425" lIns="91425" spcFirstLastPara="1" rIns="91425" wrap="square" tIns="91425">
             <a:normAutofit/>
           </a:bodyPr>
           <a:lstStyle>
-            <a:lvl1pPr lvl="0">
+            <a:lvl1pPr lvl="0" algn="l">
+              <a:lnSpc>
+                <a:spcPct val="100000"/>
+              </a:lnSpc>
               <a:spcBef>
                 <a:spcPts val="0"/>
               </a:spcBef>
@@ -3628,7 +5666,10 @@
               <a:buNone/>
               <a:defRPr/>
             </a:lvl1pPr>
-            <a:lvl2pPr lvl="1">
+            <a:lvl2pPr lvl="1" algn="l">
+              <a:lnSpc>
+                <a:spcPct val="100000"/>
+              </a:lnSpc>
               <a:spcBef>
                 <a:spcPts val="0"/>
               </a:spcBef>
@@ -3639,7 +5680,10 @@
               <a:buNone/>
               <a:defRPr/>
             </a:lvl2pPr>
-            <a:lvl3pPr lvl="2">
+            <a:lvl3pPr lvl="2" algn="l">
+              <a:lnSpc>
+                <a:spcPct val="100000"/>
+              </a:lnSpc>
               <a:spcBef>
                 <a:spcPts val="0"/>
               </a:spcBef>
@@ -3650,7 +5694,10 @@
               <a:buNone/>
               <a:defRPr/>
             </a:lvl3pPr>
-            <a:lvl4pPr lvl="3">
+            <a:lvl4pPr lvl="3" algn="l">
+              <a:lnSpc>
+                <a:spcPct val="100000"/>
+              </a:lnSpc>
               <a:spcBef>
                 <a:spcPts val="0"/>
               </a:spcBef>
@@ -3661,7 +5708,10 @@
               <a:buNone/>
               <a:defRPr/>
             </a:lvl4pPr>
-            <a:lvl5pPr lvl="4">
+            <a:lvl5pPr lvl="4" algn="l">
+              <a:lnSpc>
+                <a:spcPct val="100000"/>
+              </a:lnSpc>
               <a:spcBef>
                 <a:spcPts val="0"/>
               </a:spcBef>
@@ -3672,7 +5722,10 @@
               <a:buNone/>
               <a:defRPr/>
             </a:lvl5pPr>
-            <a:lvl6pPr lvl="5">
+            <a:lvl6pPr lvl="5" algn="l">
+              <a:lnSpc>
+                <a:spcPct val="100000"/>
+              </a:lnSpc>
               <a:spcBef>
                 <a:spcPts val="0"/>
               </a:spcBef>
@@ -3683,7 +5736,10 @@
               <a:buNone/>
               <a:defRPr/>
             </a:lvl6pPr>
-            <a:lvl7pPr lvl="6">
+            <a:lvl7pPr lvl="6" algn="l">
+              <a:lnSpc>
+                <a:spcPct val="100000"/>
+              </a:lnSpc>
               <a:spcBef>
                 <a:spcPts val="0"/>
               </a:spcBef>
@@ -3694,7 +5750,10 @@
               <a:buNone/>
               <a:defRPr/>
             </a:lvl7pPr>
-            <a:lvl8pPr lvl="7">
+            <a:lvl8pPr lvl="7" algn="l">
+              <a:lnSpc>
+                <a:spcPct val="100000"/>
+              </a:lnSpc>
               <a:spcBef>
                 <a:spcPts val="0"/>
               </a:spcBef>
@@ -3705,7 +5764,10 @@
               <a:buNone/>
               <a:defRPr/>
             </a:lvl8pPr>
-            <a:lvl9pPr lvl="8">
+            <a:lvl9pPr lvl="8" algn="l">
+              <a:lnSpc>
+                <a:spcPct val="100000"/>
+              </a:lnSpc>
               <a:spcBef>
                 <a:spcPts val="0"/>
               </a:spcBef>
@@ -3722,7 +5784,7 @@
       </p:sp>
       <p:sp>
         <p:nvSpPr>
-          <p:cNvPr id="27" name="Google Shape;27;p6"/>
+          <p:cNvPr id="27" name="Google Shape;27;p16"/>
           <p:cNvSpPr txBox="1"/>
           <p:nvPr>
             <p:ph idx="12" type="sldNum"/>
@@ -3736,47 +5798,249 @@
           <a:prstGeom prst="rect">
             <a:avLst/>
           </a:prstGeom>
+          <a:noFill/>
+          <a:ln>
+            <a:noFill/>
+          </a:ln>
         </p:spPr>
         <p:txBody>
           <a:bodyPr anchorCtr="0" anchor="ctr" bIns="91425" lIns="91425" spcFirstLastPara="1" rIns="91425" wrap="square" tIns="91425">
             <a:normAutofit/>
           </a:bodyPr>
           <a:lstStyle>
-            <a:lvl1pPr lvl="0">
-              <a:buNone/>
-              <a:defRPr/>
+            <a:lvl1pPr indent="0" lvl="0" marL="0" marR="0" algn="r">
+              <a:lnSpc>
+                <a:spcPct val="100000"/>
+              </a:lnSpc>
+              <a:spcBef>
+                <a:spcPts val="0"/>
+              </a:spcBef>
+              <a:spcAft>
+                <a:spcPts val="0"/>
+              </a:spcAft>
+              <a:buClr>
+                <a:srgbClr val="000000"/>
+              </a:buClr>
+              <a:buSzPts val="1000"/>
+              <a:buFont typeface="Arial"/>
+              <a:buNone/>
+              <a:defRPr b="0" i="0" sz="1000" u="none" cap="none" strike="noStrike">
+                <a:solidFill>
+                  <a:schemeClr val="dk2"/>
+                </a:solidFill>
+                <a:latin typeface="Arial"/>
+                <a:ea typeface="Arial"/>
+                <a:cs typeface="Arial"/>
+                <a:sym typeface="Arial"/>
+              </a:defRPr>
             </a:lvl1pPr>
-            <a:lvl2pPr lvl="1">
-              <a:buNone/>
-              <a:defRPr/>
+            <a:lvl2pPr indent="0" lvl="1" marL="0" marR="0" algn="r">
+              <a:lnSpc>
+                <a:spcPct val="100000"/>
+              </a:lnSpc>
+              <a:spcBef>
+                <a:spcPts val="0"/>
+              </a:spcBef>
+              <a:spcAft>
+                <a:spcPts val="0"/>
+              </a:spcAft>
+              <a:buClr>
+                <a:srgbClr val="000000"/>
+              </a:buClr>
+              <a:buSzPts val="1000"/>
+              <a:buFont typeface="Arial"/>
+              <a:buNone/>
+              <a:defRPr b="0" i="0" sz="1000" u="none" cap="none" strike="noStrike">
+                <a:solidFill>
+                  <a:schemeClr val="dk2"/>
+                </a:solidFill>
+                <a:latin typeface="Arial"/>
+                <a:ea typeface="Arial"/>
+                <a:cs typeface="Arial"/>
+                <a:sym typeface="Arial"/>
+              </a:defRPr>
             </a:lvl2pPr>
-            <a:lvl3pPr lvl="2">
-              <a:buNone/>
-              <a:defRPr/>
+            <a:lvl3pPr indent="0" lvl="2" marL="0" marR="0" algn="r">
+              <a:lnSpc>
+                <a:spcPct val="100000"/>
+              </a:lnSpc>
+              <a:spcBef>
+                <a:spcPts val="0"/>
+              </a:spcBef>
+              <a:spcAft>
+                <a:spcPts val="0"/>
+              </a:spcAft>
+              <a:buClr>
+                <a:srgbClr val="000000"/>
+              </a:buClr>
+              <a:buSzPts val="1000"/>
+              <a:buFont typeface="Arial"/>
+              <a:buNone/>
+              <a:defRPr b="0" i="0" sz="1000" u="none" cap="none" strike="noStrike">
+                <a:solidFill>
+                  <a:schemeClr val="dk2"/>
+                </a:solidFill>
+                <a:latin typeface="Arial"/>
+                <a:ea typeface="Arial"/>
+                <a:cs typeface="Arial"/>
+                <a:sym typeface="Arial"/>
+              </a:defRPr>
             </a:lvl3pPr>
-            <a:lvl4pPr lvl="3">
-              <a:buNone/>
-              <a:defRPr/>
+            <a:lvl4pPr indent="0" lvl="3" marL="0" marR="0" algn="r">
+              <a:lnSpc>
+                <a:spcPct val="100000"/>
+              </a:lnSpc>
+              <a:spcBef>
+                <a:spcPts val="0"/>
+              </a:spcBef>
+              <a:spcAft>
+                <a:spcPts val="0"/>
+              </a:spcAft>
+              <a:buClr>
+                <a:srgbClr val="000000"/>
+              </a:buClr>
+              <a:buSzPts val="1000"/>
+              <a:buFont typeface="Arial"/>
+              <a:buNone/>
+              <a:defRPr b="0" i="0" sz="1000" u="none" cap="none" strike="noStrike">
+                <a:solidFill>
+                  <a:schemeClr val="dk2"/>
+                </a:solidFill>
+                <a:latin typeface="Arial"/>
+                <a:ea typeface="Arial"/>
+                <a:cs typeface="Arial"/>
+                <a:sym typeface="Arial"/>
+              </a:defRPr>
             </a:lvl4pPr>
-            <a:lvl5pPr lvl="4">
-              <a:buNone/>
-              <a:defRPr/>
+            <a:lvl5pPr indent="0" lvl="4" marL="0" marR="0" algn="r">
+              <a:lnSpc>
+                <a:spcPct val="100000"/>
+              </a:lnSpc>
+              <a:spcBef>
+                <a:spcPts val="0"/>
+              </a:spcBef>
+              <a:spcAft>
+                <a:spcPts val="0"/>
+              </a:spcAft>
+              <a:buClr>
+                <a:srgbClr val="000000"/>
+              </a:buClr>
+              <a:buSzPts val="1000"/>
+              <a:buFont typeface="Arial"/>
+              <a:buNone/>
+              <a:defRPr b="0" i="0" sz="1000" u="none" cap="none" strike="noStrike">
+                <a:solidFill>
+                  <a:schemeClr val="dk2"/>
+                </a:solidFill>
+                <a:latin typeface="Arial"/>
+                <a:ea typeface="Arial"/>
+                <a:cs typeface="Arial"/>
+                <a:sym typeface="Arial"/>
+              </a:defRPr>
             </a:lvl5pPr>
-            <a:lvl6pPr lvl="5">
-              <a:buNone/>
-              <a:defRPr/>
+            <a:lvl6pPr indent="0" lvl="5" marL="0" marR="0" algn="r">
+              <a:lnSpc>
+                <a:spcPct val="100000"/>
+              </a:lnSpc>
+              <a:spcBef>
+                <a:spcPts val="0"/>
+              </a:spcBef>
+              <a:spcAft>
+                <a:spcPts val="0"/>
+              </a:spcAft>
+              <a:buClr>
+                <a:srgbClr val="000000"/>
+              </a:buClr>
+              <a:buSzPts val="1000"/>
+              <a:buFont typeface="Arial"/>
+              <a:buNone/>
+              <a:defRPr b="0" i="0" sz="1000" u="none" cap="none" strike="noStrike">
+                <a:solidFill>
+                  <a:schemeClr val="dk2"/>
+                </a:solidFill>
+                <a:latin typeface="Arial"/>
+                <a:ea typeface="Arial"/>
+                <a:cs typeface="Arial"/>
+                <a:sym typeface="Arial"/>
+              </a:defRPr>
             </a:lvl6pPr>
-            <a:lvl7pPr lvl="6">
-              <a:buNone/>
-              <a:defRPr/>
+            <a:lvl7pPr indent="0" lvl="6" marL="0" marR="0" algn="r">
+              <a:lnSpc>
+                <a:spcPct val="100000"/>
+              </a:lnSpc>
+              <a:spcBef>
+                <a:spcPts val="0"/>
+              </a:spcBef>
+              <a:spcAft>
+                <a:spcPts val="0"/>
+              </a:spcAft>
+              <a:buClr>
+                <a:srgbClr val="000000"/>
+              </a:buClr>
+              <a:buSzPts val="1000"/>
+              <a:buFont typeface="Arial"/>
+              <a:buNone/>
+              <a:defRPr b="0" i="0" sz="1000" u="none" cap="none" strike="noStrike">
+                <a:solidFill>
+                  <a:schemeClr val="dk2"/>
+                </a:solidFill>
+                <a:latin typeface="Arial"/>
+                <a:ea typeface="Arial"/>
+                <a:cs typeface="Arial"/>
+                <a:sym typeface="Arial"/>
+              </a:defRPr>
             </a:lvl7pPr>
-            <a:lvl8pPr lvl="7">
-              <a:buNone/>
-              <a:defRPr/>
+            <a:lvl8pPr indent="0" lvl="7" marL="0" marR="0" algn="r">
+              <a:lnSpc>
+                <a:spcPct val="100000"/>
+              </a:lnSpc>
+              <a:spcBef>
+                <a:spcPts val="0"/>
+              </a:spcBef>
+              <a:spcAft>
+                <a:spcPts val="0"/>
+              </a:spcAft>
+              <a:buClr>
+                <a:srgbClr val="000000"/>
+              </a:buClr>
+              <a:buSzPts val="1000"/>
+              <a:buFont typeface="Arial"/>
+              <a:buNone/>
+              <a:defRPr b="0" i="0" sz="1000" u="none" cap="none" strike="noStrike">
+                <a:solidFill>
+                  <a:schemeClr val="dk2"/>
+                </a:solidFill>
+                <a:latin typeface="Arial"/>
+                <a:ea typeface="Arial"/>
+                <a:cs typeface="Arial"/>
+                <a:sym typeface="Arial"/>
+              </a:defRPr>
             </a:lvl8pPr>
-            <a:lvl9pPr lvl="8">
-              <a:buNone/>
-              <a:defRPr/>
+            <a:lvl9pPr indent="0" lvl="8" marL="0" marR="0" algn="r">
+              <a:lnSpc>
+                <a:spcPct val="100000"/>
+              </a:lnSpc>
+              <a:spcBef>
+                <a:spcPts val="0"/>
+              </a:spcBef>
+              <a:spcAft>
+                <a:spcPts val="0"/>
+              </a:spcAft>
+              <a:buClr>
+                <a:srgbClr val="000000"/>
+              </a:buClr>
+              <a:buSzPts val="1000"/>
+              <a:buFont typeface="Arial"/>
+              <a:buNone/>
+              <a:defRPr b="0" i="0" sz="1000" u="none" cap="none" strike="noStrike">
+                <a:solidFill>
+                  <a:schemeClr val="dk2"/>
+                </a:solidFill>
+                <a:latin typeface="Arial"/>
+                <a:ea typeface="Arial"/>
+                <a:cs typeface="Arial"/>
+                <a:sym typeface="Arial"/>
+              </a:defRPr>
             </a:lvl9pPr>
           </a:lstStyle>
           <a:p>
@@ -3824,7 +6088,7 @@
       </p:grpSpPr>
       <p:sp>
         <p:nvSpPr>
-          <p:cNvPr id="29" name="Google Shape;29;p7"/>
+          <p:cNvPr id="29" name="Google Shape;29;p17"/>
           <p:cNvSpPr txBox="1"/>
           <p:nvPr>
             <p:ph type="title"/>
@@ -3838,13 +6102,20 @@
           <a:prstGeom prst="rect">
             <a:avLst/>
           </a:prstGeom>
+          <a:noFill/>
+          <a:ln>
+            <a:noFill/>
+          </a:ln>
         </p:spPr>
         <p:txBody>
           <a:bodyPr anchorCtr="0" anchor="b" bIns="91425" lIns="91425" spcFirstLastPara="1" rIns="91425" wrap="square" tIns="91425">
             <a:normAutofit/>
           </a:bodyPr>
           <a:lstStyle>
-            <a:lvl1pPr lvl="0">
+            <a:lvl1pPr lvl="0" algn="l">
+              <a:lnSpc>
+                <a:spcPct val="100000"/>
+              </a:lnSpc>
               <a:spcBef>
                 <a:spcPts val="0"/>
               </a:spcBef>
@@ -3855,7 +6126,10 @@
               <a:buNone/>
               <a:defRPr sz="2400"/>
             </a:lvl1pPr>
-            <a:lvl2pPr lvl="1">
+            <a:lvl2pPr lvl="1" algn="l">
+              <a:lnSpc>
+                <a:spcPct val="100000"/>
+              </a:lnSpc>
               <a:spcBef>
                 <a:spcPts val="0"/>
               </a:spcBef>
@@ -3866,7 +6140,10 @@
               <a:buNone/>
               <a:defRPr sz="2400"/>
             </a:lvl2pPr>
-            <a:lvl3pPr lvl="2">
+            <a:lvl3pPr lvl="2" algn="l">
+              <a:lnSpc>
+                <a:spcPct val="100000"/>
+              </a:lnSpc>
               <a:spcBef>
                 <a:spcPts val="0"/>
               </a:spcBef>
@@ -3877,7 +6154,10 @@
               <a:buNone/>
               <a:defRPr sz="2400"/>
             </a:lvl3pPr>
-            <a:lvl4pPr lvl="3">
+            <a:lvl4pPr lvl="3" algn="l">
+              <a:lnSpc>
+                <a:spcPct val="100000"/>
+              </a:lnSpc>
               <a:spcBef>
                 <a:spcPts val="0"/>
               </a:spcBef>
@@ -3888,7 +6168,10 @@
               <a:buNone/>
               <a:defRPr sz="2400"/>
             </a:lvl4pPr>
-            <a:lvl5pPr lvl="4">
+            <a:lvl5pPr lvl="4" algn="l">
+              <a:lnSpc>
+                <a:spcPct val="100000"/>
+              </a:lnSpc>
               <a:spcBef>
                 <a:spcPts val="0"/>
               </a:spcBef>
@@ -3899,7 +6182,10 @@
               <a:buNone/>
               <a:defRPr sz="2400"/>
             </a:lvl5pPr>
-            <a:lvl6pPr lvl="5">
+            <a:lvl6pPr lvl="5" algn="l">
+              <a:lnSpc>
+                <a:spcPct val="100000"/>
+              </a:lnSpc>
               <a:spcBef>
                 <a:spcPts val="0"/>
               </a:spcBef>
@@ -3910,7 +6196,10 @@
               <a:buNone/>
               <a:defRPr sz="2400"/>
             </a:lvl6pPr>
-            <a:lvl7pPr lvl="6">
+            <a:lvl7pPr lvl="6" algn="l">
+              <a:lnSpc>
+                <a:spcPct val="100000"/>
+              </a:lnSpc>
               <a:spcBef>
                 <a:spcPts val="0"/>
               </a:spcBef>
@@ -3921,7 +6210,10 @@
               <a:buNone/>
               <a:defRPr sz="2400"/>
             </a:lvl7pPr>
-            <a:lvl8pPr lvl="7">
+            <a:lvl8pPr lvl="7" algn="l">
+              <a:lnSpc>
+                <a:spcPct val="100000"/>
+              </a:lnSpc>
               <a:spcBef>
                 <a:spcPts val="0"/>
               </a:spcBef>
@@ -3932,7 +6224,10 @@
               <a:buNone/>
               <a:defRPr sz="2400"/>
             </a:lvl8pPr>
-            <a:lvl9pPr lvl="8">
+            <a:lvl9pPr lvl="8" algn="l">
+              <a:lnSpc>
+                <a:spcPct val="100000"/>
+              </a:lnSpc>
               <a:spcBef>
                 <a:spcPts val="0"/>
               </a:spcBef>
@@ -3949,7 +6244,7 @@
       </p:sp>
       <p:sp>
         <p:nvSpPr>
-          <p:cNvPr id="30" name="Google Shape;30;p7"/>
+          <p:cNvPr id="30" name="Google Shape;30;p17"/>
           <p:cNvSpPr txBox="1"/>
           <p:nvPr>
             <p:ph idx="1" type="body"/>
@@ -3963,13 +6258,20 @@
           <a:prstGeom prst="rect">
             <a:avLst/>
           </a:prstGeom>
+          <a:noFill/>
+          <a:ln>
+            <a:noFill/>
+          </a:ln>
         </p:spPr>
         <p:txBody>
           <a:bodyPr anchorCtr="0" anchor="t" bIns="91425" lIns="91425" spcFirstLastPara="1" rIns="91425" wrap="square" tIns="91425">
             <a:normAutofit/>
           </a:bodyPr>
           <a:lstStyle>
-            <a:lvl1pPr indent="-304800" lvl="0" marL="457200">
+            <a:lvl1pPr indent="-304800" lvl="0" marL="457200" algn="l">
+              <a:lnSpc>
+                <a:spcPct val="115000"/>
+              </a:lnSpc>
               <a:spcBef>
                 <a:spcPts val="0"/>
               </a:spcBef>
@@ -3980,7 +6282,10 @@
               <a:buChar char="●"/>
               <a:defRPr sz="1200"/>
             </a:lvl1pPr>
-            <a:lvl2pPr indent="-304800" lvl="1" marL="914400">
+            <a:lvl2pPr indent="-304800" lvl="1" marL="914400" algn="l">
+              <a:lnSpc>
+                <a:spcPct val="115000"/>
+              </a:lnSpc>
               <a:spcBef>
                 <a:spcPts val="0"/>
               </a:spcBef>
@@ -3991,7 +6296,10 @@
               <a:buChar char="○"/>
               <a:defRPr sz="1200"/>
             </a:lvl2pPr>
-            <a:lvl3pPr indent="-304800" lvl="2" marL="1371600">
+            <a:lvl3pPr indent="-304800" lvl="2" marL="1371600" algn="l">
+              <a:lnSpc>
+                <a:spcPct val="115000"/>
+              </a:lnSpc>
               <a:spcBef>
                 <a:spcPts val="0"/>
               </a:spcBef>
@@ -4002,7 +6310,10 @@
               <a:buChar char="■"/>
               <a:defRPr sz="1200"/>
             </a:lvl3pPr>
-            <a:lvl4pPr indent="-304800" lvl="3" marL="1828800">
+            <a:lvl4pPr indent="-304800" lvl="3" marL="1828800" algn="l">
+              <a:lnSpc>
+                <a:spcPct val="115000"/>
+              </a:lnSpc>
               <a:spcBef>
                 <a:spcPts val="0"/>
               </a:spcBef>
@@ -4013,7 +6324,10 @@
               <a:buChar char="●"/>
               <a:defRPr sz="1200"/>
             </a:lvl4pPr>
-            <a:lvl5pPr indent="-304800" lvl="4" marL="2286000">
+            <a:lvl5pPr indent="-304800" lvl="4" marL="2286000" algn="l">
+              <a:lnSpc>
+                <a:spcPct val="115000"/>
+              </a:lnSpc>
               <a:spcBef>
                 <a:spcPts val="0"/>
               </a:spcBef>
@@ -4024,7 +6338,10 @@
               <a:buChar char="○"/>
               <a:defRPr sz="1200"/>
             </a:lvl5pPr>
-            <a:lvl6pPr indent="-304800" lvl="5" marL="2743200">
+            <a:lvl6pPr indent="-304800" lvl="5" marL="2743200" algn="l">
+              <a:lnSpc>
+                <a:spcPct val="115000"/>
+              </a:lnSpc>
               <a:spcBef>
                 <a:spcPts val="0"/>
               </a:spcBef>
@@ -4035,7 +6352,10 @@
               <a:buChar char="■"/>
               <a:defRPr sz="1200"/>
             </a:lvl6pPr>
-            <a:lvl7pPr indent="-304800" lvl="6" marL="3200400">
+            <a:lvl7pPr indent="-304800" lvl="6" marL="3200400" algn="l">
+              <a:lnSpc>
+                <a:spcPct val="115000"/>
+              </a:lnSpc>
               <a:spcBef>
                 <a:spcPts val="0"/>
               </a:spcBef>
@@ -4046,7 +6366,10 @@
               <a:buChar char="●"/>
               <a:defRPr sz="1200"/>
             </a:lvl7pPr>
-            <a:lvl8pPr indent="-304800" lvl="7" marL="3657600">
+            <a:lvl8pPr indent="-304800" lvl="7" marL="3657600" algn="l">
+              <a:lnSpc>
+                <a:spcPct val="115000"/>
+              </a:lnSpc>
               <a:spcBef>
                 <a:spcPts val="0"/>
               </a:spcBef>
@@ -4057,7 +6380,10 @@
               <a:buChar char="○"/>
               <a:defRPr sz="1200"/>
             </a:lvl8pPr>
-            <a:lvl9pPr indent="-304800" lvl="8" marL="4114800">
+            <a:lvl9pPr indent="-304800" lvl="8" marL="4114800" algn="l">
+              <a:lnSpc>
+                <a:spcPct val="115000"/>
+              </a:lnSpc>
               <a:spcBef>
                 <a:spcPts val="0"/>
               </a:spcBef>
@@ -4074,7 +6400,7 @@
       </p:sp>
       <p:sp>
         <p:nvSpPr>
-          <p:cNvPr id="31" name="Google Shape;31;p7"/>
+          <p:cNvPr id="31" name="Google Shape;31;p17"/>
           <p:cNvSpPr txBox="1"/>
           <p:nvPr>
             <p:ph idx="12" type="sldNum"/>
@@ -4088,47 +6414,249 @@
           <a:prstGeom prst="rect">
             <a:avLst/>
           </a:prstGeom>
+          <a:noFill/>
+          <a:ln>
+            <a:noFill/>
+          </a:ln>
         </p:spPr>
         <p:txBody>
           <a:bodyPr anchorCtr="0" anchor="ctr" bIns="91425" lIns="91425" spcFirstLastPara="1" rIns="91425" wrap="square" tIns="91425">
             <a:normAutofit/>
           </a:bodyPr>
           <a:lstStyle>
-            <a:lvl1pPr lvl="0">
-              <a:buNone/>
-              <a:defRPr/>
+            <a:lvl1pPr indent="0" lvl="0" marL="0" marR="0" algn="r">
+              <a:lnSpc>
+                <a:spcPct val="100000"/>
+              </a:lnSpc>
+              <a:spcBef>
+                <a:spcPts val="0"/>
+              </a:spcBef>
+              <a:spcAft>
+                <a:spcPts val="0"/>
+              </a:spcAft>
+              <a:buClr>
+                <a:srgbClr val="000000"/>
+              </a:buClr>
+              <a:buSzPts val="1000"/>
+              <a:buFont typeface="Arial"/>
+              <a:buNone/>
+              <a:defRPr b="0" i="0" sz="1000" u="none" cap="none" strike="noStrike">
+                <a:solidFill>
+                  <a:schemeClr val="dk2"/>
+                </a:solidFill>
+                <a:latin typeface="Arial"/>
+                <a:ea typeface="Arial"/>
+                <a:cs typeface="Arial"/>
+                <a:sym typeface="Arial"/>
+              </a:defRPr>
             </a:lvl1pPr>
-            <a:lvl2pPr lvl="1">
-              <a:buNone/>
-              <a:defRPr/>
+            <a:lvl2pPr indent="0" lvl="1" marL="0" marR="0" algn="r">
+              <a:lnSpc>
+                <a:spcPct val="100000"/>
+              </a:lnSpc>
+              <a:spcBef>
+                <a:spcPts val="0"/>
+              </a:spcBef>
+              <a:spcAft>
+                <a:spcPts val="0"/>
+              </a:spcAft>
+              <a:buClr>
+                <a:srgbClr val="000000"/>
+              </a:buClr>
+              <a:buSzPts val="1000"/>
+              <a:buFont typeface="Arial"/>
+              <a:buNone/>
+              <a:defRPr b="0" i="0" sz="1000" u="none" cap="none" strike="noStrike">
+                <a:solidFill>
+                  <a:schemeClr val="dk2"/>
+                </a:solidFill>
+                <a:latin typeface="Arial"/>
+                <a:ea typeface="Arial"/>
+                <a:cs typeface="Arial"/>
+                <a:sym typeface="Arial"/>
+              </a:defRPr>
             </a:lvl2pPr>
-            <a:lvl3pPr lvl="2">
-              <a:buNone/>
-              <a:defRPr/>
+            <a:lvl3pPr indent="0" lvl="2" marL="0" marR="0" algn="r">
+              <a:lnSpc>
+                <a:spcPct val="100000"/>
+              </a:lnSpc>
+              <a:spcBef>
+                <a:spcPts val="0"/>
+              </a:spcBef>
+              <a:spcAft>
+                <a:spcPts val="0"/>
+              </a:spcAft>
+              <a:buClr>
+                <a:srgbClr val="000000"/>
+              </a:buClr>
+              <a:buSzPts val="1000"/>
+              <a:buFont typeface="Arial"/>
+              <a:buNone/>
+              <a:defRPr b="0" i="0" sz="1000" u="none" cap="none" strike="noStrike">
+                <a:solidFill>
+                  <a:schemeClr val="dk2"/>
+                </a:solidFill>
+                <a:latin typeface="Arial"/>
+                <a:ea typeface="Arial"/>
+                <a:cs typeface="Arial"/>
+                <a:sym typeface="Arial"/>
+              </a:defRPr>
             </a:lvl3pPr>
-            <a:lvl4pPr lvl="3">
-              <a:buNone/>
-              <a:defRPr/>
+            <a:lvl4pPr indent="0" lvl="3" marL="0" marR="0" algn="r">
+              <a:lnSpc>
+                <a:spcPct val="100000"/>
+              </a:lnSpc>
+              <a:spcBef>
+                <a:spcPts val="0"/>
+              </a:spcBef>
+              <a:spcAft>
+                <a:spcPts val="0"/>
+              </a:spcAft>
+              <a:buClr>
+                <a:srgbClr val="000000"/>
+              </a:buClr>
+              <a:buSzPts val="1000"/>
+              <a:buFont typeface="Arial"/>
+              <a:buNone/>
+              <a:defRPr b="0" i="0" sz="1000" u="none" cap="none" strike="noStrike">
+                <a:solidFill>
+                  <a:schemeClr val="dk2"/>
+                </a:solidFill>
+                <a:latin typeface="Arial"/>
+                <a:ea typeface="Arial"/>
+                <a:cs typeface="Arial"/>
+                <a:sym typeface="Arial"/>
+              </a:defRPr>
             </a:lvl4pPr>
-            <a:lvl5pPr lvl="4">
-              <a:buNone/>
-              <a:defRPr/>
+            <a:lvl5pPr indent="0" lvl="4" marL="0" marR="0" algn="r">
+              <a:lnSpc>
+                <a:spcPct val="100000"/>
+              </a:lnSpc>
+              <a:spcBef>
+                <a:spcPts val="0"/>
+              </a:spcBef>
+              <a:spcAft>
+                <a:spcPts val="0"/>
+              </a:spcAft>
+              <a:buClr>
+                <a:srgbClr val="000000"/>
+              </a:buClr>
+              <a:buSzPts val="1000"/>
+              <a:buFont typeface="Arial"/>
+              <a:buNone/>
+              <a:defRPr b="0" i="0" sz="1000" u="none" cap="none" strike="noStrike">
+                <a:solidFill>
+                  <a:schemeClr val="dk2"/>
+                </a:solidFill>
+                <a:latin typeface="Arial"/>
+                <a:ea typeface="Arial"/>
+                <a:cs typeface="Arial"/>
+                <a:sym typeface="Arial"/>
+              </a:defRPr>
             </a:lvl5pPr>
-            <a:lvl6pPr lvl="5">
-              <a:buNone/>
-              <a:defRPr/>
+            <a:lvl6pPr indent="0" lvl="5" marL="0" marR="0" algn="r">
+              <a:lnSpc>
+                <a:spcPct val="100000"/>
+              </a:lnSpc>
+              <a:spcBef>
+                <a:spcPts val="0"/>
+              </a:spcBef>
+              <a:spcAft>
+                <a:spcPts val="0"/>
+              </a:spcAft>
+              <a:buClr>
+                <a:srgbClr val="000000"/>
+              </a:buClr>
+              <a:buSzPts val="1000"/>
+              <a:buFont typeface="Arial"/>
+              <a:buNone/>
+              <a:defRPr b="0" i="0" sz="1000" u="none" cap="none" strike="noStrike">
+                <a:solidFill>
+                  <a:schemeClr val="dk2"/>
+                </a:solidFill>
+                <a:latin typeface="Arial"/>
+                <a:ea typeface="Arial"/>
+                <a:cs typeface="Arial"/>
+                <a:sym typeface="Arial"/>
+              </a:defRPr>
             </a:lvl6pPr>
-            <a:lvl7pPr lvl="6">
-              <a:buNone/>
-              <a:defRPr/>
+            <a:lvl7pPr indent="0" lvl="6" marL="0" marR="0" algn="r">
+              <a:lnSpc>
+                <a:spcPct val="100000"/>
+              </a:lnSpc>
+              <a:spcBef>
+                <a:spcPts val="0"/>
+              </a:spcBef>
+              <a:spcAft>
+                <a:spcPts val="0"/>
+              </a:spcAft>
+              <a:buClr>
+                <a:srgbClr val="000000"/>
+              </a:buClr>
+              <a:buSzPts val="1000"/>
+              <a:buFont typeface="Arial"/>
+              <a:buNone/>
+              <a:defRPr b="0" i="0" sz="1000" u="none" cap="none" strike="noStrike">
+                <a:solidFill>
+                  <a:schemeClr val="dk2"/>
+                </a:solidFill>
+                <a:latin typeface="Arial"/>
+                <a:ea typeface="Arial"/>
+                <a:cs typeface="Arial"/>
+                <a:sym typeface="Arial"/>
+              </a:defRPr>
             </a:lvl7pPr>
-            <a:lvl8pPr lvl="7">
-              <a:buNone/>
-              <a:defRPr/>
+            <a:lvl8pPr indent="0" lvl="7" marL="0" marR="0" algn="r">
+              <a:lnSpc>
+                <a:spcPct val="100000"/>
+              </a:lnSpc>
+              <a:spcBef>
+                <a:spcPts val="0"/>
+              </a:spcBef>
+              <a:spcAft>
+                <a:spcPts val="0"/>
+              </a:spcAft>
+              <a:buClr>
+                <a:srgbClr val="000000"/>
+              </a:buClr>
+              <a:buSzPts val="1000"/>
+              <a:buFont typeface="Arial"/>
+              <a:buNone/>
+              <a:defRPr b="0" i="0" sz="1000" u="none" cap="none" strike="noStrike">
+                <a:solidFill>
+                  <a:schemeClr val="dk2"/>
+                </a:solidFill>
+                <a:latin typeface="Arial"/>
+                <a:ea typeface="Arial"/>
+                <a:cs typeface="Arial"/>
+                <a:sym typeface="Arial"/>
+              </a:defRPr>
             </a:lvl8pPr>
-            <a:lvl9pPr lvl="8">
-              <a:buNone/>
-              <a:defRPr/>
+            <a:lvl9pPr indent="0" lvl="8" marL="0" marR="0" algn="r">
+              <a:lnSpc>
+                <a:spcPct val="100000"/>
+              </a:lnSpc>
+              <a:spcBef>
+                <a:spcPts val="0"/>
+              </a:spcBef>
+              <a:spcAft>
+                <a:spcPts val="0"/>
+              </a:spcAft>
+              <a:buClr>
+                <a:srgbClr val="000000"/>
+              </a:buClr>
+              <a:buSzPts val="1000"/>
+              <a:buFont typeface="Arial"/>
+              <a:buNone/>
+              <a:defRPr b="0" i="0" sz="1000" u="none" cap="none" strike="noStrike">
+                <a:solidFill>
+                  <a:schemeClr val="dk2"/>
+                </a:solidFill>
+                <a:latin typeface="Arial"/>
+                <a:ea typeface="Arial"/>
+                <a:cs typeface="Arial"/>
+                <a:sym typeface="Arial"/>
+              </a:defRPr>
             </a:lvl9pPr>
           </a:lstStyle>
           <a:p>
@@ -4176,7 +6704,7 @@
       </p:grpSpPr>
       <p:sp>
         <p:nvSpPr>
-          <p:cNvPr id="33" name="Google Shape;33;p8"/>
+          <p:cNvPr id="33" name="Google Shape;33;p18"/>
           <p:cNvSpPr txBox="1"/>
           <p:nvPr>
             <p:ph type="title"/>
@@ -4190,13 +6718,20 @@
           <a:prstGeom prst="rect">
             <a:avLst/>
           </a:prstGeom>
+          <a:noFill/>
+          <a:ln>
+            <a:noFill/>
+          </a:ln>
         </p:spPr>
         <p:txBody>
           <a:bodyPr anchorCtr="0" anchor="ctr" bIns="91425" lIns="91425" spcFirstLastPara="1" rIns="91425" wrap="square" tIns="91425">
             <a:normAutofit/>
           </a:bodyPr>
           <a:lstStyle>
-            <a:lvl1pPr lvl="0">
+            <a:lvl1pPr lvl="0" algn="l">
+              <a:lnSpc>
+                <a:spcPct val="100000"/>
+              </a:lnSpc>
               <a:spcBef>
                 <a:spcPts val="0"/>
               </a:spcBef>
@@ -4207,7 +6742,10 @@
               <a:buNone/>
               <a:defRPr sz="4800"/>
             </a:lvl1pPr>
-            <a:lvl2pPr lvl="1">
+            <a:lvl2pPr lvl="1" algn="l">
+              <a:lnSpc>
+                <a:spcPct val="100000"/>
+              </a:lnSpc>
               <a:spcBef>
                 <a:spcPts val="0"/>
               </a:spcBef>
@@ -4218,7 +6756,10 @@
               <a:buNone/>
               <a:defRPr sz="4800"/>
             </a:lvl2pPr>
-            <a:lvl3pPr lvl="2">
+            <a:lvl3pPr lvl="2" algn="l">
+              <a:lnSpc>
+                <a:spcPct val="100000"/>
+              </a:lnSpc>
               <a:spcBef>
                 <a:spcPts val="0"/>
               </a:spcBef>
@@ -4229,7 +6770,10 @@
               <a:buNone/>
               <a:defRPr sz="4800"/>
             </a:lvl3pPr>
-            <a:lvl4pPr lvl="3">
+            <a:lvl4pPr lvl="3" algn="l">
+              <a:lnSpc>
+                <a:spcPct val="100000"/>
+              </a:lnSpc>
               <a:spcBef>
                 <a:spcPts val="0"/>
               </a:spcBef>
@@ -4240,7 +6784,10 @@
               <a:buNone/>
               <a:defRPr sz="4800"/>
             </a:lvl4pPr>
-            <a:lvl5pPr lvl="4">
+            <a:lvl5pPr lvl="4" algn="l">
+              <a:lnSpc>
+                <a:spcPct val="100000"/>
+              </a:lnSpc>
               <a:spcBef>
                 <a:spcPts val="0"/>
               </a:spcBef>
@@ -4251,7 +6798,10 @@
               <a:buNone/>
               <a:defRPr sz="4800"/>
             </a:lvl5pPr>
-            <a:lvl6pPr lvl="5">
+            <a:lvl6pPr lvl="5" algn="l">
+              <a:lnSpc>
+                <a:spcPct val="100000"/>
+              </a:lnSpc>
               <a:spcBef>
                 <a:spcPts val="0"/>
               </a:spcBef>
@@ -4262,7 +6812,10 @@
               <a:buNone/>
               <a:defRPr sz="4800"/>
             </a:lvl6pPr>
-            <a:lvl7pPr lvl="6">
+            <a:lvl7pPr lvl="6" algn="l">
+              <a:lnSpc>
+                <a:spcPct val="100000"/>
+              </a:lnSpc>
               <a:spcBef>
                 <a:spcPts val="0"/>
               </a:spcBef>
@@ -4273,7 +6826,10 @@
               <a:buNone/>
               <a:defRPr sz="4800"/>
             </a:lvl7pPr>
-            <a:lvl8pPr lvl="7">
+            <a:lvl8pPr lvl="7" algn="l">
+              <a:lnSpc>
+                <a:spcPct val="100000"/>
+              </a:lnSpc>
               <a:spcBef>
                 <a:spcPts val="0"/>
               </a:spcBef>
@@ -4284,7 +6840,10 @@
               <a:buNone/>
               <a:defRPr sz="4800"/>
             </a:lvl8pPr>
-            <a:lvl9pPr lvl="8">
+            <a:lvl9pPr lvl="8" algn="l">
+              <a:lnSpc>
+                <a:spcPct val="100000"/>
+              </a:lnSpc>
               <a:spcBef>
                 <a:spcPts val="0"/>
               </a:spcBef>
@@ -4301,7 +6860,7 @@
       </p:sp>
       <p:sp>
         <p:nvSpPr>
-          <p:cNvPr id="34" name="Google Shape;34;p8"/>
+          <p:cNvPr id="34" name="Google Shape;34;p18"/>
           <p:cNvSpPr txBox="1"/>
           <p:nvPr>
             <p:ph idx="12" type="sldNum"/>
@@ -4315,47 +6874,249 @@
           <a:prstGeom prst="rect">
             <a:avLst/>
           </a:prstGeom>
+          <a:noFill/>
+          <a:ln>
+            <a:noFill/>
+          </a:ln>
         </p:spPr>
         <p:txBody>
           <a:bodyPr anchorCtr="0" anchor="ctr" bIns="91425" lIns="91425" spcFirstLastPara="1" rIns="91425" wrap="square" tIns="91425">
             <a:normAutofit/>
           </a:bodyPr>
           <a:lstStyle>
-            <a:lvl1pPr lvl="0">
-              <a:buNone/>
-              <a:defRPr/>
+            <a:lvl1pPr indent="0" lvl="0" marL="0" marR="0" algn="r">
+              <a:lnSpc>
+                <a:spcPct val="100000"/>
+              </a:lnSpc>
+              <a:spcBef>
+                <a:spcPts val="0"/>
+              </a:spcBef>
+              <a:spcAft>
+                <a:spcPts val="0"/>
+              </a:spcAft>
+              <a:buClr>
+                <a:srgbClr val="000000"/>
+              </a:buClr>
+              <a:buSzPts val="1000"/>
+              <a:buFont typeface="Arial"/>
+              <a:buNone/>
+              <a:defRPr b="0" i="0" sz="1000" u="none" cap="none" strike="noStrike">
+                <a:solidFill>
+                  <a:schemeClr val="dk2"/>
+                </a:solidFill>
+                <a:latin typeface="Arial"/>
+                <a:ea typeface="Arial"/>
+                <a:cs typeface="Arial"/>
+                <a:sym typeface="Arial"/>
+              </a:defRPr>
             </a:lvl1pPr>
-            <a:lvl2pPr lvl="1">
-              <a:buNone/>
-              <a:defRPr/>
+            <a:lvl2pPr indent="0" lvl="1" marL="0" marR="0" algn="r">
+              <a:lnSpc>
+                <a:spcPct val="100000"/>
+              </a:lnSpc>
+              <a:spcBef>
+                <a:spcPts val="0"/>
+              </a:spcBef>
+              <a:spcAft>
+                <a:spcPts val="0"/>
+              </a:spcAft>
+              <a:buClr>
+                <a:srgbClr val="000000"/>
+              </a:buClr>
+              <a:buSzPts val="1000"/>
+              <a:buFont typeface="Arial"/>
+              <a:buNone/>
+              <a:defRPr b="0" i="0" sz="1000" u="none" cap="none" strike="noStrike">
+                <a:solidFill>
+                  <a:schemeClr val="dk2"/>
+                </a:solidFill>
+                <a:latin typeface="Arial"/>
+                <a:ea typeface="Arial"/>
+                <a:cs typeface="Arial"/>
+                <a:sym typeface="Arial"/>
+              </a:defRPr>
             </a:lvl2pPr>
-            <a:lvl3pPr lvl="2">
-              <a:buNone/>
-              <a:defRPr/>
+            <a:lvl3pPr indent="0" lvl="2" marL="0" marR="0" algn="r">
+              <a:lnSpc>
+                <a:spcPct val="100000"/>
+              </a:lnSpc>
+              <a:spcBef>
+                <a:spcPts val="0"/>
+              </a:spcBef>
+              <a:spcAft>
+                <a:spcPts val="0"/>
+              </a:spcAft>
+              <a:buClr>
+                <a:srgbClr val="000000"/>
+              </a:buClr>
+              <a:buSzPts val="1000"/>
+              <a:buFont typeface="Arial"/>
+              <a:buNone/>
+              <a:defRPr b="0" i="0" sz="1000" u="none" cap="none" strike="noStrike">
+                <a:solidFill>
+                  <a:schemeClr val="dk2"/>
+                </a:solidFill>
+                <a:latin typeface="Arial"/>
+                <a:ea typeface="Arial"/>
+                <a:cs typeface="Arial"/>
+                <a:sym typeface="Arial"/>
+              </a:defRPr>
             </a:lvl3pPr>
-            <a:lvl4pPr lvl="3">
-              <a:buNone/>
-              <a:defRPr/>
+            <a:lvl4pPr indent="0" lvl="3" marL="0" marR="0" algn="r">
+              <a:lnSpc>
+                <a:spcPct val="100000"/>
+              </a:lnSpc>
+              <a:spcBef>
+                <a:spcPts val="0"/>
+              </a:spcBef>
+              <a:spcAft>
+                <a:spcPts val="0"/>
+              </a:spcAft>
+              <a:buClr>
+                <a:srgbClr val="000000"/>
+              </a:buClr>
+              <a:buSzPts val="1000"/>
+              <a:buFont typeface="Arial"/>
+              <a:buNone/>
+              <a:defRPr b="0" i="0" sz="1000" u="none" cap="none" strike="noStrike">
+                <a:solidFill>
+                  <a:schemeClr val="dk2"/>
+                </a:solidFill>
+                <a:latin typeface="Arial"/>
+                <a:ea typeface="Arial"/>
+                <a:cs typeface="Arial"/>
+                <a:sym typeface="Arial"/>
+              </a:defRPr>
             </a:lvl4pPr>
-            <a:lvl5pPr lvl="4">
-              <a:buNone/>
-              <a:defRPr/>
+            <a:lvl5pPr indent="0" lvl="4" marL="0" marR="0" algn="r">
+              <a:lnSpc>
+                <a:spcPct val="100000"/>
+              </a:lnSpc>
+              <a:spcBef>
+                <a:spcPts val="0"/>
+              </a:spcBef>
+              <a:spcAft>
+                <a:spcPts val="0"/>
+              </a:spcAft>
+              <a:buClr>
+                <a:srgbClr val="000000"/>
+              </a:buClr>
+              <a:buSzPts val="1000"/>
+              <a:buFont typeface="Arial"/>
+              <a:buNone/>
+              <a:defRPr b="0" i="0" sz="1000" u="none" cap="none" strike="noStrike">
+                <a:solidFill>
+                  <a:schemeClr val="dk2"/>
+                </a:solidFill>
+                <a:latin typeface="Arial"/>
+                <a:ea typeface="Arial"/>
+                <a:cs typeface="Arial"/>
+                <a:sym typeface="Arial"/>
+              </a:defRPr>
             </a:lvl5pPr>
-            <a:lvl6pPr lvl="5">
-              <a:buNone/>
-              <a:defRPr/>
+            <a:lvl6pPr indent="0" lvl="5" marL="0" marR="0" algn="r">
+              <a:lnSpc>
+                <a:spcPct val="100000"/>
+              </a:lnSpc>
+              <a:spcBef>
+                <a:spcPts val="0"/>
+              </a:spcBef>
+              <a:spcAft>
+                <a:spcPts val="0"/>
+              </a:spcAft>
+              <a:buClr>
+                <a:srgbClr val="000000"/>
+              </a:buClr>
+              <a:buSzPts val="1000"/>
+              <a:buFont typeface="Arial"/>
+              <a:buNone/>
+              <a:defRPr b="0" i="0" sz="1000" u="none" cap="none" strike="noStrike">
+                <a:solidFill>
+                  <a:schemeClr val="dk2"/>
+                </a:solidFill>
+                <a:latin typeface="Arial"/>
+                <a:ea typeface="Arial"/>
+                <a:cs typeface="Arial"/>
+                <a:sym typeface="Arial"/>
+              </a:defRPr>
             </a:lvl6pPr>
-            <a:lvl7pPr lvl="6">
-              <a:buNone/>
-              <a:defRPr/>
+            <a:lvl7pPr indent="0" lvl="6" marL="0" marR="0" algn="r">
+              <a:lnSpc>
+                <a:spcPct val="100000"/>
+              </a:lnSpc>
+              <a:spcBef>
+                <a:spcPts val="0"/>
+              </a:spcBef>
+              <a:spcAft>
+                <a:spcPts val="0"/>
+              </a:spcAft>
+              <a:buClr>
+                <a:srgbClr val="000000"/>
+              </a:buClr>
+              <a:buSzPts val="1000"/>
+              <a:buFont typeface="Arial"/>
+              <a:buNone/>
+              <a:defRPr b="0" i="0" sz="1000" u="none" cap="none" strike="noStrike">
+                <a:solidFill>
+                  <a:schemeClr val="dk2"/>
+                </a:solidFill>
+                <a:latin typeface="Arial"/>
+                <a:ea typeface="Arial"/>
+                <a:cs typeface="Arial"/>
+                <a:sym typeface="Arial"/>
+              </a:defRPr>
             </a:lvl7pPr>
-            <a:lvl8pPr lvl="7">
-              <a:buNone/>
-              <a:defRPr/>
+            <a:lvl8pPr indent="0" lvl="7" marL="0" marR="0" algn="r">
+              <a:lnSpc>
+                <a:spcPct val="100000"/>
+              </a:lnSpc>
+              <a:spcBef>
+                <a:spcPts val="0"/>
+              </a:spcBef>
+              <a:spcAft>
+                <a:spcPts val="0"/>
+              </a:spcAft>
+              <a:buClr>
+                <a:srgbClr val="000000"/>
+              </a:buClr>
+              <a:buSzPts val="1000"/>
+              <a:buFont typeface="Arial"/>
+              <a:buNone/>
+              <a:defRPr b="0" i="0" sz="1000" u="none" cap="none" strike="noStrike">
+                <a:solidFill>
+                  <a:schemeClr val="dk2"/>
+                </a:solidFill>
+                <a:latin typeface="Arial"/>
+                <a:ea typeface="Arial"/>
+                <a:cs typeface="Arial"/>
+                <a:sym typeface="Arial"/>
+              </a:defRPr>
             </a:lvl8pPr>
-            <a:lvl9pPr lvl="8">
-              <a:buNone/>
-              <a:defRPr/>
+            <a:lvl9pPr indent="0" lvl="8" marL="0" marR="0" algn="r">
+              <a:lnSpc>
+                <a:spcPct val="100000"/>
+              </a:lnSpc>
+              <a:spcBef>
+                <a:spcPts val="0"/>
+              </a:spcBef>
+              <a:spcAft>
+                <a:spcPts val="0"/>
+              </a:spcAft>
+              <a:buClr>
+                <a:srgbClr val="000000"/>
+              </a:buClr>
+              <a:buSzPts val="1000"/>
+              <a:buFont typeface="Arial"/>
+              <a:buNone/>
+              <a:defRPr b="0" i="0" sz="1000" u="none" cap="none" strike="noStrike">
+                <a:solidFill>
+                  <a:schemeClr val="dk2"/>
+                </a:solidFill>
+                <a:latin typeface="Arial"/>
+                <a:ea typeface="Arial"/>
+                <a:cs typeface="Arial"/>
+                <a:sym typeface="Arial"/>
+              </a:defRPr>
             </a:lvl9pPr>
           </a:lstStyle>
           <a:p>
@@ -4403,7 +7164,7 @@
       </p:grpSpPr>
       <p:sp>
         <p:nvSpPr>
-          <p:cNvPr id="36" name="Google Shape;36;p9"/>
+          <p:cNvPr id="36" name="Google Shape;36;p19"/>
           <p:cNvSpPr/>
           <p:nvPr/>
         </p:nvSpPr>
@@ -4428,25 +7189,41 @@
           </a:bodyPr>
           <a:lstStyle/>
           <a:p>
-            <a:pPr indent="0" lvl="0" marL="0" rtl="0" algn="l">
-              <a:spcBef>
-                <a:spcPts val="0"/>
-              </a:spcBef>
-              <a:spcAft>
-                <a:spcPts val="0"/>
-              </a:spcAft>
+            <a:pPr indent="0" lvl="0" marL="0" marR="0" rtl="0" algn="l">
+              <a:lnSpc>
+                <a:spcPct val="100000"/>
+              </a:lnSpc>
+              <a:spcBef>
+                <a:spcPts val="0"/>
+              </a:spcBef>
+              <a:spcAft>
+                <a:spcPts val="0"/>
+              </a:spcAft>
+              <a:buClr>
+                <a:srgbClr val="000000"/>
+              </a:buClr>
+              <a:buSzPts val="1400"/>
+              <a:buFont typeface="Arial"/>
               <a:buNone/>
             </a:pPr>
             <a:r>
               <a:t/>
             </a:r>
-            <a:endParaRPr/>
+            <a:endParaRPr b="0" i="0" sz="1400" u="none" cap="none" strike="noStrike">
+              <a:solidFill>
+                <a:srgbClr val="000000"/>
+              </a:solidFill>
+              <a:latin typeface="Arial"/>
+              <a:ea typeface="Arial"/>
+              <a:cs typeface="Arial"/>
+              <a:sym typeface="Arial"/>
+            </a:endParaRPr>
           </a:p>
         </p:txBody>
       </p:sp>
       <p:sp>
         <p:nvSpPr>
-          <p:cNvPr id="37" name="Google Shape;37;p9"/>
+          <p:cNvPr id="37" name="Google Shape;37;p19"/>
           <p:cNvSpPr txBox="1"/>
           <p:nvPr>
             <p:ph type="title"/>
@@ -4460,6 +7237,10 @@
           <a:prstGeom prst="rect">
             <a:avLst/>
           </a:prstGeom>
+          <a:noFill/>
+          <a:ln>
+            <a:noFill/>
+          </a:ln>
         </p:spPr>
         <p:txBody>
           <a:bodyPr anchorCtr="0" anchor="b" bIns="91425" lIns="91425" spcFirstLastPara="1" rIns="91425" wrap="square" tIns="91425">
@@ -4467,6 +7248,9 @@
           </a:bodyPr>
           <a:lstStyle>
             <a:lvl1pPr lvl="0" algn="ctr">
+              <a:lnSpc>
+                <a:spcPct val="100000"/>
+              </a:lnSpc>
               <a:spcBef>
                 <a:spcPts val="0"/>
               </a:spcBef>
@@ -4478,6 +7262,9 @@
               <a:defRPr sz="4200"/>
             </a:lvl1pPr>
             <a:lvl2pPr lvl="1" algn="ctr">
+              <a:lnSpc>
+                <a:spcPct val="100000"/>
+              </a:lnSpc>
               <a:spcBef>
                 <a:spcPts val="0"/>
               </a:spcBef>
@@ -4489,6 +7276,9 @@
               <a:defRPr sz="4200"/>
             </a:lvl2pPr>
             <a:lvl3pPr lvl="2" algn="ctr">
+              <a:lnSpc>
+                <a:spcPct val="100000"/>
+              </a:lnSpc>
               <a:spcBef>
                 <a:spcPts val="0"/>
               </a:spcBef>
@@ -4500,6 +7290,9 @@
               <a:defRPr sz="4200"/>
             </a:lvl3pPr>
             <a:lvl4pPr lvl="3" algn="ctr">
+              <a:lnSpc>
+                <a:spcPct val="100000"/>
+              </a:lnSpc>
               <a:spcBef>
                 <a:spcPts val="0"/>
               </a:spcBef>
@@ -4511,6 +7304,9 @@
               <a:defRPr sz="4200"/>
             </a:lvl4pPr>
             <a:lvl5pPr lvl="4" algn="ctr">
+              <a:lnSpc>
+                <a:spcPct val="100000"/>
+              </a:lnSpc>
               <a:spcBef>
                 <a:spcPts val="0"/>
               </a:spcBef>
@@ -4522,6 +7318,9 @@
               <a:defRPr sz="4200"/>
             </a:lvl5pPr>
             <a:lvl6pPr lvl="5" algn="ctr">
+              <a:lnSpc>
+                <a:spcPct val="100000"/>
+              </a:lnSpc>
               <a:spcBef>
                 <a:spcPts val="0"/>
               </a:spcBef>
@@ -4533,6 +7332,9 @@
               <a:defRPr sz="4200"/>
             </a:lvl6pPr>
             <a:lvl7pPr lvl="6" algn="ctr">
+              <a:lnSpc>
+                <a:spcPct val="100000"/>
+              </a:lnSpc>
               <a:spcBef>
                 <a:spcPts val="0"/>
               </a:spcBef>
@@ -4544,6 +7346,9 @@
               <a:defRPr sz="4200"/>
             </a:lvl7pPr>
             <a:lvl8pPr lvl="7" algn="ctr">
+              <a:lnSpc>
+                <a:spcPct val="100000"/>
+              </a:lnSpc>
               <a:spcBef>
                 <a:spcPts val="0"/>
               </a:spcBef>
@@ -4555,6 +7360,9 @@
               <a:defRPr sz="4200"/>
             </a:lvl8pPr>
             <a:lvl9pPr lvl="8" algn="ctr">
+              <a:lnSpc>
+                <a:spcPct val="100000"/>
+              </a:lnSpc>
               <a:spcBef>
                 <a:spcPts val="0"/>
               </a:spcBef>
@@ -4571,7 +7379,7 @@
       </p:sp>
       <p:sp>
         <p:nvSpPr>
-          <p:cNvPr id="38" name="Google Shape;38;p9"/>
+          <p:cNvPr id="38" name="Google Shape;38;p19"/>
           <p:cNvSpPr txBox="1"/>
           <p:nvPr>
             <p:ph idx="1" type="subTitle"/>
@@ -4585,6 +7393,10 @@
           <a:prstGeom prst="rect">
             <a:avLst/>
           </a:prstGeom>
+          <a:noFill/>
+          <a:ln>
+            <a:noFill/>
+          </a:ln>
         </p:spPr>
         <p:txBody>
           <a:bodyPr anchorCtr="0" anchor="t" bIns="91425" lIns="91425" spcFirstLastPara="1" rIns="91425" wrap="square" tIns="91425">
@@ -4723,7 +7535,7 @@
       </p:sp>
       <p:sp>
         <p:nvSpPr>
-          <p:cNvPr id="39" name="Google Shape;39;p9"/>
+          <p:cNvPr id="39" name="Google Shape;39;p19"/>
           <p:cNvSpPr txBox="1"/>
           <p:nvPr>
             <p:ph idx="2" type="body"/>
@@ -4737,13 +7549,20 @@
           <a:prstGeom prst="rect">
             <a:avLst/>
           </a:prstGeom>
+          <a:noFill/>
+          <a:ln>
+            <a:noFill/>
+          </a:ln>
         </p:spPr>
         <p:txBody>
           <a:bodyPr anchorCtr="0" anchor="ctr" bIns="91425" lIns="91425" spcFirstLastPara="1" rIns="91425" wrap="square" tIns="91425">
             <a:normAutofit/>
           </a:bodyPr>
           <a:lstStyle>
-            <a:lvl1pPr indent="-342900" lvl="0" marL="457200">
+            <a:lvl1pPr indent="-342900" lvl="0" marL="457200" algn="l">
+              <a:lnSpc>
+                <a:spcPct val="115000"/>
+              </a:lnSpc>
               <a:spcBef>
                 <a:spcPts val="0"/>
               </a:spcBef>
@@ -4754,7 +7573,10 @@
               <a:buChar char="●"/>
               <a:defRPr/>
             </a:lvl1pPr>
-            <a:lvl2pPr indent="-317500" lvl="1" marL="914400">
+            <a:lvl2pPr indent="-317500" lvl="1" marL="914400" algn="l">
+              <a:lnSpc>
+                <a:spcPct val="115000"/>
+              </a:lnSpc>
               <a:spcBef>
                 <a:spcPts val="0"/>
               </a:spcBef>
@@ -4765,7 +7587,10 @@
               <a:buChar char="○"/>
               <a:defRPr/>
             </a:lvl2pPr>
-            <a:lvl3pPr indent="-317500" lvl="2" marL="1371600">
+            <a:lvl3pPr indent="-317500" lvl="2" marL="1371600" algn="l">
+              <a:lnSpc>
+                <a:spcPct val="115000"/>
+              </a:lnSpc>
               <a:spcBef>
                 <a:spcPts val="0"/>
               </a:spcBef>
@@ -4776,7 +7601,10 @@
               <a:buChar char="■"/>
               <a:defRPr/>
             </a:lvl3pPr>
-            <a:lvl4pPr indent="-317500" lvl="3" marL="1828800">
+            <a:lvl4pPr indent="-317500" lvl="3" marL="1828800" algn="l">
+              <a:lnSpc>
+                <a:spcPct val="115000"/>
+              </a:lnSpc>
               <a:spcBef>
                 <a:spcPts val="0"/>
               </a:spcBef>
@@ -4787,7 +7615,10 @@
               <a:buChar char="●"/>
               <a:defRPr/>
             </a:lvl4pPr>
-            <a:lvl5pPr indent="-317500" lvl="4" marL="2286000">
+            <a:lvl5pPr indent="-317500" lvl="4" marL="2286000" algn="l">
+              <a:lnSpc>
+                <a:spcPct val="115000"/>
+              </a:lnSpc>
               <a:spcBef>
                 <a:spcPts val="0"/>
               </a:spcBef>
@@ -4798,7 +7629,10 @@
               <a:buChar char="○"/>
               <a:defRPr/>
             </a:lvl5pPr>
-            <a:lvl6pPr indent="-317500" lvl="5" marL="2743200">
+            <a:lvl6pPr indent="-317500" lvl="5" marL="2743200" algn="l">
+              <a:lnSpc>
+                <a:spcPct val="115000"/>
+              </a:lnSpc>
               <a:spcBef>
                 <a:spcPts val="0"/>
               </a:spcBef>
@@ -4809,7 +7643,10 @@
               <a:buChar char="■"/>
               <a:defRPr/>
             </a:lvl6pPr>
-            <a:lvl7pPr indent="-317500" lvl="6" marL="3200400">
+            <a:lvl7pPr indent="-317500" lvl="6" marL="3200400" algn="l">
+              <a:lnSpc>
+                <a:spcPct val="115000"/>
+              </a:lnSpc>
               <a:spcBef>
                 <a:spcPts val="0"/>
               </a:spcBef>
@@ -4820,7 +7657,10 @@
               <a:buChar char="●"/>
               <a:defRPr/>
             </a:lvl7pPr>
-            <a:lvl8pPr indent="-317500" lvl="7" marL="3657600">
+            <a:lvl8pPr indent="-317500" lvl="7" marL="3657600" algn="l">
+              <a:lnSpc>
+                <a:spcPct val="115000"/>
+              </a:lnSpc>
               <a:spcBef>
                 <a:spcPts val="0"/>
               </a:spcBef>
@@ -4831,7 +7671,10 @@
               <a:buChar char="○"/>
               <a:defRPr/>
             </a:lvl8pPr>
-            <a:lvl9pPr indent="-317500" lvl="8" marL="4114800">
+            <a:lvl9pPr indent="-317500" lvl="8" marL="4114800" algn="l">
+              <a:lnSpc>
+                <a:spcPct val="115000"/>
+              </a:lnSpc>
               <a:spcBef>
                 <a:spcPts val="0"/>
               </a:spcBef>
@@ -4848,7 +7691,7 @@
       </p:sp>
       <p:sp>
         <p:nvSpPr>
-          <p:cNvPr id="40" name="Google Shape;40;p9"/>
+          <p:cNvPr id="40" name="Google Shape;40;p19"/>
           <p:cNvSpPr txBox="1"/>
           <p:nvPr>
             <p:ph idx="12" type="sldNum"/>
@@ -4862,47 +7705,249 @@
           <a:prstGeom prst="rect">
             <a:avLst/>
           </a:prstGeom>
+          <a:noFill/>
+          <a:ln>
+            <a:noFill/>
+          </a:ln>
         </p:spPr>
         <p:txBody>
           <a:bodyPr anchorCtr="0" anchor="ctr" bIns="91425" lIns="91425" spcFirstLastPara="1" rIns="91425" wrap="square" tIns="91425">
             <a:normAutofit/>
           </a:bodyPr>
           <a:lstStyle>
-            <a:lvl1pPr lvl="0">
-              <a:buNone/>
-              <a:defRPr/>
+            <a:lvl1pPr indent="0" lvl="0" marL="0" marR="0" algn="r">
+              <a:lnSpc>
+                <a:spcPct val="100000"/>
+              </a:lnSpc>
+              <a:spcBef>
+                <a:spcPts val="0"/>
+              </a:spcBef>
+              <a:spcAft>
+                <a:spcPts val="0"/>
+              </a:spcAft>
+              <a:buClr>
+                <a:srgbClr val="000000"/>
+              </a:buClr>
+              <a:buSzPts val="1000"/>
+              <a:buFont typeface="Arial"/>
+              <a:buNone/>
+              <a:defRPr b="0" i="0" sz="1000" u="none" cap="none" strike="noStrike">
+                <a:solidFill>
+                  <a:schemeClr val="dk2"/>
+                </a:solidFill>
+                <a:latin typeface="Arial"/>
+                <a:ea typeface="Arial"/>
+                <a:cs typeface="Arial"/>
+                <a:sym typeface="Arial"/>
+              </a:defRPr>
             </a:lvl1pPr>
-            <a:lvl2pPr lvl="1">
-              <a:buNone/>
-              <a:defRPr/>
+            <a:lvl2pPr indent="0" lvl="1" marL="0" marR="0" algn="r">
+              <a:lnSpc>
+                <a:spcPct val="100000"/>
+              </a:lnSpc>
+              <a:spcBef>
+                <a:spcPts val="0"/>
+              </a:spcBef>
+              <a:spcAft>
+                <a:spcPts val="0"/>
+              </a:spcAft>
+              <a:buClr>
+                <a:srgbClr val="000000"/>
+              </a:buClr>
+              <a:buSzPts val="1000"/>
+              <a:buFont typeface="Arial"/>
+              <a:buNone/>
+              <a:defRPr b="0" i="0" sz="1000" u="none" cap="none" strike="noStrike">
+                <a:solidFill>
+                  <a:schemeClr val="dk2"/>
+                </a:solidFill>
+                <a:latin typeface="Arial"/>
+                <a:ea typeface="Arial"/>
+                <a:cs typeface="Arial"/>
+                <a:sym typeface="Arial"/>
+              </a:defRPr>
             </a:lvl2pPr>
-            <a:lvl3pPr lvl="2">
-              <a:buNone/>
-              <a:defRPr/>
+            <a:lvl3pPr indent="0" lvl="2" marL="0" marR="0" algn="r">
+              <a:lnSpc>
+                <a:spcPct val="100000"/>
+              </a:lnSpc>
+              <a:spcBef>
+                <a:spcPts val="0"/>
+              </a:spcBef>
+              <a:spcAft>
+                <a:spcPts val="0"/>
+              </a:spcAft>
+              <a:buClr>
+                <a:srgbClr val="000000"/>
+              </a:buClr>
+              <a:buSzPts val="1000"/>
+              <a:buFont typeface="Arial"/>
+              <a:buNone/>
+              <a:defRPr b="0" i="0" sz="1000" u="none" cap="none" strike="noStrike">
+                <a:solidFill>
+                  <a:schemeClr val="dk2"/>
+                </a:solidFill>
+                <a:latin typeface="Arial"/>
+                <a:ea typeface="Arial"/>
+                <a:cs typeface="Arial"/>
+                <a:sym typeface="Arial"/>
+              </a:defRPr>
             </a:lvl3pPr>
-            <a:lvl4pPr lvl="3">
-              <a:buNone/>
-              <a:defRPr/>
+            <a:lvl4pPr indent="0" lvl="3" marL="0" marR="0" algn="r">
+              <a:lnSpc>
+                <a:spcPct val="100000"/>
+              </a:lnSpc>
+              <a:spcBef>
+                <a:spcPts val="0"/>
+              </a:spcBef>
+              <a:spcAft>
+                <a:spcPts val="0"/>
+              </a:spcAft>
+              <a:buClr>
+                <a:srgbClr val="000000"/>
+              </a:buClr>
+              <a:buSzPts val="1000"/>
+              <a:buFont typeface="Arial"/>
+              <a:buNone/>
+              <a:defRPr b="0" i="0" sz="1000" u="none" cap="none" strike="noStrike">
+                <a:solidFill>
+                  <a:schemeClr val="dk2"/>
+                </a:solidFill>
+                <a:latin typeface="Arial"/>
+                <a:ea typeface="Arial"/>
+                <a:cs typeface="Arial"/>
+                <a:sym typeface="Arial"/>
+              </a:defRPr>
             </a:lvl4pPr>
-            <a:lvl5pPr lvl="4">
-              <a:buNone/>
-              <a:defRPr/>
+            <a:lvl5pPr indent="0" lvl="4" marL="0" marR="0" algn="r">
+              <a:lnSpc>
+                <a:spcPct val="100000"/>
+              </a:lnSpc>
+              <a:spcBef>
+                <a:spcPts val="0"/>
+              </a:spcBef>
+              <a:spcAft>
+                <a:spcPts val="0"/>
+              </a:spcAft>
+              <a:buClr>
+                <a:srgbClr val="000000"/>
+              </a:buClr>
+              <a:buSzPts val="1000"/>
+              <a:buFont typeface="Arial"/>
+              <a:buNone/>
+              <a:defRPr b="0" i="0" sz="1000" u="none" cap="none" strike="noStrike">
+                <a:solidFill>
+                  <a:schemeClr val="dk2"/>
+                </a:solidFill>
+                <a:latin typeface="Arial"/>
+                <a:ea typeface="Arial"/>
+                <a:cs typeface="Arial"/>
+                <a:sym typeface="Arial"/>
+              </a:defRPr>
             </a:lvl5pPr>
-            <a:lvl6pPr lvl="5">
-              <a:buNone/>
-              <a:defRPr/>
+            <a:lvl6pPr indent="0" lvl="5" marL="0" marR="0" algn="r">
+              <a:lnSpc>
+                <a:spcPct val="100000"/>
+              </a:lnSpc>
+              <a:spcBef>
+                <a:spcPts val="0"/>
+              </a:spcBef>
+              <a:spcAft>
+                <a:spcPts val="0"/>
+              </a:spcAft>
+              <a:buClr>
+                <a:srgbClr val="000000"/>
+              </a:buClr>
+              <a:buSzPts val="1000"/>
+              <a:buFont typeface="Arial"/>
+              <a:buNone/>
+              <a:defRPr b="0" i="0" sz="1000" u="none" cap="none" strike="noStrike">
+                <a:solidFill>
+                  <a:schemeClr val="dk2"/>
+                </a:solidFill>
+                <a:latin typeface="Arial"/>
+                <a:ea typeface="Arial"/>
+                <a:cs typeface="Arial"/>
+                <a:sym typeface="Arial"/>
+              </a:defRPr>
             </a:lvl6pPr>
-            <a:lvl7pPr lvl="6">
-              <a:buNone/>
-              <a:defRPr/>
+            <a:lvl7pPr indent="0" lvl="6" marL="0" marR="0" algn="r">
+              <a:lnSpc>
+                <a:spcPct val="100000"/>
+              </a:lnSpc>
+              <a:spcBef>
+                <a:spcPts val="0"/>
+              </a:spcBef>
+              <a:spcAft>
+                <a:spcPts val="0"/>
+              </a:spcAft>
+              <a:buClr>
+                <a:srgbClr val="000000"/>
+              </a:buClr>
+              <a:buSzPts val="1000"/>
+              <a:buFont typeface="Arial"/>
+              <a:buNone/>
+              <a:defRPr b="0" i="0" sz="1000" u="none" cap="none" strike="noStrike">
+                <a:solidFill>
+                  <a:schemeClr val="dk2"/>
+                </a:solidFill>
+                <a:latin typeface="Arial"/>
+                <a:ea typeface="Arial"/>
+                <a:cs typeface="Arial"/>
+                <a:sym typeface="Arial"/>
+              </a:defRPr>
             </a:lvl7pPr>
-            <a:lvl8pPr lvl="7">
-              <a:buNone/>
-              <a:defRPr/>
+            <a:lvl8pPr indent="0" lvl="7" marL="0" marR="0" algn="r">
+              <a:lnSpc>
+                <a:spcPct val="100000"/>
+              </a:lnSpc>
+              <a:spcBef>
+                <a:spcPts val="0"/>
+              </a:spcBef>
+              <a:spcAft>
+                <a:spcPts val="0"/>
+              </a:spcAft>
+              <a:buClr>
+                <a:srgbClr val="000000"/>
+              </a:buClr>
+              <a:buSzPts val="1000"/>
+              <a:buFont typeface="Arial"/>
+              <a:buNone/>
+              <a:defRPr b="0" i="0" sz="1000" u="none" cap="none" strike="noStrike">
+                <a:solidFill>
+                  <a:schemeClr val="dk2"/>
+                </a:solidFill>
+                <a:latin typeface="Arial"/>
+                <a:ea typeface="Arial"/>
+                <a:cs typeface="Arial"/>
+                <a:sym typeface="Arial"/>
+              </a:defRPr>
             </a:lvl8pPr>
-            <a:lvl9pPr lvl="8">
-              <a:buNone/>
-              <a:defRPr/>
+            <a:lvl9pPr indent="0" lvl="8" marL="0" marR="0" algn="r">
+              <a:lnSpc>
+                <a:spcPct val="100000"/>
+              </a:lnSpc>
+              <a:spcBef>
+                <a:spcPts val="0"/>
+              </a:spcBef>
+              <a:spcAft>
+                <a:spcPts val="0"/>
+              </a:spcAft>
+              <a:buClr>
+                <a:srgbClr val="000000"/>
+              </a:buClr>
+              <a:buSzPts val="1000"/>
+              <a:buFont typeface="Arial"/>
+              <a:buNone/>
+              <a:defRPr b="0" i="0" sz="1000" u="none" cap="none" strike="noStrike">
+                <a:solidFill>
+                  <a:schemeClr val="dk2"/>
+                </a:solidFill>
+                <a:latin typeface="Arial"/>
+                <a:ea typeface="Arial"/>
+                <a:cs typeface="Arial"/>
+                <a:sym typeface="Arial"/>
+              </a:defRPr>
             </a:lvl9pPr>
           </a:lstStyle>
           <a:p>
@@ -4950,7 +7995,7 @@
       </p:grpSpPr>
       <p:sp>
         <p:nvSpPr>
-          <p:cNvPr id="42" name="Google Shape;42;p10"/>
+          <p:cNvPr id="42" name="Google Shape;42;p20"/>
           <p:cNvSpPr txBox="1"/>
           <p:nvPr>
             <p:ph idx="1" type="body"/>
@@ -4964,13 +8009,17 @@
           <a:prstGeom prst="rect">
             <a:avLst/>
           </a:prstGeom>
+          <a:noFill/>
+          <a:ln>
+            <a:noFill/>
+          </a:ln>
         </p:spPr>
         <p:txBody>
           <a:bodyPr anchorCtr="0" anchor="ctr" bIns="91425" lIns="91425" spcFirstLastPara="1" rIns="91425" wrap="square" tIns="91425">
             <a:normAutofit/>
           </a:bodyPr>
           <a:lstStyle>
-            <a:lvl1pPr indent="-228600" lvl="0" marL="457200">
+            <a:lvl1pPr indent="-228600" lvl="0" marL="457200" algn="l">
               <a:lnSpc>
                 <a:spcPct val="100000"/>
               </a:lnSpc>
@@ -4990,7 +8039,7 @@
       </p:sp>
       <p:sp>
         <p:nvSpPr>
-          <p:cNvPr id="43" name="Google Shape;43;p10"/>
+          <p:cNvPr id="43" name="Google Shape;43;p20"/>
           <p:cNvSpPr txBox="1"/>
           <p:nvPr>
             <p:ph idx="12" type="sldNum"/>
@@ -5004,47 +8053,249 @@
           <a:prstGeom prst="rect">
             <a:avLst/>
           </a:prstGeom>
+          <a:noFill/>
+          <a:ln>
+            <a:noFill/>
+          </a:ln>
         </p:spPr>
         <p:txBody>
           <a:bodyPr anchorCtr="0" anchor="ctr" bIns="91425" lIns="91425" spcFirstLastPara="1" rIns="91425" wrap="square" tIns="91425">
             <a:normAutofit/>
           </a:bodyPr>
           <a:lstStyle>
-            <a:lvl1pPr lvl="0">
-              <a:buNone/>
-              <a:defRPr/>
+            <a:lvl1pPr indent="0" lvl="0" marL="0" marR="0" algn="r">
+              <a:lnSpc>
+                <a:spcPct val="100000"/>
+              </a:lnSpc>
+              <a:spcBef>
+                <a:spcPts val="0"/>
+              </a:spcBef>
+              <a:spcAft>
+                <a:spcPts val="0"/>
+              </a:spcAft>
+              <a:buClr>
+                <a:srgbClr val="000000"/>
+              </a:buClr>
+              <a:buSzPts val="1000"/>
+              <a:buFont typeface="Arial"/>
+              <a:buNone/>
+              <a:defRPr b="0" i="0" sz="1000" u="none" cap="none" strike="noStrike">
+                <a:solidFill>
+                  <a:schemeClr val="dk2"/>
+                </a:solidFill>
+                <a:latin typeface="Arial"/>
+                <a:ea typeface="Arial"/>
+                <a:cs typeface="Arial"/>
+                <a:sym typeface="Arial"/>
+              </a:defRPr>
             </a:lvl1pPr>
-            <a:lvl2pPr lvl="1">
-              <a:buNone/>
-              <a:defRPr/>
+            <a:lvl2pPr indent="0" lvl="1" marL="0" marR="0" algn="r">
+              <a:lnSpc>
+                <a:spcPct val="100000"/>
+              </a:lnSpc>
+              <a:spcBef>
+                <a:spcPts val="0"/>
+              </a:spcBef>
+              <a:spcAft>
+                <a:spcPts val="0"/>
+              </a:spcAft>
+              <a:buClr>
+                <a:srgbClr val="000000"/>
+              </a:buClr>
+              <a:buSzPts val="1000"/>
+              <a:buFont typeface="Arial"/>
+              <a:buNone/>
+              <a:defRPr b="0" i="0" sz="1000" u="none" cap="none" strike="noStrike">
+                <a:solidFill>
+                  <a:schemeClr val="dk2"/>
+                </a:solidFill>
+                <a:latin typeface="Arial"/>
+                <a:ea typeface="Arial"/>
+                <a:cs typeface="Arial"/>
+                <a:sym typeface="Arial"/>
+              </a:defRPr>
             </a:lvl2pPr>
-            <a:lvl3pPr lvl="2">
-              <a:buNone/>
-              <a:defRPr/>
+            <a:lvl3pPr indent="0" lvl="2" marL="0" marR="0" algn="r">
+              <a:lnSpc>
+                <a:spcPct val="100000"/>
+              </a:lnSpc>
+              <a:spcBef>
+                <a:spcPts val="0"/>
+              </a:spcBef>
+              <a:spcAft>
+                <a:spcPts val="0"/>
+              </a:spcAft>
+              <a:buClr>
+                <a:srgbClr val="000000"/>
+              </a:buClr>
+              <a:buSzPts val="1000"/>
+              <a:buFont typeface="Arial"/>
+              <a:buNone/>
+              <a:defRPr b="0" i="0" sz="1000" u="none" cap="none" strike="noStrike">
+                <a:solidFill>
+                  <a:schemeClr val="dk2"/>
+                </a:solidFill>
+                <a:latin typeface="Arial"/>
+                <a:ea typeface="Arial"/>
+                <a:cs typeface="Arial"/>
+                <a:sym typeface="Arial"/>
+              </a:defRPr>
             </a:lvl3pPr>
-            <a:lvl4pPr lvl="3">
-              <a:buNone/>
-              <a:defRPr/>
+            <a:lvl4pPr indent="0" lvl="3" marL="0" marR="0" algn="r">
+              <a:lnSpc>
+                <a:spcPct val="100000"/>
+              </a:lnSpc>
+              <a:spcBef>
+                <a:spcPts val="0"/>
+              </a:spcBef>
+              <a:spcAft>
+                <a:spcPts val="0"/>
+              </a:spcAft>
+              <a:buClr>
+                <a:srgbClr val="000000"/>
+              </a:buClr>
+              <a:buSzPts val="1000"/>
+              <a:buFont typeface="Arial"/>
+              <a:buNone/>
+              <a:defRPr b="0" i="0" sz="1000" u="none" cap="none" strike="noStrike">
+                <a:solidFill>
+                  <a:schemeClr val="dk2"/>
+                </a:solidFill>
+                <a:latin typeface="Arial"/>
+                <a:ea typeface="Arial"/>
+                <a:cs typeface="Arial"/>
+                <a:sym typeface="Arial"/>
+              </a:defRPr>
             </a:lvl4pPr>
-            <a:lvl5pPr lvl="4">
-              <a:buNone/>
-              <a:defRPr/>
+            <a:lvl5pPr indent="0" lvl="4" marL="0" marR="0" algn="r">
+              <a:lnSpc>
+                <a:spcPct val="100000"/>
+              </a:lnSpc>
+              <a:spcBef>
+                <a:spcPts val="0"/>
+              </a:spcBef>
+              <a:spcAft>
+                <a:spcPts val="0"/>
+              </a:spcAft>
+              <a:buClr>
+                <a:srgbClr val="000000"/>
+              </a:buClr>
+              <a:buSzPts val="1000"/>
+              <a:buFont typeface="Arial"/>
+              <a:buNone/>
+              <a:defRPr b="0" i="0" sz="1000" u="none" cap="none" strike="noStrike">
+                <a:solidFill>
+                  <a:schemeClr val="dk2"/>
+                </a:solidFill>
+                <a:latin typeface="Arial"/>
+                <a:ea typeface="Arial"/>
+                <a:cs typeface="Arial"/>
+                <a:sym typeface="Arial"/>
+              </a:defRPr>
             </a:lvl5pPr>
-            <a:lvl6pPr lvl="5">
-              <a:buNone/>
-              <a:defRPr/>
+            <a:lvl6pPr indent="0" lvl="5" marL="0" marR="0" algn="r">
+              <a:lnSpc>
+                <a:spcPct val="100000"/>
+              </a:lnSpc>
+              <a:spcBef>
+                <a:spcPts val="0"/>
+              </a:spcBef>
+              <a:spcAft>
+                <a:spcPts val="0"/>
+              </a:spcAft>
+              <a:buClr>
+                <a:srgbClr val="000000"/>
+              </a:buClr>
+              <a:buSzPts val="1000"/>
+              <a:buFont typeface="Arial"/>
+              <a:buNone/>
+              <a:defRPr b="0" i="0" sz="1000" u="none" cap="none" strike="noStrike">
+                <a:solidFill>
+                  <a:schemeClr val="dk2"/>
+                </a:solidFill>
+                <a:latin typeface="Arial"/>
+                <a:ea typeface="Arial"/>
+                <a:cs typeface="Arial"/>
+                <a:sym typeface="Arial"/>
+              </a:defRPr>
             </a:lvl6pPr>
-            <a:lvl7pPr lvl="6">
-              <a:buNone/>
-              <a:defRPr/>
+            <a:lvl7pPr indent="0" lvl="6" marL="0" marR="0" algn="r">
+              <a:lnSpc>
+                <a:spcPct val="100000"/>
+              </a:lnSpc>
+              <a:spcBef>
+                <a:spcPts val="0"/>
+              </a:spcBef>
+              <a:spcAft>
+                <a:spcPts val="0"/>
+              </a:spcAft>
+              <a:buClr>
+                <a:srgbClr val="000000"/>
+              </a:buClr>
+              <a:buSzPts val="1000"/>
+              <a:buFont typeface="Arial"/>
+              <a:buNone/>
+              <a:defRPr b="0" i="0" sz="1000" u="none" cap="none" strike="noStrike">
+                <a:solidFill>
+                  <a:schemeClr val="dk2"/>
+                </a:solidFill>
+                <a:latin typeface="Arial"/>
+                <a:ea typeface="Arial"/>
+                <a:cs typeface="Arial"/>
+                <a:sym typeface="Arial"/>
+              </a:defRPr>
             </a:lvl7pPr>
-            <a:lvl8pPr lvl="7">
-              <a:buNone/>
-              <a:defRPr/>
+            <a:lvl8pPr indent="0" lvl="7" marL="0" marR="0" algn="r">
+              <a:lnSpc>
+                <a:spcPct val="100000"/>
+              </a:lnSpc>
+              <a:spcBef>
+                <a:spcPts val="0"/>
+              </a:spcBef>
+              <a:spcAft>
+                <a:spcPts val="0"/>
+              </a:spcAft>
+              <a:buClr>
+                <a:srgbClr val="000000"/>
+              </a:buClr>
+              <a:buSzPts val="1000"/>
+              <a:buFont typeface="Arial"/>
+              <a:buNone/>
+              <a:defRPr b="0" i="0" sz="1000" u="none" cap="none" strike="noStrike">
+                <a:solidFill>
+                  <a:schemeClr val="dk2"/>
+                </a:solidFill>
+                <a:latin typeface="Arial"/>
+                <a:ea typeface="Arial"/>
+                <a:cs typeface="Arial"/>
+                <a:sym typeface="Arial"/>
+              </a:defRPr>
             </a:lvl8pPr>
-            <a:lvl9pPr lvl="8">
-              <a:buNone/>
-              <a:defRPr/>
+            <a:lvl9pPr indent="0" lvl="8" marL="0" marR="0" algn="r">
+              <a:lnSpc>
+                <a:spcPct val="100000"/>
+              </a:lnSpc>
+              <a:spcBef>
+                <a:spcPts val="0"/>
+              </a:spcBef>
+              <a:spcAft>
+                <a:spcPts val="0"/>
+              </a:spcAft>
+              <a:buClr>
+                <a:srgbClr val="000000"/>
+              </a:buClr>
+              <a:buSzPts val="1000"/>
+              <a:buFont typeface="Arial"/>
+              <a:buNone/>
+              <a:defRPr b="0" i="0" sz="1000" u="none" cap="none" strike="noStrike">
+                <a:solidFill>
+                  <a:schemeClr val="dk2"/>
+                </a:solidFill>
+                <a:latin typeface="Arial"/>
+                <a:ea typeface="Arial"/>
+                <a:cs typeface="Arial"/>
+                <a:sym typeface="Arial"/>
+              </a:defRPr>
             </a:lvl9pPr>
           </a:lstStyle>
           <a:p>
@@ -5099,7 +8350,7 @@
       </p:grpSpPr>
       <p:sp>
         <p:nvSpPr>
-          <p:cNvPr id="6" name="Google Shape;6;p1"/>
+          <p:cNvPr id="6" name="Google Shape;6;p11"/>
           <p:cNvSpPr txBox="1"/>
           <p:nvPr>
             <p:ph type="title"/>
@@ -5123,7 +8374,10 @@
             <a:normAutofit/>
           </a:bodyPr>
           <a:lstStyle>
-            <a:lvl1pPr lvl="0">
+            <a:lvl1pPr lvl="0" marR="0" rtl="0" algn="l">
+              <a:lnSpc>
+                <a:spcPct val="100000"/>
+              </a:lnSpc>
               <a:spcBef>
                 <a:spcPts val="0"/>
               </a:spcBef>
@@ -5134,14 +8388,22 @@
                 <a:schemeClr val="dk1"/>
               </a:buClr>
               <a:buSzPts val="2800"/>
-              <a:buNone/>
-              <a:defRPr sz="2800">
+              <a:buFont typeface="Arial"/>
+              <a:buNone/>
+              <a:defRPr b="0" i="0" sz="2800" u="none" cap="none" strike="noStrike">
                 <a:solidFill>
                   <a:schemeClr val="dk1"/>
                 </a:solidFill>
+                <a:latin typeface="Arial"/>
+                <a:ea typeface="Arial"/>
+                <a:cs typeface="Arial"/>
+                <a:sym typeface="Arial"/>
               </a:defRPr>
             </a:lvl1pPr>
-            <a:lvl2pPr lvl="1">
+            <a:lvl2pPr lvl="1" marR="0" rtl="0" algn="l">
+              <a:lnSpc>
+                <a:spcPct val="100000"/>
+              </a:lnSpc>
               <a:spcBef>
                 <a:spcPts val="0"/>
               </a:spcBef>
@@ -5152,14 +8414,22 @@
                 <a:schemeClr val="dk1"/>
               </a:buClr>
               <a:buSzPts val="2800"/>
-              <a:buNone/>
-              <a:defRPr sz="2800">
+              <a:buFont typeface="Arial"/>
+              <a:buNone/>
+              <a:defRPr b="0" i="0" sz="2800" u="none" cap="none" strike="noStrike">
                 <a:solidFill>
                   <a:schemeClr val="dk1"/>
                 </a:solidFill>
+                <a:latin typeface="Arial"/>
+                <a:ea typeface="Arial"/>
+                <a:cs typeface="Arial"/>
+                <a:sym typeface="Arial"/>
               </a:defRPr>
             </a:lvl2pPr>
-            <a:lvl3pPr lvl="2">
+            <a:lvl3pPr lvl="2" marR="0" rtl="0" algn="l">
+              <a:lnSpc>
+                <a:spcPct val="100000"/>
+              </a:lnSpc>
               <a:spcBef>
                 <a:spcPts val="0"/>
               </a:spcBef>
@@ -5170,14 +8440,22 @@
                 <a:schemeClr val="dk1"/>
               </a:buClr>
               <a:buSzPts val="2800"/>
-              <a:buNone/>
-              <a:defRPr sz="2800">
+              <a:buFont typeface="Arial"/>
+              <a:buNone/>
+              <a:defRPr b="0" i="0" sz="2800" u="none" cap="none" strike="noStrike">
                 <a:solidFill>
                   <a:schemeClr val="dk1"/>
                 </a:solidFill>
+                <a:latin typeface="Arial"/>
+                <a:ea typeface="Arial"/>
+                <a:cs typeface="Arial"/>
+                <a:sym typeface="Arial"/>
               </a:defRPr>
             </a:lvl3pPr>
-            <a:lvl4pPr lvl="3">
+            <a:lvl4pPr lvl="3" marR="0" rtl="0" algn="l">
+              <a:lnSpc>
+                <a:spcPct val="100000"/>
+              </a:lnSpc>
               <a:spcBef>
                 <a:spcPts val="0"/>
               </a:spcBef>
@@ -5188,14 +8466,22 @@
                 <a:schemeClr val="dk1"/>
               </a:buClr>
               <a:buSzPts val="2800"/>
-              <a:buNone/>
-              <a:defRPr sz="2800">
+              <a:buFont typeface="Arial"/>
+              <a:buNone/>
+              <a:defRPr b="0" i="0" sz="2800" u="none" cap="none" strike="noStrike">
                 <a:solidFill>
                   <a:schemeClr val="dk1"/>
                 </a:solidFill>
+                <a:latin typeface="Arial"/>
+                <a:ea typeface="Arial"/>
+                <a:cs typeface="Arial"/>
+                <a:sym typeface="Arial"/>
               </a:defRPr>
             </a:lvl4pPr>
-            <a:lvl5pPr lvl="4">
+            <a:lvl5pPr lvl="4" marR="0" rtl="0" algn="l">
+              <a:lnSpc>
+                <a:spcPct val="100000"/>
+              </a:lnSpc>
               <a:spcBef>
                 <a:spcPts val="0"/>
               </a:spcBef>
@@ -5206,14 +8492,22 @@
                 <a:schemeClr val="dk1"/>
               </a:buClr>
               <a:buSzPts val="2800"/>
-              <a:buNone/>
-              <a:defRPr sz="2800">
+              <a:buFont typeface="Arial"/>
+              <a:buNone/>
+              <a:defRPr b="0" i="0" sz="2800" u="none" cap="none" strike="noStrike">
                 <a:solidFill>
                   <a:schemeClr val="dk1"/>
                 </a:solidFill>
+                <a:latin typeface="Arial"/>
+                <a:ea typeface="Arial"/>
+                <a:cs typeface="Arial"/>
+                <a:sym typeface="Arial"/>
               </a:defRPr>
             </a:lvl5pPr>
-            <a:lvl6pPr lvl="5">
+            <a:lvl6pPr lvl="5" marR="0" rtl="0" algn="l">
+              <a:lnSpc>
+                <a:spcPct val="100000"/>
+              </a:lnSpc>
               <a:spcBef>
                 <a:spcPts val="0"/>
               </a:spcBef>
@@ -5224,14 +8518,22 @@
                 <a:schemeClr val="dk1"/>
               </a:buClr>
               <a:buSzPts val="2800"/>
-              <a:buNone/>
-              <a:defRPr sz="2800">
+              <a:buFont typeface="Arial"/>
+              <a:buNone/>
+              <a:defRPr b="0" i="0" sz="2800" u="none" cap="none" strike="noStrike">
                 <a:solidFill>
                   <a:schemeClr val="dk1"/>
                 </a:solidFill>
+                <a:latin typeface="Arial"/>
+                <a:ea typeface="Arial"/>
+                <a:cs typeface="Arial"/>
+                <a:sym typeface="Arial"/>
               </a:defRPr>
             </a:lvl6pPr>
-            <a:lvl7pPr lvl="6">
+            <a:lvl7pPr lvl="6" marR="0" rtl="0" algn="l">
+              <a:lnSpc>
+                <a:spcPct val="100000"/>
+              </a:lnSpc>
               <a:spcBef>
                 <a:spcPts val="0"/>
               </a:spcBef>
@@ -5242,14 +8544,22 @@
                 <a:schemeClr val="dk1"/>
               </a:buClr>
               <a:buSzPts val="2800"/>
-              <a:buNone/>
-              <a:defRPr sz="2800">
+              <a:buFont typeface="Arial"/>
+              <a:buNone/>
+              <a:defRPr b="0" i="0" sz="2800" u="none" cap="none" strike="noStrike">
                 <a:solidFill>
                   <a:schemeClr val="dk1"/>
                 </a:solidFill>
+                <a:latin typeface="Arial"/>
+                <a:ea typeface="Arial"/>
+                <a:cs typeface="Arial"/>
+                <a:sym typeface="Arial"/>
               </a:defRPr>
             </a:lvl7pPr>
-            <a:lvl8pPr lvl="7">
+            <a:lvl8pPr lvl="7" marR="0" rtl="0" algn="l">
+              <a:lnSpc>
+                <a:spcPct val="100000"/>
+              </a:lnSpc>
               <a:spcBef>
                 <a:spcPts val="0"/>
               </a:spcBef>
@@ -5260,14 +8570,22 @@
                 <a:schemeClr val="dk1"/>
               </a:buClr>
               <a:buSzPts val="2800"/>
-              <a:buNone/>
-              <a:defRPr sz="2800">
+              <a:buFont typeface="Arial"/>
+              <a:buNone/>
+              <a:defRPr b="0" i="0" sz="2800" u="none" cap="none" strike="noStrike">
                 <a:solidFill>
                   <a:schemeClr val="dk1"/>
                 </a:solidFill>
+                <a:latin typeface="Arial"/>
+                <a:ea typeface="Arial"/>
+                <a:cs typeface="Arial"/>
+                <a:sym typeface="Arial"/>
               </a:defRPr>
             </a:lvl8pPr>
-            <a:lvl9pPr lvl="8">
+            <a:lvl9pPr lvl="8" marR="0" rtl="0" algn="l">
+              <a:lnSpc>
+                <a:spcPct val="100000"/>
+              </a:lnSpc>
               <a:spcBef>
                 <a:spcPts val="0"/>
               </a:spcBef>
@@ -5278,11 +8596,16 @@
                 <a:schemeClr val="dk1"/>
               </a:buClr>
               <a:buSzPts val="2800"/>
-              <a:buNone/>
-              <a:defRPr sz="2800">
+              <a:buFont typeface="Arial"/>
+              <a:buNone/>
+              <a:defRPr b="0" i="0" sz="2800" u="none" cap="none" strike="noStrike">
                 <a:solidFill>
                   <a:schemeClr val="dk1"/>
                 </a:solidFill>
+                <a:latin typeface="Arial"/>
+                <a:ea typeface="Arial"/>
+                <a:cs typeface="Arial"/>
+                <a:sym typeface="Arial"/>
               </a:defRPr>
             </a:lvl9pPr>
           </a:lstStyle>
@@ -5291,7 +8614,7 @@
       </p:sp>
       <p:sp>
         <p:nvSpPr>
-          <p:cNvPr id="7" name="Google Shape;7;p1"/>
+          <p:cNvPr id="7" name="Google Shape;7;p11"/>
           <p:cNvSpPr txBox="1"/>
           <p:nvPr>
             <p:ph idx="1" type="body"/>
@@ -5315,7 +8638,7 @@
             <a:normAutofit/>
           </a:bodyPr>
           <a:lstStyle>
-            <a:lvl1pPr indent="-342900" lvl="0" marL="457200">
+            <a:lvl1pPr indent="-342900" lvl="0" marL="457200" marR="0" rtl="0" algn="l">
               <a:lnSpc>
                 <a:spcPct val="115000"/>
               </a:lnSpc>
@@ -5329,14 +8652,19 @@
                 <a:schemeClr val="dk2"/>
               </a:buClr>
               <a:buSzPts val="1800"/>
+              <a:buFont typeface="Arial"/>
               <a:buChar char="●"/>
-              <a:defRPr sz="1800">
+              <a:defRPr b="0" i="0" sz="1800" u="none" cap="none" strike="noStrike">
                 <a:solidFill>
                   <a:schemeClr val="dk2"/>
                 </a:solidFill>
+                <a:latin typeface="Arial"/>
+                <a:ea typeface="Arial"/>
+                <a:cs typeface="Arial"/>
+                <a:sym typeface="Arial"/>
               </a:defRPr>
             </a:lvl1pPr>
-            <a:lvl2pPr indent="-317500" lvl="1" marL="914400">
+            <a:lvl2pPr indent="-317500" lvl="1" marL="914400" marR="0" rtl="0" algn="l">
               <a:lnSpc>
                 <a:spcPct val="115000"/>
               </a:lnSpc>
@@ -5350,14 +8678,19 @@
                 <a:schemeClr val="dk2"/>
               </a:buClr>
               <a:buSzPts val="1400"/>
+              <a:buFont typeface="Arial"/>
               <a:buChar char="○"/>
-              <a:defRPr>
+              <a:defRPr b="0" i="0" sz="1400" u="none" cap="none" strike="noStrike">
                 <a:solidFill>
                   <a:schemeClr val="dk2"/>
                 </a:solidFill>
+                <a:latin typeface="Arial"/>
+                <a:ea typeface="Arial"/>
+                <a:cs typeface="Arial"/>
+                <a:sym typeface="Arial"/>
               </a:defRPr>
             </a:lvl2pPr>
-            <a:lvl3pPr indent="-317500" lvl="2" marL="1371600">
+            <a:lvl3pPr indent="-317500" lvl="2" marL="1371600" marR="0" rtl="0" algn="l">
               <a:lnSpc>
                 <a:spcPct val="115000"/>
               </a:lnSpc>
@@ -5371,14 +8704,19 @@
                 <a:schemeClr val="dk2"/>
               </a:buClr>
               <a:buSzPts val="1400"/>
+              <a:buFont typeface="Arial"/>
               <a:buChar char="■"/>
-              <a:defRPr>
+              <a:defRPr b="0" i="0" sz="1400" u="none" cap="none" strike="noStrike">
                 <a:solidFill>
                   <a:schemeClr val="dk2"/>
                 </a:solidFill>
+                <a:latin typeface="Arial"/>
+                <a:ea typeface="Arial"/>
+                <a:cs typeface="Arial"/>
+                <a:sym typeface="Arial"/>
               </a:defRPr>
             </a:lvl3pPr>
-            <a:lvl4pPr indent="-317500" lvl="3" marL="1828800">
+            <a:lvl4pPr indent="-317500" lvl="3" marL="1828800" marR="0" rtl="0" algn="l">
               <a:lnSpc>
                 <a:spcPct val="115000"/>
               </a:lnSpc>
@@ -5392,14 +8730,19 @@
                 <a:schemeClr val="dk2"/>
               </a:buClr>
               <a:buSzPts val="1400"/>
+              <a:buFont typeface="Arial"/>
               <a:buChar char="●"/>
-              <a:defRPr>
+              <a:defRPr b="0" i="0" sz="1400" u="none" cap="none" strike="noStrike">
                 <a:solidFill>
                   <a:schemeClr val="dk2"/>
                 </a:solidFill>
+                <a:latin typeface="Arial"/>
+                <a:ea typeface="Arial"/>
+                <a:cs typeface="Arial"/>
+                <a:sym typeface="Arial"/>
               </a:defRPr>
             </a:lvl4pPr>
-            <a:lvl5pPr indent="-317500" lvl="4" marL="2286000">
+            <a:lvl5pPr indent="-317500" lvl="4" marL="2286000" marR="0" rtl="0" algn="l">
               <a:lnSpc>
                 <a:spcPct val="115000"/>
               </a:lnSpc>
@@ -5413,14 +8756,19 @@
                 <a:schemeClr val="dk2"/>
               </a:buClr>
               <a:buSzPts val="1400"/>
+              <a:buFont typeface="Arial"/>
               <a:buChar char="○"/>
-              <a:defRPr>
+              <a:defRPr b="0" i="0" sz="1400" u="none" cap="none" strike="noStrike">
                 <a:solidFill>
                   <a:schemeClr val="dk2"/>
                 </a:solidFill>
+                <a:latin typeface="Arial"/>
+                <a:ea typeface="Arial"/>
+                <a:cs typeface="Arial"/>
+                <a:sym typeface="Arial"/>
               </a:defRPr>
             </a:lvl5pPr>
-            <a:lvl6pPr indent="-317500" lvl="5" marL="2743200">
+            <a:lvl6pPr indent="-317500" lvl="5" marL="2743200" marR="0" rtl="0" algn="l">
               <a:lnSpc>
                 <a:spcPct val="115000"/>
               </a:lnSpc>
@@ -5434,14 +8782,19 @@
                 <a:schemeClr val="dk2"/>
               </a:buClr>
               <a:buSzPts val="1400"/>
+              <a:buFont typeface="Arial"/>
               <a:buChar char="■"/>
-              <a:defRPr>
+              <a:defRPr b="0" i="0" sz="1400" u="none" cap="none" strike="noStrike">
                 <a:solidFill>
                   <a:schemeClr val="dk2"/>
                 </a:solidFill>
+                <a:latin typeface="Arial"/>
+                <a:ea typeface="Arial"/>
+                <a:cs typeface="Arial"/>
+                <a:sym typeface="Arial"/>
               </a:defRPr>
             </a:lvl6pPr>
-            <a:lvl7pPr indent="-317500" lvl="6" marL="3200400">
+            <a:lvl7pPr indent="-317500" lvl="6" marL="3200400" marR="0" rtl="0" algn="l">
               <a:lnSpc>
                 <a:spcPct val="115000"/>
               </a:lnSpc>
@@ -5455,14 +8808,19 @@
                 <a:schemeClr val="dk2"/>
               </a:buClr>
               <a:buSzPts val="1400"/>
+              <a:buFont typeface="Arial"/>
               <a:buChar char="●"/>
-              <a:defRPr>
+              <a:defRPr b="0" i="0" sz="1400" u="none" cap="none" strike="noStrike">
                 <a:solidFill>
                   <a:schemeClr val="dk2"/>
                 </a:solidFill>
+                <a:latin typeface="Arial"/>
+                <a:ea typeface="Arial"/>
+                <a:cs typeface="Arial"/>
+                <a:sym typeface="Arial"/>
               </a:defRPr>
             </a:lvl7pPr>
-            <a:lvl8pPr indent="-317500" lvl="7" marL="3657600">
+            <a:lvl8pPr indent="-317500" lvl="7" marL="3657600" marR="0" rtl="0" algn="l">
               <a:lnSpc>
                 <a:spcPct val="115000"/>
               </a:lnSpc>
@@ -5476,14 +8834,19 @@
                 <a:schemeClr val="dk2"/>
               </a:buClr>
               <a:buSzPts val="1400"/>
+              <a:buFont typeface="Arial"/>
               <a:buChar char="○"/>
-              <a:defRPr>
+              <a:defRPr b="0" i="0" sz="1400" u="none" cap="none" strike="noStrike">
                 <a:solidFill>
                   <a:schemeClr val="dk2"/>
                 </a:solidFill>
+                <a:latin typeface="Arial"/>
+                <a:ea typeface="Arial"/>
+                <a:cs typeface="Arial"/>
+                <a:sym typeface="Arial"/>
               </a:defRPr>
             </a:lvl8pPr>
-            <a:lvl9pPr indent="-317500" lvl="8" marL="4114800">
+            <a:lvl9pPr indent="-317500" lvl="8" marL="4114800" marR="0" rtl="0" algn="l">
               <a:lnSpc>
                 <a:spcPct val="115000"/>
               </a:lnSpc>
@@ -5497,11 +8860,16 @@
                 <a:schemeClr val="dk2"/>
               </a:buClr>
               <a:buSzPts val="1400"/>
+              <a:buFont typeface="Arial"/>
               <a:buChar char="■"/>
-              <a:defRPr>
+              <a:defRPr b="0" i="0" sz="1400" u="none" cap="none" strike="noStrike">
                 <a:solidFill>
                   <a:schemeClr val="dk2"/>
                 </a:solidFill>
+                <a:latin typeface="Arial"/>
+                <a:ea typeface="Arial"/>
+                <a:cs typeface="Arial"/>
+                <a:sym typeface="Arial"/>
               </a:defRPr>
             </a:lvl9pPr>
           </a:lstStyle>
@@ -5510,7 +8878,7 @@
       </p:sp>
       <p:sp>
         <p:nvSpPr>
-          <p:cNvPr id="8" name="Google Shape;8;p1"/>
+          <p:cNvPr id="8" name="Google Shape;8;p11"/>
           <p:cNvSpPr txBox="1"/>
           <p:nvPr>
             <p:ph idx="12" type="sldNum"/>
@@ -5534,76 +8902,238 @@
             <a:normAutofit/>
           </a:bodyPr>
           <a:lstStyle>
-            <a:lvl1pPr lvl="0" algn="r">
-              <a:buNone/>
-              <a:defRPr sz="1000">
+            <a:lvl1pPr indent="0" lvl="0" marL="0" marR="0" rtl="0" algn="r">
+              <a:lnSpc>
+                <a:spcPct val="100000"/>
+              </a:lnSpc>
+              <a:spcBef>
+                <a:spcPts val="0"/>
+              </a:spcBef>
+              <a:spcAft>
+                <a:spcPts val="0"/>
+              </a:spcAft>
+              <a:buClr>
+                <a:srgbClr val="000000"/>
+              </a:buClr>
+              <a:buSzPts val="1000"/>
+              <a:buFont typeface="Arial"/>
+              <a:buNone/>
+              <a:defRPr b="0" i="0" sz="1000" u="none" cap="none" strike="noStrike">
                 <a:solidFill>
                   <a:schemeClr val="dk2"/>
                 </a:solidFill>
+                <a:latin typeface="Arial"/>
+                <a:ea typeface="Arial"/>
+                <a:cs typeface="Arial"/>
+                <a:sym typeface="Arial"/>
               </a:defRPr>
             </a:lvl1pPr>
-            <a:lvl2pPr lvl="1" algn="r">
-              <a:buNone/>
-              <a:defRPr sz="1000">
+            <a:lvl2pPr indent="0" lvl="1" marL="0" marR="0" rtl="0" algn="r">
+              <a:lnSpc>
+                <a:spcPct val="100000"/>
+              </a:lnSpc>
+              <a:spcBef>
+                <a:spcPts val="0"/>
+              </a:spcBef>
+              <a:spcAft>
+                <a:spcPts val="0"/>
+              </a:spcAft>
+              <a:buClr>
+                <a:srgbClr val="000000"/>
+              </a:buClr>
+              <a:buSzPts val="1000"/>
+              <a:buFont typeface="Arial"/>
+              <a:buNone/>
+              <a:defRPr b="0" i="0" sz="1000" u="none" cap="none" strike="noStrike">
                 <a:solidFill>
                   <a:schemeClr val="dk2"/>
                 </a:solidFill>
+                <a:latin typeface="Arial"/>
+                <a:ea typeface="Arial"/>
+                <a:cs typeface="Arial"/>
+                <a:sym typeface="Arial"/>
               </a:defRPr>
             </a:lvl2pPr>
-            <a:lvl3pPr lvl="2" algn="r">
-              <a:buNone/>
-              <a:defRPr sz="1000">
+            <a:lvl3pPr indent="0" lvl="2" marL="0" marR="0" rtl="0" algn="r">
+              <a:lnSpc>
+                <a:spcPct val="100000"/>
+              </a:lnSpc>
+              <a:spcBef>
+                <a:spcPts val="0"/>
+              </a:spcBef>
+              <a:spcAft>
+                <a:spcPts val="0"/>
+              </a:spcAft>
+              <a:buClr>
+                <a:srgbClr val="000000"/>
+              </a:buClr>
+              <a:buSzPts val="1000"/>
+              <a:buFont typeface="Arial"/>
+              <a:buNone/>
+              <a:defRPr b="0" i="0" sz="1000" u="none" cap="none" strike="noStrike">
                 <a:solidFill>
                   <a:schemeClr val="dk2"/>
                 </a:solidFill>
+                <a:latin typeface="Arial"/>
+                <a:ea typeface="Arial"/>
+                <a:cs typeface="Arial"/>
+                <a:sym typeface="Arial"/>
               </a:defRPr>
             </a:lvl3pPr>
-            <a:lvl4pPr lvl="3" algn="r">
-              <a:buNone/>
-              <a:defRPr sz="1000">
+            <a:lvl4pPr indent="0" lvl="3" marL="0" marR="0" rtl="0" algn="r">
+              <a:lnSpc>
+                <a:spcPct val="100000"/>
+              </a:lnSpc>
+              <a:spcBef>
+                <a:spcPts val="0"/>
+              </a:spcBef>
+              <a:spcAft>
+                <a:spcPts val="0"/>
+              </a:spcAft>
+              <a:buClr>
+                <a:srgbClr val="000000"/>
+              </a:buClr>
+              <a:buSzPts val="1000"/>
+              <a:buFont typeface="Arial"/>
+              <a:buNone/>
+              <a:defRPr b="0" i="0" sz="1000" u="none" cap="none" strike="noStrike">
                 <a:solidFill>
                   <a:schemeClr val="dk2"/>
                 </a:solidFill>
+                <a:latin typeface="Arial"/>
+                <a:ea typeface="Arial"/>
+                <a:cs typeface="Arial"/>
+                <a:sym typeface="Arial"/>
               </a:defRPr>
             </a:lvl4pPr>
-            <a:lvl5pPr lvl="4" algn="r">
-              <a:buNone/>
-              <a:defRPr sz="1000">
+            <a:lvl5pPr indent="0" lvl="4" marL="0" marR="0" rtl="0" algn="r">
+              <a:lnSpc>
+                <a:spcPct val="100000"/>
+              </a:lnSpc>
+              <a:spcBef>
+                <a:spcPts val="0"/>
+              </a:spcBef>
+              <a:spcAft>
+                <a:spcPts val="0"/>
+              </a:spcAft>
+              <a:buClr>
+                <a:srgbClr val="000000"/>
+              </a:buClr>
+              <a:buSzPts val="1000"/>
+              <a:buFont typeface="Arial"/>
+              <a:buNone/>
+              <a:defRPr b="0" i="0" sz="1000" u="none" cap="none" strike="noStrike">
                 <a:solidFill>
                   <a:schemeClr val="dk2"/>
                 </a:solidFill>
+                <a:latin typeface="Arial"/>
+                <a:ea typeface="Arial"/>
+                <a:cs typeface="Arial"/>
+                <a:sym typeface="Arial"/>
               </a:defRPr>
             </a:lvl5pPr>
-            <a:lvl6pPr lvl="5" algn="r">
-              <a:buNone/>
-              <a:defRPr sz="1000">
+            <a:lvl6pPr indent="0" lvl="5" marL="0" marR="0" rtl="0" algn="r">
+              <a:lnSpc>
+                <a:spcPct val="100000"/>
+              </a:lnSpc>
+              <a:spcBef>
+                <a:spcPts val="0"/>
+              </a:spcBef>
+              <a:spcAft>
+                <a:spcPts val="0"/>
+              </a:spcAft>
+              <a:buClr>
+                <a:srgbClr val="000000"/>
+              </a:buClr>
+              <a:buSzPts val="1000"/>
+              <a:buFont typeface="Arial"/>
+              <a:buNone/>
+              <a:defRPr b="0" i="0" sz="1000" u="none" cap="none" strike="noStrike">
                 <a:solidFill>
                   <a:schemeClr val="dk2"/>
                 </a:solidFill>
+                <a:latin typeface="Arial"/>
+                <a:ea typeface="Arial"/>
+                <a:cs typeface="Arial"/>
+                <a:sym typeface="Arial"/>
               </a:defRPr>
             </a:lvl6pPr>
-            <a:lvl7pPr lvl="6" algn="r">
-              <a:buNone/>
-              <a:defRPr sz="1000">
+            <a:lvl7pPr indent="0" lvl="6" marL="0" marR="0" rtl="0" algn="r">
+              <a:lnSpc>
+                <a:spcPct val="100000"/>
+              </a:lnSpc>
+              <a:spcBef>
+                <a:spcPts val="0"/>
+              </a:spcBef>
+              <a:spcAft>
+                <a:spcPts val="0"/>
+              </a:spcAft>
+              <a:buClr>
+                <a:srgbClr val="000000"/>
+              </a:buClr>
+              <a:buSzPts val="1000"/>
+              <a:buFont typeface="Arial"/>
+              <a:buNone/>
+              <a:defRPr b="0" i="0" sz="1000" u="none" cap="none" strike="noStrike">
                 <a:solidFill>
                   <a:schemeClr val="dk2"/>
                 </a:solidFill>
+                <a:latin typeface="Arial"/>
+                <a:ea typeface="Arial"/>
+                <a:cs typeface="Arial"/>
+                <a:sym typeface="Arial"/>
               </a:defRPr>
             </a:lvl7pPr>
-            <a:lvl8pPr lvl="7" algn="r">
-              <a:buNone/>
-              <a:defRPr sz="1000">
+            <a:lvl8pPr indent="0" lvl="7" marL="0" marR="0" rtl="0" algn="r">
+              <a:lnSpc>
+                <a:spcPct val="100000"/>
+              </a:lnSpc>
+              <a:spcBef>
+                <a:spcPts val="0"/>
+              </a:spcBef>
+              <a:spcAft>
+                <a:spcPts val="0"/>
+              </a:spcAft>
+              <a:buClr>
+                <a:srgbClr val="000000"/>
+              </a:buClr>
+              <a:buSzPts val="1000"/>
+              <a:buFont typeface="Arial"/>
+              <a:buNone/>
+              <a:defRPr b="0" i="0" sz="1000" u="none" cap="none" strike="noStrike">
                 <a:solidFill>
                   <a:schemeClr val="dk2"/>
                 </a:solidFill>
+                <a:latin typeface="Arial"/>
+                <a:ea typeface="Arial"/>
+                <a:cs typeface="Arial"/>
+                <a:sym typeface="Arial"/>
               </a:defRPr>
             </a:lvl8pPr>
-            <a:lvl9pPr lvl="8" algn="r">
-              <a:buNone/>
-              <a:defRPr sz="1000">
+            <a:lvl9pPr indent="0" lvl="8" marL="0" marR="0" rtl="0" algn="r">
+              <a:lnSpc>
+                <a:spcPct val="100000"/>
+              </a:lnSpc>
+              <a:spcBef>
+                <a:spcPts val="0"/>
+              </a:spcBef>
+              <a:spcAft>
+                <a:spcPts val="0"/>
+              </a:spcAft>
+              <a:buClr>
+                <a:srgbClr val="000000"/>
+              </a:buClr>
+              <a:buSzPts val="1000"/>
+              <a:buFont typeface="Arial"/>
+              <a:buNone/>
+              <a:defRPr b="0" i="0" sz="1000" u="none" cap="none" strike="noStrike">
                 <a:solidFill>
                   <a:schemeClr val="dk2"/>
                 </a:solidFill>
+                <a:latin typeface="Arial"/>
+                <a:ea typeface="Arial"/>
+                <a:cs typeface="Arial"/>
+                <a:sym typeface="Arial"/>
               </a:defRPr>
             </a:lvl9pPr>
           </a:lstStyle>
@@ -5629,17 +9159,17 @@
   </p:cSld>
   <p:clrMap accent1="accent1" accent2="accent2" accent3="accent3" accent4="accent4" accent5="accent5" accent6="accent6" bg1="lt1" bg2="dk2" tx1="dk1" tx2="lt2" folHlink="folHlink" hlink="hlink"/>
   <p:sldLayoutIdLst>
-    <p:sldLayoutId id="2147483648" r:id="rId1"/>
-    <p:sldLayoutId id="2147483649" r:id="rId2"/>
-    <p:sldLayoutId id="2147483650" r:id="rId3"/>
-    <p:sldLayoutId id="2147483651" r:id="rId4"/>
-    <p:sldLayoutId id="2147483652" r:id="rId5"/>
-    <p:sldLayoutId id="2147483653" r:id="rId6"/>
-    <p:sldLayoutId id="2147483654" r:id="rId7"/>
-    <p:sldLayoutId id="2147483655" r:id="rId8"/>
-    <p:sldLayoutId id="2147483656" r:id="rId9"/>
-    <p:sldLayoutId id="2147483657" r:id="rId10"/>
-    <p:sldLayoutId id="2147483658" r:id="rId11"/>
+    <p:sldLayoutId id="2147483649" r:id="rId1"/>
+    <p:sldLayoutId id="2147483650" r:id="rId2"/>
+    <p:sldLayoutId id="2147483651" r:id="rId3"/>
+    <p:sldLayoutId id="2147483652" r:id="rId4"/>
+    <p:sldLayoutId id="2147483653" r:id="rId5"/>
+    <p:sldLayoutId id="2147483654" r:id="rId6"/>
+    <p:sldLayoutId id="2147483655" r:id="rId7"/>
+    <p:sldLayoutId id="2147483656" r:id="rId8"/>
+    <p:sldLayoutId id="2147483657" r:id="rId9"/>
+    <p:sldLayoutId id="2147483658" r:id="rId10"/>
+    <p:sldLayoutId id="2147483659" r:id="rId11"/>
   </p:sldLayoutIdLst>
   <p:hf dt="0" ftr="0" hdr="0" sldNum="0"/>
   <p:txStyles>
@@ -6353,7 +9883,7 @@
       </p:grpSpPr>
       <p:sp>
         <p:nvSpPr>
-          <p:cNvPr id="54" name="Google Shape;54;p13"/>
+          <p:cNvPr id="54" name="Google Shape;54;p1"/>
           <p:cNvSpPr txBox="1"/>
           <p:nvPr>
             <p:ph type="ctrTitle"/>
@@ -6367,6 +9897,10 @@
           <a:prstGeom prst="rect">
             <a:avLst/>
           </a:prstGeom>
+          <a:noFill/>
+          <a:ln>
+            <a:noFill/>
+          </a:ln>
         </p:spPr>
         <p:txBody>
           <a:bodyPr anchorCtr="0" anchor="b" bIns="91425" lIns="91425" spcFirstLastPara="1" rIns="91425" wrap="square" tIns="91425">
@@ -6375,12 +9909,16 @@
           <a:lstStyle/>
           <a:p>
             <a:pPr indent="0" lvl="0" marL="0" rtl="0" algn="ctr">
-              <a:spcBef>
-                <a:spcPts val="0"/>
-              </a:spcBef>
-              <a:spcAft>
-                <a:spcPts val="0"/>
-              </a:spcAft>
+              <a:lnSpc>
+                <a:spcPct val="100000"/>
+              </a:lnSpc>
+              <a:spcBef>
+                <a:spcPts val="0"/>
+              </a:spcBef>
+              <a:spcAft>
+                <a:spcPts val="0"/>
+              </a:spcAft>
+              <a:buSzPts val="5200"/>
               <a:buNone/>
             </a:pPr>
             <a:r>
@@ -6393,7 +9931,7 @@
       </p:sp>
       <p:sp>
         <p:nvSpPr>
-          <p:cNvPr id="55" name="Google Shape;55;p13"/>
+          <p:cNvPr id="55" name="Google Shape;55;p1"/>
           <p:cNvSpPr txBox="1"/>
           <p:nvPr>
             <p:ph idx="1" type="subTitle"/>
@@ -6407,6 +9945,10 @@
           <a:prstGeom prst="rect">
             <a:avLst/>
           </a:prstGeom>
+          <a:noFill/>
+          <a:ln>
+            <a:noFill/>
+          </a:ln>
         </p:spPr>
         <p:txBody>
           <a:bodyPr anchorCtr="0" anchor="t" bIns="91425" lIns="91425" spcFirstLastPara="1" rIns="91425" wrap="square" tIns="91425">
@@ -6415,12 +9957,16 @@
           <a:lstStyle/>
           <a:p>
             <a:pPr indent="0" lvl="0" marL="0" rtl="0" algn="ctr">
-              <a:spcBef>
-                <a:spcPts val="0"/>
-              </a:spcBef>
-              <a:spcAft>
-                <a:spcPts val="0"/>
-              </a:spcAft>
+              <a:lnSpc>
+                <a:spcPct val="100000"/>
+              </a:lnSpc>
+              <a:spcBef>
+                <a:spcPts val="0"/>
+              </a:spcBef>
+              <a:spcAft>
+                <a:spcPts val="0"/>
+              </a:spcAft>
+              <a:buSzPts val="2800"/>
               <a:buNone/>
             </a:pPr>
             <a:r>
@@ -6458,7 +10004,353 @@
       </p:grpSpPr>
       <p:sp>
         <p:nvSpPr>
-          <p:cNvPr id="117" name="Google Shape;117;p22"/>
+          <p:cNvPr id="117" name="Google Shape;117;p9"/>
+          <p:cNvSpPr txBox="1"/>
+          <p:nvPr>
+            <p:ph type="title"/>
+          </p:nvPr>
+        </p:nvSpPr>
+        <p:spPr>
+          <a:xfrm>
+            <a:off x="311700" y="445025"/>
+            <a:ext cx="8520600" cy="572700"/>
+          </a:xfrm>
+          <a:prstGeom prst="rect">
+            <a:avLst/>
+          </a:prstGeom>
+          <a:noFill/>
+          <a:ln>
+            <a:noFill/>
+          </a:ln>
+        </p:spPr>
+        <p:txBody>
+          <a:bodyPr anchorCtr="0" anchor="t" bIns="91425" lIns="91425" spcFirstLastPara="1" rIns="91425" wrap="square" tIns="91425">
+            <a:normAutofit fontScale="90000"/>
+          </a:bodyPr>
+          <a:lstStyle/>
+          <a:p>
+            <a:pPr indent="0" lvl="0" marL="0" rtl="0" algn="ctr">
+              <a:lnSpc>
+                <a:spcPct val="100000"/>
+              </a:lnSpc>
+              <a:spcBef>
+                <a:spcPts val="0"/>
+              </a:spcBef>
+              <a:spcAft>
+                <a:spcPts val="0"/>
+              </a:spcAft>
+              <a:buSzPct val="111111"/>
+              <a:buNone/>
+            </a:pPr>
+            <a:r>
+              <a:rPr lang="es"/>
+              <a:t>KeyCloak para el acceso</a:t>
+            </a:r>
+            <a:endParaRPr/>
+          </a:p>
+        </p:txBody>
+      </p:sp>
+      <p:sp>
+        <p:nvSpPr>
+          <p:cNvPr id="118" name="Google Shape;118;p9"/>
+          <p:cNvSpPr txBox="1"/>
+          <p:nvPr>
+            <p:ph idx="1" type="body"/>
+          </p:nvPr>
+        </p:nvSpPr>
+        <p:spPr>
+          <a:xfrm>
+            <a:off x="311700" y="1152475"/>
+            <a:ext cx="8520600" cy="3416400"/>
+          </a:xfrm>
+          <a:prstGeom prst="rect">
+            <a:avLst/>
+          </a:prstGeom>
+          <a:noFill/>
+          <a:ln>
+            <a:noFill/>
+          </a:ln>
+        </p:spPr>
+        <p:txBody>
+          <a:bodyPr anchorCtr="0" anchor="t" bIns="91425" lIns="91425" spcFirstLastPara="1" rIns="91425" wrap="square" tIns="91425">
+            <a:normAutofit/>
+          </a:bodyPr>
+          <a:lstStyle/>
+          <a:p>
+            <a:pPr indent="-342900" lvl="0" marL="457200" rtl="0" algn="l">
+              <a:lnSpc>
+                <a:spcPct val="115000"/>
+              </a:lnSpc>
+              <a:spcBef>
+                <a:spcPts val="1200"/>
+              </a:spcBef>
+              <a:spcAft>
+                <a:spcPts val="0"/>
+              </a:spcAft>
+              <a:buSzPts val="1800"/>
+              <a:buChar char="●"/>
+            </a:pPr>
+            <a:r>
+              <a:rPr lang="es"/>
+              <a:t>Para securizar el acceso usamos el SSO(Inicio de Sesión Único) de KeyCloak.</a:t>
+            </a:r>
+            <a:endParaRPr sz="1050">
+              <a:solidFill>
+                <a:srgbClr val="202124"/>
+              </a:solidFill>
+            </a:endParaRPr>
+          </a:p>
+          <a:p>
+            <a:pPr indent="0" lvl="0" marL="0" rtl="0" algn="l">
+              <a:lnSpc>
+                <a:spcPct val="115000"/>
+              </a:lnSpc>
+              <a:spcBef>
+                <a:spcPts val="1200"/>
+              </a:spcBef>
+              <a:spcAft>
+                <a:spcPts val="1200"/>
+              </a:spcAft>
+              <a:buSzPts val="1800"/>
+              <a:buNone/>
+            </a:pPr>
+            <a:r>
+              <a:t/>
+            </a:r>
+            <a:endParaRPr/>
+          </a:p>
+        </p:txBody>
+      </p:sp>
+      <p:pic>
+        <p:nvPicPr>
+          <p:cNvPr id="119" name="Google Shape;119;p9"/>
+          <p:cNvPicPr preferRelativeResize="0"/>
+          <p:nvPr/>
+        </p:nvPicPr>
+        <p:blipFill rotWithShape="1">
+          <a:blip r:embed="rId3">
+            <a:alphaModFix/>
+          </a:blip>
+          <a:srcRect b="0" l="0" r="0" t="0"/>
+          <a:stretch/>
+        </p:blipFill>
+        <p:spPr>
+          <a:xfrm>
+            <a:off x="3262313" y="2133863"/>
+            <a:ext cx="2619375" cy="1743075"/>
+          </a:xfrm>
+          <a:prstGeom prst="rect">
+            <a:avLst/>
+          </a:prstGeom>
+          <a:noFill/>
+          <a:ln>
+            <a:noFill/>
+          </a:ln>
+        </p:spPr>
+      </p:pic>
+    </p:spTree>
+  </p:cSld>
+  <p:clrMapOvr>
+    <a:masterClrMapping/>
+  </p:clrMapOvr>
+</p:sld>
+</file>
+
+<file path=ppt/slides/slide11.xml><?xml version="1.0" encoding="utf-8"?>
+<p:sld xmlns:a="http://schemas.openxmlformats.org/drawingml/2006/main" xmlns:r="http://schemas.openxmlformats.org/officeDocument/2006/relationships" xmlns:mc="http://schemas.openxmlformats.org/markup-compatibility/2006" xmlns:mv="urn:schemas-microsoft-com:mac:vml" xmlns:p="http://schemas.openxmlformats.org/presentationml/2006/main" xmlns:c="http://schemas.openxmlformats.org/drawingml/2006/chart" xmlns:dgm="http://schemas.openxmlformats.org/drawingml/2006/diagram" xmlns:o="urn:schemas-microsoft-com:office:office" xmlns:v="urn:schemas-microsoft-com:vml" xmlns:pvml="urn:schemas-microsoft-com:office:powerpoint" xmlns:com="http://schemas.openxmlformats.org/drawingml/2006/compatibility" xmlns:p14="http://schemas.microsoft.com/office/powerpoint/2010/main" xmlns:p15="http://schemas.microsoft.com/office/powerpoint/2012/main" xmlns:ahyp="http://schemas.microsoft.com/office/drawing/2018/hyperlinkcolor">
+  <p:cSld>
+    <p:spTree>
+      <p:nvGrpSpPr>
+        <p:cNvPr id="123" name="Shape 123"/>
+        <p:cNvGrpSpPr/>
+        <p:nvPr/>
+      </p:nvGrpSpPr>
+      <p:grpSpPr>
+        <a:xfrm>
+          <a:off x="0" y="0"/>
+          <a:ext cx="0" cy="0"/>
+          <a:chOff x="0" y="0"/>
+          <a:chExt cx="0" cy="0"/>
+        </a:xfrm>
+      </p:grpSpPr>
+      <p:sp>
+        <p:nvSpPr>
+          <p:cNvPr id="124" name="Google Shape;124;p10"/>
+          <p:cNvSpPr txBox="1"/>
+          <p:nvPr>
+            <p:ph type="title"/>
+          </p:nvPr>
+        </p:nvSpPr>
+        <p:spPr>
+          <a:xfrm>
+            <a:off x="311700" y="445025"/>
+            <a:ext cx="8520600" cy="572700"/>
+          </a:xfrm>
+          <a:prstGeom prst="rect">
+            <a:avLst/>
+          </a:prstGeom>
+          <a:noFill/>
+          <a:ln>
+            <a:noFill/>
+          </a:ln>
+        </p:spPr>
+        <p:txBody>
+          <a:bodyPr anchorCtr="0" anchor="t" bIns="91425" lIns="91425" spcFirstLastPara="1" rIns="91425" wrap="square" tIns="91425">
+            <a:normAutofit fontScale="90000"/>
+          </a:bodyPr>
+          <a:lstStyle/>
+          <a:p>
+            <a:pPr indent="0" lvl="0" marL="0" rtl="0" algn="ctr">
+              <a:lnSpc>
+                <a:spcPct val="100000"/>
+              </a:lnSpc>
+              <a:spcBef>
+                <a:spcPts val="0"/>
+              </a:spcBef>
+              <a:spcAft>
+                <a:spcPts val="0"/>
+              </a:spcAft>
+              <a:buSzPct val="111111"/>
+              <a:buNone/>
+            </a:pPr>
+            <a:r>
+              <a:rPr lang="es"/>
+              <a:t>Spring Boot</a:t>
+            </a:r>
+            <a:endParaRPr/>
+          </a:p>
+        </p:txBody>
+      </p:sp>
+      <p:sp>
+        <p:nvSpPr>
+          <p:cNvPr id="125" name="Google Shape;125;p10"/>
+          <p:cNvSpPr txBox="1"/>
+          <p:nvPr>
+            <p:ph idx="1" type="body"/>
+          </p:nvPr>
+        </p:nvSpPr>
+        <p:spPr>
+          <a:xfrm>
+            <a:off x="311700" y="1152475"/>
+            <a:ext cx="8520600" cy="3416400"/>
+          </a:xfrm>
+          <a:prstGeom prst="rect">
+            <a:avLst/>
+          </a:prstGeom>
+          <a:noFill/>
+          <a:ln>
+            <a:noFill/>
+          </a:ln>
+        </p:spPr>
+        <p:txBody>
+          <a:bodyPr anchorCtr="0" anchor="t" bIns="91425" lIns="91425" spcFirstLastPara="1" rIns="91425" wrap="square" tIns="91425">
+            <a:normAutofit/>
+          </a:bodyPr>
+          <a:lstStyle/>
+          <a:p>
+            <a:pPr indent="-342900" lvl="0" marL="457200" rtl="0" algn="l">
+              <a:lnSpc>
+                <a:spcPct val="115000"/>
+              </a:lnSpc>
+              <a:spcBef>
+                <a:spcPts val="1200"/>
+              </a:spcBef>
+              <a:spcAft>
+                <a:spcPts val="0"/>
+              </a:spcAft>
+              <a:buSzPts val="1800"/>
+              <a:buChar char="●"/>
+            </a:pPr>
+            <a:r>
+              <a:rPr lang="es"/>
+              <a:t>El stack tecnológico que estamos usando en el Backend es: Spring Boot que utiliza Java como lenguaje de programación. </a:t>
+            </a:r>
+            <a:endParaRPr sz="1200">
+              <a:solidFill>
+                <a:schemeClr val="dk1"/>
+              </a:solidFill>
+              <a:latin typeface="Times New Roman"/>
+              <a:ea typeface="Times New Roman"/>
+              <a:cs typeface="Times New Roman"/>
+              <a:sym typeface="Times New Roman"/>
+            </a:endParaRPr>
+          </a:p>
+          <a:p>
+            <a:pPr indent="0" lvl="0" marL="0" rtl="0" algn="l">
+              <a:lnSpc>
+                <a:spcPct val="115000"/>
+              </a:lnSpc>
+              <a:spcBef>
+                <a:spcPts val="0"/>
+              </a:spcBef>
+              <a:spcAft>
+                <a:spcPts val="1200"/>
+              </a:spcAft>
+              <a:buSzPts val="1800"/>
+              <a:buNone/>
+            </a:pPr>
+            <a:r>
+              <a:t/>
+            </a:r>
+            <a:endParaRPr/>
+          </a:p>
+        </p:txBody>
+      </p:sp>
+      <p:pic>
+        <p:nvPicPr>
+          <p:cNvPr id="126" name="Google Shape;126;p10"/>
+          <p:cNvPicPr preferRelativeResize="0"/>
+          <p:nvPr/>
+        </p:nvPicPr>
+        <p:blipFill rotWithShape="1">
+          <a:blip r:embed="rId3">
+            <a:alphaModFix/>
+          </a:blip>
+          <a:srcRect b="0" l="0" r="0" t="0"/>
+          <a:stretch/>
+        </p:blipFill>
+        <p:spPr>
+          <a:xfrm>
+            <a:off x="3138475" y="2035438"/>
+            <a:ext cx="2867025" cy="1590675"/>
+          </a:xfrm>
+          <a:prstGeom prst="rect">
+            <a:avLst/>
+          </a:prstGeom>
+          <a:noFill/>
+          <a:ln>
+            <a:noFill/>
+          </a:ln>
+        </p:spPr>
+      </p:pic>
+    </p:spTree>
+  </p:cSld>
+  <p:clrMapOvr>
+    <a:masterClrMapping/>
+  </p:clrMapOvr>
+</p:sld>
+</file>
+
+<file path=ppt/slides/slide12.xml><?xml version="1.0" encoding="utf-8"?>
+<p:sld xmlns:a="http://schemas.openxmlformats.org/drawingml/2006/main" xmlns:r="http://schemas.openxmlformats.org/officeDocument/2006/relationships" xmlns:mc="http://schemas.openxmlformats.org/markup-compatibility/2006" xmlns:mv="urn:schemas-microsoft-com:mac:vml" xmlns:p="http://schemas.openxmlformats.org/presentationml/2006/main" xmlns:c="http://schemas.openxmlformats.org/drawingml/2006/chart" xmlns:dgm="http://schemas.openxmlformats.org/drawingml/2006/diagram" xmlns:o="urn:schemas-microsoft-com:office:office" xmlns:v="urn:schemas-microsoft-com:vml" xmlns:pvml="urn:schemas-microsoft-com:office:powerpoint" xmlns:com="http://schemas.openxmlformats.org/drawingml/2006/compatibility" xmlns:p14="http://schemas.microsoft.com/office/powerpoint/2010/main" xmlns:p15="http://schemas.microsoft.com/office/powerpoint/2012/main" xmlns:ahyp="http://schemas.microsoft.com/office/drawing/2018/hyperlinkcolor">
+  <p:cSld>
+    <p:spTree>
+      <p:nvGrpSpPr>
+        <p:cNvPr id="130" name="Shape 130"/>
+        <p:cNvGrpSpPr/>
+        <p:nvPr/>
+      </p:nvGrpSpPr>
+      <p:grpSpPr>
+        <a:xfrm>
+          <a:off x="0" y="0"/>
+          <a:ext cx="0" cy="0"/>
+          <a:chOff x="0" y="0"/>
+          <a:chExt cx="0" cy="0"/>
+        </a:xfrm>
+      </p:grpSpPr>
+      <p:sp>
+        <p:nvSpPr>
+          <p:cNvPr id="131" name="Google Shape;131;gf406581537_0_0"/>
           <p:cNvSpPr txBox="1"/>
           <p:nvPr>
             <p:ph type="title"/>
@@ -6489,8 +10381,8 @@
               <a:buNone/>
             </a:pPr>
             <a:r>
-              <a:rPr lang="es"/>
-              <a:t>Spring Boot</a:t>
+              <a:rPr lang="es" sz="2500"/>
+              <a:t>PuttyGen</a:t>
             </a:r>
             <a:endParaRPr/>
           </a:p>
@@ -6498,7 +10390,7 @@
       </p:sp>
       <p:sp>
         <p:nvSpPr>
-          <p:cNvPr id="118" name="Google Shape;118;p22"/>
+          <p:cNvPr id="132" name="Google Shape;132;gf406581537_0_0"/>
           <p:cNvSpPr txBox="1"/>
           <p:nvPr>
             <p:ph idx="1" type="body"/>
@@ -6519,61 +10411,24 @@
           </a:bodyPr>
           <a:lstStyle/>
           <a:p>
-            <a:pPr indent="-228600" lvl="0" marL="0" rtl="0" algn="l">
-              <a:spcBef>
-                <a:spcPts val="1200"/>
-              </a:spcBef>
-              <a:spcAft>
-                <a:spcPts val="0"/>
-              </a:spcAft>
-              <a:buClr>
-                <a:schemeClr val="dk1"/>
-              </a:buClr>
-              <a:buSzPts val="1100"/>
-              <a:buFont typeface="Arial"/>
-              <a:buNone/>
+            <a:pPr indent="-342900" lvl="0" marL="457200" rtl="0" algn="l">
+              <a:lnSpc>
+                <a:spcPct val="115000"/>
+              </a:lnSpc>
+              <a:spcBef>
+                <a:spcPts val="0"/>
+              </a:spcBef>
+              <a:spcAft>
+                <a:spcPts val="0"/>
+              </a:spcAft>
+              <a:buSzPts val="1800"/>
+              <a:buChar char="●"/>
             </a:pPr>
             <a:r>
-              <a:rPr lang="es" sz="1200">
-                <a:solidFill>
-                  <a:schemeClr val="dk1"/>
-                </a:solidFill>
-              </a:rPr>
-              <a:t>·</a:t>
+              <a:rPr lang="es"/>
+              <a:t>Usamos Putty KeyGen como herramienta para conexión ssh, además de conectarnos a la vpn privada de opplus.</a:t>
             </a:r>
-            <a:r>
-              <a:rPr lang="es" sz="700">
-                <a:solidFill>
-                  <a:schemeClr val="dk1"/>
-                </a:solidFill>
-                <a:latin typeface="Times New Roman"/>
-                <a:ea typeface="Times New Roman"/>
-                <a:cs typeface="Times New Roman"/>
-                <a:sym typeface="Times New Roman"/>
-              </a:rPr>
-              <a:t>         </a:t>
-            </a:r>
-            <a:r>
-              <a:rPr lang="es" sz="1200">
-                <a:solidFill>
-                  <a:schemeClr val="dk1"/>
-                </a:solidFill>
-                <a:latin typeface="Times New Roman"/>
-                <a:ea typeface="Times New Roman"/>
-                <a:cs typeface="Times New Roman"/>
-                <a:sym typeface="Times New Roman"/>
-              </a:rPr>
-              <a:t>El stack tecnológico que estamos usando en el Backend es: Spring Boot que utiliza Java como lenguaje de programación. </a:t>
-            </a:r>
-            <a:endParaRPr sz="1200">
-              <a:solidFill>
-                <a:schemeClr val="dk1"/>
-              </a:solidFill>
-              <a:latin typeface="Times New Roman"/>
-              <a:ea typeface="Times New Roman"/>
-              <a:cs typeface="Times New Roman"/>
-              <a:sym typeface="Times New Roman"/>
-            </a:endParaRPr>
+            <a:endParaRPr/>
           </a:p>
           <a:p>
             <a:pPr indent="0" lvl="0" marL="0" rtl="0" algn="l">
@@ -6581,7 +10436,7 @@
                 <a:spcPts val="0"/>
               </a:spcBef>
               <a:spcAft>
-                <a:spcPts val="1200"/>
+                <a:spcPts val="0"/>
               </a:spcAft>
               <a:buNone/>
             </a:pPr>
@@ -6594,7 +10449,7 @@
       </p:sp>
       <p:pic>
         <p:nvPicPr>
-          <p:cNvPr id="119" name="Google Shape;119;p22"/>
+          <p:cNvPr id="133" name="Google Shape;133;gf406581537_0_0"/>
           <p:cNvPicPr preferRelativeResize="0"/>
           <p:nvPr/>
         </p:nvPicPr>
@@ -6608,8 +10463,8 @@
         </p:blipFill>
         <p:spPr>
           <a:xfrm>
-            <a:off x="3138475" y="2035438"/>
-            <a:ext cx="2867025" cy="1590675"/>
+            <a:off x="2779524" y="2178925"/>
+            <a:ext cx="3584950" cy="2389950"/>
           </a:xfrm>
           <a:prstGeom prst="rect">
             <a:avLst/>
@@ -6647,7 +10502,7 @@
       </p:grpSpPr>
       <p:sp>
         <p:nvSpPr>
-          <p:cNvPr id="60" name="Google Shape;60;p14"/>
+          <p:cNvPr id="60" name="Google Shape;60;p2"/>
           <p:cNvSpPr txBox="1"/>
           <p:nvPr>
             <p:ph type="title"/>
@@ -6661,6 +10516,10 @@
           <a:prstGeom prst="rect">
             <a:avLst/>
           </a:prstGeom>
+          <a:noFill/>
+          <a:ln>
+            <a:noFill/>
+          </a:ln>
         </p:spPr>
         <p:txBody>
           <a:bodyPr anchorCtr="0" anchor="t" bIns="91425" lIns="91425" spcFirstLastPara="1" rIns="91425" wrap="square" tIns="91425">
@@ -6669,17 +10528,21 @@
           <a:lstStyle/>
           <a:p>
             <a:pPr indent="0" lvl="0" marL="0" rtl="0" algn="ctr">
-              <a:spcBef>
-                <a:spcPts val="0"/>
-              </a:spcBef>
-              <a:spcAft>
-                <a:spcPts val="0"/>
-              </a:spcAft>
+              <a:lnSpc>
+                <a:spcPct val="100000"/>
+              </a:lnSpc>
+              <a:spcBef>
+                <a:spcPts val="0"/>
+              </a:spcBef>
+              <a:spcAft>
+                <a:spcPts val="0"/>
+              </a:spcAft>
+              <a:buSzPct val="111111"/>
               <a:buNone/>
             </a:pPr>
             <a:r>
               <a:rPr lang="es"/>
-              <a:t>Vaadin 23 para el backend</a:t>
+              <a:t>Introducción a la empresa</a:t>
             </a:r>
             <a:endParaRPr/>
           </a:p>
@@ -6687,7 +10550,7 @@
       </p:sp>
       <p:sp>
         <p:nvSpPr>
-          <p:cNvPr id="61" name="Google Shape;61;p14"/>
+          <p:cNvPr id="61" name="Google Shape;61;p2"/>
           <p:cNvSpPr txBox="1"/>
           <p:nvPr>
             <p:ph idx="1" type="body"/>
@@ -6701,6 +10564,10 @@
           <a:prstGeom prst="rect">
             <a:avLst/>
           </a:prstGeom>
+          <a:noFill/>
+          <a:ln>
+            <a:noFill/>
+          </a:ln>
         </p:spPr>
         <p:txBody>
           <a:bodyPr anchorCtr="0" anchor="t" bIns="91425" lIns="91425" spcFirstLastPara="1" rIns="91425" wrap="square" tIns="91425">
@@ -6708,18 +10575,26 @@
           </a:bodyPr>
           <a:lstStyle/>
           <a:p>
-            <a:pPr indent="0" lvl="0" marL="0" rtl="0" algn="l">
-              <a:spcBef>
-                <a:spcPts val="0"/>
-              </a:spcBef>
-              <a:spcAft>
-                <a:spcPts val="1200"/>
-              </a:spcAft>
-              <a:buNone/>
+            <a:pPr indent="-342900" lvl="0" marL="457200" rtl="0" algn="l">
+              <a:lnSpc>
+                <a:spcPct val="115000"/>
+              </a:lnSpc>
+              <a:spcBef>
+                <a:spcPts val="0"/>
+              </a:spcBef>
+              <a:spcAft>
+                <a:spcPts val="0"/>
+              </a:spcAft>
+              <a:buSzPts val="1800"/>
+              <a:buChar char="●"/>
             </a:pPr>
             <a:r>
               <a:rPr lang="es"/>
-              <a:t>Usamos este framework de java para desarrollar de una manera más rápida y sencilla el backend del proyecto.</a:t>
+              <a:t>Opplus es</a:t>
+            </a:r>
+            <a:r>
+              <a:rPr lang="es"/>
+              <a:t> una empresa con una estrategia de negocios end2end especializados en servicios financieros y administrativos. Actuamos de back office operativo, nos ocupamos de realizar el asesoramiento y consultoría de servicios, dando soporte a la tramitación de las operaciones a lo largo de todo el proceso.</a:t>
             </a:r>
             <a:endParaRPr/>
           </a:p>
@@ -6727,7 +10602,7 @@
       </p:sp>
       <p:pic>
         <p:nvPicPr>
-          <p:cNvPr id="62" name="Google Shape;62;p14"/>
+          <p:cNvPr id="62" name="Google Shape;62;p2"/>
           <p:cNvPicPr preferRelativeResize="0"/>
           <p:nvPr/>
         </p:nvPicPr>
@@ -6741,8 +10616,8 @@
         </p:blipFill>
         <p:spPr>
           <a:xfrm>
-            <a:off x="3290875" y="2487838"/>
-            <a:ext cx="2562225" cy="1781175"/>
+            <a:off x="3381375" y="3176025"/>
+            <a:ext cx="2381250" cy="952500"/>
           </a:xfrm>
           <a:prstGeom prst="rect">
             <a:avLst/>
@@ -6780,7 +10655,7 @@
       </p:grpSpPr>
       <p:sp>
         <p:nvSpPr>
-          <p:cNvPr id="67" name="Google Shape;67;p15"/>
+          <p:cNvPr id="67" name="Google Shape;67;gf406581537_0_13"/>
           <p:cNvSpPr txBox="1"/>
           <p:nvPr>
             <p:ph type="title"/>
@@ -6794,6 +10669,10 @@
           <a:prstGeom prst="rect">
             <a:avLst/>
           </a:prstGeom>
+          <a:noFill/>
+          <a:ln>
+            <a:noFill/>
+          </a:ln>
         </p:spPr>
         <p:txBody>
           <a:bodyPr anchorCtr="0" anchor="t" bIns="91425" lIns="91425" spcFirstLastPara="1" rIns="91425" wrap="square" tIns="91425">
@@ -6802,17 +10681,21 @@
           <a:lstStyle/>
           <a:p>
             <a:pPr indent="0" lvl="0" marL="0" rtl="0" algn="ctr">
-              <a:spcBef>
-                <a:spcPts val="0"/>
-              </a:spcBef>
-              <a:spcAft>
-                <a:spcPts val="0"/>
-              </a:spcAft>
+              <a:lnSpc>
+                <a:spcPct val="100000"/>
+              </a:lnSpc>
+              <a:spcBef>
+                <a:spcPts val="0"/>
+              </a:spcBef>
+              <a:spcAft>
+                <a:spcPts val="0"/>
+              </a:spcAft>
+              <a:buSzPct val="111111"/>
               <a:buNone/>
             </a:pPr>
             <a:r>
               <a:rPr lang="es"/>
-              <a:t>Despliegue en Docker</a:t>
+              <a:t>Vaadin 23 para el backend</a:t>
             </a:r>
             <a:endParaRPr/>
           </a:p>
@@ -6820,7 +10703,7 @@
       </p:sp>
       <p:sp>
         <p:nvSpPr>
-          <p:cNvPr id="68" name="Google Shape;68;p15"/>
+          <p:cNvPr id="68" name="Google Shape;68;gf406581537_0_13"/>
           <p:cNvSpPr txBox="1"/>
           <p:nvPr>
             <p:ph idx="1" type="body"/>
@@ -6834,6 +10717,10 @@
           <a:prstGeom prst="rect">
             <a:avLst/>
           </a:prstGeom>
+          <a:noFill/>
+          <a:ln>
+            <a:noFill/>
+          </a:ln>
         </p:spPr>
         <p:txBody>
           <a:bodyPr anchorCtr="0" anchor="t" bIns="91425" lIns="91425" spcFirstLastPara="1" rIns="91425" wrap="square" tIns="91425">
@@ -6841,72 +10728,44 @@
           </a:bodyPr>
           <a:lstStyle/>
           <a:p>
-            <a:pPr indent="0" lvl="0" marL="0" rtl="0" algn="l">
-              <a:spcBef>
-                <a:spcPts val="0"/>
-              </a:spcBef>
-              <a:spcAft>
-                <a:spcPts val="0"/>
-              </a:spcAft>
-              <a:buNone/>
+            <a:pPr indent="-342900" lvl="0" marL="457200" rtl="0" algn="l">
+              <a:lnSpc>
+                <a:spcPct val="115000"/>
+              </a:lnSpc>
+              <a:spcBef>
+                <a:spcPts val="0"/>
+              </a:spcBef>
+              <a:spcAft>
+                <a:spcPts val="0"/>
+              </a:spcAft>
+              <a:buSzPts val="1800"/>
+              <a:buChar char="●"/>
             </a:pPr>
             <a:r>
               <a:rPr lang="es"/>
-              <a:t>Tanto el frontend como el backend lo desplegamos en contenedores Docker lo que nos sirve para virtualizar el proyecto.</a:t>
+              <a:t>Usamos este framework de java para desarrollar de una manera más rápida y sencilla el backend del proyecto.</a:t>
             </a:r>
-            <a:endParaRPr sz="1200">
-              <a:solidFill>
-                <a:schemeClr val="dk1"/>
-              </a:solidFill>
-              <a:latin typeface="Times New Roman"/>
-              <a:ea typeface="Times New Roman"/>
-              <a:cs typeface="Times New Roman"/>
-              <a:sym typeface="Times New Roman"/>
-            </a:endParaRPr>
-          </a:p>
-          <a:p>
-            <a:pPr indent="0" lvl="0" marL="0" rtl="0" algn="l">
-              <a:spcBef>
-                <a:spcPts val="1200"/>
-              </a:spcBef>
-              <a:spcAft>
-                <a:spcPts val="1200"/>
-              </a:spcAft>
-              <a:buNone/>
-            </a:pPr>
-            <a:r>
-              <a:t/>
-            </a:r>
-            <a:endParaRPr sz="1200">
-              <a:solidFill>
-                <a:schemeClr val="dk1"/>
-              </a:solidFill>
-              <a:latin typeface="Times New Roman"/>
-              <a:ea typeface="Times New Roman"/>
-              <a:cs typeface="Times New Roman"/>
-              <a:sym typeface="Times New Roman"/>
-            </a:endParaRPr>
+            <a:endParaRPr/>
           </a:p>
         </p:txBody>
       </p:sp>
       <p:pic>
         <p:nvPicPr>
-          <p:cNvPr id="69" name="Google Shape;69;p15"/>
+          <p:cNvPr id="69" name="Google Shape;69;gf406581537_0_13"/>
           <p:cNvPicPr preferRelativeResize="0"/>
           <p:nvPr/>
         </p:nvPicPr>
-        <p:blipFill>
+        <p:blipFill rotWithShape="1">
           <a:blip r:embed="rId3">
             <a:alphaModFix/>
           </a:blip>
-          <a:stretch>
-            <a:fillRect/>
-          </a:stretch>
+          <a:srcRect b="0" l="0" r="0" t="0"/>
+          <a:stretch/>
         </p:blipFill>
         <p:spPr>
           <a:xfrm>
-            <a:off x="3309925" y="2088725"/>
-            <a:ext cx="2524125" cy="1809750"/>
+            <a:off x="3290875" y="2487838"/>
+            <a:ext cx="2562225" cy="1781175"/>
           </a:xfrm>
           <a:prstGeom prst="rect">
             <a:avLst/>
@@ -6944,7 +10803,7 @@
       </p:grpSpPr>
       <p:sp>
         <p:nvSpPr>
-          <p:cNvPr id="74" name="Google Shape;74;p16"/>
+          <p:cNvPr id="74" name="Google Shape;74;p3"/>
           <p:cNvSpPr txBox="1"/>
           <p:nvPr>
             <p:ph type="title"/>
@@ -6958,6 +10817,10 @@
           <a:prstGeom prst="rect">
             <a:avLst/>
           </a:prstGeom>
+          <a:noFill/>
+          <a:ln>
+            <a:noFill/>
+          </a:ln>
         </p:spPr>
         <p:txBody>
           <a:bodyPr anchorCtr="0" anchor="t" bIns="91425" lIns="91425" spcFirstLastPara="1" rIns="91425" wrap="square" tIns="91425">
@@ -6966,17 +10829,21 @@
           <a:lstStyle/>
           <a:p>
             <a:pPr indent="0" lvl="0" marL="0" rtl="0" algn="ctr">
-              <a:spcBef>
-                <a:spcPts val="0"/>
-              </a:spcBef>
-              <a:spcAft>
-                <a:spcPts val="0"/>
-              </a:spcAft>
+              <a:lnSpc>
+                <a:spcPct val="100000"/>
+              </a:lnSpc>
+              <a:spcBef>
+                <a:spcPts val="0"/>
+              </a:spcBef>
+              <a:spcAft>
+                <a:spcPts val="0"/>
+              </a:spcAft>
+              <a:buSzPct val="111111"/>
               <a:buNone/>
             </a:pPr>
             <a:r>
               <a:rPr lang="es"/>
-              <a:t>Orquestados por KUBERTENES </a:t>
+              <a:t>Despliegue en Docker</a:t>
             </a:r>
             <a:endParaRPr/>
           </a:p>
@@ -6984,7 +10851,7 @@
       </p:sp>
       <p:sp>
         <p:nvSpPr>
-          <p:cNvPr id="75" name="Google Shape;75;p16"/>
+          <p:cNvPr id="75" name="Google Shape;75;p3"/>
           <p:cNvSpPr txBox="1"/>
           <p:nvPr>
             <p:ph idx="1" type="body"/>
@@ -6998,6 +10865,10 @@
           <a:prstGeom prst="rect">
             <a:avLst/>
           </a:prstGeom>
+          <a:noFill/>
+          <a:ln>
+            <a:noFill/>
+          </a:ln>
         </p:spPr>
         <p:txBody>
           <a:bodyPr anchorCtr="0" anchor="t" bIns="91425" lIns="91425" spcFirstLastPara="1" rIns="91425" wrap="square" tIns="91425">
@@ -7005,45 +10876,79 @@
           </a:bodyPr>
           <a:lstStyle/>
           <a:p>
-            <a:pPr indent="0" lvl="0" marL="0" rtl="0" algn="l">
-              <a:spcBef>
-                <a:spcPts val="0"/>
-              </a:spcBef>
-              <a:spcAft>
-                <a:spcPts val="1200"/>
-              </a:spcAft>
-              <a:buNone/>
+            <a:pPr indent="-342900" lvl="0" marL="457200" rtl="0" algn="l">
+              <a:lnSpc>
+                <a:spcPct val="115000"/>
+              </a:lnSpc>
+              <a:spcBef>
+                <a:spcPts val="0"/>
+              </a:spcBef>
+              <a:spcAft>
+                <a:spcPts val="0"/>
+              </a:spcAft>
+              <a:buSzPts val="1800"/>
+              <a:buChar char="●"/>
             </a:pPr>
             <a:r>
               <a:rPr lang="es"/>
-              <a:t>Estos últimos contenedores están orquestados por KUBERTENES que es una plataforma basada en </a:t>
+              <a:t>Tanto el frontend como el backend lo desplegamos en contenedores Docker lo que nos sirve para virtualizar el proyecto.</a:t>
             </a:r>
+            <a:endParaRPr sz="1200">
+              <a:solidFill>
+                <a:schemeClr val="dk1"/>
+              </a:solidFill>
+              <a:latin typeface="Times New Roman"/>
+              <a:ea typeface="Times New Roman"/>
+              <a:cs typeface="Times New Roman"/>
+              <a:sym typeface="Times New Roman"/>
+            </a:endParaRPr>
+          </a:p>
+          <a:p>
+            <a:pPr indent="0" lvl="0" marL="0" rtl="0" algn="l">
+              <a:lnSpc>
+                <a:spcPct val="115000"/>
+              </a:lnSpc>
+              <a:spcBef>
+                <a:spcPts val="1200"/>
+              </a:spcBef>
+              <a:spcAft>
+                <a:spcPts val="1200"/>
+              </a:spcAft>
+              <a:buSzPts val="1800"/>
+              <a:buNone/>
+            </a:pPr>
             <a:r>
-              <a:rPr lang="es"/>
-              <a:t>OpenShift 3.</a:t>
+              <a:t/>
             </a:r>
-            <a:endParaRPr/>
+            <a:endParaRPr sz="1200">
+              <a:solidFill>
+                <a:schemeClr val="dk1"/>
+              </a:solidFill>
+              <a:latin typeface="Times New Roman"/>
+              <a:ea typeface="Times New Roman"/>
+              <a:cs typeface="Times New Roman"/>
+              <a:sym typeface="Times New Roman"/>
+            </a:endParaRPr>
           </a:p>
         </p:txBody>
       </p:sp>
       <p:pic>
         <p:nvPicPr>
-          <p:cNvPr id="76" name="Google Shape;76;p16"/>
+          <p:cNvPr id="76" name="Google Shape;76;p3"/>
           <p:cNvPicPr preferRelativeResize="0"/>
           <p:nvPr/>
         </p:nvPicPr>
-        <p:blipFill>
+        <p:blipFill rotWithShape="1">
           <a:blip r:embed="rId3">
             <a:alphaModFix/>
           </a:blip>
-          <a:stretch>
-            <a:fillRect/>
-          </a:stretch>
+          <a:srcRect b="0" l="0" r="0" t="0"/>
+          <a:stretch/>
         </p:blipFill>
         <p:spPr>
           <a:xfrm>
-            <a:off x="2612450" y="2275400"/>
-            <a:ext cx="4255899" cy="2199975"/>
+            <a:off x="3309925" y="2088725"/>
+            <a:ext cx="2524125" cy="1809750"/>
           </a:xfrm>
           <a:prstGeom prst="rect">
             <a:avLst/>
@@ -7081,7 +10986,7 @@
       </p:grpSpPr>
       <p:sp>
         <p:nvSpPr>
-          <p:cNvPr id="81" name="Google Shape;81;p17"/>
+          <p:cNvPr id="81" name="Google Shape;81;p4"/>
           <p:cNvSpPr txBox="1"/>
           <p:nvPr>
             <p:ph type="title"/>
@@ -7095,6 +11000,10 @@
           <a:prstGeom prst="rect">
             <a:avLst/>
           </a:prstGeom>
+          <a:noFill/>
+          <a:ln>
+            <a:noFill/>
+          </a:ln>
         </p:spPr>
         <p:txBody>
           <a:bodyPr anchorCtr="0" anchor="t" bIns="91425" lIns="91425" spcFirstLastPara="1" rIns="91425" wrap="square" tIns="91425">
@@ -7103,17 +11012,21 @@
           <a:lstStyle/>
           <a:p>
             <a:pPr indent="0" lvl="0" marL="0" rtl="0" algn="ctr">
-              <a:spcBef>
-                <a:spcPts val="0"/>
-              </a:spcBef>
-              <a:spcAft>
-                <a:spcPts val="0"/>
-              </a:spcAft>
+              <a:lnSpc>
+                <a:spcPct val="100000"/>
+              </a:lnSpc>
+              <a:spcBef>
+                <a:spcPts val="0"/>
+              </a:spcBef>
+              <a:spcAft>
+                <a:spcPts val="0"/>
+              </a:spcAft>
+              <a:buSzPct val="111111"/>
               <a:buNone/>
             </a:pPr>
             <a:r>
               <a:rPr lang="es"/>
-              <a:t>Gestión con Jira</a:t>
+              <a:t>Orquestados por KUBERTENES </a:t>
             </a:r>
             <a:endParaRPr/>
           </a:p>
@@ -7121,7 +11034,7 @@
       </p:sp>
       <p:sp>
         <p:nvSpPr>
-          <p:cNvPr id="82" name="Google Shape;82;p17"/>
+          <p:cNvPr id="82" name="Google Shape;82;p4"/>
           <p:cNvSpPr txBox="1"/>
           <p:nvPr>
             <p:ph idx="1" type="body"/>
@@ -7135,6 +11048,10 @@
           <a:prstGeom prst="rect">
             <a:avLst/>
           </a:prstGeom>
+          <a:noFill/>
+          <a:ln>
+            <a:noFill/>
+          </a:ln>
         </p:spPr>
         <p:txBody>
           <a:bodyPr anchorCtr="0" anchor="t" bIns="91425" lIns="91425" spcFirstLastPara="1" rIns="91425" wrap="square" tIns="91425">
@@ -7142,18 +11059,22 @@
           </a:bodyPr>
           <a:lstStyle/>
           <a:p>
-            <a:pPr indent="0" lvl="0" marL="0" rtl="0" algn="l">
-              <a:spcBef>
-                <a:spcPts val="0"/>
-              </a:spcBef>
-              <a:spcAft>
-                <a:spcPts val="1200"/>
-              </a:spcAft>
-              <a:buNone/>
+            <a:pPr indent="-342900" lvl="0" marL="457200" rtl="0" algn="l">
+              <a:lnSpc>
+                <a:spcPct val="115000"/>
+              </a:lnSpc>
+              <a:spcBef>
+                <a:spcPts val="0"/>
+              </a:spcBef>
+              <a:spcAft>
+                <a:spcPts val="0"/>
+              </a:spcAft>
+              <a:buSzPts val="1800"/>
+              <a:buChar char="●"/>
             </a:pPr>
             <a:r>
               <a:rPr lang="es"/>
-              <a:t>Para realizar la gestión del proyecto usamos Jira, un software online para organizar las tareas.</a:t>
+              <a:t>Estos últimos contenedores están orquestados por KUBERTENES que es una plataforma basada en OpenShift 3.</a:t>
             </a:r>
             <a:endParaRPr/>
           </a:p>
@@ -7161,22 +11082,21 @@
       </p:sp>
       <p:pic>
         <p:nvPicPr>
-          <p:cNvPr id="83" name="Google Shape;83;p17"/>
+          <p:cNvPr id="83" name="Google Shape;83;p4"/>
           <p:cNvPicPr preferRelativeResize="0"/>
           <p:nvPr/>
         </p:nvPicPr>
-        <p:blipFill>
+        <p:blipFill rotWithShape="1">
           <a:blip r:embed="rId3">
             <a:alphaModFix/>
           </a:blip>
-          <a:stretch>
-            <a:fillRect/>
-          </a:stretch>
+          <a:srcRect b="0" l="0" r="0" t="0"/>
+          <a:stretch/>
         </p:blipFill>
         <p:spPr>
           <a:xfrm>
-            <a:off x="3143250" y="2356300"/>
-            <a:ext cx="2857500" cy="1600200"/>
+            <a:off x="2612450" y="2275400"/>
+            <a:ext cx="4255899" cy="2199975"/>
           </a:xfrm>
           <a:prstGeom prst="rect">
             <a:avLst/>
@@ -7214,7 +11134,7 @@
       </p:grpSpPr>
       <p:sp>
         <p:nvSpPr>
-          <p:cNvPr id="88" name="Google Shape;88;p18"/>
+          <p:cNvPr id="88" name="Google Shape;88;p5"/>
           <p:cNvSpPr txBox="1"/>
           <p:nvPr>
             <p:ph type="title"/>
@@ -7228,6 +11148,10 @@
           <a:prstGeom prst="rect">
             <a:avLst/>
           </a:prstGeom>
+          <a:noFill/>
+          <a:ln>
+            <a:noFill/>
+          </a:ln>
         </p:spPr>
         <p:txBody>
           <a:bodyPr anchorCtr="0" anchor="t" bIns="91425" lIns="91425" spcFirstLastPara="1" rIns="91425" wrap="square" tIns="91425">
@@ -7236,21 +11160,21 @@
           <a:lstStyle/>
           <a:p>
             <a:pPr indent="0" lvl="0" marL="0" rtl="0" algn="ctr">
-              <a:spcBef>
-                <a:spcPts val="0"/>
-              </a:spcBef>
-              <a:spcAft>
-                <a:spcPts val="0"/>
-              </a:spcAft>
+              <a:lnSpc>
+                <a:spcPct val="100000"/>
+              </a:lnSpc>
+              <a:spcBef>
+                <a:spcPts val="0"/>
+              </a:spcBef>
+              <a:spcAft>
+                <a:spcPts val="0"/>
+              </a:spcAft>
+              <a:buSzPct val="111111"/>
               <a:buNone/>
             </a:pPr>
             <a:r>
               <a:rPr lang="es"/>
-              <a:t>Metodologías</a:t>
-            </a:r>
-            <a:r>
-              <a:rPr lang="es"/>
-              <a:t> Ágiles</a:t>
+              <a:t>Gestión con Jira</a:t>
             </a:r>
             <a:endParaRPr/>
           </a:p>
@@ -7258,7 +11182,7 @@
       </p:sp>
       <p:sp>
         <p:nvSpPr>
-          <p:cNvPr id="89" name="Google Shape;89;p18"/>
+          <p:cNvPr id="89" name="Google Shape;89;p5"/>
           <p:cNvSpPr txBox="1"/>
           <p:nvPr>
             <p:ph idx="1" type="body"/>
@@ -7272,6 +11196,10 @@
           <a:prstGeom prst="rect">
             <a:avLst/>
           </a:prstGeom>
+          <a:noFill/>
+          <a:ln>
+            <a:noFill/>
+          </a:ln>
         </p:spPr>
         <p:txBody>
           <a:bodyPr anchorCtr="0" anchor="t" bIns="91425" lIns="91425" spcFirstLastPara="1" rIns="91425" wrap="square" tIns="91425">
@@ -7279,98 +11207,22 @@
           </a:bodyPr>
           <a:lstStyle/>
           <a:p>
-            <a:pPr indent="-228600" lvl="0" marL="0" rtl="0" algn="l">
-              <a:spcBef>
-                <a:spcPts val="1200"/>
-              </a:spcBef>
-              <a:spcAft>
-                <a:spcPts val="0"/>
-              </a:spcAft>
-              <a:buClr>
-                <a:schemeClr val="dk1"/>
-              </a:buClr>
-              <a:buSzPts val="1100"/>
-              <a:buFont typeface="Arial"/>
-              <a:buNone/>
+            <a:pPr indent="-342900" lvl="0" marL="457200" rtl="0" algn="l">
+              <a:lnSpc>
+                <a:spcPct val="115000"/>
+              </a:lnSpc>
+              <a:spcBef>
+                <a:spcPts val="0"/>
+              </a:spcBef>
+              <a:spcAft>
+                <a:spcPts val="0"/>
+              </a:spcAft>
+              <a:buSzPts val="1800"/>
+              <a:buChar char="●"/>
             </a:pPr>
             <a:r>
-              <a:rPr lang="es" sz="1200">
-                <a:solidFill>
-                  <a:schemeClr val="dk1"/>
-                </a:solidFill>
-              </a:rPr>
-              <a:t>·</a:t>
-            </a:r>
-            <a:r>
-              <a:rPr lang="es" sz="700">
-                <a:solidFill>
-                  <a:schemeClr val="dk1"/>
-                </a:solidFill>
-                <a:latin typeface="Times New Roman"/>
-                <a:ea typeface="Times New Roman"/>
-                <a:cs typeface="Times New Roman"/>
-                <a:sym typeface="Times New Roman"/>
-              </a:rPr>
-              <a:t>         </a:t>
-            </a:r>
-            <a:r>
-              <a:rPr lang="es" sz="1200">
-                <a:solidFill>
-                  <a:schemeClr val="dk1"/>
-                </a:solidFill>
-                <a:latin typeface="Times New Roman"/>
-                <a:ea typeface="Times New Roman"/>
-                <a:cs typeface="Times New Roman"/>
-                <a:sym typeface="Times New Roman"/>
-              </a:rPr>
-              <a:t>Usamos una metodología </a:t>
-            </a:r>
-            <a:r>
-              <a:rPr lang="es" sz="1200">
-                <a:solidFill>
-                  <a:schemeClr val="dk1"/>
-                </a:solidFill>
-                <a:latin typeface="Times New Roman"/>
-                <a:ea typeface="Times New Roman"/>
-                <a:cs typeface="Times New Roman"/>
-                <a:sym typeface="Times New Roman"/>
-              </a:rPr>
-              <a:t>ÁGIL tal</a:t>
-            </a:r>
-            <a:r>
-              <a:rPr lang="es" sz="1200">
-                <a:solidFill>
-                  <a:schemeClr val="dk1"/>
-                </a:solidFill>
-                <a:latin typeface="Times New Roman"/>
-                <a:ea typeface="Times New Roman"/>
-                <a:cs typeface="Times New Roman"/>
-                <a:sym typeface="Times New Roman"/>
-              </a:rPr>
-              <a:t> como SCRUM para desarrollar el proyecto.</a:t>
-            </a:r>
-            <a:endParaRPr sz="1200">
-              <a:solidFill>
-                <a:schemeClr val="dk1"/>
-              </a:solidFill>
-              <a:latin typeface="Times New Roman"/>
-              <a:ea typeface="Times New Roman"/>
-              <a:cs typeface="Times New Roman"/>
-              <a:sym typeface="Times New Roman"/>
-            </a:endParaRPr>
-          </a:p>
-          <a:p>
-            <a:pPr indent="0" lvl="0" marL="0" rtl="0" algn="l">
-              <a:spcBef>
-                <a:spcPts val="0"/>
-              </a:spcBef>
-              <a:spcAft>
-                <a:spcPts val="1200"/>
-              </a:spcAft>
-              <a:buNone/>
-            </a:pPr>
-            <a:r>
-              <a:t/>
+              <a:rPr lang="es"/>
+              <a:t>Para realizar la gestión del proyecto usamos Jira, un software online para organizar las tareas.</a:t>
             </a:r>
             <a:endParaRPr/>
           </a:p>
@@ -7378,22 +11230,21 @@
       </p:sp>
       <p:pic>
         <p:nvPicPr>
-          <p:cNvPr id="90" name="Google Shape;90;p18"/>
+          <p:cNvPr id="90" name="Google Shape;90;p5"/>
           <p:cNvPicPr preferRelativeResize="0"/>
           <p:nvPr/>
         </p:nvPicPr>
-        <p:blipFill>
+        <p:blipFill rotWithShape="1">
           <a:blip r:embed="rId3">
             <a:alphaModFix/>
           </a:blip>
-          <a:stretch>
-            <a:fillRect/>
-          </a:stretch>
+          <a:srcRect b="0" l="0" r="0" t="0"/>
+          <a:stretch/>
         </p:blipFill>
         <p:spPr>
           <a:xfrm>
-            <a:off x="3500425" y="2047838"/>
-            <a:ext cx="2143125" cy="2143125"/>
+            <a:off x="3143250" y="2356300"/>
+            <a:ext cx="2857500" cy="1600200"/>
           </a:xfrm>
           <a:prstGeom prst="rect">
             <a:avLst/>
@@ -7431,7 +11282,7 @@
       </p:grpSpPr>
       <p:sp>
         <p:nvSpPr>
-          <p:cNvPr id="95" name="Google Shape;95;p19"/>
+          <p:cNvPr id="95" name="Google Shape;95;p6"/>
           <p:cNvSpPr txBox="1"/>
           <p:nvPr>
             <p:ph type="title"/>
@@ -7445,6 +11296,10 @@
           <a:prstGeom prst="rect">
             <a:avLst/>
           </a:prstGeom>
+          <a:noFill/>
+          <a:ln>
+            <a:noFill/>
+          </a:ln>
         </p:spPr>
         <p:txBody>
           <a:bodyPr anchorCtr="0" anchor="t" bIns="91425" lIns="91425" spcFirstLastPara="1" rIns="91425" wrap="square" tIns="91425">
@@ -7453,17 +11308,21 @@
           <a:lstStyle/>
           <a:p>
             <a:pPr indent="0" lvl="0" marL="0" rtl="0" algn="ctr">
-              <a:spcBef>
-                <a:spcPts val="0"/>
-              </a:spcBef>
-              <a:spcAft>
-                <a:spcPts val="0"/>
-              </a:spcAft>
+              <a:lnSpc>
+                <a:spcPct val="100000"/>
+              </a:lnSpc>
+              <a:spcBef>
+                <a:spcPts val="0"/>
+              </a:spcBef>
+              <a:spcAft>
+                <a:spcPts val="0"/>
+              </a:spcAft>
+              <a:buSzPct val="111111"/>
               <a:buNone/>
             </a:pPr>
             <a:r>
               <a:rPr lang="es"/>
-              <a:t>NEXUS para almacenar</a:t>
+              <a:t>Metodologías Ágiles</a:t>
             </a:r>
             <a:endParaRPr/>
           </a:p>
@@ -7471,7 +11330,7 @@
       </p:sp>
       <p:sp>
         <p:nvSpPr>
-          <p:cNvPr id="96" name="Google Shape;96;p19"/>
+          <p:cNvPr id="96" name="Google Shape;96;p6"/>
           <p:cNvSpPr txBox="1"/>
           <p:nvPr>
             <p:ph idx="1" type="body"/>
@@ -7485,6 +11344,10 @@
           <a:prstGeom prst="rect">
             <a:avLst/>
           </a:prstGeom>
+          <a:noFill/>
+          <a:ln>
+            <a:noFill/>
+          </a:ln>
         </p:spPr>
         <p:txBody>
           <a:bodyPr anchorCtr="0" anchor="t" bIns="91425" lIns="91425" spcFirstLastPara="1" rIns="91425" wrap="square" tIns="91425">
@@ -7492,46 +11355,49 @@
           </a:bodyPr>
           <a:lstStyle/>
           <a:p>
-            <a:pPr indent="-228600" lvl="0" marL="0" rtl="0" algn="l">
+            <a:pPr indent="-342900" lvl="0" marL="457200" rtl="0" algn="l">
+              <a:lnSpc>
+                <a:spcPct val="115000"/>
+              </a:lnSpc>
               <a:spcBef>
                 <a:spcPts val="1200"/>
               </a:spcBef>
               <a:spcAft>
                 <a:spcPts val="0"/>
               </a:spcAft>
-              <a:buNone/>
+              <a:buSzPts val="1800"/>
+              <a:buChar char="●"/>
             </a:pPr>
             <a:r>
-              <a:rPr lang="es" sz="1200">
-                <a:solidFill>
-                  <a:schemeClr val="dk1"/>
-                </a:solidFill>
-              </a:rPr>
-              <a:t>·</a:t>
+              <a:rPr lang="es"/>
+              <a:t>Usamos una metodología ÁGIL tal como SCRUM para desarrollar el proyecto.</a:t>
             </a:r>
+            <a:endParaRPr sz="1200">
+              <a:solidFill>
+                <a:schemeClr val="dk1"/>
+              </a:solidFill>
+              <a:latin typeface="Times New Roman"/>
+              <a:ea typeface="Times New Roman"/>
+              <a:cs typeface="Times New Roman"/>
+              <a:sym typeface="Times New Roman"/>
+            </a:endParaRPr>
+          </a:p>
+          <a:p>
+            <a:pPr indent="0" lvl="0" marL="0" rtl="0" algn="l">
+              <a:lnSpc>
+                <a:spcPct val="115000"/>
+              </a:lnSpc>
+              <a:spcBef>
+                <a:spcPts val="0"/>
+              </a:spcBef>
+              <a:spcAft>
+                <a:spcPts val="1200"/>
+              </a:spcAft>
+              <a:buSzPts val="1800"/>
+              <a:buNone/>
+            </a:pPr>
             <a:r>
-              <a:rPr lang="es" sz="700">
-                <a:solidFill>
-                  <a:schemeClr val="dk1"/>
-                </a:solidFill>
-                <a:latin typeface="Times New Roman"/>
-                <a:ea typeface="Times New Roman"/>
-                <a:cs typeface="Times New Roman"/>
-                <a:sym typeface="Times New Roman"/>
-              </a:rPr>
-              <a:t>         </a:t>
-            </a:r>
-            <a:r>
-              <a:rPr lang="es" sz="1200">
-                <a:solidFill>
-                  <a:schemeClr val="dk1"/>
-                </a:solidFill>
-                <a:latin typeface="Times New Roman"/>
-                <a:ea typeface="Times New Roman"/>
-                <a:cs typeface="Times New Roman"/>
-                <a:sym typeface="Times New Roman"/>
-              </a:rPr>
-              <a:t>Usamos NEXUS para almacenar los builds de las aplicaciones y las distintas librerías que generamos.</a:t>
+              <a:t/>
             </a:r>
             <a:endParaRPr/>
           </a:p>
@@ -7539,22 +11405,21 @@
       </p:sp>
       <p:pic>
         <p:nvPicPr>
-          <p:cNvPr id="97" name="Google Shape;97;p19"/>
+          <p:cNvPr id="97" name="Google Shape;97;p6"/>
           <p:cNvPicPr preferRelativeResize="0"/>
           <p:nvPr/>
         </p:nvPicPr>
-        <p:blipFill>
+        <p:blipFill rotWithShape="1">
           <a:blip r:embed="rId3">
             <a:alphaModFix/>
           </a:blip>
-          <a:stretch>
-            <a:fillRect/>
-          </a:stretch>
+          <a:srcRect b="0" l="0" r="0" t="0"/>
+          <a:stretch/>
         </p:blipFill>
         <p:spPr>
           <a:xfrm>
-            <a:off x="3319450" y="2071800"/>
-            <a:ext cx="2505075" cy="1828800"/>
+            <a:off x="3500425" y="2047838"/>
+            <a:ext cx="2143125" cy="2143125"/>
           </a:xfrm>
           <a:prstGeom prst="rect">
             <a:avLst/>
@@ -7592,7 +11457,7 @@
       </p:grpSpPr>
       <p:sp>
         <p:nvSpPr>
-          <p:cNvPr id="102" name="Google Shape;102;p20"/>
+          <p:cNvPr id="102" name="Google Shape;102;p7"/>
           <p:cNvSpPr txBox="1"/>
           <p:nvPr>
             <p:ph type="title"/>
@@ -7606,6 +11471,10 @@
           <a:prstGeom prst="rect">
             <a:avLst/>
           </a:prstGeom>
+          <a:noFill/>
+          <a:ln>
+            <a:noFill/>
+          </a:ln>
         </p:spPr>
         <p:txBody>
           <a:bodyPr anchorCtr="0" anchor="t" bIns="91425" lIns="91425" spcFirstLastPara="1" rIns="91425" wrap="square" tIns="91425">
@@ -7614,17 +11483,21 @@
           <a:lstStyle/>
           <a:p>
             <a:pPr indent="0" lvl="0" marL="0" rtl="0" algn="ctr">
-              <a:spcBef>
-                <a:spcPts val="0"/>
-              </a:spcBef>
-              <a:spcAft>
-                <a:spcPts val="0"/>
-              </a:spcAft>
+              <a:lnSpc>
+                <a:spcPct val="100000"/>
+              </a:lnSpc>
+              <a:spcBef>
+                <a:spcPts val="0"/>
+              </a:spcBef>
+              <a:spcAft>
+                <a:spcPts val="0"/>
+              </a:spcAft>
+              <a:buSzPct val="111111"/>
               <a:buNone/>
             </a:pPr>
             <a:r>
               <a:rPr lang="es"/>
-              <a:t>BITBUCKET y repositorios.</a:t>
+              <a:t>NEXUS para almacenar</a:t>
             </a:r>
             <a:endParaRPr/>
           </a:p>
@@ -7632,7 +11505,7 @@
       </p:sp>
       <p:sp>
         <p:nvSpPr>
-          <p:cNvPr id="103" name="Google Shape;103;p20"/>
+          <p:cNvPr id="103" name="Google Shape;103;p7"/>
           <p:cNvSpPr txBox="1"/>
           <p:nvPr>
             <p:ph idx="1" type="body"/>
@@ -7646,6 +11519,10 @@
           <a:prstGeom prst="rect">
             <a:avLst/>
           </a:prstGeom>
+          <a:noFill/>
+          <a:ln>
+            <a:noFill/>
+          </a:ln>
         </p:spPr>
         <p:txBody>
           <a:bodyPr anchorCtr="0" anchor="t" bIns="91425" lIns="91425" spcFirstLastPara="1" rIns="91425" wrap="square" tIns="91425">
@@ -7653,46 +11530,19 @@
           </a:bodyPr>
           <a:lstStyle/>
           <a:p>
-            <a:pPr indent="-228600" lvl="0" marL="0" rtl="0" algn="l">
-              <a:spcBef>
-                <a:spcPts val="1200"/>
-              </a:spcBef>
-              <a:spcAft>
-                <a:spcPts val="0"/>
-              </a:spcAft>
-              <a:buNone/>
+            <a:pPr indent="-342900" lvl="0" marL="457200" rtl="0" algn="l">
+              <a:spcBef>
+                <a:spcPts val="0"/>
+              </a:spcBef>
+              <a:spcAft>
+                <a:spcPts val="0"/>
+              </a:spcAft>
+              <a:buSzPts val="1800"/>
+              <a:buChar char="●"/>
             </a:pPr>
             <a:r>
-              <a:rPr lang="es" sz="1200">
-                <a:solidFill>
-                  <a:schemeClr val="dk1"/>
-                </a:solidFill>
-              </a:rPr>
-              <a:t>·</a:t>
-            </a:r>
-            <a:r>
-              <a:rPr lang="es" sz="700">
-                <a:solidFill>
-                  <a:schemeClr val="dk1"/>
-                </a:solidFill>
-                <a:latin typeface="Times New Roman"/>
-                <a:ea typeface="Times New Roman"/>
-                <a:cs typeface="Times New Roman"/>
-                <a:sym typeface="Times New Roman"/>
-              </a:rPr>
-              <a:t>         </a:t>
-            </a:r>
-            <a:r>
-              <a:rPr lang="es" sz="1200">
-                <a:solidFill>
-                  <a:schemeClr val="dk1"/>
-                </a:solidFill>
-                <a:latin typeface="Times New Roman"/>
-                <a:ea typeface="Times New Roman"/>
-                <a:cs typeface="Times New Roman"/>
-                <a:sym typeface="Times New Roman"/>
-              </a:rPr>
-              <a:t>Usamos BITBUCKET con repositorios GIT utilizando SOURCETREE para la gestión del código.</a:t>
+              <a:rPr lang="es"/>
+              <a:t>Usamos NEXUS para almacenar los builds de las aplicaciones y las distintas librerías que generamos.</a:t>
             </a:r>
             <a:endParaRPr/>
           </a:p>
@@ -7700,50 +11550,21 @@
       </p:sp>
       <p:pic>
         <p:nvPicPr>
-          <p:cNvPr id="104" name="Google Shape;104;p20"/>
+          <p:cNvPr id="104" name="Google Shape;104;p7"/>
           <p:cNvPicPr preferRelativeResize="0"/>
           <p:nvPr/>
         </p:nvPicPr>
-        <p:blipFill>
+        <p:blipFill rotWithShape="1">
           <a:blip r:embed="rId3">
             <a:alphaModFix/>
           </a:blip>
-          <a:stretch>
-            <a:fillRect/>
-          </a:stretch>
+          <a:srcRect b="0" l="0" r="0" t="0"/>
+          <a:stretch/>
         </p:blipFill>
         <p:spPr>
           <a:xfrm>
-            <a:off x="1634163" y="2166463"/>
-            <a:ext cx="2619375" cy="1743075"/>
-          </a:xfrm>
-          <a:prstGeom prst="rect">
-            <a:avLst/>
-          </a:prstGeom>
-          <a:noFill/>
-          <a:ln>
-            <a:noFill/>
-          </a:ln>
-        </p:spPr>
-      </p:pic>
-      <p:pic>
-        <p:nvPicPr>
-          <p:cNvPr id="105" name="Google Shape;105;p20"/>
-          <p:cNvPicPr preferRelativeResize="0"/>
-          <p:nvPr/>
-        </p:nvPicPr>
-        <p:blipFill>
-          <a:blip r:embed="rId4">
-            <a:alphaModFix/>
-          </a:blip>
-          <a:stretch>
-            <a:fillRect/>
-          </a:stretch>
-        </p:blipFill>
-        <p:spPr>
-          <a:xfrm>
-            <a:off x="5039875" y="2449573"/>
-            <a:ext cx="2988050" cy="1176875"/>
+            <a:off x="3319450" y="2071800"/>
+            <a:ext cx="2505075" cy="1828800"/>
           </a:xfrm>
           <a:prstGeom prst="rect">
             <a:avLst/>
@@ -7767,7 +11588,7 @@
   <p:cSld>
     <p:spTree>
       <p:nvGrpSpPr>
-        <p:cNvPr id="109" name="Shape 109"/>
+        <p:cNvPr id="108" name="Shape 108"/>
         <p:cNvGrpSpPr/>
         <p:nvPr/>
       </p:nvGrpSpPr>
@@ -7781,7 +11602,7 @@
       </p:grpSpPr>
       <p:sp>
         <p:nvSpPr>
-          <p:cNvPr id="110" name="Google Shape;110;p21"/>
+          <p:cNvPr id="109" name="Google Shape;109;p8"/>
           <p:cNvSpPr txBox="1"/>
           <p:nvPr>
             <p:ph type="title"/>
@@ -7795,6 +11616,10 @@
           <a:prstGeom prst="rect">
             <a:avLst/>
           </a:prstGeom>
+          <a:noFill/>
+          <a:ln>
+            <a:noFill/>
+          </a:ln>
         </p:spPr>
         <p:txBody>
           <a:bodyPr anchorCtr="0" anchor="t" bIns="91425" lIns="91425" spcFirstLastPara="1" rIns="91425" wrap="square" tIns="91425">
@@ -7803,17 +11628,21 @@
           <a:lstStyle/>
           <a:p>
             <a:pPr indent="0" lvl="0" marL="0" rtl="0" algn="ctr">
-              <a:spcBef>
-                <a:spcPts val="0"/>
-              </a:spcBef>
-              <a:spcAft>
-                <a:spcPts val="0"/>
-              </a:spcAft>
+              <a:lnSpc>
+                <a:spcPct val="100000"/>
+              </a:lnSpc>
+              <a:spcBef>
+                <a:spcPts val="0"/>
+              </a:spcBef>
+              <a:spcAft>
+                <a:spcPts val="0"/>
+              </a:spcAft>
+              <a:buSzPct val="111111"/>
               <a:buNone/>
             </a:pPr>
             <a:r>
               <a:rPr lang="es"/>
-              <a:t>KeyCloak para el acceso</a:t>
+              <a:t>BITBUCKET y repositorios.</a:t>
             </a:r>
             <a:endParaRPr/>
           </a:p>
@@ -7821,7 +11650,7 @@
       </p:sp>
       <p:sp>
         <p:nvSpPr>
-          <p:cNvPr id="111" name="Google Shape;111;p21"/>
+          <p:cNvPr id="110" name="Google Shape;110;p8"/>
           <p:cNvSpPr txBox="1"/>
           <p:nvPr>
             <p:ph idx="1" type="body"/>
@@ -7835,6 +11664,10 @@
           <a:prstGeom prst="rect">
             <a:avLst/>
           </a:prstGeom>
+          <a:noFill/>
+          <a:ln>
+            <a:noFill/>
+          </a:ln>
         </p:spPr>
         <p:txBody>
           <a:bodyPr anchorCtr="0" anchor="t" bIns="91425" lIns="91425" spcFirstLastPara="1" rIns="91425" wrap="square" tIns="91425">
@@ -7842,66 +11675,22 @@
           </a:bodyPr>
           <a:lstStyle/>
           <a:p>
-            <a:pPr indent="-228600" lvl="0" marL="0" rtl="0" algn="l">
+            <a:pPr indent="-342900" lvl="0" marL="457200" rtl="0" algn="l">
+              <a:lnSpc>
+                <a:spcPct val="115000"/>
+              </a:lnSpc>
               <a:spcBef>
                 <a:spcPts val="1200"/>
               </a:spcBef>
               <a:spcAft>
                 <a:spcPts val="0"/>
               </a:spcAft>
-              <a:buClr>
-                <a:schemeClr val="dk1"/>
-              </a:buClr>
-              <a:buSzPts val="1100"/>
-              <a:buFont typeface="Arial"/>
-              <a:buNone/>
+              <a:buSzPts val="1800"/>
+              <a:buChar char="●"/>
             </a:pPr>
             <a:r>
-              <a:rPr lang="es" sz="1050">
-                <a:solidFill>
-                  <a:srgbClr val="202124"/>
-                </a:solidFill>
-              </a:rPr>
-              <a:t>·</a:t>
-            </a:r>
-            <a:r>
-              <a:rPr lang="es" sz="700">
-                <a:solidFill>
-                  <a:srgbClr val="202124"/>
-                </a:solidFill>
-                <a:latin typeface="Times New Roman"/>
-                <a:ea typeface="Times New Roman"/>
-                <a:cs typeface="Times New Roman"/>
-                <a:sym typeface="Times New Roman"/>
-              </a:rPr>
-              <a:t>         </a:t>
-            </a:r>
-            <a:r>
-              <a:rPr lang="es" sz="1050">
-                <a:solidFill>
-                  <a:srgbClr val="202124"/>
-                </a:solidFill>
-              </a:rPr>
-              <a:t>Para securizar el acceso usamos el SSO(Inicio de Sesión Único) de KeyCloak.</a:t>
-            </a:r>
-            <a:endParaRPr sz="1050">
-              <a:solidFill>
-                <a:srgbClr val="202124"/>
-              </a:solidFill>
-            </a:endParaRPr>
-          </a:p>
-          <a:p>
-            <a:pPr indent="0" lvl="0" marL="0" rtl="0" algn="l">
-              <a:spcBef>
-                <a:spcPts val="1200"/>
-              </a:spcBef>
-              <a:spcAft>
-                <a:spcPts val="1200"/>
-              </a:spcAft>
-              <a:buNone/>
-            </a:pPr>
-            <a:r>
-              <a:t/>
+              <a:rPr lang="es"/>
+              <a:t>Usamos BITBUCKET con repositorios GIT utilizando SOURCETREE para la gestión del código.</a:t>
             </a:r>
             <a:endParaRPr/>
           </a:p>
@@ -7909,22 +11698,48 @@
       </p:sp>
       <p:pic>
         <p:nvPicPr>
-          <p:cNvPr id="112" name="Google Shape;112;p21"/>
+          <p:cNvPr id="111" name="Google Shape;111;p8"/>
           <p:cNvPicPr preferRelativeResize="0"/>
           <p:nvPr/>
         </p:nvPicPr>
-        <p:blipFill>
+        <p:blipFill rotWithShape="1">
           <a:blip r:embed="rId3">
             <a:alphaModFix/>
           </a:blip>
-          <a:stretch>
-            <a:fillRect/>
-          </a:stretch>
+          <a:srcRect b="0" l="0" r="0" t="0"/>
+          <a:stretch/>
         </p:blipFill>
         <p:spPr>
           <a:xfrm>
-            <a:off x="3262313" y="2133863"/>
+            <a:off x="1634163" y="2166463"/>
             <a:ext cx="2619375" cy="1743075"/>
+          </a:xfrm>
+          <a:prstGeom prst="rect">
+            <a:avLst/>
+          </a:prstGeom>
+          <a:noFill/>
+          <a:ln>
+            <a:noFill/>
+          </a:ln>
+        </p:spPr>
+      </p:pic>
+      <p:pic>
+        <p:nvPicPr>
+          <p:cNvPr id="112" name="Google Shape;112;p8"/>
+          <p:cNvPicPr preferRelativeResize="0"/>
+          <p:nvPr/>
+        </p:nvPicPr>
+        <p:blipFill rotWithShape="1">
+          <a:blip r:embed="rId4">
+            <a:alphaModFix/>
+          </a:blip>
+          <a:srcRect b="0" l="0" r="0" t="0"/>
+          <a:stretch/>
+        </p:blipFill>
+        <p:spPr>
+          <a:xfrm>
+            <a:off x="5039875" y="2449573"/>
+            <a:ext cx="2988050" cy="1176875"/>
           </a:xfrm>
           <a:prstGeom prst="rect">
             <a:avLst/>

--- a/Tecnologías Usadas Dual.pptx
+++ b/Tecnologías Usadas Dual.pptx
@@ -20,6 +20,7 @@
     <p:sldId id="265" r:id="rId15"/>
     <p:sldId id="266" r:id="rId16"/>
     <p:sldId id="267" r:id="rId17"/>
+    <p:sldId id="268" r:id="rId18"/>
   </p:sldIdLst>
   <p:sldSz cy="5143500" cx="9144000"/>
   <p:notesSz cx="6858000" cy="9144000"/>
@@ -268,7 +269,7 @@
       </p15:sldGuideLst>
     </p:ext>
     <p:ext uri="http://customooxmlschemas.google.com/">
-      <go:slidesCustomData xmlns:go="http://customooxmlschemas.google.com/" r:id="rId18" roundtripDataSignature="AMtx7mjqmtsNEZJFU/Y2t9L3r4KPTrPhVw=="/>
+      <go:slidesCustomData xmlns:go="http://customooxmlschemas.google.com/" r:id="rId19" roundtripDataSignature="AMtx7mhU7r5Ste98E6V4o6mSB8mQ6y5X7w=="/>
     </p:ext>
   </p:extLst>
 </p:presentation>
@@ -957,7 +958,7 @@
   <p:cSld>
     <p:spTree>
       <p:nvGrpSpPr>
-        <p:cNvPr id="113" name="Shape 113"/>
+        <p:cNvPr id="111" name="Shape 111"/>
         <p:cNvGrpSpPr/>
         <p:nvPr/>
       </p:nvGrpSpPr>
@@ -971,7 +972,7 @@
       </p:grpSpPr>
       <p:sp>
         <p:nvSpPr>
-          <p:cNvPr id="114" name="Google Shape;114;p9:notes"/>
+          <p:cNvPr id="112" name="Google Shape;112;p8:notes"/>
           <p:cNvSpPr/>
           <p:nvPr>
             <p:ph idx="2" type="sldImg"/>
@@ -1016,7 +1017,7 @@
       </p:sp>
       <p:sp>
         <p:nvSpPr>
-          <p:cNvPr id="115" name="Google Shape;115;p9:notes"/>
+          <p:cNvPr id="113" name="Google Shape;113;p8:notes"/>
           <p:cNvSpPr txBox="1"/>
           <p:nvPr>
             <p:ph idx="1" type="body"/>
@@ -1074,7 +1075,7 @@
   <p:cSld>
     <p:spTree>
       <p:nvGrpSpPr>
-        <p:cNvPr id="120" name="Shape 120"/>
+        <p:cNvPr id="119" name="Shape 119"/>
         <p:cNvGrpSpPr/>
         <p:nvPr/>
       </p:nvGrpSpPr>
@@ -1088,7 +1089,7 @@
       </p:grpSpPr>
       <p:sp>
         <p:nvSpPr>
-          <p:cNvPr id="121" name="Google Shape;121;p10:notes"/>
+          <p:cNvPr id="120" name="Google Shape;120;p9:notes"/>
           <p:cNvSpPr/>
           <p:nvPr>
             <p:ph idx="2" type="sldImg"/>
@@ -1133,7 +1134,7 @@
       </p:sp>
       <p:sp>
         <p:nvSpPr>
-          <p:cNvPr id="122" name="Google Shape;122;p10:notes"/>
+          <p:cNvPr id="121" name="Google Shape;121;p9:notes"/>
           <p:cNvSpPr txBox="1"/>
           <p:nvPr>
             <p:ph idx="1" type="body"/>
@@ -1191,7 +1192,7 @@
   <p:cSld>
     <p:spTree>
       <p:nvGrpSpPr>
-        <p:cNvPr id="127" name="Shape 127"/>
+        <p:cNvPr id="126" name="Shape 126"/>
         <p:cNvGrpSpPr/>
         <p:nvPr/>
       </p:nvGrpSpPr>
@@ -1205,7 +1206,7 @@
       </p:grpSpPr>
       <p:sp>
         <p:nvSpPr>
-          <p:cNvPr id="128" name="Google Shape;128;gf406581537_0_0:notes"/>
+          <p:cNvPr id="127" name="Google Shape;127;p10:notes"/>
           <p:cNvSpPr/>
           <p:nvPr>
             <p:ph idx="2" type="sldImg"/>
@@ -1236,11 +1237,21 @@
               </a:path>
             </a:pathLst>
           </a:custGeom>
+          <a:noFill/>
+          <a:ln cap="flat" cmpd="sng" w="9525">
+            <a:solidFill>
+              <a:srgbClr val="000000"/>
+            </a:solidFill>
+            <a:prstDash val="solid"/>
+            <a:round/>
+            <a:headEnd len="sm" w="sm" type="none"/>
+            <a:tailEnd len="sm" w="sm" type="none"/>
+          </a:ln>
         </p:spPr>
       </p:sp>
       <p:sp>
         <p:nvSpPr>
-          <p:cNvPr id="129" name="Google Shape;129;gf406581537_0_0:notes"/>
+          <p:cNvPr id="128" name="Google Shape;128;p10:notes"/>
           <p:cNvSpPr txBox="1"/>
           <p:nvPr>
             <p:ph idx="1" type="body"/>
@@ -1254,6 +1265,10 @@
           <a:prstGeom prst="rect">
             <a:avLst/>
           </a:prstGeom>
+          <a:noFill/>
+          <a:ln>
+            <a:noFill/>
+          </a:ln>
         </p:spPr>
         <p:txBody>
           <a:bodyPr anchorCtr="0" anchor="t" bIns="91425" lIns="91425" spcFirstLastPara="1" rIns="91425" wrap="square" tIns="91425">
@@ -1262,12 +1277,133 @@
           <a:lstStyle/>
           <a:p>
             <a:pPr indent="0" lvl="0" marL="0" rtl="0" algn="l">
-              <a:spcBef>
-                <a:spcPts val="0"/>
-              </a:spcBef>
-              <a:spcAft>
-                <a:spcPts val="0"/>
-              </a:spcAft>
+              <a:lnSpc>
+                <a:spcPct val="100000"/>
+              </a:lnSpc>
+              <a:spcBef>
+                <a:spcPts val="0"/>
+              </a:spcBef>
+              <a:spcAft>
+                <a:spcPts val="0"/>
+              </a:spcAft>
+              <a:buSzPts val="1100"/>
+              <a:buNone/>
+            </a:pPr>
+            <a:r>
+              <a:t/>
+            </a:r>
+            <a:endParaRPr/>
+          </a:p>
+        </p:txBody>
+      </p:sp>
+    </p:spTree>
+  </p:cSld>
+  <p:clrMapOvr>
+    <a:masterClrMapping/>
+  </p:clrMapOvr>
+</p:notes>
+</file>
+
+<file path=ppt/notesSlides/notesSlide13.xml><?xml version="1.0" encoding="utf-8"?>
+<p:notes xmlns:a="http://schemas.openxmlformats.org/drawingml/2006/main" xmlns:r="http://schemas.openxmlformats.org/officeDocument/2006/relationships" xmlns:mc="http://schemas.openxmlformats.org/markup-compatibility/2006" xmlns:mv="urn:schemas-microsoft-com:mac:vml" xmlns:p="http://schemas.openxmlformats.org/presentationml/2006/main" xmlns:c="http://schemas.openxmlformats.org/drawingml/2006/chart" xmlns:dgm="http://schemas.openxmlformats.org/drawingml/2006/diagram" xmlns:o="urn:schemas-microsoft-com:office:office" xmlns:v="urn:schemas-microsoft-com:vml" xmlns:pvml="urn:schemas-microsoft-com:office:powerpoint" xmlns:com="http://schemas.openxmlformats.org/drawingml/2006/compatibility" xmlns:p14="http://schemas.microsoft.com/office/powerpoint/2010/main" xmlns:p15="http://schemas.microsoft.com/office/powerpoint/2012/main" xmlns:ahyp="http://schemas.microsoft.com/office/drawing/2018/hyperlinkcolor" showMasterPhAnim="0" showMasterSp="0">
+  <p:cSld>
+    <p:spTree>
+      <p:nvGrpSpPr>
+        <p:cNvPr id="133" name="Shape 133"/>
+        <p:cNvGrpSpPr/>
+        <p:nvPr/>
+      </p:nvGrpSpPr>
+      <p:grpSpPr>
+        <a:xfrm>
+          <a:off x="0" y="0"/>
+          <a:ext cx="0" cy="0"/>
+          <a:chOff x="0" y="0"/>
+          <a:chExt cx="0" cy="0"/>
+        </a:xfrm>
+      </p:grpSpPr>
+      <p:sp>
+        <p:nvSpPr>
+          <p:cNvPr id="134" name="Google Shape;134;gf406581537_0_0:notes"/>
+          <p:cNvSpPr/>
+          <p:nvPr>
+            <p:ph idx="2" type="sldImg"/>
+          </p:nvPr>
+        </p:nvSpPr>
+        <p:spPr>
+          <a:xfrm>
+            <a:off x="381300" y="685800"/>
+            <a:ext cx="6096000" cy="3429000"/>
+          </a:xfrm>
+          <a:custGeom>
+            <a:rect b="b" l="l" r="r" t="t"/>
+            <a:pathLst>
+              <a:path extrusionOk="0" h="120000" w="120000">
+                <a:moveTo>
+                  <a:pt x="0" y="0"/>
+                </a:moveTo>
+                <a:lnTo>
+                  <a:pt x="120000" y="0"/>
+                </a:lnTo>
+                <a:lnTo>
+                  <a:pt x="120000" y="120000"/>
+                </a:lnTo>
+                <a:lnTo>
+                  <a:pt x="0" y="120000"/>
+                </a:lnTo>
+                <a:close/>
+              </a:path>
+            </a:pathLst>
+          </a:custGeom>
+          <a:noFill/>
+          <a:ln cap="flat" cmpd="sng" w="9525">
+            <a:solidFill>
+              <a:srgbClr val="000000"/>
+            </a:solidFill>
+            <a:prstDash val="solid"/>
+            <a:round/>
+            <a:headEnd len="sm" w="sm" type="none"/>
+            <a:tailEnd len="sm" w="sm" type="none"/>
+          </a:ln>
+        </p:spPr>
+      </p:sp>
+      <p:sp>
+        <p:nvSpPr>
+          <p:cNvPr id="135" name="Google Shape;135;gf406581537_0_0:notes"/>
+          <p:cNvSpPr txBox="1"/>
+          <p:nvPr>
+            <p:ph idx="1" type="body"/>
+          </p:nvPr>
+        </p:nvSpPr>
+        <p:spPr>
+          <a:xfrm>
+            <a:off x="685800" y="4343400"/>
+            <a:ext cx="5486400" cy="4114800"/>
+          </a:xfrm>
+          <a:prstGeom prst="rect">
+            <a:avLst/>
+          </a:prstGeom>
+          <a:noFill/>
+          <a:ln>
+            <a:noFill/>
+          </a:ln>
+        </p:spPr>
+        <p:txBody>
+          <a:bodyPr anchorCtr="0" anchor="t" bIns="91425" lIns="91425" spcFirstLastPara="1" rIns="91425" wrap="square" tIns="91425">
+            <a:noAutofit/>
+          </a:bodyPr>
+          <a:lstStyle/>
+          <a:p>
+            <a:pPr indent="0" lvl="0" marL="0" rtl="0" algn="l">
+              <a:lnSpc>
+                <a:spcPct val="100000"/>
+              </a:lnSpc>
+              <a:spcBef>
+                <a:spcPts val="0"/>
+              </a:spcBef>
+              <a:spcAft>
+                <a:spcPts val="0"/>
+              </a:spcAft>
+              <a:buSzPts val="1100"/>
               <a:buNone/>
             </a:pPr>
             <a:r>
@@ -1421,7 +1557,106 @@
       </p:grpSpPr>
       <p:sp>
         <p:nvSpPr>
-          <p:cNvPr id="64" name="Google Shape;64;gf406581537_0_13:notes"/>
+          <p:cNvPr id="64" name="Google Shape;64;gf406581537_0_22:notes"/>
+          <p:cNvSpPr/>
+          <p:nvPr>
+            <p:ph idx="2" type="sldImg"/>
+          </p:nvPr>
+        </p:nvSpPr>
+        <p:spPr>
+          <a:xfrm>
+            <a:off x="381300" y="685800"/>
+            <a:ext cx="6096000" cy="3429000"/>
+          </a:xfrm>
+          <a:custGeom>
+            <a:rect b="b" l="l" r="r" t="t"/>
+            <a:pathLst>
+              <a:path extrusionOk="0" h="120000" w="120000">
+                <a:moveTo>
+                  <a:pt x="0" y="0"/>
+                </a:moveTo>
+                <a:lnTo>
+                  <a:pt x="120000" y="0"/>
+                </a:lnTo>
+                <a:lnTo>
+                  <a:pt x="120000" y="120000"/>
+                </a:lnTo>
+                <a:lnTo>
+                  <a:pt x="0" y="120000"/>
+                </a:lnTo>
+                <a:close/>
+              </a:path>
+            </a:pathLst>
+          </a:custGeom>
+        </p:spPr>
+      </p:sp>
+      <p:sp>
+        <p:nvSpPr>
+          <p:cNvPr id="65" name="Google Shape;65;gf406581537_0_22:notes"/>
+          <p:cNvSpPr txBox="1"/>
+          <p:nvPr>
+            <p:ph idx="1" type="body"/>
+          </p:nvPr>
+        </p:nvSpPr>
+        <p:spPr>
+          <a:xfrm>
+            <a:off x="685800" y="4343400"/>
+            <a:ext cx="5486400" cy="4114800"/>
+          </a:xfrm>
+          <a:prstGeom prst="rect">
+            <a:avLst/>
+          </a:prstGeom>
+        </p:spPr>
+        <p:txBody>
+          <a:bodyPr anchorCtr="0" anchor="t" bIns="91425" lIns="91425" spcFirstLastPara="1" rIns="91425" wrap="square" tIns="91425">
+            <a:noAutofit/>
+          </a:bodyPr>
+          <a:lstStyle/>
+          <a:p>
+            <a:pPr indent="0" lvl="0" marL="0" rtl="0" algn="l">
+              <a:spcBef>
+                <a:spcPts val="0"/>
+              </a:spcBef>
+              <a:spcAft>
+                <a:spcPts val="0"/>
+              </a:spcAft>
+              <a:buNone/>
+            </a:pPr>
+            <a:r>
+              <a:t/>
+            </a:r>
+            <a:endParaRPr/>
+          </a:p>
+        </p:txBody>
+      </p:sp>
+    </p:spTree>
+  </p:cSld>
+  <p:clrMapOvr>
+    <a:masterClrMapping/>
+  </p:clrMapOvr>
+</p:notes>
+</file>
+
+<file path=ppt/notesSlides/notesSlide4.xml><?xml version="1.0" encoding="utf-8"?>
+<p:notes xmlns:a="http://schemas.openxmlformats.org/drawingml/2006/main" xmlns:r="http://schemas.openxmlformats.org/officeDocument/2006/relationships" xmlns:mc="http://schemas.openxmlformats.org/markup-compatibility/2006" xmlns:mv="urn:schemas-microsoft-com:mac:vml" xmlns:p="http://schemas.openxmlformats.org/presentationml/2006/main" xmlns:c="http://schemas.openxmlformats.org/drawingml/2006/chart" xmlns:dgm="http://schemas.openxmlformats.org/drawingml/2006/diagram" xmlns:o="urn:schemas-microsoft-com:office:office" xmlns:v="urn:schemas-microsoft-com:vml" xmlns:pvml="urn:schemas-microsoft-com:office:powerpoint" xmlns:com="http://schemas.openxmlformats.org/drawingml/2006/compatibility" xmlns:p14="http://schemas.microsoft.com/office/powerpoint/2010/main" xmlns:p15="http://schemas.microsoft.com/office/powerpoint/2012/main" xmlns:ahyp="http://schemas.microsoft.com/office/drawing/2018/hyperlinkcolor" showMasterPhAnim="0" showMasterSp="0">
+  <p:cSld>
+    <p:spTree>
+      <p:nvGrpSpPr>
+        <p:cNvPr id="69" name="Shape 69"/>
+        <p:cNvGrpSpPr/>
+        <p:nvPr/>
+      </p:nvGrpSpPr>
+      <p:grpSpPr>
+        <a:xfrm>
+          <a:off x="0" y="0"/>
+          <a:ext cx="0" cy="0"/>
+          <a:chOff x="0" y="0"/>
+          <a:chExt cx="0" cy="0"/>
+        </a:xfrm>
+      </p:grpSpPr>
+      <p:sp>
+        <p:nvSpPr>
+          <p:cNvPr id="70" name="Google Shape;70;gf406581537_0_13:notes"/>
           <p:cNvSpPr/>
           <p:nvPr>
             <p:ph idx="2" type="sldImg"/>
@@ -1466,7 +1701,7 @@
       </p:sp>
       <p:sp>
         <p:nvSpPr>
-          <p:cNvPr id="65" name="Google Shape;65;gf406581537_0_13:notes"/>
+          <p:cNvPr id="71" name="Google Shape;71;gf406581537_0_13:notes"/>
           <p:cNvSpPr txBox="1"/>
           <p:nvPr>
             <p:ph idx="1" type="body"/>
@@ -1519,12 +1754,12 @@
 </p:notes>
 </file>
 
-<file path=ppt/notesSlides/notesSlide4.xml><?xml version="1.0" encoding="utf-8"?>
+<file path=ppt/notesSlides/notesSlide5.xml><?xml version="1.0" encoding="utf-8"?>
 <p:notes xmlns:a="http://schemas.openxmlformats.org/drawingml/2006/main" xmlns:r="http://schemas.openxmlformats.org/officeDocument/2006/relationships" xmlns:mc="http://schemas.openxmlformats.org/markup-compatibility/2006" xmlns:mv="urn:schemas-microsoft-com:mac:vml" xmlns:p="http://schemas.openxmlformats.org/presentationml/2006/main" xmlns:c="http://schemas.openxmlformats.org/drawingml/2006/chart" xmlns:dgm="http://schemas.openxmlformats.org/drawingml/2006/diagram" xmlns:o="urn:schemas-microsoft-com:office:office" xmlns:v="urn:schemas-microsoft-com:vml" xmlns:pvml="urn:schemas-microsoft-com:office:powerpoint" xmlns:com="http://schemas.openxmlformats.org/drawingml/2006/compatibility" xmlns:p14="http://schemas.microsoft.com/office/powerpoint/2010/main" xmlns:p15="http://schemas.microsoft.com/office/powerpoint/2012/main" xmlns:ahyp="http://schemas.microsoft.com/office/drawing/2018/hyperlinkcolor" showMasterPhAnim="0" showMasterSp="0">
   <p:cSld>
     <p:spTree>
       <p:nvGrpSpPr>
-        <p:cNvPr id="70" name="Shape 70"/>
+        <p:cNvPr id="76" name="Shape 76"/>
         <p:cNvGrpSpPr/>
         <p:nvPr/>
       </p:nvGrpSpPr>
@@ -1538,7 +1773,7 @@
       </p:grpSpPr>
       <p:sp>
         <p:nvSpPr>
-          <p:cNvPr id="71" name="Google Shape;71;p3:notes"/>
+          <p:cNvPr id="77" name="Google Shape;77;p3:notes"/>
           <p:cNvSpPr/>
           <p:nvPr>
             <p:ph idx="2" type="sldImg"/>
@@ -1583,7 +1818,7 @@
       </p:sp>
       <p:sp>
         <p:nvSpPr>
-          <p:cNvPr id="72" name="Google Shape;72;p3:notes"/>
+          <p:cNvPr id="78" name="Google Shape;78;p3:notes"/>
           <p:cNvSpPr txBox="1"/>
           <p:nvPr>
             <p:ph idx="1" type="body"/>
@@ -1636,12 +1871,12 @@
 </p:notes>
 </file>
 
-<file path=ppt/notesSlides/notesSlide5.xml><?xml version="1.0" encoding="utf-8"?>
+<file path=ppt/notesSlides/notesSlide6.xml><?xml version="1.0" encoding="utf-8"?>
 <p:notes xmlns:a="http://schemas.openxmlformats.org/drawingml/2006/main" xmlns:r="http://schemas.openxmlformats.org/officeDocument/2006/relationships" xmlns:mc="http://schemas.openxmlformats.org/markup-compatibility/2006" xmlns:mv="urn:schemas-microsoft-com:mac:vml" xmlns:p="http://schemas.openxmlformats.org/presentationml/2006/main" xmlns:c="http://schemas.openxmlformats.org/drawingml/2006/chart" xmlns:dgm="http://schemas.openxmlformats.org/drawingml/2006/diagram" xmlns:o="urn:schemas-microsoft-com:office:office" xmlns:v="urn:schemas-microsoft-com:vml" xmlns:pvml="urn:schemas-microsoft-com:office:powerpoint" xmlns:com="http://schemas.openxmlformats.org/drawingml/2006/compatibility" xmlns:p14="http://schemas.microsoft.com/office/powerpoint/2010/main" xmlns:p15="http://schemas.microsoft.com/office/powerpoint/2012/main" xmlns:ahyp="http://schemas.microsoft.com/office/drawing/2018/hyperlinkcolor" showMasterPhAnim="0" showMasterSp="0">
   <p:cSld>
     <p:spTree>
       <p:nvGrpSpPr>
-        <p:cNvPr id="77" name="Shape 77"/>
+        <p:cNvPr id="83" name="Shape 83"/>
         <p:cNvGrpSpPr/>
         <p:nvPr/>
       </p:nvGrpSpPr>
@@ -1655,7 +1890,7 @@
       </p:grpSpPr>
       <p:sp>
         <p:nvSpPr>
-          <p:cNvPr id="78" name="Google Shape;78;p4:notes"/>
+          <p:cNvPr id="84" name="Google Shape;84;p4:notes"/>
           <p:cNvSpPr/>
           <p:nvPr>
             <p:ph idx="2" type="sldImg"/>
@@ -1700,7 +1935,7 @@
       </p:sp>
       <p:sp>
         <p:nvSpPr>
-          <p:cNvPr id="79" name="Google Shape;79;p4:notes"/>
+          <p:cNvPr id="85" name="Google Shape;85;p4:notes"/>
           <p:cNvSpPr txBox="1"/>
           <p:nvPr>
             <p:ph idx="1" type="body"/>
@@ -1753,12 +1988,12 @@
 </p:notes>
 </file>
 
-<file path=ppt/notesSlides/notesSlide6.xml><?xml version="1.0" encoding="utf-8"?>
+<file path=ppt/notesSlides/notesSlide7.xml><?xml version="1.0" encoding="utf-8"?>
 <p:notes xmlns:a="http://schemas.openxmlformats.org/drawingml/2006/main" xmlns:r="http://schemas.openxmlformats.org/officeDocument/2006/relationships" xmlns:mc="http://schemas.openxmlformats.org/markup-compatibility/2006" xmlns:mv="urn:schemas-microsoft-com:mac:vml" xmlns:p="http://schemas.openxmlformats.org/presentationml/2006/main" xmlns:c="http://schemas.openxmlformats.org/drawingml/2006/chart" xmlns:dgm="http://schemas.openxmlformats.org/drawingml/2006/diagram" xmlns:o="urn:schemas-microsoft-com:office:office" xmlns:v="urn:schemas-microsoft-com:vml" xmlns:pvml="urn:schemas-microsoft-com:office:powerpoint" xmlns:com="http://schemas.openxmlformats.org/drawingml/2006/compatibility" xmlns:p14="http://schemas.microsoft.com/office/powerpoint/2010/main" xmlns:p15="http://schemas.microsoft.com/office/powerpoint/2012/main" xmlns:ahyp="http://schemas.microsoft.com/office/drawing/2018/hyperlinkcolor" showMasterPhAnim="0" showMasterSp="0">
   <p:cSld>
     <p:spTree>
       <p:nvGrpSpPr>
-        <p:cNvPr id="84" name="Shape 84"/>
+        <p:cNvPr id="90" name="Shape 90"/>
         <p:cNvGrpSpPr/>
         <p:nvPr/>
       </p:nvGrpSpPr>
@@ -1772,7 +2007,7 @@
       </p:grpSpPr>
       <p:sp>
         <p:nvSpPr>
-          <p:cNvPr id="85" name="Google Shape;85;p5:notes"/>
+          <p:cNvPr id="91" name="Google Shape;91;p5:notes"/>
           <p:cNvSpPr/>
           <p:nvPr>
             <p:ph idx="2" type="sldImg"/>
@@ -1817,7 +2052,7 @@
       </p:sp>
       <p:sp>
         <p:nvSpPr>
-          <p:cNvPr id="86" name="Google Shape;86;p5:notes"/>
+          <p:cNvPr id="92" name="Google Shape;92;p5:notes"/>
           <p:cNvSpPr txBox="1"/>
           <p:nvPr>
             <p:ph idx="1" type="body"/>
@@ -1870,12 +2105,12 @@
 </p:notes>
 </file>
 
-<file path=ppt/notesSlides/notesSlide7.xml><?xml version="1.0" encoding="utf-8"?>
+<file path=ppt/notesSlides/notesSlide8.xml><?xml version="1.0" encoding="utf-8"?>
 <p:notes xmlns:a="http://schemas.openxmlformats.org/drawingml/2006/main" xmlns:r="http://schemas.openxmlformats.org/officeDocument/2006/relationships" xmlns:mc="http://schemas.openxmlformats.org/markup-compatibility/2006" xmlns:mv="urn:schemas-microsoft-com:mac:vml" xmlns:p="http://schemas.openxmlformats.org/presentationml/2006/main" xmlns:c="http://schemas.openxmlformats.org/drawingml/2006/chart" xmlns:dgm="http://schemas.openxmlformats.org/drawingml/2006/diagram" xmlns:o="urn:schemas-microsoft-com:office:office" xmlns:v="urn:schemas-microsoft-com:vml" xmlns:pvml="urn:schemas-microsoft-com:office:powerpoint" xmlns:com="http://schemas.openxmlformats.org/drawingml/2006/compatibility" xmlns:p14="http://schemas.microsoft.com/office/powerpoint/2010/main" xmlns:p15="http://schemas.microsoft.com/office/powerpoint/2012/main" xmlns:ahyp="http://schemas.microsoft.com/office/drawing/2018/hyperlinkcolor" showMasterPhAnim="0" showMasterSp="0">
   <p:cSld>
     <p:spTree>
       <p:nvGrpSpPr>
-        <p:cNvPr id="91" name="Shape 91"/>
+        <p:cNvPr id="97" name="Shape 97"/>
         <p:cNvGrpSpPr/>
         <p:nvPr/>
       </p:nvGrpSpPr>
@@ -1889,7 +2124,7 @@
       </p:grpSpPr>
       <p:sp>
         <p:nvSpPr>
-          <p:cNvPr id="92" name="Google Shape;92;p6:notes"/>
+          <p:cNvPr id="98" name="Google Shape;98;p6:notes"/>
           <p:cNvSpPr/>
           <p:nvPr>
             <p:ph idx="2" type="sldImg"/>
@@ -1934,7 +2169,7 @@
       </p:sp>
       <p:sp>
         <p:nvSpPr>
-          <p:cNvPr id="93" name="Google Shape;93;p6:notes"/>
+          <p:cNvPr id="99" name="Google Shape;99;p6:notes"/>
           <p:cNvSpPr txBox="1"/>
           <p:nvPr>
             <p:ph idx="1" type="body"/>
@@ -1987,12 +2222,12 @@
 </p:notes>
 </file>
 
-<file path=ppt/notesSlides/notesSlide8.xml><?xml version="1.0" encoding="utf-8"?>
+<file path=ppt/notesSlides/notesSlide9.xml><?xml version="1.0" encoding="utf-8"?>
 <p:notes xmlns:a="http://schemas.openxmlformats.org/drawingml/2006/main" xmlns:r="http://schemas.openxmlformats.org/officeDocument/2006/relationships" xmlns:mc="http://schemas.openxmlformats.org/markup-compatibility/2006" xmlns:mv="urn:schemas-microsoft-com:mac:vml" xmlns:p="http://schemas.openxmlformats.org/presentationml/2006/main" xmlns:c="http://schemas.openxmlformats.org/drawingml/2006/chart" xmlns:dgm="http://schemas.openxmlformats.org/drawingml/2006/diagram" xmlns:o="urn:schemas-microsoft-com:office:office" xmlns:v="urn:schemas-microsoft-com:vml" xmlns:pvml="urn:schemas-microsoft-com:office:powerpoint" xmlns:com="http://schemas.openxmlformats.org/drawingml/2006/compatibility" xmlns:p14="http://schemas.microsoft.com/office/powerpoint/2010/main" xmlns:p15="http://schemas.microsoft.com/office/powerpoint/2012/main" xmlns:ahyp="http://schemas.microsoft.com/office/drawing/2018/hyperlinkcolor" showMasterPhAnim="0" showMasterSp="0">
   <p:cSld>
     <p:spTree>
       <p:nvGrpSpPr>
-        <p:cNvPr id="98" name="Shape 98"/>
+        <p:cNvPr id="104" name="Shape 104"/>
         <p:cNvGrpSpPr/>
         <p:nvPr/>
       </p:nvGrpSpPr>
@@ -2006,7 +2241,7 @@
       </p:grpSpPr>
       <p:sp>
         <p:nvSpPr>
-          <p:cNvPr id="99" name="Google Shape;99;p7:notes"/>
+          <p:cNvPr id="105" name="Google Shape;105;p7:notes"/>
           <p:cNvSpPr/>
           <p:nvPr>
             <p:ph idx="2" type="sldImg"/>
@@ -2051,124 +2286,7 @@
       </p:sp>
       <p:sp>
         <p:nvSpPr>
-          <p:cNvPr id="100" name="Google Shape;100;p7:notes"/>
-          <p:cNvSpPr txBox="1"/>
-          <p:nvPr>
-            <p:ph idx="1" type="body"/>
-          </p:nvPr>
-        </p:nvSpPr>
-        <p:spPr>
-          <a:xfrm>
-            <a:off x="685800" y="4343400"/>
-            <a:ext cx="5486400" cy="4114800"/>
-          </a:xfrm>
-          <a:prstGeom prst="rect">
-            <a:avLst/>
-          </a:prstGeom>
-          <a:noFill/>
-          <a:ln>
-            <a:noFill/>
-          </a:ln>
-        </p:spPr>
-        <p:txBody>
-          <a:bodyPr anchorCtr="0" anchor="t" bIns="91425" lIns="91425" spcFirstLastPara="1" rIns="91425" wrap="square" tIns="91425">
-            <a:noAutofit/>
-          </a:bodyPr>
-          <a:lstStyle/>
-          <a:p>
-            <a:pPr indent="0" lvl="0" marL="0" rtl="0" algn="l">
-              <a:lnSpc>
-                <a:spcPct val="100000"/>
-              </a:lnSpc>
-              <a:spcBef>
-                <a:spcPts val="0"/>
-              </a:spcBef>
-              <a:spcAft>
-                <a:spcPts val="0"/>
-              </a:spcAft>
-              <a:buSzPts val="1100"/>
-              <a:buNone/>
-            </a:pPr>
-            <a:r>
-              <a:t/>
-            </a:r>
-            <a:endParaRPr/>
-          </a:p>
-        </p:txBody>
-      </p:sp>
-    </p:spTree>
-  </p:cSld>
-  <p:clrMapOvr>
-    <a:masterClrMapping/>
-  </p:clrMapOvr>
-</p:notes>
-</file>
-
-<file path=ppt/notesSlides/notesSlide9.xml><?xml version="1.0" encoding="utf-8"?>
-<p:notes xmlns:a="http://schemas.openxmlformats.org/drawingml/2006/main" xmlns:r="http://schemas.openxmlformats.org/officeDocument/2006/relationships" xmlns:mc="http://schemas.openxmlformats.org/markup-compatibility/2006" xmlns:mv="urn:schemas-microsoft-com:mac:vml" xmlns:p="http://schemas.openxmlformats.org/presentationml/2006/main" xmlns:c="http://schemas.openxmlformats.org/drawingml/2006/chart" xmlns:dgm="http://schemas.openxmlformats.org/drawingml/2006/diagram" xmlns:o="urn:schemas-microsoft-com:office:office" xmlns:v="urn:schemas-microsoft-com:vml" xmlns:pvml="urn:schemas-microsoft-com:office:powerpoint" xmlns:com="http://schemas.openxmlformats.org/drawingml/2006/compatibility" xmlns:p14="http://schemas.microsoft.com/office/powerpoint/2010/main" xmlns:p15="http://schemas.microsoft.com/office/powerpoint/2012/main" xmlns:ahyp="http://schemas.microsoft.com/office/drawing/2018/hyperlinkcolor" showMasterPhAnim="0" showMasterSp="0">
-  <p:cSld>
-    <p:spTree>
-      <p:nvGrpSpPr>
-        <p:cNvPr id="105" name="Shape 105"/>
-        <p:cNvGrpSpPr/>
-        <p:nvPr/>
-      </p:nvGrpSpPr>
-      <p:grpSpPr>
-        <a:xfrm>
-          <a:off x="0" y="0"/>
-          <a:ext cx="0" cy="0"/>
-          <a:chOff x="0" y="0"/>
-          <a:chExt cx="0" cy="0"/>
-        </a:xfrm>
-      </p:grpSpPr>
-      <p:sp>
-        <p:nvSpPr>
-          <p:cNvPr id="106" name="Google Shape;106;p8:notes"/>
-          <p:cNvSpPr/>
-          <p:nvPr>
-            <p:ph idx="2" type="sldImg"/>
-          </p:nvPr>
-        </p:nvSpPr>
-        <p:spPr>
-          <a:xfrm>
-            <a:off x="381300" y="685800"/>
-            <a:ext cx="6096000" cy="3429000"/>
-          </a:xfrm>
-          <a:custGeom>
-            <a:rect b="b" l="l" r="r" t="t"/>
-            <a:pathLst>
-              <a:path extrusionOk="0" h="120000" w="120000">
-                <a:moveTo>
-                  <a:pt x="0" y="0"/>
-                </a:moveTo>
-                <a:lnTo>
-                  <a:pt x="120000" y="0"/>
-                </a:lnTo>
-                <a:lnTo>
-                  <a:pt x="120000" y="120000"/>
-                </a:lnTo>
-                <a:lnTo>
-                  <a:pt x="0" y="120000"/>
-                </a:lnTo>
-                <a:close/>
-              </a:path>
-            </a:pathLst>
-          </a:custGeom>
-          <a:noFill/>
-          <a:ln cap="flat" cmpd="sng" w="9525">
-            <a:solidFill>
-              <a:srgbClr val="000000"/>
-            </a:solidFill>
-            <a:prstDash val="solid"/>
-            <a:round/>
-            <a:headEnd len="sm" w="sm" type="none"/>
-            <a:tailEnd len="sm" w="sm" type="none"/>
-          </a:ln>
-        </p:spPr>
-      </p:sp>
-      <p:sp>
-        <p:nvSpPr>
-          <p:cNvPr id="107" name="Google Shape;107;p8:notes"/>
+          <p:cNvPr id="106" name="Google Shape;106;p7:notes"/>
           <p:cNvSpPr txBox="1"/>
           <p:nvPr>
             <p:ph idx="1" type="body"/>
@@ -9990,7 +10108,7 @@
   <p:cSld>
     <p:spTree>
       <p:nvGrpSpPr>
-        <p:cNvPr id="116" name="Shape 116"/>
+        <p:cNvPr id="114" name="Shape 114"/>
         <p:cNvGrpSpPr/>
         <p:nvPr/>
       </p:nvGrpSpPr>
@@ -10004,7 +10122,7 @@
       </p:grpSpPr>
       <p:sp>
         <p:nvSpPr>
-          <p:cNvPr id="117" name="Google Shape;117;p9"/>
+          <p:cNvPr id="115" name="Google Shape;115;p8"/>
           <p:cNvSpPr txBox="1"/>
           <p:nvPr>
             <p:ph type="title"/>
@@ -10044,7 +10162,7 @@
             </a:pPr>
             <a:r>
               <a:rPr lang="es"/>
-              <a:t>KeyCloak para el acceso</a:t>
+              <a:t>BITBUCKET y repositorios.</a:t>
             </a:r>
             <a:endParaRPr/>
           </a:p>
@@ -10052,7 +10170,7 @@
       </p:sp>
       <p:sp>
         <p:nvSpPr>
-          <p:cNvPr id="118" name="Google Shape;118;p9"/>
+          <p:cNvPr id="116" name="Google Shape;116;p8"/>
           <p:cNvSpPr txBox="1"/>
           <p:nvPr>
             <p:ph idx="1" type="body"/>
@@ -10092,6 +10210,181 @@
             </a:pPr>
             <a:r>
               <a:rPr lang="es"/>
+              <a:t>Usamos BITBUCKET con repositorios GIT utilizando SOURCETREE para la gestión del código.</a:t>
+            </a:r>
+            <a:endParaRPr/>
+          </a:p>
+        </p:txBody>
+      </p:sp>
+      <p:pic>
+        <p:nvPicPr>
+          <p:cNvPr id="117" name="Google Shape;117;p8"/>
+          <p:cNvPicPr preferRelativeResize="0"/>
+          <p:nvPr/>
+        </p:nvPicPr>
+        <p:blipFill rotWithShape="1">
+          <a:blip r:embed="rId3">
+            <a:alphaModFix/>
+          </a:blip>
+          <a:srcRect b="0" l="0" r="0" t="0"/>
+          <a:stretch/>
+        </p:blipFill>
+        <p:spPr>
+          <a:xfrm>
+            <a:off x="1634163" y="2166463"/>
+            <a:ext cx="2619375" cy="1743075"/>
+          </a:xfrm>
+          <a:prstGeom prst="rect">
+            <a:avLst/>
+          </a:prstGeom>
+          <a:noFill/>
+          <a:ln>
+            <a:noFill/>
+          </a:ln>
+        </p:spPr>
+      </p:pic>
+      <p:pic>
+        <p:nvPicPr>
+          <p:cNvPr id="118" name="Google Shape;118;p8"/>
+          <p:cNvPicPr preferRelativeResize="0"/>
+          <p:nvPr/>
+        </p:nvPicPr>
+        <p:blipFill rotWithShape="1">
+          <a:blip r:embed="rId4">
+            <a:alphaModFix/>
+          </a:blip>
+          <a:srcRect b="0" l="0" r="0" t="0"/>
+          <a:stretch/>
+        </p:blipFill>
+        <p:spPr>
+          <a:xfrm>
+            <a:off x="5039875" y="2449573"/>
+            <a:ext cx="2988050" cy="1176875"/>
+          </a:xfrm>
+          <a:prstGeom prst="rect">
+            <a:avLst/>
+          </a:prstGeom>
+          <a:noFill/>
+          <a:ln>
+            <a:noFill/>
+          </a:ln>
+        </p:spPr>
+      </p:pic>
+    </p:spTree>
+  </p:cSld>
+  <p:clrMapOvr>
+    <a:masterClrMapping/>
+  </p:clrMapOvr>
+</p:sld>
+</file>
+
+<file path=ppt/slides/slide11.xml><?xml version="1.0" encoding="utf-8"?>
+<p:sld xmlns:a="http://schemas.openxmlformats.org/drawingml/2006/main" xmlns:r="http://schemas.openxmlformats.org/officeDocument/2006/relationships" xmlns:mc="http://schemas.openxmlformats.org/markup-compatibility/2006" xmlns:mv="urn:schemas-microsoft-com:mac:vml" xmlns:p="http://schemas.openxmlformats.org/presentationml/2006/main" xmlns:c="http://schemas.openxmlformats.org/drawingml/2006/chart" xmlns:dgm="http://schemas.openxmlformats.org/drawingml/2006/diagram" xmlns:o="urn:schemas-microsoft-com:office:office" xmlns:v="urn:schemas-microsoft-com:vml" xmlns:pvml="urn:schemas-microsoft-com:office:powerpoint" xmlns:com="http://schemas.openxmlformats.org/drawingml/2006/compatibility" xmlns:p14="http://schemas.microsoft.com/office/powerpoint/2010/main" xmlns:p15="http://schemas.microsoft.com/office/powerpoint/2012/main" xmlns:ahyp="http://schemas.microsoft.com/office/drawing/2018/hyperlinkcolor">
+  <p:cSld>
+    <p:spTree>
+      <p:nvGrpSpPr>
+        <p:cNvPr id="122" name="Shape 122"/>
+        <p:cNvGrpSpPr/>
+        <p:nvPr/>
+      </p:nvGrpSpPr>
+      <p:grpSpPr>
+        <a:xfrm>
+          <a:off x="0" y="0"/>
+          <a:ext cx="0" cy="0"/>
+          <a:chOff x="0" y="0"/>
+          <a:chExt cx="0" cy="0"/>
+        </a:xfrm>
+      </p:grpSpPr>
+      <p:sp>
+        <p:nvSpPr>
+          <p:cNvPr id="123" name="Google Shape;123;p9"/>
+          <p:cNvSpPr txBox="1"/>
+          <p:nvPr>
+            <p:ph type="title"/>
+          </p:nvPr>
+        </p:nvSpPr>
+        <p:spPr>
+          <a:xfrm>
+            <a:off x="311700" y="445025"/>
+            <a:ext cx="8520600" cy="572700"/>
+          </a:xfrm>
+          <a:prstGeom prst="rect">
+            <a:avLst/>
+          </a:prstGeom>
+          <a:noFill/>
+          <a:ln>
+            <a:noFill/>
+          </a:ln>
+        </p:spPr>
+        <p:txBody>
+          <a:bodyPr anchorCtr="0" anchor="t" bIns="91425" lIns="91425" spcFirstLastPara="1" rIns="91425" wrap="square" tIns="91425">
+            <a:normAutofit fontScale="90000"/>
+          </a:bodyPr>
+          <a:lstStyle/>
+          <a:p>
+            <a:pPr indent="0" lvl="0" marL="0" rtl="0" algn="ctr">
+              <a:lnSpc>
+                <a:spcPct val="100000"/>
+              </a:lnSpc>
+              <a:spcBef>
+                <a:spcPts val="0"/>
+              </a:spcBef>
+              <a:spcAft>
+                <a:spcPts val="0"/>
+              </a:spcAft>
+              <a:buSzPct val="111111"/>
+              <a:buNone/>
+            </a:pPr>
+            <a:r>
+              <a:rPr lang="es"/>
+              <a:t>KeyCloak para el acceso</a:t>
+            </a:r>
+            <a:endParaRPr/>
+          </a:p>
+        </p:txBody>
+      </p:sp>
+      <p:sp>
+        <p:nvSpPr>
+          <p:cNvPr id="124" name="Google Shape;124;p9"/>
+          <p:cNvSpPr txBox="1"/>
+          <p:nvPr>
+            <p:ph idx="1" type="body"/>
+          </p:nvPr>
+        </p:nvSpPr>
+        <p:spPr>
+          <a:xfrm>
+            <a:off x="311700" y="1152475"/>
+            <a:ext cx="8520600" cy="3416400"/>
+          </a:xfrm>
+          <a:prstGeom prst="rect">
+            <a:avLst/>
+          </a:prstGeom>
+          <a:noFill/>
+          <a:ln>
+            <a:noFill/>
+          </a:ln>
+        </p:spPr>
+        <p:txBody>
+          <a:bodyPr anchorCtr="0" anchor="t" bIns="91425" lIns="91425" spcFirstLastPara="1" rIns="91425" wrap="square" tIns="91425">
+            <a:normAutofit/>
+          </a:bodyPr>
+          <a:lstStyle/>
+          <a:p>
+            <a:pPr indent="-342900" lvl="0" marL="457200" rtl="0" algn="l">
+              <a:lnSpc>
+                <a:spcPct val="115000"/>
+              </a:lnSpc>
+              <a:spcBef>
+                <a:spcPts val="1200"/>
+              </a:spcBef>
+              <a:spcAft>
+                <a:spcPts val="0"/>
+              </a:spcAft>
+              <a:buSzPts val="1800"/>
+              <a:buChar char="●"/>
+            </a:pPr>
+            <a:r>
+              <a:rPr lang="es"/>
               <a:t>Para securizar el acceso usamos el SSO(Inicio de Sesión Único) de KeyCloak.</a:t>
             </a:r>
             <a:endParaRPr sz="1050">
@@ -10123,7 +10416,7 @@
       </p:sp>
       <p:pic>
         <p:nvPicPr>
-          <p:cNvPr id="119" name="Google Shape;119;p9"/>
+          <p:cNvPr id="125" name="Google Shape;125;p9"/>
           <p:cNvPicPr preferRelativeResize="0"/>
           <p:nvPr/>
         </p:nvPicPr>
@@ -10156,12 +10449,12 @@
 </p:sld>
 </file>
 
-<file path=ppt/slides/slide11.xml><?xml version="1.0" encoding="utf-8"?>
+<file path=ppt/slides/slide12.xml><?xml version="1.0" encoding="utf-8"?>
 <p:sld xmlns:a="http://schemas.openxmlformats.org/drawingml/2006/main" xmlns:r="http://schemas.openxmlformats.org/officeDocument/2006/relationships" xmlns:mc="http://schemas.openxmlformats.org/markup-compatibility/2006" xmlns:mv="urn:schemas-microsoft-com:mac:vml" xmlns:p="http://schemas.openxmlformats.org/presentationml/2006/main" xmlns:c="http://schemas.openxmlformats.org/drawingml/2006/chart" xmlns:dgm="http://schemas.openxmlformats.org/drawingml/2006/diagram" xmlns:o="urn:schemas-microsoft-com:office:office" xmlns:v="urn:schemas-microsoft-com:vml" xmlns:pvml="urn:schemas-microsoft-com:office:powerpoint" xmlns:com="http://schemas.openxmlformats.org/drawingml/2006/compatibility" xmlns:p14="http://schemas.microsoft.com/office/powerpoint/2010/main" xmlns:p15="http://schemas.microsoft.com/office/powerpoint/2012/main" xmlns:ahyp="http://schemas.microsoft.com/office/drawing/2018/hyperlinkcolor">
   <p:cSld>
     <p:spTree>
       <p:nvGrpSpPr>
-        <p:cNvPr id="123" name="Shape 123"/>
+        <p:cNvPr id="129" name="Shape 129"/>
         <p:cNvGrpSpPr/>
         <p:nvPr/>
       </p:nvGrpSpPr>
@@ -10175,7 +10468,7 @@
       </p:grpSpPr>
       <p:sp>
         <p:nvSpPr>
-          <p:cNvPr id="124" name="Google Shape;124;p10"/>
+          <p:cNvPr id="130" name="Google Shape;130;p10"/>
           <p:cNvSpPr txBox="1"/>
           <p:nvPr>
             <p:ph type="title"/>
@@ -10223,7 +10516,7 @@
       </p:sp>
       <p:sp>
         <p:nvSpPr>
-          <p:cNvPr id="125" name="Google Shape;125;p10"/>
+          <p:cNvPr id="131" name="Google Shape;131;p10"/>
           <p:cNvSpPr txBox="1"/>
           <p:nvPr>
             <p:ph idx="1" type="body"/>
@@ -10298,7 +10591,7 @@
       </p:sp>
       <p:pic>
         <p:nvPicPr>
-          <p:cNvPr id="126" name="Google Shape;126;p10"/>
+          <p:cNvPr id="132" name="Google Shape;132;p10"/>
           <p:cNvPicPr preferRelativeResize="0"/>
           <p:nvPr/>
         </p:nvPicPr>
@@ -10331,12 +10624,12 @@
 </p:sld>
 </file>
 
-<file path=ppt/slides/slide12.xml><?xml version="1.0" encoding="utf-8"?>
+<file path=ppt/slides/slide13.xml><?xml version="1.0" encoding="utf-8"?>
 <p:sld xmlns:a="http://schemas.openxmlformats.org/drawingml/2006/main" xmlns:r="http://schemas.openxmlformats.org/officeDocument/2006/relationships" xmlns:mc="http://schemas.openxmlformats.org/markup-compatibility/2006" xmlns:mv="urn:schemas-microsoft-com:mac:vml" xmlns:p="http://schemas.openxmlformats.org/presentationml/2006/main" xmlns:c="http://schemas.openxmlformats.org/drawingml/2006/chart" xmlns:dgm="http://schemas.openxmlformats.org/drawingml/2006/diagram" xmlns:o="urn:schemas-microsoft-com:office:office" xmlns:v="urn:schemas-microsoft-com:vml" xmlns:pvml="urn:schemas-microsoft-com:office:powerpoint" xmlns:com="http://schemas.openxmlformats.org/drawingml/2006/compatibility" xmlns:p14="http://schemas.microsoft.com/office/powerpoint/2010/main" xmlns:p15="http://schemas.microsoft.com/office/powerpoint/2012/main" xmlns:ahyp="http://schemas.microsoft.com/office/drawing/2018/hyperlinkcolor">
   <p:cSld>
     <p:spTree>
       <p:nvGrpSpPr>
-        <p:cNvPr id="130" name="Shape 130"/>
+        <p:cNvPr id="136" name="Shape 136"/>
         <p:cNvGrpSpPr/>
         <p:nvPr/>
       </p:nvGrpSpPr>
@@ -10350,7 +10643,7 @@
       </p:grpSpPr>
       <p:sp>
         <p:nvSpPr>
-          <p:cNvPr id="131" name="Google Shape;131;gf406581537_0_0"/>
+          <p:cNvPr id="137" name="Google Shape;137;gf406581537_0_0"/>
           <p:cNvSpPr txBox="1"/>
           <p:nvPr>
             <p:ph type="title"/>
@@ -10364,6 +10657,10 @@
           <a:prstGeom prst="rect">
             <a:avLst/>
           </a:prstGeom>
+          <a:noFill/>
+          <a:ln>
+            <a:noFill/>
+          </a:ln>
         </p:spPr>
         <p:txBody>
           <a:bodyPr anchorCtr="0" anchor="t" bIns="91425" lIns="91425" spcFirstLastPara="1" rIns="91425" wrap="square" tIns="91425">
@@ -10372,12 +10669,16 @@
           <a:lstStyle/>
           <a:p>
             <a:pPr indent="0" lvl="0" marL="0" rtl="0" algn="ctr">
-              <a:spcBef>
-                <a:spcPts val="0"/>
-              </a:spcBef>
-              <a:spcAft>
-                <a:spcPts val="0"/>
-              </a:spcAft>
+              <a:lnSpc>
+                <a:spcPct val="100000"/>
+              </a:lnSpc>
+              <a:spcBef>
+                <a:spcPts val="0"/>
+              </a:spcBef>
+              <a:spcAft>
+                <a:spcPts val="0"/>
+              </a:spcAft>
+              <a:buSzPct val="124444"/>
               <a:buNone/>
             </a:pPr>
             <a:r>
@@ -10390,7 +10691,7 @@
       </p:sp>
       <p:sp>
         <p:nvSpPr>
-          <p:cNvPr id="132" name="Google Shape;132;gf406581537_0_0"/>
+          <p:cNvPr id="138" name="Google Shape;138;gf406581537_0_0"/>
           <p:cNvSpPr txBox="1"/>
           <p:nvPr>
             <p:ph idx="1" type="body"/>
@@ -10404,6 +10705,10 @@
           <a:prstGeom prst="rect">
             <a:avLst/>
           </a:prstGeom>
+          <a:noFill/>
+          <a:ln>
+            <a:noFill/>
+          </a:ln>
         </p:spPr>
         <p:txBody>
           <a:bodyPr anchorCtr="0" anchor="t" bIns="91425" lIns="91425" spcFirstLastPara="1" rIns="91425" wrap="square" tIns="91425">
@@ -10432,12 +10737,16 @@
           </a:p>
           <a:p>
             <a:pPr indent="0" lvl="0" marL="0" rtl="0" algn="l">
-              <a:spcBef>
-                <a:spcPts val="0"/>
-              </a:spcBef>
-              <a:spcAft>
-                <a:spcPts val="0"/>
-              </a:spcAft>
+              <a:lnSpc>
+                <a:spcPct val="115000"/>
+              </a:lnSpc>
+              <a:spcBef>
+                <a:spcPts val="0"/>
+              </a:spcBef>
+              <a:spcAft>
+                <a:spcPts val="0"/>
+              </a:spcAft>
+              <a:buSzPts val="1800"/>
               <a:buNone/>
             </a:pPr>
             <a:r>
@@ -10449,17 +10758,16 @@
       </p:sp>
       <p:pic>
         <p:nvPicPr>
-          <p:cNvPr id="133" name="Google Shape;133;gf406581537_0_0"/>
+          <p:cNvPr id="139" name="Google Shape;139;gf406581537_0_0"/>
           <p:cNvPicPr preferRelativeResize="0"/>
           <p:nvPr/>
         </p:nvPicPr>
-        <p:blipFill>
+        <p:blipFill rotWithShape="1">
           <a:blip r:embed="rId3">
             <a:alphaModFix/>
           </a:blip>
-          <a:stretch>
-            <a:fillRect/>
-          </a:stretch>
+          <a:srcRect b="0" l="0" r="0" t="0"/>
+          <a:stretch/>
         </p:blipFill>
         <p:spPr>
           <a:xfrm>
@@ -10590,11 +10898,7 @@
             </a:pPr>
             <a:r>
               <a:rPr lang="es"/>
-              <a:t>Opplus es</a:t>
-            </a:r>
-            <a:r>
-              <a:rPr lang="es"/>
-              <a:t> una empresa con una estrategia de negocios end2end especializados en servicios financieros y administrativos. Actuamos de back office operativo, nos ocupamos de realizar el asesoramiento y consultoría de servicios, dando soporte a la tramitación de las operaciones a lo largo de todo el proceso.</a:t>
+              <a:t>Opplus es una empresa con una estrategia de negocios end2end especializados en servicios financieros y administrativos. Actuamos de back office operativo, nos ocupamos de realizar el asesoramiento y consultoría de servicios, dando soporte a la tramitación de las operaciones a lo largo de todo el proceso.</a:t>
             </a:r>
             <a:endParaRPr/>
           </a:p>
@@ -10606,13 +10910,12 @@
           <p:cNvPicPr preferRelativeResize="0"/>
           <p:nvPr/>
         </p:nvPicPr>
-        <p:blipFill>
+        <p:blipFill rotWithShape="1">
           <a:blip r:embed="rId3">
             <a:alphaModFix/>
           </a:blip>
-          <a:stretch>
-            <a:fillRect/>
-          </a:stretch>
+          <a:srcRect b="0" l="0" r="0" t="0"/>
+          <a:stretch/>
         </p:blipFill>
         <p:spPr>
           <a:xfrm>
@@ -10655,7 +10958,287 @@
       </p:grpSpPr>
       <p:sp>
         <p:nvSpPr>
-          <p:cNvPr id="67" name="Google Shape;67;gf406581537_0_13"/>
+          <p:cNvPr id="67" name="Google Shape;67;gf406581537_0_22"/>
+          <p:cNvSpPr txBox="1"/>
+          <p:nvPr>
+            <p:ph type="title"/>
+          </p:nvPr>
+        </p:nvSpPr>
+        <p:spPr>
+          <a:xfrm>
+            <a:off x="311700" y="445025"/>
+            <a:ext cx="8520600" cy="572700"/>
+          </a:xfrm>
+          <a:prstGeom prst="rect">
+            <a:avLst/>
+          </a:prstGeom>
+        </p:spPr>
+        <p:txBody>
+          <a:bodyPr anchorCtr="0" anchor="t" bIns="91425" lIns="91425" spcFirstLastPara="1" rIns="91425" wrap="square" tIns="91425">
+            <a:normAutofit fontScale="90000"/>
+          </a:bodyPr>
+          <a:lstStyle/>
+          <a:p>
+            <a:pPr indent="0" lvl="0" marL="0" rtl="0" algn="ctr">
+              <a:spcBef>
+                <a:spcPts val="0"/>
+              </a:spcBef>
+              <a:spcAft>
+                <a:spcPts val="0"/>
+              </a:spcAft>
+              <a:buNone/>
+            </a:pPr>
+            <a:r>
+              <a:rPr lang="es"/>
+              <a:t>Tareas realizadas</a:t>
+            </a:r>
+            <a:endParaRPr/>
+          </a:p>
+        </p:txBody>
+      </p:sp>
+      <p:sp>
+        <p:nvSpPr>
+          <p:cNvPr id="68" name="Google Shape;68;gf406581537_0_22"/>
+          <p:cNvSpPr txBox="1"/>
+          <p:nvPr>
+            <p:ph idx="1" type="body"/>
+          </p:nvPr>
+        </p:nvSpPr>
+        <p:spPr>
+          <a:xfrm>
+            <a:off x="311700" y="1152475"/>
+            <a:ext cx="8520600" cy="3416400"/>
+          </a:xfrm>
+          <a:prstGeom prst="rect">
+            <a:avLst/>
+          </a:prstGeom>
+        </p:spPr>
+        <p:txBody>
+          <a:bodyPr anchorCtr="0" anchor="t" bIns="91425" lIns="91425" spcFirstLastPara="1" rIns="91425" wrap="square" tIns="91425">
+            <a:normAutofit fontScale="77500" lnSpcReduction="20000"/>
+          </a:bodyPr>
+          <a:lstStyle/>
+          <a:p>
+            <a:pPr indent="0" lvl="0" marL="0" rtl="0" algn="l">
+              <a:spcBef>
+                <a:spcPts val="0"/>
+              </a:spcBef>
+              <a:spcAft>
+                <a:spcPts val="0"/>
+              </a:spcAft>
+              <a:buNone/>
+            </a:pPr>
+            <a:r>
+              <a:rPr lang="es" sz="2062"/>
+              <a:t>Semana del </a:t>
+            </a:r>
+            <a:r>
+              <a:rPr lang="es" sz="2062"/>
+              <a:t>14-</a:t>
+            </a:r>
+            <a:r>
+              <a:rPr lang="es" sz="2062"/>
+              <a:t>18(Marzo): T</a:t>
+            </a:r>
+            <a:r>
+              <a:rPr lang="es" sz="2062"/>
+              <a:t>utoriales y manuales para el aprendizaje de las funcionalidades de java 8.</a:t>
+            </a:r>
+            <a:endParaRPr sz="2062"/>
+          </a:p>
+          <a:p>
+            <a:pPr indent="0" lvl="0" marL="0" rtl="0" algn="l">
+              <a:spcBef>
+                <a:spcPts val="0"/>
+              </a:spcBef>
+              <a:spcAft>
+                <a:spcPts val="0"/>
+              </a:spcAft>
+              <a:buNone/>
+            </a:pPr>
+            <a:r>
+              <a:rPr lang="es" sz="2062"/>
+              <a:t>Semana del 21-25(Marzo): Manuales y tutoriales de java 11 para aprender nuevos eventos.</a:t>
+            </a:r>
+            <a:endParaRPr sz="2062"/>
+          </a:p>
+          <a:p>
+            <a:pPr indent="0" lvl="0" marL="0" rtl="0" algn="l">
+              <a:spcBef>
+                <a:spcPts val="0"/>
+              </a:spcBef>
+              <a:spcAft>
+                <a:spcPts val="0"/>
+              </a:spcAft>
+              <a:buNone/>
+            </a:pPr>
+            <a:r>
+              <a:rPr lang="es" sz="2062"/>
+              <a:t>Semana del 28-1(Marzo-A): Definición de relaciones de Base de datos de servicios y tipos.</a:t>
+            </a:r>
+            <a:endParaRPr sz="2062"/>
+          </a:p>
+          <a:p>
+            <a:pPr indent="0" lvl="0" marL="0" rtl="0" algn="l">
+              <a:spcBef>
+                <a:spcPts val="0"/>
+              </a:spcBef>
+              <a:spcAft>
+                <a:spcPts val="0"/>
+              </a:spcAft>
+              <a:buNone/>
+            </a:pPr>
+            <a:r>
+              <a:rPr lang="es" sz="2062"/>
+              <a:t>Semana del 4-8(Abril): Configuración de equipo cedido por la empresa(grupo opplus).</a:t>
+            </a:r>
+            <a:endParaRPr sz="2062"/>
+          </a:p>
+          <a:p>
+            <a:pPr indent="0" lvl="0" marL="0" rtl="0" algn="l">
+              <a:spcBef>
+                <a:spcPts val="0"/>
+              </a:spcBef>
+              <a:spcAft>
+                <a:spcPts val="0"/>
+              </a:spcAft>
+              <a:buNone/>
+            </a:pPr>
+            <a:r>
+              <a:rPr lang="es" sz="2062"/>
+              <a:t>Semana del 18-22(Abril): Creación de ventana en el front end para la gestión de las categorías, subcategorías y los productos.</a:t>
+            </a:r>
+            <a:endParaRPr sz="2062"/>
+          </a:p>
+          <a:p>
+            <a:pPr indent="0" lvl="0" marL="0" rtl="0" algn="l">
+              <a:spcBef>
+                <a:spcPts val="0"/>
+              </a:spcBef>
+              <a:spcAft>
+                <a:spcPts val="0"/>
+              </a:spcAft>
+              <a:buNone/>
+            </a:pPr>
+            <a:r>
+              <a:rPr lang="es" sz="2062"/>
+              <a:t>Semana del 2-6(Mayo): Creación de la view de servicios relacionados.</a:t>
+            </a:r>
+            <a:endParaRPr sz="2062"/>
+          </a:p>
+          <a:p>
+            <a:pPr indent="0" lvl="0" marL="0" rtl="0" algn="l">
+              <a:spcBef>
+                <a:spcPts val="0"/>
+              </a:spcBef>
+              <a:spcAft>
+                <a:spcPts val="0"/>
+              </a:spcAft>
+              <a:buNone/>
+            </a:pPr>
+            <a:r>
+              <a:rPr lang="es" sz="2062"/>
+              <a:t>Semana del 9-13(Mayo): Creación de filtros para related service.</a:t>
+            </a:r>
+            <a:endParaRPr sz="2062"/>
+          </a:p>
+          <a:p>
+            <a:pPr indent="0" lvl="0" marL="0" rtl="0" algn="l">
+              <a:spcBef>
+                <a:spcPts val="0"/>
+              </a:spcBef>
+              <a:spcAft>
+                <a:spcPts val="0"/>
+              </a:spcAft>
+              <a:buNone/>
+            </a:pPr>
+            <a:r>
+              <a:rPr lang="es" sz="2062"/>
+              <a:t>Semana del 16-20(Mayo): Uso de jira para gestión de proyectos(uso de metodologías ágiles)</a:t>
+            </a:r>
+            <a:endParaRPr sz="2062"/>
+          </a:p>
+          <a:p>
+            <a:pPr indent="0" lvl="0" marL="0" rtl="0" algn="l">
+              <a:spcBef>
+                <a:spcPts val="0"/>
+              </a:spcBef>
+              <a:spcAft>
+                <a:spcPts val="0"/>
+              </a:spcAft>
+              <a:buNone/>
+            </a:pPr>
+            <a:r>
+              <a:rPr lang="es" sz="2062"/>
+              <a:t>Semana del 23-27(Mayo): Creación de clases y métodos para tiempos en el backend.</a:t>
+            </a:r>
+            <a:endParaRPr sz="2062"/>
+          </a:p>
+          <a:p>
+            <a:pPr indent="0" lvl="0" marL="0" rtl="0" algn="l">
+              <a:spcBef>
+                <a:spcPts val="0"/>
+              </a:spcBef>
+              <a:spcAft>
+                <a:spcPts val="0"/>
+              </a:spcAft>
+              <a:buNone/>
+            </a:pPr>
+            <a:r>
+              <a:t/>
+            </a:r>
+            <a:endParaRPr sz="1600"/>
+          </a:p>
+          <a:p>
+            <a:pPr indent="0" lvl="0" marL="0" rtl="0" algn="l">
+              <a:spcBef>
+                <a:spcPts val="0"/>
+              </a:spcBef>
+              <a:spcAft>
+                <a:spcPts val="0"/>
+              </a:spcAft>
+              <a:buClr>
+                <a:schemeClr val="dk1"/>
+              </a:buClr>
+              <a:buSzPct val="68750"/>
+              <a:buFont typeface="Arial"/>
+              <a:buNone/>
+            </a:pPr>
+            <a:r>
+              <a:t/>
+            </a:r>
+            <a:endParaRPr sz="1600"/>
+          </a:p>
+        </p:txBody>
+      </p:sp>
+    </p:spTree>
+  </p:cSld>
+  <p:clrMapOvr>
+    <a:masterClrMapping/>
+  </p:clrMapOvr>
+</p:sld>
+</file>
+
+<file path=ppt/slides/slide4.xml><?xml version="1.0" encoding="utf-8"?>
+<p:sld xmlns:a="http://schemas.openxmlformats.org/drawingml/2006/main" xmlns:r="http://schemas.openxmlformats.org/officeDocument/2006/relationships" xmlns:mc="http://schemas.openxmlformats.org/markup-compatibility/2006" xmlns:mv="urn:schemas-microsoft-com:mac:vml" xmlns:p="http://schemas.openxmlformats.org/presentationml/2006/main" xmlns:c="http://schemas.openxmlformats.org/drawingml/2006/chart" xmlns:dgm="http://schemas.openxmlformats.org/drawingml/2006/diagram" xmlns:o="urn:schemas-microsoft-com:office:office" xmlns:v="urn:schemas-microsoft-com:vml" xmlns:pvml="urn:schemas-microsoft-com:office:powerpoint" xmlns:com="http://schemas.openxmlformats.org/drawingml/2006/compatibility" xmlns:p14="http://schemas.microsoft.com/office/powerpoint/2010/main" xmlns:p15="http://schemas.microsoft.com/office/powerpoint/2012/main" xmlns:ahyp="http://schemas.microsoft.com/office/drawing/2018/hyperlinkcolor">
+  <p:cSld>
+    <p:spTree>
+      <p:nvGrpSpPr>
+        <p:cNvPr id="72" name="Shape 72"/>
+        <p:cNvGrpSpPr/>
+        <p:nvPr/>
+      </p:nvGrpSpPr>
+      <p:grpSpPr>
+        <a:xfrm>
+          <a:off x="0" y="0"/>
+          <a:ext cx="0" cy="0"/>
+          <a:chOff x="0" y="0"/>
+          <a:chExt cx="0" cy="0"/>
+        </a:xfrm>
+      </p:grpSpPr>
+      <p:sp>
+        <p:nvSpPr>
+          <p:cNvPr id="73" name="Google Shape;73;gf406581537_0_13"/>
           <p:cNvSpPr txBox="1"/>
           <p:nvPr>
             <p:ph type="title"/>
@@ -10703,7 +11286,7 @@
       </p:sp>
       <p:sp>
         <p:nvSpPr>
-          <p:cNvPr id="68" name="Google Shape;68;gf406581537_0_13"/>
+          <p:cNvPr id="74" name="Google Shape;74;gf406581537_0_13"/>
           <p:cNvSpPr txBox="1"/>
           <p:nvPr>
             <p:ph idx="1" type="body"/>
@@ -10751,7 +11334,7 @@
       </p:sp>
       <p:pic>
         <p:nvPicPr>
-          <p:cNvPr id="69" name="Google Shape;69;gf406581537_0_13"/>
+          <p:cNvPr id="75" name="Google Shape;75;gf406581537_0_13"/>
           <p:cNvPicPr preferRelativeResize="0"/>
           <p:nvPr/>
         </p:nvPicPr>
@@ -10784,12 +11367,12 @@
 </p:sld>
 </file>
 
-<file path=ppt/slides/slide4.xml><?xml version="1.0" encoding="utf-8"?>
+<file path=ppt/slides/slide5.xml><?xml version="1.0" encoding="utf-8"?>
 <p:sld xmlns:a="http://schemas.openxmlformats.org/drawingml/2006/main" xmlns:r="http://schemas.openxmlformats.org/officeDocument/2006/relationships" xmlns:mc="http://schemas.openxmlformats.org/markup-compatibility/2006" xmlns:mv="urn:schemas-microsoft-com:mac:vml" xmlns:p="http://schemas.openxmlformats.org/presentationml/2006/main" xmlns:c="http://schemas.openxmlformats.org/drawingml/2006/chart" xmlns:dgm="http://schemas.openxmlformats.org/drawingml/2006/diagram" xmlns:o="urn:schemas-microsoft-com:office:office" xmlns:v="urn:schemas-microsoft-com:vml" xmlns:pvml="urn:schemas-microsoft-com:office:powerpoint" xmlns:com="http://schemas.openxmlformats.org/drawingml/2006/compatibility" xmlns:p14="http://schemas.microsoft.com/office/powerpoint/2010/main" xmlns:p15="http://schemas.microsoft.com/office/powerpoint/2012/main" xmlns:ahyp="http://schemas.microsoft.com/office/drawing/2018/hyperlinkcolor">
   <p:cSld>
     <p:spTree>
       <p:nvGrpSpPr>
-        <p:cNvPr id="73" name="Shape 73"/>
+        <p:cNvPr id="79" name="Shape 79"/>
         <p:cNvGrpSpPr/>
         <p:nvPr/>
       </p:nvGrpSpPr>
@@ -10803,7 +11386,7 @@
       </p:grpSpPr>
       <p:sp>
         <p:nvSpPr>
-          <p:cNvPr id="74" name="Google Shape;74;p3"/>
+          <p:cNvPr id="80" name="Google Shape;80;p3"/>
           <p:cNvSpPr txBox="1"/>
           <p:nvPr>
             <p:ph type="title"/>
@@ -10851,7 +11434,7 @@
       </p:sp>
       <p:sp>
         <p:nvSpPr>
-          <p:cNvPr id="75" name="Google Shape;75;p3"/>
+          <p:cNvPr id="81" name="Google Shape;81;p3"/>
           <p:cNvSpPr txBox="1"/>
           <p:nvPr>
             <p:ph idx="1" type="body"/>
@@ -10934,7 +11517,7 @@
       </p:sp>
       <p:pic>
         <p:nvPicPr>
-          <p:cNvPr id="76" name="Google Shape;76;p3"/>
+          <p:cNvPr id="82" name="Google Shape;82;p3"/>
           <p:cNvPicPr preferRelativeResize="0"/>
           <p:nvPr/>
         </p:nvPicPr>
@@ -10967,12 +11550,12 @@
 </p:sld>
 </file>
 
-<file path=ppt/slides/slide5.xml><?xml version="1.0" encoding="utf-8"?>
+<file path=ppt/slides/slide6.xml><?xml version="1.0" encoding="utf-8"?>
 <p:sld xmlns:a="http://schemas.openxmlformats.org/drawingml/2006/main" xmlns:r="http://schemas.openxmlformats.org/officeDocument/2006/relationships" xmlns:mc="http://schemas.openxmlformats.org/markup-compatibility/2006" xmlns:mv="urn:schemas-microsoft-com:mac:vml" xmlns:p="http://schemas.openxmlformats.org/presentationml/2006/main" xmlns:c="http://schemas.openxmlformats.org/drawingml/2006/chart" xmlns:dgm="http://schemas.openxmlformats.org/drawingml/2006/diagram" xmlns:o="urn:schemas-microsoft-com:office:office" xmlns:v="urn:schemas-microsoft-com:vml" xmlns:pvml="urn:schemas-microsoft-com:office:powerpoint" xmlns:com="http://schemas.openxmlformats.org/drawingml/2006/compatibility" xmlns:p14="http://schemas.microsoft.com/office/powerpoint/2010/main" xmlns:p15="http://schemas.microsoft.com/office/powerpoint/2012/main" xmlns:ahyp="http://schemas.microsoft.com/office/drawing/2018/hyperlinkcolor">
   <p:cSld>
     <p:spTree>
       <p:nvGrpSpPr>
-        <p:cNvPr id="80" name="Shape 80"/>
+        <p:cNvPr id="86" name="Shape 86"/>
         <p:cNvGrpSpPr/>
         <p:nvPr/>
       </p:nvGrpSpPr>
@@ -10986,7 +11569,7 @@
       </p:grpSpPr>
       <p:sp>
         <p:nvSpPr>
-          <p:cNvPr id="81" name="Google Shape;81;p4"/>
+          <p:cNvPr id="87" name="Google Shape;87;p4"/>
           <p:cNvSpPr txBox="1"/>
           <p:nvPr>
             <p:ph type="title"/>
@@ -11034,7 +11617,7 @@
       </p:sp>
       <p:sp>
         <p:nvSpPr>
-          <p:cNvPr id="82" name="Google Shape;82;p4"/>
+          <p:cNvPr id="88" name="Google Shape;88;p4"/>
           <p:cNvSpPr txBox="1"/>
           <p:nvPr>
             <p:ph idx="1" type="body"/>
@@ -11082,7 +11665,7 @@
       </p:sp>
       <p:pic>
         <p:nvPicPr>
-          <p:cNvPr id="83" name="Google Shape;83;p4"/>
+          <p:cNvPr id="89" name="Google Shape;89;p4"/>
           <p:cNvPicPr preferRelativeResize="0"/>
           <p:nvPr/>
         </p:nvPicPr>
@@ -11115,12 +11698,12 @@
 </p:sld>
 </file>
 
-<file path=ppt/slides/slide6.xml><?xml version="1.0" encoding="utf-8"?>
+<file path=ppt/slides/slide7.xml><?xml version="1.0" encoding="utf-8"?>
 <p:sld xmlns:a="http://schemas.openxmlformats.org/drawingml/2006/main" xmlns:r="http://schemas.openxmlformats.org/officeDocument/2006/relationships" xmlns:mc="http://schemas.openxmlformats.org/markup-compatibility/2006" xmlns:mv="urn:schemas-microsoft-com:mac:vml" xmlns:p="http://schemas.openxmlformats.org/presentationml/2006/main" xmlns:c="http://schemas.openxmlformats.org/drawingml/2006/chart" xmlns:dgm="http://schemas.openxmlformats.org/drawingml/2006/diagram" xmlns:o="urn:schemas-microsoft-com:office:office" xmlns:v="urn:schemas-microsoft-com:vml" xmlns:pvml="urn:schemas-microsoft-com:office:powerpoint" xmlns:com="http://schemas.openxmlformats.org/drawingml/2006/compatibility" xmlns:p14="http://schemas.microsoft.com/office/powerpoint/2010/main" xmlns:p15="http://schemas.microsoft.com/office/powerpoint/2012/main" xmlns:ahyp="http://schemas.microsoft.com/office/drawing/2018/hyperlinkcolor">
   <p:cSld>
     <p:spTree>
       <p:nvGrpSpPr>
-        <p:cNvPr id="87" name="Shape 87"/>
+        <p:cNvPr id="93" name="Shape 93"/>
         <p:cNvGrpSpPr/>
         <p:nvPr/>
       </p:nvGrpSpPr>
@@ -11134,7 +11717,7 @@
       </p:grpSpPr>
       <p:sp>
         <p:nvSpPr>
-          <p:cNvPr id="88" name="Google Shape;88;p5"/>
+          <p:cNvPr id="94" name="Google Shape;94;p5"/>
           <p:cNvSpPr txBox="1"/>
           <p:nvPr>
             <p:ph type="title"/>
@@ -11182,7 +11765,7 @@
       </p:sp>
       <p:sp>
         <p:nvSpPr>
-          <p:cNvPr id="89" name="Google Shape;89;p5"/>
+          <p:cNvPr id="95" name="Google Shape;95;p5"/>
           <p:cNvSpPr txBox="1"/>
           <p:nvPr>
             <p:ph idx="1" type="body"/>
@@ -11230,7 +11813,7 @@
       </p:sp>
       <p:pic>
         <p:nvPicPr>
-          <p:cNvPr id="90" name="Google Shape;90;p5"/>
+          <p:cNvPr id="96" name="Google Shape;96;p5"/>
           <p:cNvPicPr preferRelativeResize="0"/>
           <p:nvPr/>
         </p:nvPicPr>
@@ -11263,12 +11846,12 @@
 </p:sld>
 </file>
 
-<file path=ppt/slides/slide7.xml><?xml version="1.0" encoding="utf-8"?>
+<file path=ppt/slides/slide8.xml><?xml version="1.0" encoding="utf-8"?>
 <p:sld xmlns:a="http://schemas.openxmlformats.org/drawingml/2006/main" xmlns:r="http://schemas.openxmlformats.org/officeDocument/2006/relationships" xmlns:mc="http://schemas.openxmlformats.org/markup-compatibility/2006" xmlns:mv="urn:schemas-microsoft-com:mac:vml" xmlns:p="http://schemas.openxmlformats.org/presentationml/2006/main" xmlns:c="http://schemas.openxmlformats.org/drawingml/2006/chart" xmlns:dgm="http://schemas.openxmlformats.org/drawingml/2006/diagram" xmlns:o="urn:schemas-microsoft-com:office:office" xmlns:v="urn:schemas-microsoft-com:vml" xmlns:pvml="urn:schemas-microsoft-com:office:powerpoint" xmlns:com="http://schemas.openxmlformats.org/drawingml/2006/compatibility" xmlns:p14="http://schemas.microsoft.com/office/powerpoint/2010/main" xmlns:p15="http://schemas.microsoft.com/office/powerpoint/2012/main" xmlns:ahyp="http://schemas.microsoft.com/office/drawing/2018/hyperlinkcolor">
   <p:cSld>
     <p:spTree>
       <p:nvGrpSpPr>
-        <p:cNvPr id="94" name="Shape 94"/>
+        <p:cNvPr id="100" name="Shape 100"/>
         <p:cNvGrpSpPr/>
         <p:nvPr/>
       </p:nvGrpSpPr>
@@ -11282,7 +11865,7 @@
       </p:grpSpPr>
       <p:sp>
         <p:nvSpPr>
-          <p:cNvPr id="95" name="Google Shape;95;p6"/>
+          <p:cNvPr id="101" name="Google Shape;101;p6"/>
           <p:cNvSpPr txBox="1"/>
           <p:nvPr>
             <p:ph type="title"/>
@@ -11330,7 +11913,7 @@
       </p:sp>
       <p:sp>
         <p:nvSpPr>
-          <p:cNvPr id="96" name="Google Shape;96;p6"/>
+          <p:cNvPr id="102" name="Google Shape;102;p6"/>
           <p:cNvSpPr txBox="1"/>
           <p:nvPr>
             <p:ph idx="1" type="body"/>
@@ -11405,7 +11988,7 @@
       </p:sp>
       <p:pic>
         <p:nvPicPr>
-          <p:cNvPr id="97" name="Google Shape;97;p6"/>
+          <p:cNvPr id="103" name="Google Shape;103;p6"/>
           <p:cNvPicPr preferRelativeResize="0"/>
           <p:nvPr/>
         </p:nvPicPr>
@@ -11438,12 +12021,12 @@
 </p:sld>
 </file>
 
-<file path=ppt/slides/slide8.xml><?xml version="1.0" encoding="utf-8"?>
+<file path=ppt/slides/slide9.xml><?xml version="1.0" encoding="utf-8"?>
 <p:sld xmlns:a="http://schemas.openxmlformats.org/drawingml/2006/main" xmlns:r="http://schemas.openxmlformats.org/officeDocument/2006/relationships" xmlns:mc="http://schemas.openxmlformats.org/markup-compatibility/2006" xmlns:mv="urn:schemas-microsoft-com:mac:vml" xmlns:p="http://schemas.openxmlformats.org/presentationml/2006/main" xmlns:c="http://schemas.openxmlformats.org/drawingml/2006/chart" xmlns:dgm="http://schemas.openxmlformats.org/drawingml/2006/diagram" xmlns:o="urn:schemas-microsoft-com:office:office" xmlns:v="urn:schemas-microsoft-com:vml" xmlns:pvml="urn:schemas-microsoft-com:office:powerpoint" xmlns:com="http://schemas.openxmlformats.org/drawingml/2006/compatibility" xmlns:p14="http://schemas.microsoft.com/office/powerpoint/2010/main" xmlns:p15="http://schemas.microsoft.com/office/powerpoint/2012/main" xmlns:ahyp="http://schemas.microsoft.com/office/drawing/2018/hyperlinkcolor">
   <p:cSld>
     <p:spTree>
       <p:nvGrpSpPr>
-        <p:cNvPr id="101" name="Shape 101"/>
+        <p:cNvPr id="107" name="Shape 107"/>
         <p:cNvGrpSpPr/>
         <p:nvPr/>
       </p:nvGrpSpPr>
@@ -11457,7 +12040,7 @@
       </p:grpSpPr>
       <p:sp>
         <p:nvSpPr>
-          <p:cNvPr id="102" name="Google Shape;102;p7"/>
+          <p:cNvPr id="108" name="Google Shape;108;p7"/>
           <p:cNvSpPr txBox="1"/>
           <p:nvPr>
             <p:ph type="title"/>
@@ -11505,7 +12088,7 @@
       </p:sp>
       <p:sp>
         <p:nvSpPr>
-          <p:cNvPr id="103" name="Google Shape;103;p7"/>
+          <p:cNvPr id="109" name="Google Shape;109;p7"/>
           <p:cNvSpPr txBox="1"/>
           <p:nvPr>
             <p:ph idx="1" type="body"/>
@@ -11531,6 +12114,9 @@
           <a:lstStyle/>
           <a:p>
             <a:pPr indent="-342900" lvl="0" marL="457200" rtl="0" algn="l">
+              <a:lnSpc>
+                <a:spcPct val="115000"/>
+              </a:lnSpc>
               <a:spcBef>
                 <a:spcPts val="0"/>
               </a:spcBef>
@@ -11550,7 +12136,7 @@
       </p:sp>
       <p:pic>
         <p:nvPicPr>
-          <p:cNvPr id="104" name="Google Shape;104;p7"/>
+          <p:cNvPr id="110" name="Google Shape;110;p7"/>
           <p:cNvPicPr preferRelativeResize="0"/>
           <p:nvPr/>
         </p:nvPicPr>
@@ -11583,182 +12169,286 @@
 </p:sld>
 </file>
 
-<file path=ppt/slides/slide9.xml><?xml version="1.0" encoding="utf-8"?>
-<p:sld xmlns:a="http://schemas.openxmlformats.org/drawingml/2006/main" xmlns:r="http://schemas.openxmlformats.org/officeDocument/2006/relationships" xmlns:mc="http://schemas.openxmlformats.org/markup-compatibility/2006" xmlns:mv="urn:schemas-microsoft-com:mac:vml" xmlns:p="http://schemas.openxmlformats.org/presentationml/2006/main" xmlns:c="http://schemas.openxmlformats.org/drawingml/2006/chart" xmlns:dgm="http://schemas.openxmlformats.org/drawingml/2006/diagram" xmlns:o="urn:schemas-microsoft-com:office:office" xmlns:v="urn:schemas-microsoft-com:vml" xmlns:pvml="urn:schemas-microsoft-com:office:powerpoint" xmlns:com="http://schemas.openxmlformats.org/drawingml/2006/compatibility" xmlns:p14="http://schemas.microsoft.com/office/powerpoint/2010/main" xmlns:p15="http://schemas.microsoft.com/office/powerpoint/2012/main" xmlns:ahyp="http://schemas.microsoft.com/office/drawing/2018/hyperlinkcolor">
-  <p:cSld>
-    <p:spTree>
-      <p:nvGrpSpPr>
-        <p:cNvPr id="108" name="Shape 108"/>
-        <p:cNvGrpSpPr/>
-        <p:nvPr/>
-      </p:nvGrpSpPr>
-      <p:grpSpPr>
-        <a:xfrm>
-          <a:off x="0" y="0"/>
-          <a:ext cx="0" cy="0"/>
-          <a:chOff x="0" y="0"/>
-          <a:chExt cx="0" cy="0"/>
-        </a:xfrm>
-      </p:grpSpPr>
-      <p:sp>
-        <p:nvSpPr>
-          <p:cNvPr id="109" name="Google Shape;109;p8"/>
-          <p:cNvSpPr txBox="1"/>
-          <p:nvPr>
-            <p:ph type="title"/>
-          </p:nvPr>
-        </p:nvSpPr>
-        <p:spPr>
-          <a:xfrm>
-            <a:off x="311700" y="445025"/>
-            <a:ext cx="8520600" cy="572700"/>
-          </a:xfrm>
-          <a:prstGeom prst="rect">
-            <a:avLst/>
-          </a:prstGeom>
-          <a:noFill/>
-          <a:ln>
-            <a:noFill/>
-          </a:ln>
-        </p:spPr>
-        <p:txBody>
-          <a:bodyPr anchorCtr="0" anchor="t" bIns="91425" lIns="91425" spcFirstLastPara="1" rIns="91425" wrap="square" tIns="91425">
-            <a:normAutofit fontScale="90000"/>
-          </a:bodyPr>
-          <a:lstStyle/>
-          <a:p>
-            <a:pPr indent="0" lvl="0" marL="0" rtl="0" algn="ctr">
-              <a:lnSpc>
-                <a:spcPct val="100000"/>
-              </a:lnSpc>
-              <a:spcBef>
-                <a:spcPts val="0"/>
-              </a:spcBef>
-              <a:spcAft>
-                <a:spcPts val="0"/>
-              </a:spcAft>
-              <a:buSzPct val="111111"/>
-              <a:buNone/>
-            </a:pPr>
-            <a:r>
-              <a:rPr lang="es"/>
-              <a:t>BITBUCKET y repositorios.</a:t>
-            </a:r>
-            <a:endParaRPr/>
-          </a:p>
-        </p:txBody>
-      </p:sp>
-      <p:sp>
-        <p:nvSpPr>
-          <p:cNvPr id="110" name="Google Shape;110;p8"/>
-          <p:cNvSpPr txBox="1"/>
-          <p:nvPr>
-            <p:ph idx="1" type="body"/>
-          </p:nvPr>
-        </p:nvSpPr>
-        <p:spPr>
-          <a:xfrm>
-            <a:off x="311700" y="1152475"/>
-            <a:ext cx="8520600" cy="3416400"/>
-          </a:xfrm>
-          <a:prstGeom prst="rect">
-            <a:avLst/>
-          </a:prstGeom>
-          <a:noFill/>
-          <a:ln>
-            <a:noFill/>
-          </a:ln>
-        </p:spPr>
-        <p:txBody>
-          <a:bodyPr anchorCtr="0" anchor="t" bIns="91425" lIns="91425" spcFirstLastPara="1" rIns="91425" wrap="square" tIns="91425">
-            <a:normAutofit/>
-          </a:bodyPr>
-          <a:lstStyle/>
-          <a:p>
-            <a:pPr indent="-342900" lvl="0" marL="457200" rtl="0" algn="l">
-              <a:lnSpc>
-                <a:spcPct val="115000"/>
-              </a:lnSpc>
-              <a:spcBef>
-                <a:spcPts val="1200"/>
-              </a:spcBef>
-              <a:spcAft>
-                <a:spcPts val="0"/>
-              </a:spcAft>
-              <a:buSzPts val="1800"/>
-              <a:buChar char="●"/>
-            </a:pPr>
-            <a:r>
-              <a:rPr lang="es"/>
-              <a:t>Usamos BITBUCKET con repositorios GIT utilizando SOURCETREE para la gestión del código.</a:t>
-            </a:r>
-            <a:endParaRPr/>
-          </a:p>
-        </p:txBody>
-      </p:sp>
-      <p:pic>
-        <p:nvPicPr>
-          <p:cNvPr id="111" name="Google Shape;111;p8"/>
-          <p:cNvPicPr preferRelativeResize="0"/>
-          <p:nvPr/>
-        </p:nvPicPr>
-        <p:blipFill rotWithShape="1">
-          <a:blip r:embed="rId3">
-            <a:alphaModFix/>
-          </a:blip>
-          <a:srcRect b="0" l="0" r="0" t="0"/>
-          <a:stretch/>
-        </p:blipFill>
-        <p:spPr>
-          <a:xfrm>
-            <a:off x="1634163" y="2166463"/>
-            <a:ext cx="2619375" cy="1743075"/>
-          </a:xfrm>
-          <a:prstGeom prst="rect">
-            <a:avLst/>
-          </a:prstGeom>
-          <a:noFill/>
-          <a:ln>
-            <a:noFill/>
-          </a:ln>
-        </p:spPr>
-      </p:pic>
-      <p:pic>
-        <p:nvPicPr>
-          <p:cNvPr id="112" name="Google Shape;112;p8"/>
-          <p:cNvPicPr preferRelativeResize="0"/>
-          <p:nvPr/>
-        </p:nvPicPr>
-        <p:blipFill rotWithShape="1">
-          <a:blip r:embed="rId4">
-            <a:alphaModFix/>
-          </a:blip>
-          <a:srcRect b="0" l="0" r="0" t="0"/>
-          <a:stretch/>
-        </p:blipFill>
-        <p:spPr>
-          <a:xfrm>
-            <a:off x="5039875" y="2449573"/>
-            <a:ext cx="2988050" cy="1176875"/>
-          </a:xfrm>
-          <a:prstGeom prst="rect">
-            <a:avLst/>
-          </a:prstGeom>
-          <a:noFill/>
-          <a:ln>
-            <a:noFill/>
-          </a:ln>
-        </p:spPr>
-      </p:pic>
-    </p:spTree>
-  </p:cSld>
-  <p:clrMapOvr>
-    <a:masterClrMapping/>
-  </p:clrMapOvr>
-</p:sld>
+<file path=ppt/theme/theme1.xml><?xml version="1.0" encoding="utf-8"?>
+<a:theme xmlns:a="http://schemas.openxmlformats.org/drawingml/2006/main" xmlns:r="http://schemas.openxmlformats.org/officeDocument/2006/relationships">
+  <a:themeElements>
+    <a:clrScheme name="Default">
+      <a:dk1>
+        <a:srgbClr val="000000"/>
+      </a:dk1>
+      <a:lt1>
+        <a:srgbClr val="FFFFFF"/>
+      </a:lt1>
+      <a:dk2>
+        <a:srgbClr val="158158"/>
+      </a:dk2>
+      <a:lt2>
+        <a:srgbClr val="F3F3F3"/>
+      </a:lt2>
+      <a:accent1>
+        <a:srgbClr val="058DC7"/>
+      </a:accent1>
+      <a:accent2>
+        <a:srgbClr val="50B432"/>
+      </a:accent2>
+      <a:accent3>
+        <a:srgbClr val="ED561B"/>
+      </a:accent3>
+      <a:accent4>
+        <a:srgbClr val="EDEF00"/>
+      </a:accent4>
+      <a:accent5>
+        <a:srgbClr val="24CBE5"/>
+      </a:accent5>
+      <a:accent6>
+        <a:srgbClr val="64E572"/>
+      </a:accent6>
+      <a:hlink>
+        <a:srgbClr val="2200CC"/>
+      </a:hlink>
+      <a:folHlink>
+        <a:srgbClr val="551A8B"/>
+      </a:folHlink>
+    </a:clrScheme>
+    <a:fontScheme name="Office">
+      <a:majorFont>
+        <a:latin typeface="Arial"/>
+        <a:ea typeface=""/>
+        <a:cs typeface=""/>
+        <a:font script="Jpan" typeface="ＭＳ Ｐゴシック"/>
+        <a:font script="Hang" typeface="맑은 고딕"/>
+        <a:font script="Hans" typeface="宋体"/>
+        <a:font script="Hant" typeface="新細明體"/>
+        <a:font script="Arab" typeface="Times New Roman"/>
+        <a:font script="Hebr" typeface="Times New Roman"/>
+        <a:font script="Thai" typeface="Angsana New"/>
+        <a:font script="Ethi" typeface="Nyala"/>
+        <a:font script="Beng" typeface="Vrinda"/>
+        <a:font script="Gujr" typeface="Shruti"/>
+        <a:font script="Khmr" typeface="MoolBoran"/>
+        <a:font script="Knda" typeface="Tunga"/>
+        <a:font script="Guru" typeface="Raavi"/>
+        <a:font script="Cans" typeface="Euphemia"/>
+        <a:font script="Cher" typeface="Plantagenet Cherokee"/>
+        <a:font script="Yiii" typeface="Microsoft Yi Baiti"/>
+        <a:font script="Tibt" typeface="Microsoft Himalaya"/>
+        <a:font script="Thaa" typeface="MV Boli"/>
+        <a:font script="Deva" typeface="Mangal"/>
+        <a:font script="Telu" typeface="Gautami"/>
+        <a:font script="Taml" typeface="Latha"/>
+        <a:font script="Syrc" typeface="Estrangelo Edessa"/>
+        <a:font script="Orya" typeface="Kalinga"/>
+        <a:font script="Mlym" typeface="Kartika"/>
+        <a:font script="Laoo" typeface="DokChampa"/>
+        <a:font script="Sinh" typeface="Iskoola Pota"/>
+        <a:font script="Mong" typeface="Mongolian Baiti"/>
+        <a:font script="Viet" typeface="Times New Roman"/>
+        <a:font script="Uigh" typeface="Microsoft Uighur"/>
+        <a:font script="Geor" typeface="Sylfaen"/>
+      </a:majorFont>
+      <a:minorFont>
+        <a:latin typeface="Arial"/>
+        <a:ea typeface=""/>
+        <a:cs typeface=""/>
+        <a:font script="Jpan" typeface="ＭＳ Ｐゴシック"/>
+        <a:font script="Hang" typeface="맑은 고딕"/>
+        <a:font script="Hans" typeface="宋体"/>
+        <a:font script="Hant" typeface="新細明體"/>
+        <a:font script="Arab" typeface="Arial"/>
+        <a:font script="Hebr" typeface="Arial"/>
+        <a:font script="Thai" typeface="Cordia New"/>
+        <a:font script="Ethi" typeface="Nyala"/>
+        <a:font script="Beng" typeface="Vrinda"/>
+        <a:font script="Gujr" typeface="Shruti"/>
+        <a:font script="Khmr" typeface="DaunPenh"/>
+        <a:font script="Knda" typeface="Tunga"/>
+        <a:font script="Guru" typeface="Raavi"/>
+        <a:font script="Cans" typeface="Euphemia"/>
+        <a:font script="Cher" typeface="Plantagenet Cherokee"/>
+        <a:font script="Yiii" typeface="Microsoft Yi Baiti"/>
+        <a:font script="Tibt" typeface="Microsoft Himalaya"/>
+        <a:font script="Thaa" typeface="MV Boli"/>
+        <a:font script="Deva" typeface="Mangal"/>
+        <a:font script="Telu" typeface="Gautami"/>
+        <a:font script="Taml" typeface="Latha"/>
+        <a:font script="Syrc" typeface="Estrangelo Edessa"/>
+        <a:font script="Orya" typeface="Kalinga"/>
+        <a:font script="Mlym" typeface="Kartika"/>
+        <a:font script="Laoo" typeface="DokChampa"/>
+        <a:font script="Sinh" typeface="Iskoola Pota"/>
+        <a:font script="Mong" typeface="Mongolian Baiti"/>
+        <a:font script="Viet" typeface="Arial"/>
+        <a:font script="Uigh" typeface="Microsoft Uighur"/>
+        <a:font script="Geor" typeface="Sylfaen"/>
+      </a:minorFont>
+    </a:fontScheme>
+    <a:fmtScheme name="Office">
+      <a:fillStyleLst>
+        <a:solidFill>
+          <a:schemeClr val="phClr"/>
+        </a:solidFill>
+        <a:gradFill rotWithShape="1">
+          <a:gsLst>
+            <a:gs pos="0">
+              <a:schemeClr val="phClr">
+                <a:tint val="50000"/>
+                <a:satMod val="300000"/>
+              </a:schemeClr>
+            </a:gs>
+            <a:gs pos="35000">
+              <a:schemeClr val="phClr">
+                <a:tint val="37000"/>
+                <a:satMod val="300000"/>
+              </a:schemeClr>
+            </a:gs>
+            <a:gs pos="100000">
+              <a:schemeClr val="phClr">
+                <a:tint val="15000"/>
+                <a:satMod val="350000"/>
+              </a:schemeClr>
+            </a:gs>
+          </a:gsLst>
+          <a:lin ang="16200000" scaled="1"/>
+        </a:gradFill>
+        <a:gradFill rotWithShape="1">
+          <a:gsLst>
+            <a:gs pos="0">
+              <a:schemeClr val="phClr">
+                <a:tint val="100000"/>
+                <a:shade val="100000"/>
+                <a:satMod val="130000"/>
+              </a:schemeClr>
+            </a:gs>
+            <a:gs pos="100000">
+              <a:schemeClr val="phClr">
+                <a:tint val="50000"/>
+                <a:shade val="100000"/>
+                <a:satMod val="350000"/>
+              </a:schemeClr>
+            </a:gs>
+          </a:gsLst>
+          <a:lin ang="16200000" scaled="0"/>
+        </a:gradFill>
+      </a:fillStyleLst>
+      <a:lnStyleLst>
+        <a:ln w="9525" cap="flat" cmpd="sng" algn="ctr">
+          <a:solidFill>
+            <a:schemeClr val="phClr">
+              <a:shade val="95000"/>
+              <a:satMod val="105000"/>
+            </a:schemeClr>
+          </a:solidFill>
+          <a:prstDash val="solid"/>
+        </a:ln>
+        <a:ln w="25400" cap="flat" cmpd="sng" algn="ctr">
+          <a:solidFill>
+            <a:schemeClr val="phClr"/>
+          </a:solidFill>
+          <a:prstDash val="solid"/>
+        </a:ln>
+        <a:ln w="38100" cap="flat" cmpd="sng" algn="ctr">
+          <a:solidFill>
+            <a:schemeClr val="phClr"/>
+          </a:solidFill>
+          <a:prstDash val="solid"/>
+        </a:ln>
+      </a:lnStyleLst>
+      <a:effectStyleLst>
+        <a:effectStyle>
+          <a:effectLst>
+            <a:outerShdw blurRad="40000" dist="20000" dir="5400000" rotWithShape="0">
+              <a:srgbClr val="000000">
+                <a:alpha val="38000"/>
+              </a:srgbClr>
+            </a:outerShdw>
+          </a:effectLst>
+        </a:effectStyle>
+        <a:effectStyle>
+          <a:effectLst>
+            <a:outerShdw blurRad="40000" dist="23000" dir="5400000" rotWithShape="0">
+              <a:srgbClr val="000000">
+                <a:alpha val="35000"/>
+              </a:srgbClr>
+            </a:outerShdw>
+          </a:effectLst>
+        </a:effectStyle>
+        <a:effectStyle>
+          <a:effectLst>
+            <a:outerShdw blurRad="40000" dist="23000" dir="5400000" rotWithShape="0">
+              <a:srgbClr val="000000">
+                <a:alpha val="35000"/>
+              </a:srgbClr>
+            </a:outerShdw>
+          </a:effectLst>
+          <a:scene3d>
+            <a:camera prst="orthographicFront">
+              <a:rot lat="0" lon="0" rev="0"/>
+            </a:camera>
+            <a:lightRig rig="threePt" dir="t">
+              <a:rot lat="0" lon="0" rev="1200000"/>
+            </a:lightRig>
+          </a:scene3d>
+          <a:sp3d>
+            <a:bevelT w="63500" h="25400"/>
+          </a:sp3d>
+        </a:effectStyle>
+      </a:effectStyleLst>
+      <a:bgFillStyleLst>
+        <a:solidFill>
+          <a:schemeClr val="phClr"/>
+        </a:solidFill>
+        <a:gradFill rotWithShape="1">
+          <a:gsLst>
+            <a:gs pos="0">
+              <a:schemeClr val="phClr">
+                <a:tint val="40000"/>
+                <a:satMod val="350000"/>
+              </a:schemeClr>
+            </a:gs>
+            <a:gs pos="40000">
+              <a:schemeClr val="phClr">
+                <a:tint val="45000"/>
+                <a:shade val="99000"/>
+                <a:satMod val="350000"/>
+              </a:schemeClr>
+            </a:gs>
+            <a:gs pos="100000">
+              <a:schemeClr val="phClr">
+                <a:shade val="20000"/>
+                <a:satMod val="255000"/>
+              </a:schemeClr>
+            </a:gs>
+          </a:gsLst>
+          <a:path path="circle">
+            <a:fillToRect l="50000" t="-80000" r="50000" b="180000"/>
+          </a:path>
+        </a:gradFill>
+        <a:gradFill rotWithShape="1">
+          <a:gsLst>
+            <a:gs pos="0">
+              <a:schemeClr val="phClr">
+                <a:tint val="80000"/>
+                <a:satMod val="300000"/>
+              </a:schemeClr>
+            </a:gs>
+            <a:gs pos="100000">
+              <a:schemeClr val="phClr">
+                <a:shade val="30000"/>
+                <a:satMod val="200000"/>
+              </a:schemeClr>
+            </a:gs>
+          </a:gsLst>
+          <a:path path="circle">
+            <a:fillToRect l="50000" t="50000" r="50000" b="50000"/>
+          </a:path>
+        </a:gradFill>
+      </a:bgFillStyleLst>
+    </a:fmtScheme>
+  </a:themeElements>
+</a:theme>
 </file>
 
-<file path=ppt/theme/theme1.xml><?xml version="1.0" encoding="utf-8"?>
+<file path=ppt/theme/theme2.xml><?xml version="1.0" encoding="utf-8"?>
 <a:theme xmlns:a="http://schemas.openxmlformats.org/drawingml/2006/main" xmlns:r="http://schemas.openxmlformats.org/officeDocument/2006/relationships" name="Simple Light">
   <a:themeElements>
     <a:clrScheme name="Simple Light">
@@ -12035,283 +12725,4 @@
     </a:fmtScheme>
   </a:themeElements>
 </a:theme>
-</file>
-
-<file path=ppt/theme/theme2.xml><?xml version="1.0" encoding="utf-8"?>
-<a:theme xmlns:a="http://schemas.openxmlformats.org/drawingml/2006/main" xmlns:r="http://schemas.openxmlformats.org/officeDocument/2006/relationships">
-  <a:themeElements>
-    <a:clrScheme name="Default">
-      <a:dk1>
-        <a:srgbClr val="000000"/>
-      </a:dk1>
-      <a:lt1>
-        <a:srgbClr val="FFFFFF"/>
-      </a:lt1>
-      <a:dk2>
-        <a:srgbClr val="158158"/>
-      </a:dk2>
-      <a:lt2>
-        <a:srgbClr val="F3F3F3"/>
-      </a:lt2>
-      <a:accent1>
-        <a:srgbClr val="058DC7"/>
-      </a:accent1>
-      <a:accent2>
-        <a:srgbClr val="50B432"/>
-      </a:accent2>
-      <a:accent3>
-        <a:srgbClr val="ED561B"/>
-      </a:accent3>
-      <a:accent4>
-        <a:srgbClr val="EDEF00"/>
-      </a:accent4>
-      <a:accent5>
-        <a:srgbClr val="24CBE5"/>
-      </a:accent5>
-      <a:accent6>
-        <a:srgbClr val="64E572"/>
-      </a:accent6>
-      <a:hlink>
-        <a:srgbClr val="2200CC"/>
-      </a:hlink>
-      <a:folHlink>
-        <a:srgbClr val="551A8B"/>
-      </a:folHlink>
-    </a:clrScheme>
-    <a:fontScheme name="Office">
-      <a:majorFont>
-        <a:latin typeface="Arial"/>
-        <a:ea typeface=""/>
-        <a:cs typeface=""/>
-        <a:font script="Jpan" typeface="ＭＳ Ｐゴシック"/>
-        <a:font script="Hang" typeface="맑은 고딕"/>
-        <a:font script="Hans" typeface="宋体"/>
-        <a:font script="Hant" typeface="新細明體"/>
-        <a:font script="Arab" typeface="Times New Roman"/>
-        <a:font script="Hebr" typeface="Times New Roman"/>
-        <a:font script="Thai" typeface="Angsana New"/>
-        <a:font script="Ethi" typeface="Nyala"/>
-        <a:font script="Beng" typeface="Vrinda"/>
-        <a:font script="Gujr" typeface="Shruti"/>
-        <a:font script="Khmr" typeface="MoolBoran"/>
-        <a:font script="Knda" typeface="Tunga"/>
-        <a:font script="Guru" typeface="Raavi"/>
-        <a:font script="Cans" typeface="Euphemia"/>
-        <a:font script="Cher" typeface="Plantagenet Cherokee"/>
-        <a:font script="Yiii" typeface="Microsoft Yi Baiti"/>
-        <a:font script="Tibt" typeface="Microsoft Himalaya"/>
-        <a:font script="Thaa" typeface="MV Boli"/>
-        <a:font script="Deva" typeface="Mangal"/>
-        <a:font script="Telu" typeface="Gautami"/>
-        <a:font script="Taml" typeface="Latha"/>
-        <a:font script="Syrc" typeface="Estrangelo Edessa"/>
-        <a:font script="Orya" typeface="Kalinga"/>
-        <a:font script="Mlym" typeface="Kartika"/>
-        <a:font script="Laoo" typeface="DokChampa"/>
-        <a:font script="Sinh" typeface="Iskoola Pota"/>
-        <a:font script="Mong" typeface="Mongolian Baiti"/>
-        <a:font script="Viet" typeface="Times New Roman"/>
-        <a:font script="Uigh" typeface="Microsoft Uighur"/>
-        <a:font script="Geor" typeface="Sylfaen"/>
-      </a:majorFont>
-      <a:minorFont>
-        <a:latin typeface="Arial"/>
-        <a:ea typeface=""/>
-        <a:cs typeface=""/>
-        <a:font script="Jpan" typeface="ＭＳ Ｐゴシック"/>
-        <a:font script="Hang" typeface="맑은 고딕"/>
-        <a:font script="Hans" typeface="宋体"/>
-        <a:font script="Hant" typeface="新細明體"/>
-        <a:font script="Arab" typeface="Arial"/>
-        <a:font script="Hebr" typeface="Arial"/>
-        <a:font script="Thai" typeface="Cordia New"/>
-        <a:font script="Ethi" typeface="Nyala"/>
-        <a:font script="Beng" typeface="Vrinda"/>
-        <a:font script="Gujr" typeface="Shruti"/>
-        <a:font script="Khmr" typeface="DaunPenh"/>
-        <a:font script="Knda" typeface="Tunga"/>
-        <a:font script="Guru" typeface="Raavi"/>
-        <a:font script="Cans" typeface="Euphemia"/>
-        <a:font script="Cher" typeface="Plantagenet Cherokee"/>
-        <a:font script="Yiii" typeface="Microsoft Yi Baiti"/>
-        <a:font script="Tibt" typeface="Microsoft Himalaya"/>
-        <a:font script="Thaa" typeface="MV Boli"/>
-        <a:font script="Deva" typeface="Mangal"/>
-        <a:font script="Telu" typeface="Gautami"/>
-        <a:font script="Taml" typeface="Latha"/>
-        <a:font script="Syrc" typeface="Estrangelo Edessa"/>
-        <a:font script="Orya" typeface="Kalinga"/>
-        <a:font script="Mlym" typeface="Kartika"/>
-        <a:font script="Laoo" typeface="DokChampa"/>
-        <a:font script="Sinh" typeface="Iskoola Pota"/>
-        <a:font script="Mong" typeface="Mongolian Baiti"/>
-        <a:font script="Viet" typeface="Arial"/>
-        <a:font script="Uigh" typeface="Microsoft Uighur"/>
-        <a:font script="Geor" typeface="Sylfaen"/>
-      </a:minorFont>
-    </a:fontScheme>
-    <a:fmtScheme name="Office">
-      <a:fillStyleLst>
-        <a:solidFill>
-          <a:schemeClr val="phClr"/>
-        </a:solidFill>
-        <a:gradFill rotWithShape="1">
-          <a:gsLst>
-            <a:gs pos="0">
-              <a:schemeClr val="phClr">
-                <a:tint val="50000"/>
-                <a:satMod val="300000"/>
-              </a:schemeClr>
-            </a:gs>
-            <a:gs pos="35000">
-              <a:schemeClr val="phClr">
-                <a:tint val="37000"/>
-                <a:satMod val="300000"/>
-              </a:schemeClr>
-            </a:gs>
-            <a:gs pos="100000">
-              <a:schemeClr val="phClr">
-                <a:tint val="15000"/>
-                <a:satMod val="350000"/>
-              </a:schemeClr>
-            </a:gs>
-          </a:gsLst>
-          <a:lin ang="16200000" scaled="1"/>
-        </a:gradFill>
-        <a:gradFill rotWithShape="1">
-          <a:gsLst>
-            <a:gs pos="0">
-              <a:schemeClr val="phClr">
-                <a:tint val="100000"/>
-                <a:shade val="100000"/>
-                <a:satMod val="130000"/>
-              </a:schemeClr>
-            </a:gs>
-            <a:gs pos="100000">
-              <a:schemeClr val="phClr">
-                <a:tint val="50000"/>
-                <a:shade val="100000"/>
-                <a:satMod val="350000"/>
-              </a:schemeClr>
-            </a:gs>
-          </a:gsLst>
-          <a:lin ang="16200000" scaled="0"/>
-        </a:gradFill>
-      </a:fillStyleLst>
-      <a:lnStyleLst>
-        <a:ln w="9525" cap="flat" cmpd="sng" algn="ctr">
-          <a:solidFill>
-            <a:schemeClr val="phClr">
-              <a:shade val="95000"/>
-              <a:satMod val="105000"/>
-            </a:schemeClr>
-          </a:solidFill>
-          <a:prstDash val="solid"/>
-        </a:ln>
-        <a:ln w="25400" cap="flat" cmpd="sng" algn="ctr">
-          <a:solidFill>
-            <a:schemeClr val="phClr"/>
-          </a:solidFill>
-          <a:prstDash val="solid"/>
-        </a:ln>
-        <a:ln w="38100" cap="flat" cmpd="sng" algn="ctr">
-          <a:solidFill>
-            <a:schemeClr val="phClr"/>
-          </a:solidFill>
-          <a:prstDash val="solid"/>
-        </a:ln>
-      </a:lnStyleLst>
-      <a:effectStyleLst>
-        <a:effectStyle>
-          <a:effectLst>
-            <a:outerShdw blurRad="40000" dist="20000" dir="5400000" rotWithShape="0">
-              <a:srgbClr val="000000">
-                <a:alpha val="38000"/>
-              </a:srgbClr>
-            </a:outerShdw>
-          </a:effectLst>
-        </a:effectStyle>
-        <a:effectStyle>
-          <a:effectLst>
-            <a:outerShdw blurRad="40000" dist="23000" dir="5400000" rotWithShape="0">
-              <a:srgbClr val="000000">
-                <a:alpha val="35000"/>
-              </a:srgbClr>
-            </a:outerShdw>
-          </a:effectLst>
-        </a:effectStyle>
-        <a:effectStyle>
-          <a:effectLst>
-            <a:outerShdw blurRad="40000" dist="23000" dir="5400000" rotWithShape="0">
-              <a:srgbClr val="000000">
-                <a:alpha val="35000"/>
-              </a:srgbClr>
-            </a:outerShdw>
-          </a:effectLst>
-          <a:scene3d>
-            <a:camera prst="orthographicFront">
-              <a:rot lat="0" lon="0" rev="0"/>
-            </a:camera>
-            <a:lightRig rig="threePt" dir="t">
-              <a:rot lat="0" lon="0" rev="1200000"/>
-            </a:lightRig>
-          </a:scene3d>
-          <a:sp3d>
-            <a:bevelT w="63500" h="25400"/>
-          </a:sp3d>
-        </a:effectStyle>
-      </a:effectStyleLst>
-      <a:bgFillStyleLst>
-        <a:solidFill>
-          <a:schemeClr val="phClr"/>
-        </a:solidFill>
-        <a:gradFill rotWithShape="1">
-          <a:gsLst>
-            <a:gs pos="0">
-              <a:schemeClr val="phClr">
-                <a:tint val="40000"/>
-                <a:satMod val="350000"/>
-              </a:schemeClr>
-            </a:gs>
-            <a:gs pos="40000">
-              <a:schemeClr val="phClr">
-                <a:tint val="45000"/>
-                <a:shade val="99000"/>
-                <a:satMod val="350000"/>
-              </a:schemeClr>
-            </a:gs>
-            <a:gs pos="100000">
-              <a:schemeClr val="phClr">
-                <a:shade val="20000"/>
-                <a:satMod val="255000"/>
-              </a:schemeClr>
-            </a:gs>
-          </a:gsLst>
-          <a:path path="circle">
-            <a:fillToRect l="50000" t="-80000" r="50000" b="180000"/>
-          </a:path>
-        </a:gradFill>
-        <a:gradFill rotWithShape="1">
-          <a:gsLst>
-            <a:gs pos="0">
-              <a:schemeClr val="phClr">
-                <a:tint val="80000"/>
-                <a:satMod val="300000"/>
-              </a:schemeClr>
-            </a:gs>
-            <a:gs pos="100000">
-              <a:schemeClr val="phClr">
-                <a:shade val="30000"/>
-                <a:satMod val="200000"/>
-              </a:schemeClr>
-            </a:gs>
-          </a:gsLst>
-          <a:path path="circle">
-            <a:fillToRect l="50000" t="50000" r="50000" b="50000"/>
-          </a:path>
-        </a:gradFill>
-      </a:bgFillStyleLst>
-    </a:fmtScheme>
-  </a:themeElements>
-</a:theme>
 </file>